--- a/Understanding Global Climate Change.pptx
+++ b/Understanding Global Climate Change.pptx
@@ -5,26 +5,31 @@
     <p:sldMasterId id="2147483677" r:id="rId4"/>
   </p:sldMasterIdLst>
   <p:notesMasterIdLst>
-    <p:notesMasterId r:id="rId19"/>
+    <p:notesMasterId r:id="rId24"/>
   </p:notesMasterIdLst>
   <p:handoutMasterIdLst>
-    <p:handoutMasterId r:id="rId20"/>
+    <p:handoutMasterId r:id="rId25"/>
   </p:handoutMasterIdLst>
   <p:sldIdLst>
     <p:sldId id="256" r:id="rId5"/>
     <p:sldId id="300" r:id="rId6"/>
     <p:sldId id="257" r:id="rId7"/>
-    <p:sldId id="301" r:id="rId8"/>
-    <p:sldId id="305" r:id="rId9"/>
-    <p:sldId id="288" r:id="rId10"/>
-    <p:sldId id="289" r:id="rId11"/>
-    <p:sldId id="297" r:id="rId12"/>
-    <p:sldId id="290" r:id="rId13"/>
-    <p:sldId id="291" r:id="rId14"/>
-    <p:sldId id="294" r:id="rId15"/>
-    <p:sldId id="303" r:id="rId16"/>
-    <p:sldId id="302" r:id="rId17"/>
-    <p:sldId id="296" r:id="rId18"/>
+    <p:sldId id="310" r:id="rId8"/>
+    <p:sldId id="306" r:id="rId9"/>
+    <p:sldId id="301" r:id="rId10"/>
+    <p:sldId id="305" r:id="rId11"/>
+    <p:sldId id="288" r:id="rId12"/>
+    <p:sldId id="289" r:id="rId13"/>
+    <p:sldId id="297" r:id="rId14"/>
+    <p:sldId id="290" r:id="rId15"/>
+    <p:sldId id="291" r:id="rId16"/>
+    <p:sldId id="294" r:id="rId17"/>
+    <p:sldId id="303" r:id="rId18"/>
+    <p:sldId id="307" r:id="rId19"/>
+    <p:sldId id="308" r:id="rId20"/>
+    <p:sldId id="309" r:id="rId21"/>
+    <p:sldId id="302" r:id="rId22"/>
+    <p:sldId id="296" r:id="rId23"/>
   </p:sldIdLst>
   <p:sldSz cx="12192000" cy="6858000"/>
   <p:notesSz cx="6858000" cy="9144000"/>
@@ -131,6 +136,8 @@
             <p14:sldId id="256"/>
             <p14:sldId id="300"/>
             <p14:sldId id="257"/>
+            <p14:sldId id="310"/>
+            <p14:sldId id="306"/>
             <p14:sldId id="301"/>
             <p14:sldId id="305"/>
             <p14:sldId id="288"/>
@@ -140,6 +147,9 @@
             <p14:sldId id="291"/>
             <p14:sldId id="294"/>
             <p14:sldId id="303"/>
+            <p14:sldId id="307"/>
+            <p14:sldId id="308"/>
+            <p14:sldId id="309"/>
             <p14:sldId id="302"/>
             <p14:sldId id="296"/>
           </p14:sldIdLst>
@@ -2853,7 +2863,7 @@
           <a:p>
             <a:fld id="{9D8190EA-5EEC-4300-B6AE-D9734C6C648E}" type="datetimeFigureOut">
               <a:rPr lang="en-US" smtClean="0"/>
-              <a:t>4/11/2024</a:t>
+              <a:t>4/16/2024</a:t>
             </a:fld>
             <a:endParaRPr lang="en-US" dirty="0"/>
           </a:p>
@@ -3030,7 +3040,7 @@
           <a:p>
             <a:fld id="{7487ADD9-2083-264C-A652-8D52D02F7E72}" type="datetimeFigureOut">
               <a:rPr lang="en-US" smtClean="0"/>
-              <a:t>4/11/2024</a:t>
+              <a:t>4/16/2024</a:t>
             </a:fld>
             <a:endParaRPr lang="en-US" dirty="0"/>
           </a:p>
@@ -3427,6 +3437,96 @@
           <a:p>
             <a:r>
               <a:rPr lang="en-US" dirty="0"/>
+              <a:t>We all have a part to play in helping with combating climate change, by making the right long-term decision that will help reduce our carbon print by taking small steps like recycling, reusing or just turning the AC off in the evening and opening the windows instead.</a:t>
+            </a:r>
+          </a:p>
+          <a:p>
+            <a:endParaRPr lang="en-US" dirty="0"/>
+          </a:p>
+        </p:txBody>
+      </p:sp>
+      <p:sp>
+        <p:nvSpPr>
+          <p:cNvPr id="4" name="Slide Number Placeholder 3"/>
+          <p:cNvSpPr>
+            <a:spLocks noGrp="1"/>
+          </p:cNvSpPr>
+          <p:nvPr>
+            <p:ph type="sldNum" sz="quarter" idx="5"/>
+          </p:nvPr>
+        </p:nvSpPr>
+        <p:spPr/>
+        <p:txBody>
+          <a:bodyPr/>
+          <a:lstStyle/>
+          <a:p>
+            <a:fld id="{F97DC217-DF71-1A49-B3EA-559F1F43B0FF}" type="slidenum">
+              <a:rPr lang="en-US" smtClean="0"/>
+              <a:t>12</a:t>
+            </a:fld>
+            <a:endParaRPr lang="en-US" dirty="0"/>
+          </a:p>
+        </p:txBody>
+      </p:sp>
+    </p:spTree>
+    <p:extLst>
+      <p:ext uri="{BB962C8B-B14F-4D97-AF65-F5344CB8AC3E}">
+        <p14:creationId xmlns:p14="http://schemas.microsoft.com/office/powerpoint/2010/main" val="964844418"/>
+      </p:ext>
+    </p:extLst>
+  </p:cSld>
+  <p:clrMapOvr>
+    <a:masterClrMapping/>
+  </p:clrMapOvr>
+</p:notes>
+</file>
+
+<file path=ppt/notesSlides/notesSlide11.xml><?xml version="1.0" encoding="utf-8"?>
+<p:notes xmlns:a="http://schemas.openxmlformats.org/drawingml/2006/main" xmlns:r="http://schemas.openxmlformats.org/officeDocument/2006/relationships" xmlns:p="http://schemas.openxmlformats.org/presentationml/2006/main">
+  <p:cSld>
+    <p:spTree>
+      <p:nvGrpSpPr>
+        <p:cNvPr id="1" name=""/>
+        <p:cNvGrpSpPr/>
+        <p:nvPr/>
+      </p:nvGrpSpPr>
+      <p:grpSpPr>
+        <a:xfrm>
+          <a:off x="0" y="0"/>
+          <a:ext cx="0" cy="0"/>
+          <a:chOff x="0" y="0"/>
+          <a:chExt cx="0" cy="0"/>
+        </a:xfrm>
+      </p:grpSpPr>
+      <p:sp>
+        <p:nvSpPr>
+          <p:cNvPr id="2" name="Slide Image Placeholder 1"/>
+          <p:cNvSpPr>
+            <a:spLocks noGrp="1" noRot="1" noChangeAspect="1"/>
+          </p:cNvSpPr>
+          <p:nvPr>
+            <p:ph type="sldImg"/>
+          </p:nvPr>
+        </p:nvSpPr>
+        <p:spPr/>
+      </p:sp>
+      <p:sp>
+        <p:nvSpPr>
+          <p:cNvPr id="3" name="Notes Placeholder 2"/>
+          <p:cNvSpPr>
+            <a:spLocks noGrp="1"/>
+          </p:cNvSpPr>
+          <p:nvPr>
+            <p:ph type="body" idx="1"/>
+          </p:nvPr>
+        </p:nvSpPr>
+        <p:spPr/>
+        <p:txBody>
+          <a:bodyPr/>
+          <a:lstStyle/>
+          <a:p>
+            <a:r>
+              <a:rPr lang="en-US" dirty="0"/>
               <a:t>Adapting to Climate Change will  help us prepare to reduce the impacts on ecosystems and people's well-being. </a:t>
             </a:r>
           </a:p>
@@ -3458,7 +3558,7 @@
           <a:p>
             <a:fld id="{F97DC217-DF71-1A49-B3EA-559F1F43B0FF}" type="slidenum">
               <a:rPr lang="en-US" smtClean="0"/>
-              <a:t>11</a:t>
+              <a:t>13</a:t>
             </a:fld>
             <a:endParaRPr lang="en-US" dirty="0"/>
           </a:p>
@@ -3477,7 +3577,7 @@
 </p:notes>
 </file>
 
-<file path=ppt/notesSlides/notesSlide11.xml><?xml version="1.0" encoding="utf-8"?>
+<file path=ppt/notesSlides/notesSlide12.xml><?xml version="1.0" encoding="utf-8"?>
 <p:notes xmlns:a="http://schemas.openxmlformats.org/drawingml/2006/main" xmlns:r="http://schemas.openxmlformats.org/officeDocument/2006/relationships" xmlns:p="http://schemas.openxmlformats.org/presentationml/2006/main">
   <p:cSld>
     <p:spTree>
@@ -3542,7 +3642,7 @@
           <a:p>
             <a:fld id="{F97DC217-DF71-1A49-B3EA-559F1F43B0FF}" type="slidenum">
               <a:rPr lang="en-US" smtClean="0"/>
-              <a:t>14</a:t>
+              <a:t>19</a:t>
             </a:fld>
             <a:endParaRPr lang="en-US" dirty="0"/>
           </a:p>
@@ -3691,6 +3791,108 @@
           <a:p>
             <a:r>
               <a:rPr lang="en-US" dirty="0"/>
+              <a:t>EPA is Environmental Protection Agency </a:t>
+            </a:r>
+          </a:p>
+          <a:p>
+            <a:r>
+              <a:rPr lang="en-US" dirty="0"/>
+              <a:t>We dropped the null values</a:t>
+            </a:r>
+          </a:p>
+          <a:p>
+            <a:r>
+              <a:rPr lang="en-US" dirty="0"/>
+              <a:t>Sorted the data to temp, emissions, </a:t>
+            </a:r>
+          </a:p>
+          <a:p>
+            <a:endParaRPr lang="en-US" dirty="0"/>
+          </a:p>
+        </p:txBody>
+      </p:sp>
+      <p:sp>
+        <p:nvSpPr>
+          <p:cNvPr id="4" name="Slide Number Placeholder 3"/>
+          <p:cNvSpPr>
+            <a:spLocks noGrp="1"/>
+          </p:cNvSpPr>
+          <p:nvPr>
+            <p:ph type="sldNum" sz="quarter" idx="5"/>
+          </p:nvPr>
+        </p:nvSpPr>
+        <p:spPr/>
+        <p:txBody>
+          <a:bodyPr/>
+          <a:lstStyle/>
+          <a:p>
+            <a:fld id="{F97DC217-DF71-1A49-B3EA-559F1F43B0FF}" type="slidenum">
+              <a:rPr lang="en-US" smtClean="0"/>
+              <a:t>5</a:t>
+            </a:fld>
+            <a:endParaRPr lang="en-US" dirty="0"/>
+          </a:p>
+        </p:txBody>
+      </p:sp>
+    </p:spTree>
+    <p:extLst>
+      <p:ext uri="{BB962C8B-B14F-4D97-AF65-F5344CB8AC3E}">
+        <p14:creationId xmlns:p14="http://schemas.microsoft.com/office/powerpoint/2010/main" val="4089564561"/>
+      </p:ext>
+    </p:extLst>
+  </p:cSld>
+  <p:clrMapOvr>
+    <a:masterClrMapping/>
+  </p:clrMapOvr>
+</p:notes>
+</file>
+
+<file path=ppt/notesSlides/notesSlide4.xml><?xml version="1.0" encoding="utf-8"?>
+<p:notes xmlns:a="http://schemas.openxmlformats.org/drawingml/2006/main" xmlns:r="http://schemas.openxmlformats.org/officeDocument/2006/relationships" xmlns:p="http://schemas.openxmlformats.org/presentationml/2006/main">
+  <p:cSld>
+    <p:spTree>
+      <p:nvGrpSpPr>
+        <p:cNvPr id="1" name=""/>
+        <p:cNvGrpSpPr/>
+        <p:nvPr/>
+      </p:nvGrpSpPr>
+      <p:grpSpPr>
+        <a:xfrm>
+          <a:off x="0" y="0"/>
+          <a:ext cx="0" cy="0"/>
+          <a:chOff x="0" y="0"/>
+          <a:chExt cx="0" cy="0"/>
+        </a:xfrm>
+      </p:grpSpPr>
+      <p:sp>
+        <p:nvSpPr>
+          <p:cNvPr id="2" name="Slide Image Placeholder 1"/>
+          <p:cNvSpPr>
+            <a:spLocks noGrp="1" noRot="1" noChangeAspect="1"/>
+          </p:cNvSpPr>
+          <p:nvPr>
+            <p:ph type="sldImg"/>
+          </p:nvPr>
+        </p:nvSpPr>
+        <p:spPr/>
+      </p:sp>
+      <p:sp>
+        <p:nvSpPr>
+          <p:cNvPr id="3" name="Notes Placeholder 2"/>
+          <p:cNvSpPr>
+            <a:spLocks noGrp="1"/>
+          </p:cNvSpPr>
+          <p:nvPr>
+            <p:ph type="body" idx="1"/>
+          </p:nvPr>
+        </p:nvSpPr>
+        <p:spPr/>
+        <p:txBody>
+          <a:bodyPr/>
+          <a:lstStyle/>
+          <a:p>
+            <a:r>
+              <a:rPr lang="en-US" dirty="0"/>
               <a:t>Climate change involves significant changes in average conditions—such as temperature, precipitation, wind patterns, and other aspects of climate that occur over years, decades, centuries, or longer. </a:t>
             </a:r>
           </a:p>
@@ -3776,7 +3978,7 @@
           <a:p>
             <a:fld id="{F97DC217-DF71-1A49-B3EA-559F1F43B0FF}" type="slidenum">
               <a:rPr lang="en-US" smtClean="0"/>
-              <a:t>4</a:t>
+              <a:t>6</a:t>
             </a:fld>
             <a:endParaRPr lang="en-US" dirty="0"/>
           </a:p>
@@ -3795,7 +3997,7 @@
 </p:notes>
 </file>
 
-<file path=ppt/notesSlides/notesSlide4.xml><?xml version="1.0" encoding="utf-8"?>
+<file path=ppt/notesSlides/notesSlide5.xml><?xml version="1.0" encoding="utf-8"?>
 <p:notes xmlns:a="http://schemas.openxmlformats.org/drawingml/2006/main" xmlns:r="http://schemas.openxmlformats.org/officeDocument/2006/relationships" xmlns:p="http://schemas.openxmlformats.org/presentationml/2006/main">
   <p:cSld>
     <p:spTree>
@@ -3911,7 +4113,7 @@
           <a:p>
             <a:fld id="{F97DC217-DF71-1A49-B3EA-559F1F43B0FF}" type="slidenum">
               <a:rPr lang="en-US" smtClean="0"/>
-              <a:t>5</a:t>
+              <a:t>7</a:t>
             </a:fld>
             <a:endParaRPr lang="en-US" dirty="0"/>
           </a:p>
@@ -3930,7 +4132,7 @@
 </p:notes>
 </file>
 
-<file path=ppt/notesSlides/notesSlide5.xml><?xml version="1.0" encoding="utf-8"?>
+<file path=ppt/notesSlides/notesSlide6.xml><?xml version="1.0" encoding="utf-8"?>
 <p:notes xmlns:a="http://schemas.openxmlformats.org/drawingml/2006/main" xmlns:r="http://schemas.openxmlformats.org/officeDocument/2006/relationships" xmlns:p="http://schemas.openxmlformats.org/presentationml/2006/main">
   <p:cSld>
     <p:spTree>
@@ -3995,7 +4197,7 @@
           <a:p>
             <a:fld id="{F97DC217-DF71-1A49-B3EA-559F1F43B0FF}" type="slidenum">
               <a:rPr lang="en-US" smtClean="0"/>
-              <a:t>6</a:t>
+              <a:t>8</a:t>
             </a:fld>
             <a:endParaRPr lang="en-US" dirty="0"/>
           </a:p>
@@ -4014,7 +4216,7 @@
 </p:notes>
 </file>
 
-<file path=ppt/notesSlides/notesSlide6.xml><?xml version="1.0" encoding="utf-8"?>
+<file path=ppt/notesSlides/notesSlide7.xml><?xml version="1.0" encoding="utf-8"?>
 <p:notes xmlns:a="http://schemas.openxmlformats.org/drawingml/2006/main" xmlns:r="http://schemas.openxmlformats.org/officeDocument/2006/relationships" xmlns:p="http://schemas.openxmlformats.org/presentationml/2006/main">
   <p:cSld>
     <p:spTree>
@@ -4130,7 +4332,7 @@
           <a:p>
             <a:fld id="{F97DC217-DF71-1A49-B3EA-559F1F43B0FF}" type="slidenum">
               <a:rPr lang="en-US" smtClean="0"/>
-              <a:t>7</a:t>
+              <a:t>9</a:t>
             </a:fld>
             <a:endParaRPr lang="en-US" dirty="0"/>
           </a:p>
@@ -4140,90 +4342,6 @@
     <p:extLst>
       <p:ext uri="{BB962C8B-B14F-4D97-AF65-F5344CB8AC3E}">
         <p14:creationId xmlns:p14="http://schemas.microsoft.com/office/powerpoint/2010/main" val="4194793359"/>
-      </p:ext>
-    </p:extLst>
-  </p:cSld>
-  <p:clrMapOvr>
-    <a:masterClrMapping/>
-  </p:clrMapOvr>
-</p:notes>
-</file>
-
-<file path=ppt/notesSlides/notesSlide7.xml><?xml version="1.0" encoding="utf-8"?>
-<p:notes xmlns:a="http://schemas.openxmlformats.org/drawingml/2006/main" xmlns:r="http://schemas.openxmlformats.org/officeDocument/2006/relationships" xmlns:p="http://schemas.openxmlformats.org/presentationml/2006/main">
-  <p:cSld>
-    <p:spTree>
-      <p:nvGrpSpPr>
-        <p:cNvPr id="1" name=""/>
-        <p:cNvGrpSpPr/>
-        <p:nvPr/>
-      </p:nvGrpSpPr>
-      <p:grpSpPr>
-        <a:xfrm>
-          <a:off x="0" y="0"/>
-          <a:ext cx="0" cy="0"/>
-          <a:chOff x="0" y="0"/>
-          <a:chExt cx="0" cy="0"/>
-        </a:xfrm>
-      </p:grpSpPr>
-      <p:sp>
-        <p:nvSpPr>
-          <p:cNvPr id="2" name="Slide Image Placeholder 1"/>
-          <p:cNvSpPr>
-            <a:spLocks noGrp="1" noRot="1" noChangeAspect="1"/>
-          </p:cNvSpPr>
-          <p:nvPr>
-            <p:ph type="sldImg"/>
-          </p:nvPr>
-        </p:nvSpPr>
-        <p:spPr/>
-      </p:sp>
-      <p:sp>
-        <p:nvSpPr>
-          <p:cNvPr id="3" name="Notes Placeholder 2"/>
-          <p:cNvSpPr>
-            <a:spLocks noGrp="1"/>
-          </p:cNvSpPr>
-          <p:nvPr>
-            <p:ph type="body" idx="1"/>
-          </p:nvPr>
-        </p:nvSpPr>
-        <p:spPr/>
-        <p:txBody>
-          <a:bodyPr/>
-          <a:lstStyle/>
-          <a:p>
-            <a:endParaRPr lang="en-US" dirty="0"/>
-          </a:p>
-        </p:txBody>
-      </p:sp>
-      <p:sp>
-        <p:nvSpPr>
-          <p:cNvPr id="4" name="Slide Number Placeholder 3"/>
-          <p:cNvSpPr>
-            <a:spLocks noGrp="1"/>
-          </p:cNvSpPr>
-          <p:nvPr>
-            <p:ph type="sldNum" sz="quarter" idx="5"/>
-          </p:nvPr>
-        </p:nvSpPr>
-        <p:spPr/>
-        <p:txBody>
-          <a:bodyPr/>
-          <a:lstStyle/>
-          <a:p>
-            <a:fld id="{F97DC217-DF71-1A49-B3EA-559F1F43B0FF}" type="slidenum">
-              <a:rPr lang="en-US" smtClean="0"/>
-              <a:t>8</a:t>
-            </a:fld>
-            <a:endParaRPr lang="en-US" dirty="0"/>
-          </a:p>
-        </p:txBody>
-      </p:sp>
-    </p:spTree>
-    <p:extLst>
-      <p:ext uri="{BB962C8B-B14F-4D97-AF65-F5344CB8AC3E}">
-        <p14:creationId xmlns:p14="http://schemas.microsoft.com/office/powerpoint/2010/main" val="1425159299"/>
       </p:ext>
     </p:extLst>
   </p:cSld>
@@ -4298,7 +4416,7 @@
           <a:p>
             <a:fld id="{F97DC217-DF71-1A49-B3EA-559F1F43B0FF}" type="slidenum">
               <a:rPr lang="en-US" smtClean="0"/>
-              <a:t>9</a:t>
+              <a:t>10</a:t>
             </a:fld>
             <a:endParaRPr lang="en-US" dirty="0"/>
           </a:p>
@@ -4307,7 +4425,7 @@
     </p:spTree>
     <p:extLst>
       <p:ext uri="{BB962C8B-B14F-4D97-AF65-F5344CB8AC3E}">
-        <p14:creationId xmlns:p14="http://schemas.microsoft.com/office/powerpoint/2010/main" val="1639086895"/>
+        <p14:creationId xmlns:p14="http://schemas.microsoft.com/office/powerpoint/2010/main" val="1425159299"/>
       </p:ext>
     </p:extLst>
   </p:cSld>
@@ -4361,6 +4479,66 @@
           <a:bodyPr/>
           <a:lstStyle/>
           <a:p>
+            <a:r>
+              <a:rPr lang="en-US" dirty="0"/>
+              <a:t>Climate change is a moral and ethical issue demanding urgent action.</a:t>
+            </a:r>
+          </a:p>
+          <a:p>
+            <a:endParaRPr lang="en-US" dirty="0"/>
+          </a:p>
+          <a:p>
+            <a:r>
+              <a:rPr lang="en-US" dirty="0"/>
+              <a:t>Economic debates often overlook the true value at stake: biodiversity, community well-being, and future generations.</a:t>
+            </a:r>
+          </a:p>
+          <a:p>
+            <a:endParaRPr lang="en-US" dirty="0"/>
+          </a:p>
+          <a:p>
+            <a:r>
+              <a:rPr lang="en-US" dirty="0"/>
+              <a:t>The IPCC warns of severe consequences, including habitat loss, species extinction, and food/water scarcity, particularly impacting the most vulnerable.</a:t>
+            </a:r>
+          </a:p>
+          <a:p>
+            <a:endParaRPr lang="en-US" dirty="0"/>
+          </a:p>
+          <a:p>
+            <a:r>
+              <a:rPr lang="en-US" dirty="0"/>
+              <a:t>Economic analyses struggle to assign value to ecosystems intrinsic worth and the joy they bring.</a:t>
+            </a:r>
+          </a:p>
+          <a:p>
+            <a:endParaRPr lang="en-US" dirty="0"/>
+          </a:p>
+          <a:p>
+            <a:r>
+              <a:rPr lang="en-US" dirty="0"/>
+              <a:t>Climate change raises fundamental ethical questions about our values and priorities as a society.</a:t>
+            </a:r>
+          </a:p>
+          <a:p>
+            <a:endParaRPr lang="en-US" dirty="0"/>
+          </a:p>
+          <a:p>
+            <a:r>
+              <a:rPr lang="en-US" dirty="0"/>
+              <a:t>We must prioritize justice, equity, and sustainability in decision-making, recognizing the priceless value of protecting life on Earth.</a:t>
+            </a:r>
+          </a:p>
+          <a:p>
+            <a:endParaRPr lang="en-US" dirty="0"/>
+          </a:p>
+          <a:p>
+            <a:r>
+              <a:rPr lang="en-US" dirty="0"/>
+              <a:t>Climate action isn't just about numbers; it's a moral imperative for a thriving future for all.</a:t>
+            </a:r>
+          </a:p>
+          <a:p>
             <a:endParaRPr lang="en-US" dirty="0"/>
           </a:p>
         </p:txBody>
@@ -4382,7 +4560,7 @@
           <a:p>
             <a:fld id="{F97DC217-DF71-1A49-B3EA-559F1F43B0FF}" type="slidenum">
               <a:rPr lang="en-US" smtClean="0"/>
-              <a:t>10</a:t>
+              <a:t>11</a:t>
             </a:fld>
             <a:endParaRPr lang="en-US" dirty="0"/>
           </a:p>
@@ -4391,7 +4569,7 @@
     </p:spTree>
     <p:extLst>
       <p:ext uri="{BB962C8B-B14F-4D97-AF65-F5344CB8AC3E}">
-        <p14:creationId xmlns:p14="http://schemas.microsoft.com/office/powerpoint/2010/main" val="964844418"/>
+        <p14:creationId xmlns:p14="http://schemas.microsoft.com/office/powerpoint/2010/main" val="1639086895"/>
       </p:ext>
     </p:extLst>
   </p:cSld>
@@ -4451,7 +4629,7 @@
           <a:noFill/>
           <a:extLst>
             <a:ext uri="{909E8E84-426E-40dd-AFC4-6F175D3DCCD1}">
-              <a14:hiddenFill xmlns:a14="http://schemas.microsoft.com/office/drawing/2010/main" xmlns="">
+              <a14:hiddenFill xmlns="" xmlns:a14="http://schemas.microsoft.com/office/drawing/2010/main">
                 <a:solidFill>
                   <a:srgbClr val="FFFFFF"/>
                 </a:solidFill>
@@ -4511,7 +4689,7 @@
             </a:ln>
             <a:extLst>
               <a:ext uri="{91240B29-F687-4f45-9708-019B960494DF}">
-                <a14:hiddenLine xmlns:a14="http://schemas.microsoft.com/office/drawing/2010/main" xmlns="" w="9525">
+                <a14:hiddenLine xmlns="" xmlns:a14="http://schemas.microsoft.com/office/drawing/2010/main" w="9525">
                   <a:solidFill>
                     <a:srgbClr val="000000"/>
                   </a:solidFill>
@@ -4601,7 +4779,7 @@
             </a:ln>
             <a:extLst>
               <a:ext uri="{91240B29-F687-4f45-9708-019B960494DF}">
-                <a14:hiddenLine xmlns:a14="http://schemas.microsoft.com/office/drawing/2010/main" xmlns="" w="9525">
+                <a14:hiddenLine xmlns="" xmlns:a14="http://schemas.microsoft.com/office/drawing/2010/main" w="9525">
                   <a:solidFill>
                     <a:srgbClr val="000000"/>
                   </a:solidFill>
@@ -4691,7 +4869,7 @@
             </a:ln>
             <a:extLst>
               <a:ext uri="{91240B29-F687-4f45-9708-019B960494DF}">
-                <a14:hiddenLine xmlns:a14="http://schemas.microsoft.com/office/drawing/2010/main" xmlns="" w="9525">
+                <a14:hiddenLine xmlns="" xmlns:a14="http://schemas.microsoft.com/office/drawing/2010/main" w="9525">
                   <a:solidFill>
                     <a:srgbClr val="000000"/>
                   </a:solidFill>
@@ -4725,7 +4903,7 @@
             </a:ln>
             <a:extLst>
               <a:ext uri="{91240B29-F687-4f45-9708-019B960494DF}">
-                <a14:hiddenLine xmlns:a14="http://schemas.microsoft.com/office/drawing/2010/main" xmlns="" w="9525">
+                <a14:hiddenLine xmlns="" xmlns:a14="http://schemas.microsoft.com/office/drawing/2010/main" w="9525">
                   <a:solidFill>
                     <a:srgbClr val="000000"/>
                   </a:solidFill>
@@ -4815,7 +4993,7 @@
             </a:ln>
             <a:extLst>
               <a:ext uri="{91240B29-F687-4f45-9708-019B960494DF}">
-                <a14:hiddenLine xmlns:a14="http://schemas.microsoft.com/office/drawing/2010/main" xmlns="" w="9525">
+                <a14:hiddenLine xmlns="" xmlns:a14="http://schemas.microsoft.com/office/drawing/2010/main" w="9525">
                   <a:solidFill>
                     <a:srgbClr val="000000"/>
                   </a:solidFill>
@@ -4877,7 +5055,7 @@
             </a:ln>
             <a:extLst>
               <a:ext uri="{91240B29-F687-4f45-9708-019B960494DF}">
-                <a14:hiddenLine xmlns:a14="http://schemas.microsoft.com/office/drawing/2010/main" xmlns="" w="9525">
+                <a14:hiddenLine xmlns="" xmlns:a14="http://schemas.microsoft.com/office/drawing/2010/main" w="9525">
                   <a:solidFill>
                     <a:srgbClr val="000000"/>
                   </a:solidFill>
@@ -4939,7 +5117,7 @@
             </a:ln>
             <a:extLst>
               <a:ext uri="{91240B29-F687-4f45-9708-019B960494DF}">
-                <a14:hiddenLine xmlns:a14="http://schemas.microsoft.com/office/drawing/2010/main" xmlns="" w="9525">
+                <a14:hiddenLine xmlns="" xmlns:a14="http://schemas.microsoft.com/office/drawing/2010/main" w="9525">
                   <a:solidFill>
                     <a:srgbClr val="000000"/>
                   </a:solidFill>
@@ -5029,7 +5207,7 @@
             </a:ln>
             <a:extLst>
               <a:ext uri="{91240B29-F687-4f45-9708-019B960494DF}">
-                <a14:hiddenLine xmlns:a14="http://schemas.microsoft.com/office/drawing/2010/main" xmlns="" w="9525">
+                <a14:hiddenLine xmlns="" xmlns:a14="http://schemas.microsoft.com/office/drawing/2010/main" w="9525">
                   <a:solidFill>
                     <a:srgbClr val="000000"/>
                   </a:solidFill>
@@ -5091,7 +5269,7 @@
             </a:ln>
             <a:extLst>
               <a:ext uri="{91240B29-F687-4f45-9708-019B960494DF}">
-                <a14:hiddenLine xmlns:a14="http://schemas.microsoft.com/office/drawing/2010/main" xmlns="" w="9525">
+                <a14:hiddenLine xmlns="" xmlns:a14="http://schemas.microsoft.com/office/drawing/2010/main" w="9525">
                   <a:solidFill>
                     <a:srgbClr val="000000"/>
                   </a:solidFill>
@@ -5153,7 +5331,7 @@
             </a:ln>
             <a:extLst>
               <a:ext uri="{91240B29-F687-4f45-9708-019B960494DF}">
-                <a14:hiddenLine xmlns:a14="http://schemas.microsoft.com/office/drawing/2010/main" xmlns="" w="9525">
+                <a14:hiddenLine xmlns="" xmlns:a14="http://schemas.microsoft.com/office/drawing/2010/main" w="9525">
                   <a:solidFill>
                     <a:srgbClr val="000000"/>
                   </a:solidFill>
@@ -5243,7 +5421,7 @@
             </a:ln>
             <a:extLst>
               <a:ext uri="{91240B29-F687-4f45-9708-019B960494DF}">
-                <a14:hiddenLine xmlns:a14="http://schemas.microsoft.com/office/drawing/2010/main" xmlns="" w="9525">
+                <a14:hiddenLine xmlns="" xmlns:a14="http://schemas.microsoft.com/office/drawing/2010/main" w="9525">
                   <a:solidFill>
                     <a:srgbClr val="000000"/>
                   </a:solidFill>
@@ -5333,7 +5511,7 @@
             </a:ln>
             <a:extLst>
               <a:ext uri="{91240B29-F687-4f45-9708-019B960494DF}">
-                <a14:hiddenLine xmlns:a14="http://schemas.microsoft.com/office/drawing/2010/main" xmlns="" w="9525">
+                <a14:hiddenLine xmlns="" xmlns:a14="http://schemas.microsoft.com/office/drawing/2010/main" w="9525">
                   <a:solidFill>
                     <a:srgbClr val="000000"/>
                   </a:solidFill>
@@ -5395,7 +5573,7 @@
             </a:ln>
             <a:extLst>
               <a:ext uri="{91240B29-F687-4f45-9708-019B960494DF}">
-                <a14:hiddenLine xmlns:a14="http://schemas.microsoft.com/office/drawing/2010/main" xmlns="" w="9525">
+                <a14:hiddenLine xmlns="" xmlns:a14="http://schemas.microsoft.com/office/drawing/2010/main" w="9525">
                   <a:solidFill>
                     <a:srgbClr val="000000"/>
                   </a:solidFill>
@@ -5505,7 +5683,7 @@
             </a:ln>
             <a:extLst>
               <a:ext uri="{91240B29-F687-4f45-9708-019B960494DF}">
-                <a14:hiddenLine xmlns:a14="http://schemas.microsoft.com/office/drawing/2010/main" xmlns="" w="9525">
+                <a14:hiddenLine xmlns="" xmlns:a14="http://schemas.microsoft.com/office/drawing/2010/main" w="9525">
                   <a:solidFill>
                     <a:srgbClr val="000000"/>
                   </a:solidFill>
@@ -5567,7 +5745,7 @@
             </a:ln>
             <a:extLst>
               <a:ext uri="{91240B29-F687-4f45-9708-019B960494DF}">
-                <a14:hiddenLine xmlns:a14="http://schemas.microsoft.com/office/drawing/2010/main" xmlns="" w="9525">
+                <a14:hiddenLine xmlns="" xmlns:a14="http://schemas.microsoft.com/office/drawing/2010/main" w="9525">
                   <a:solidFill>
                     <a:srgbClr val="000000"/>
                   </a:solidFill>
@@ -5657,7 +5835,7 @@
             </a:ln>
             <a:extLst>
               <a:ext uri="{91240B29-F687-4f45-9708-019B960494DF}">
-                <a14:hiddenLine xmlns:a14="http://schemas.microsoft.com/office/drawing/2010/main" xmlns="" w="9525">
+                <a14:hiddenLine xmlns="" xmlns:a14="http://schemas.microsoft.com/office/drawing/2010/main" w="9525">
                   <a:solidFill>
                     <a:srgbClr val="000000"/>
                   </a:solidFill>
@@ -5747,7 +5925,7 @@
             </a:ln>
             <a:extLst>
               <a:ext uri="{91240B29-F687-4f45-9708-019B960494DF}">
-                <a14:hiddenLine xmlns:a14="http://schemas.microsoft.com/office/drawing/2010/main" xmlns="" w="9525">
+                <a14:hiddenLine xmlns="" xmlns:a14="http://schemas.microsoft.com/office/drawing/2010/main" w="9525">
                   <a:solidFill>
                     <a:srgbClr val="000000"/>
                   </a:solidFill>
@@ -5809,7 +5987,7 @@
             </a:ln>
             <a:extLst>
               <a:ext uri="{91240B29-F687-4f45-9708-019B960494DF}">
-                <a14:hiddenLine xmlns:a14="http://schemas.microsoft.com/office/drawing/2010/main" xmlns="" w="9525">
+                <a14:hiddenLine xmlns="" xmlns:a14="http://schemas.microsoft.com/office/drawing/2010/main" w="9525">
                   <a:solidFill>
                     <a:srgbClr val="000000"/>
                   </a:solidFill>
@@ -5899,7 +6077,7 @@
             </a:ln>
             <a:extLst>
               <a:ext uri="{91240B29-F687-4f45-9708-019B960494DF}">
-                <a14:hiddenLine xmlns:a14="http://schemas.microsoft.com/office/drawing/2010/main" xmlns="" w="9525">
+                <a14:hiddenLine xmlns="" xmlns:a14="http://schemas.microsoft.com/office/drawing/2010/main" w="9525">
                   <a:solidFill>
                     <a:srgbClr val="000000"/>
                   </a:solidFill>
@@ -5989,7 +6167,7 @@
             </a:ln>
             <a:extLst>
               <a:ext uri="{91240B29-F687-4f45-9708-019B960494DF}">
-                <a14:hiddenLine xmlns:a14="http://schemas.microsoft.com/office/drawing/2010/main" xmlns="" w="9525">
+                <a14:hiddenLine xmlns="" xmlns:a14="http://schemas.microsoft.com/office/drawing/2010/main" w="9525">
                   <a:solidFill>
                     <a:srgbClr val="000000"/>
                   </a:solidFill>
@@ -6045,7 +6223,7 @@
             </a:ln>
             <a:extLst>
               <a:ext uri="{91240B29-F687-4f45-9708-019B960494DF}">
-                <a14:hiddenLine xmlns:a14="http://schemas.microsoft.com/office/drawing/2010/main" xmlns="" w="9525">
+                <a14:hiddenLine xmlns="" xmlns:a14="http://schemas.microsoft.com/office/drawing/2010/main" w="9525">
                   <a:solidFill>
                     <a:srgbClr val="000000"/>
                   </a:solidFill>
@@ -6135,7 +6313,7 @@
             </a:ln>
             <a:extLst>
               <a:ext uri="{91240B29-F687-4f45-9708-019B960494DF}">
-                <a14:hiddenLine xmlns:a14="http://schemas.microsoft.com/office/drawing/2010/main" xmlns="" w="9525">
+                <a14:hiddenLine xmlns="" xmlns:a14="http://schemas.microsoft.com/office/drawing/2010/main" w="9525">
                   <a:solidFill>
                     <a:srgbClr val="000000"/>
                   </a:solidFill>
@@ -6191,7 +6369,7 @@
             </a:ln>
             <a:extLst>
               <a:ext uri="{91240B29-F687-4f45-9708-019B960494DF}">
-                <a14:hiddenLine xmlns:a14="http://schemas.microsoft.com/office/drawing/2010/main" xmlns="" w="9525">
+                <a14:hiddenLine xmlns="" xmlns:a14="http://schemas.microsoft.com/office/drawing/2010/main" w="9525">
                   <a:solidFill>
                     <a:srgbClr val="000000"/>
                   </a:solidFill>
@@ -6281,7 +6459,7 @@
             </a:ln>
             <a:extLst>
               <a:ext uri="{91240B29-F687-4f45-9708-019B960494DF}">
-                <a14:hiddenLine xmlns:a14="http://schemas.microsoft.com/office/drawing/2010/main" xmlns="" w="9525">
+                <a14:hiddenLine xmlns="" xmlns:a14="http://schemas.microsoft.com/office/drawing/2010/main" w="9525">
                   <a:solidFill>
                     <a:srgbClr val="000000"/>
                   </a:solidFill>
@@ -6349,7 +6527,7 @@
             </a:ln>
             <a:extLst>
               <a:ext uri="{91240B29-F687-4f45-9708-019B960494DF}">
-                <a14:hiddenLine xmlns:a14="http://schemas.microsoft.com/office/drawing/2010/main" xmlns="" w="9525">
+                <a14:hiddenLine xmlns="" xmlns:a14="http://schemas.microsoft.com/office/drawing/2010/main" w="9525">
                   <a:solidFill>
                     <a:srgbClr val="000000"/>
                   </a:solidFill>
@@ -6439,7 +6617,7 @@
             </a:ln>
             <a:extLst>
               <a:ext uri="{91240B29-F687-4f45-9708-019B960494DF}">
-                <a14:hiddenLine xmlns:a14="http://schemas.microsoft.com/office/drawing/2010/main" xmlns="" w="9525">
+                <a14:hiddenLine xmlns="" xmlns:a14="http://schemas.microsoft.com/office/drawing/2010/main" w="9525">
                   <a:solidFill>
                     <a:srgbClr val="000000"/>
                   </a:solidFill>
@@ -6507,7 +6685,7 @@
             </a:ln>
             <a:extLst>
               <a:ext uri="{91240B29-F687-4f45-9708-019B960494DF}">
-                <a14:hiddenLine xmlns:a14="http://schemas.microsoft.com/office/drawing/2010/main" xmlns="" w="9525">
+                <a14:hiddenLine xmlns="" xmlns:a14="http://schemas.microsoft.com/office/drawing/2010/main" w="9525">
                   <a:solidFill>
                     <a:srgbClr val="000000"/>
                   </a:solidFill>
@@ -6597,7 +6775,7 @@
             </a:ln>
             <a:extLst>
               <a:ext uri="{91240B29-F687-4f45-9708-019B960494DF}">
-                <a14:hiddenLine xmlns:a14="http://schemas.microsoft.com/office/drawing/2010/main" xmlns="" w="9525">
+                <a14:hiddenLine xmlns="" xmlns:a14="http://schemas.microsoft.com/office/drawing/2010/main" w="9525">
                   <a:solidFill>
                     <a:srgbClr val="000000"/>
                   </a:solidFill>
@@ -6631,7 +6809,7 @@
             </a:ln>
             <a:extLst>
               <a:ext uri="{91240B29-F687-4f45-9708-019B960494DF}">
-                <a14:hiddenLine xmlns:a14="http://schemas.microsoft.com/office/drawing/2010/main" xmlns="" w="9525">
+                <a14:hiddenLine xmlns="" xmlns:a14="http://schemas.microsoft.com/office/drawing/2010/main" w="9525">
                   <a:solidFill>
                     <a:srgbClr val="000000"/>
                   </a:solidFill>
@@ -6721,7 +6899,7 @@
             </a:ln>
             <a:extLst>
               <a:ext uri="{91240B29-F687-4f45-9708-019B960494DF}">
-                <a14:hiddenLine xmlns:a14="http://schemas.microsoft.com/office/drawing/2010/main" xmlns="" w="9525">
+                <a14:hiddenLine xmlns="" xmlns:a14="http://schemas.microsoft.com/office/drawing/2010/main" w="9525">
                   <a:solidFill>
                     <a:srgbClr val="000000"/>
                   </a:solidFill>
@@ -6783,7 +6961,7 @@
             </a:ln>
             <a:extLst>
               <a:ext uri="{91240B29-F687-4f45-9708-019B960494DF}">
-                <a14:hiddenLine xmlns:a14="http://schemas.microsoft.com/office/drawing/2010/main" xmlns="" w="9525">
+                <a14:hiddenLine xmlns="" xmlns:a14="http://schemas.microsoft.com/office/drawing/2010/main" w="9525">
                   <a:solidFill>
                     <a:srgbClr val="000000"/>
                   </a:solidFill>
@@ -6845,7 +7023,7 @@
             </a:ln>
             <a:extLst>
               <a:ext uri="{91240B29-F687-4f45-9708-019B960494DF}">
-                <a14:hiddenLine xmlns:a14="http://schemas.microsoft.com/office/drawing/2010/main" xmlns="" w="9525">
+                <a14:hiddenLine xmlns="" xmlns:a14="http://schemas.microsoft.com/office/drawing/2010/main" w="9525">
                   <a:solidFill>
                     <a:srgbClr val="000000"/>
                   </a:solidFill>
@@ -6935,7 +7113,7 @@
             </a:ln>
             <a:extLst>
               <a:ext uri="{91240B29-F687-4f45-9708-019B960494DF}">
-                <a14:hiddenLine xmlns:a14="http://schemas.microsoft.com/office/drawing/2010/main" xmlns="" w="9525">
+                <a14:hiddenLine xmlns="" xmlns:a14="http://schemas.microsoft.com/office/drawing/2010/main" w="9525">
                   <a:solidFill>
                     <a:srgbClr val="000000"/>
                   </a:solidFill>
@@ -7003,7 +7181,7 @@
             </a:ln>
             <a:extLst>
               <a:ext uri="{91240B29-F687-4f45-9708-019B960494DF}">
-                <a14:hiddenLine xmlns:a14="http://schemas.microsoft.com/office/drawing/2010/main" xmlns="" w="9525">
+                <a14:hiddenLine xmlns="" xmlns:a14="http://schemas.microsoft.com/office/drawing/2010/main" w="9525">
                   <a:solidFill>
                     <a:srgbClr val="000000"/>
                   </a:solidFill>
@@ -7065,7 +7243,7 @@
             </a:ln>
             <a:extLst>
               <a:ext uri="{91240B29-F687-4f45-9708-019B960494DF}">
-                <a14:hiddenLine xmlns:a14="http://schemas.microsoft.com/office/drawing/2010/main" xmlns="" w="9525">
+                <a14:hiddenLine xmlns="" xmlns:a14="http://schemas.microsoft.com/office/drawing/2010/main" w="9525">
                   <a:solidFill>
                     <a:srgbClr val="000000"/>
                   </a:solidFill>
@@ -7155,7 +7333,7 @@
             </a:ln>
             <a:extLst>
               <a:ext uri="{91240B29-F687-4f45-9708-019B960494DF}">
-                <a14:hiddenLine xmlns:a14="http://schemas.microsoft.com/office/drawing/2010/main" xmlns="" w="9525">
+                <a14:hiddenLine xmlns="" xmlns:a14="http://schemas.microsoft.com/office/drawing/2010/main" w="9525">
                   <a:solidFill>
                     <a:srgbClr val="000000"/>
                   </a:solidFill>
@@ -7217,7 +7395,7 @@
             </a:ln>
             <a:extLst>
               <a:ext uri="{91240B29-F687-4f45-9708-019B960494DF}">
-                <a14:hiddenLine xmlns:a14="http://schemas.microsoft.com/office/drawing/2010/main" xmlns="" w="9525">
+                <a14:hiddenLine xmlns="" xmlns:a14="http://schemas.microsoft.com/office/drawing/2010/main" w="9525">
                   <a:solidFill>
                     <a:srgbClr val="000000"/>
                   </a:solidFill>
@@ -7307,7 +7485,7 @@
             </a:ln>
             <a:extLst>
               <a:ext uri="{91240B29-F687-4f45-9708-019B960494DF}">
-                <a14:hiddenLine xmlns:a14="http://schemas.microsoft.com/office/drawing/2010/main" xmlns="" w="9525">
+                <a14:hiddenLine xmlns="" xmlns:a14="http://schemas.microsoft.com/office/drawing/2010/main" w="9525">
                   <a:solidFill>
                     <a:srgbClr val="000000"/>
                   </a:solidFill>
@@ -7369,7 +7547,7 @@
             </a:ln>
             <a:extLst>
               <a:ext uri="{91240B29-F687-4f45-9708-019B960494DF}">
-                <a14:hiddenLine xmlns:a14="http://schemas.microsoft.com/office/drawing/2010/main" xmlns="" w="9525">
+                <a14:hiddenLine xmlns="" xmlns:a14="http://schemas.microsoft.com/office/drawing/2010/main" w="9525">
                   <a:solidFill>
                     <a:srgbClr val="000000"/>
                   </a:solidFill>
@@ -7459,7 +7637,7 @@
             </a:ln>
             <a:extLst>
               <a:ext uri="{91240B29-F687-4f45-9708-019B960494DF}">
-                <a14:hiddenLine xmlns:a14="http://schemas.microsoft.com/office/drawing/2010/main" xmlns="" w="9525">
+                <a14:hiddenLine xmlns="" xmlns:a14="http://schemas.microsoft.com/office/drawing/2010/main" w="9525">
                   <a:solidFill>
                     <a:srgbClr val="000000"/>
                   </a:solidFill>
@@ -7493,7 +7671,7 @@
             </a:ln>
             <a:extLst>
               <a:ext uri="{91240B29-F687-4f45-9708-019B960494DF}">
-                <a14:hiddenLine xmlns:a14="http://schemas.microsoft.com/office/drawing/2010/main" xmlns="" w="9525">
+                <a14:hiddenLine xmlns="" xmlns:a14="http://schemas.microsoft.com/office/drawing/2010/main" w="9525">
                   <a:solidFill>
                     <a:srgbClr val="000000"/>
                   </a:solidFill>
@@ -7558,7 +7736,7 @@
             </a:ln>
             <a:extLst>
               <a:ext uri="{91240B29-F687-4f45-9708-019B960494DF}">
-                <a14:hiddenLine xmlns:a14="http://schemas.microsoft.com/office/drawing/2010/main" xmlns="" w="9525">
+                <a14:hiddenLine xmlns="" xmlns:a14="http://schemas.microsoft.com/office/drawing/2010/main" w="9525">
                   <a:solidFill>
                     <a:srgbClr val="000000"/>
                   </a:solidFill>
@@ -7648,7 +7826,7 @@
             </a:ln>
             <a:extLst>
               <a:ext uri="{91240B29-F687-4f45-9708-019B960494DF}">
-                <a14:hiddenLine xmlns:a14="http://schemas.microsoft.com/office/drawing/2010/main" xmlns="" w="9525">
+                <a14:hiddenLine xmlns="" xmlns:a14="http://schemas.microsoft.com/office/drawing/2010/main" w="9525">
                   <a:solidFill>
                     <a:srgbClr val="000000"/>
                   </a:solidFill>
@@ -7710,7 +7888,7 @@
             </a:ln>
             <a:extLst>
               <a:ext uri="{91240B29-F687-4f45-9708-019B960494DF}">
-                <a14:hiddenLine xmlns:a14="http://schemas.microsoft.com/office/drawing/2010/main" xmlns="" w="9525">
+                <a14:hiddenLine xmlns="" xmlns:a14="http://schemas.microsoft.com/office/drawing/2010/main" w="9525">
                   <a:solidFill>
                     <a:srgbClr val="000000"/>
                   </a:solidFill>
@@ -7800,7 +7978,7 @@
             </a:ln>
             <a:extLst>
               <a:ext uri="{91240B29-F687-4f45-9708-019B960494DF}">
-                <a14:hiddenLine xmlns:a14="http://schemas.microsoft.com/office/drawing/2010/main" xmlns="" w="9525">
+                <a14:hiddenLine xmlns="" xmlns:a14="http://schemas.microsoft.com/office/drawing/2010/main" w="9525">
                   <a:solidFill>
                     <a:srgbClr val="000000"/>
                   </a:solidFill>
@@ -7890,7 +8068,7 @@
             </a:ln>
             <a:extLst>
               <a:ext uri="{91240B29-F687-4f45-9708-019B960494DF}">
-                <a14:hiddenLine xmlns:a14="http://schemas.microsoft.com/office/drawing/2010/main" xmlns="" w="9525">
+                <a14:hiddenLine xmlns="" xmlns:a14="http://schemas.microsoft.com/office/drawing/2010/main" w="9525">
                   <a:solidFill>
                     <a:srgbClr val="000000"/>
                   </a:solidFill>
@@ -7955,7 +8133,7 @@
             </a:ln>
             <a:extLst>
               <a:ext uri="{91240B29-F687-4f45-9708-019B960494DF}">
-                <a14:hiddenLine xmlns:a14="http://schemas.microsoft.com/office/drawing/2010/main" xmlns="" w="9525">
+                <a14:hiddenLine xmlns="" xmlns:a14="http://schemas.microsoft.com/office/drawing/2010/main" w="9525">
                   <a:solidFill>
                     <a:srgbClr val="000000"/>
                   </a:solidFill>
@@ -8017,7 +8195,7 @@
             </a:ln>
             <a:extLst>
               <a:ext uri="{91240B29-F687-4f45-9708-019B960494DF}">
-                <a14:hiddenLine xmlns:a14="http://schemas.microsoft.com/office/drawing/2010/main" xmlns="" w="9525">
+                <a14:hiddenLine xmlns="" xmlns:a14="http://schemas.microsoft.com/office/drawing/2010/main" w="9525">
                   <a:solidFill>
                     <a:srgbClr val="000000"/>
                   </a:solidFill>
@@ -8107,7 +8285,7 @@
             </a:ln>
             <a:extLst>
               <a:ext uri="{91240B29-F687-4f45-9708-019B960494DF}">
-                <a14:hiddenLine xmlns:a14="http://schemas.microsoft.com/office/drawing/2010/main" xmlns="" w="9525">
+                <a14:hiddenLine xmlns="" xmlns:a14="http://schemas.microsoft.com/office/drawing/2010/main" w="9525">
                   <a:solidFill>
                     <a:srgbClr val="000000"/>
                   </a:solidFill>
@@ -8197,7 +8375,7 @@
             </a:ln>
             <a:extLst>
               <a:ext uri="{91240B29-F687-4f45-9708-019B960494DF}">
-                <a14:hiddenLine xmlns:a14="http://schemas.microsoft.com/office/drawing/2010/main" xmlns="" w="9525">
+                <a14:hiddenLine xmlns="" xmlns:a14="http://schemas.microsoft.com/office/drawing/2010/main" w="9525">
                   <a:solidFill>
                     <a:srgbClr val="000000"/>
                   </a:solidFill>
@@ -8259,7 +8437,7 @@
             </a:ln>
             <a:extLst>
               <a:ext uri="{91240B29-F687-4f45-9708-019B960494DF}">
-                <a14:hiddenLine xmlns:a14="http://schemas.microsoft.com/office/drawing/2010/main" xmlns="" w="9525">
+                <a14:hiddenLine xmlns="" xmlns:a14="http://schemas.microsoft.com/office/drawing/2010/main" w="9525">
                   <a:solidFill>
                     <a:srgbClr val="000000"/>
                   </a:solidFill>
@@ -8379,7 +8557,7 @@
             </a:ln>
             <a:extLst>
               <a:ext uri="{91240B29-F687-4f45-9708-019B960494DF}">
-                <a14:hiddenLine xmlns:a14="http://schemas.microsoft.com/office/drawing/2010/main" xmlns="" w="9525">
+                <a14:hiddenLine xmlns="" xmlns:a14="http://schemas.microsoft.com/office/drawing/2010/main" w="9525">
                   <a:solidFill>
                     <a:srgbClr val="000000"/>
                   </a:solidFill>
@@ -8447,7 +8625,7 @@
             </a:ln>
             <a:extLst>
               <a:ext uri="{91240B29-F687-4f45-9708-019B960494DF}">
-                <a14:hiddenLine xmlns:a14="http://schemas.microsoft.com/office/drawing/2010/main" xmlns="" w="9525">
+                <a14:hiddenLine xmlns="" xmlns:a14="http://schemas.microsoft.com/office/drawing/2010/main" w="9525">
                   <a:solidFill>
                     <a:srgbClr val="000000"/>
                   </a:solidFill>
@@ -8537,7 +8715,7 @@
             </a:ln>
             <a:extLst>
               <a:ext uri="{91240B29-F687-4f45-9708-019B960494DF}">
-                <a14:hiddenLine xmlns:a14="http://schemas.microsoft.com/office/drawing/2010/main" xmlns="" w="9525">
+                <a14:hiddenLine xmlns="" xmlns:a14="http://schemas.microsoft.com/office/drawing/2010/main" w="9525">
                   <a:solidFill>
                     <a:srgbClr val="000000"/>
                   </a:solidFill>
@@ -20125,7 +20303,7 @@
           <a:noFill/>
           <a:extLst>
             <a:ext uri="{909E8E84-426E-40dd-AFC4-6F175D3DCCD1}">
-              <a14:hiddenFill xmlns:a14="http://schemas.microsoft.com/office/drawing/2010/main" xmlns="">
+              <a14:hiddenFill xmlns="" xmlns:a14="http://schemas.microsoft.com/office/drawing/2010/main">
                 <a:solidFill>
                   <a:srgbClr val="FFFFFF"/>
                 </a:solidFill>
@@ -20199,7 +20377,7 @@
               </a:ln>
               <a:extLst>
                 <a:ext uri="{91240B29-F687-4f45-9708-019B960494DF}">
-                  <a14:hiddenLine xmlns:a14="http://schemas.microsoft.com/office/drawing/2010/main" xmlns="" w="9525">
+                  <a14:hiddenLine xmlns="" xmlns:a14="http://schemas.microsoft.com/office/drawing/2010/main" w="9525">
                     <a:solidFill>
                       <a:srgbClr val="000000"/>
                     </a:solidFill>
@@ -20289,7 +20467,7 @@
               </a:ln>
               <a:extLst>
                 <a:ext uri="{91240B29-F687-4f45-9708-019B960494DF}">
-                  <a14:hiddenLine xmlns:a14="http://schemas.microsoft.com/office/drawing/2010/main" xmlns="" w="9525">
+                  <a14:hiddenLine xmlns="" xmlns:a14="http://schemas.microsoft.com/office/drawing/2010/main" w="9525">
                     <a:solidFill>
                       <a:srgbClr val="000000"/>
                     </a:solidFill>
@@ -20379,7 +20557,7 @@
               </a:ln>
               <a:extLst>
                 <a:ext uri="{91240B29-F687-4f45-9708-019B960494DF}">
-                  <a14:hiddenLine xmlns:a14="http://schemas.microsoft.com/office/drawing/2010/main" xmlns="" w="9525">
+                  <a14:hiddenLine xmlns="" xmlns:a14="http://schemas.microsoft.com/office/drawing/2010/main" w="9525">
                     <a:solidFill>
                       <a:srgbClr val="000000"/>
                     </a:solidFill>
@@ -20441,7 +20619,7 @@
               </a:ln>
               <a:extLst>
                 <a:ext uri="{91240B29-F687-4f45-9708-019B960494DF}">
-                  <a14:hiddenLine xmlns:a14="http://schemas.microsoft.com/office/drawing/2010/main" xmlns="" w="9525">
+                  <a14:hiddenLine xmlns="" xmlns:a14="http://schemas.microsoft.com/office/drawing/2010/main" w="9525">
                     <a:solidFill>
                       <a:srgbClr val="000000"/>
                     </a:solidFill>
@@ -20531,7 +20709,7 @@
               </a:ln>
               <a:extLst>
                 <a:ext uri="{91240B29-F687-4f45-9708-019B960494DF}">
-                  <a14:hiddenLine xmlns:a14="http://schemas.microsoft.com/office/drawing/2010/main" xmlns="" w="9525">
+                  <a14:hiddenLine xmlns="" xmlns:a14="http://schemas.microsoft.com/office/drawing/2010/main" w="9525">
                     <a:solidFill>
                       <a:srgbClr val="000000"/>
                     </a:solidFill>
@@ -20593,7 +20771,7 @@
               </a:ln>
               <a:extLst>
                 <a:ext uri="{91240B29-F687-4f45-9708-019B960494DF}">
-                  <a14:hiddenLine xmlns:a14="http://schemas.microsoft.com/office/drawing/2010/main" xmlns="" w="9525">
+                  <a14:hiddenLine xmlns="" xmlns:a14="http://schemas.microsoft.com/office/drawing/2010/main" w="9525">
                     <a:solidFill>
                       <a:srgbClr val="000000"/>
                     </a:solidFill>
@@ -20655,7 +20833,7 @@
               </a:ln>
               <a:extLst>
                 <a:ext uri="{91240B29-F687-4f45-9708-019B960494DF}">
-                  <a14:hiddenLine xmlns:a14="http://schemas.microsoft.com/office/drawing/2010/main" xmlns="" w="9525">
+                  <a14:hiddenLine xmlns="" xmlns:a14="http://schemas.microsoft.com/office/drawing/2010/main" w="9525">
                     <a:solidFill>
                       <a:srgbClr val="000000"/>
                     </a:solidFill>
@@ -20745,7 +20923,7 @@
               </a:ln>
               <a:extLst>
                 <a:ext uri="{91240B29-F687-4f45-9708-019B960494DF}">
-                  <a14:hiddenLine xmlns:a14="http://schemas.microsoft.com/office/drawing/2010/main" xmlns="" w="9525">
+                  <a14:hiddenLine xmlns="" xmlns:a14="http://schemas.microsoft.com/office/drawing/2010/main" w="9525">
                     <a:solidFill>
                       <a:srgbClr val="000000"/>
                     </a:solidFill>
@@ -20835,7 +21013,7 @@
               </a:ln>
               <a:extLst>
                 <a:ext uri="{91240B29-F687-4f45-9708-019B960494DF}">
-                  <a14:hiddenLine xmlns:a14="http://schemas.microsoft.com/office/drawing/2010/main" xmlns="" w="9525">
+                  <a14:hiddenLine xmlns="" xmlns:a14="http://schemas.microsoft.com/office/drawing/2010/main" w="9525">
                     <a:solidFill>
                       <a:srgbClr val="000000"/>
                     </a:solidFill>
@@ -20897,7 +21075,7 @@
               </a:ln>
               <a:extLst>
                 <a:ext uri="{91240B29-F687-4f45-9708-019B960494DF}">
-                  <a14:hiddenLine xmlns:a14="http://schemas.microsoft.com/office/drawing/2010/main" xmlns="" w="9525">
+                  <a14:hiddenLine xmlns="" xmlns:a14="http://schemas.microsoft.com/office/drawing/2010/main" w="9525">
                     <a:solidFill>
                       <a:srgbClr val="000000"/>
                     </a:solidFill>
@@ -21007,7 +21185,7 @@
               </a:ln>
               <a:extLst>
                 <a:ext uri="{91240B29-F687-4f45-9708-019B960494DF}">
-                  <a14:hiddenLine xmlns:a14="http://schemas.microsoft.com/office/drawing/2010/main" xmlns="" w="9525">
+                  <a14:hiddenLine xmlns="" xmlns:a14="http://schemas.microsoft.com/office/drawing/2010/main" w="9525">
                     <a:solidFill>
                       <a:srgbClr val="000000"/>
                     </a:solidFill>
@@ -21091,7 +21269,7 @@
               </a:ln>
               <a:extLst>
                 <a:ext uri="{91240B29-F687-4f45-9708-019B960494DF}">
-                  <a14:hiddenLine xmlns:a14="http://schemas.microsoft.com/office/drawing/2010/main" xmlns="" w="9525">
+                  <a14:hiddenLine xmlns="" xmlns:a14="http://schemas.microsoft.com/office/drawing/2010/main" w="9525">
                     <a:solidFill>
                       <a:srgbClr val="000000"/>
                     </a:solidFill>
@@ -21153,7 +21331,7 @@
               </a:ln>
               <a:extLst>
                 <a:ext uri="{91240B29-F687-4f45-9708-019B960494DF}">
-                  <a14:hiddenLine xmlns:a14="http://schemas.microsoft.com/office/drawing/2010/main" xmlns="" w="9525">
+                  <a14:hiddenLine xmlns="" xmlns:a14="http://schemas.microsoft.com/office/drawing/2010/main" w="9525">
                     <a:solidFill>
                       <a:srgbClr val="000000"/>
                     </a:solidFill>
@@ -21215,7 +21393,7 @@
               </a:ln>
               <a:extLst>
                 <a:ext uri="{91240B29-F687-4f45-9708-019B960494DF}">
-                  <a14:hiddenLine xmlns:a14="http://schemas.microsoft.com/office/drawing/2010/main" xmlns="" w="9525">
+                  <a14:hiddenLine xmlns="" xmlns:a14="http://schemas.microsoft.com/office/drawing/2010/main" w="9525">
                     <a:solidFill>
                       <a:srgbClr val="000000"/>
                     </a:solidFill>
@@ -21305,7 +21483,7 @@
               </a:ln>
               <a:extLst>
                 <a:ext uri="{91240B29-F687-4f45-9708-019B960494DF}">
-                  <a14:hiddenLine xmlns:a14="http://schemas.microsoft.com/office/drawing/2010/main" xmlns="" w="9525">
+                  <a14:hiddenLine xmlns="" xmlns:a14="http://schemas.microsoft.com/office/drawing/2010/main" w="9525">
                     <a:solidFill>
                       <a:srgbClr val="000000"/>
                     </a:solidFill>
@@ -21339,7 +21517,7 @@
               </a:ln>
               <a:extLst>
                 <a:ext uri="{91240B29-F687-4f45-9708-019B960494DF}">
-                  <a14:hiddenLine xmlns:a14="http://schemas.microsoft.com/office/drawing/2010/main" xmlns="" w="9525">
+                  <a14:hiddenLine xmlns="" xmlns:a14="http://schemas.microsoft.com/office/drawing/2010/main" w="9525">
                     <a:solidFill>
                       <a:srgbClr val="000000"/>
                     </a:solidFill>
@@ -21404,7 +21582,7 @@
               </a:ln>
               <a:extLst>
                 <a:ext uri="{91240B29-F687-4f45-9708-019B960494DF}">
-                  <a14:hiddenLine xmlns:a14="http://schemas.microsoft.com/office/drawing/2010/main" xmlns="" w="9525">
+                  <a14:hiddenLine xmlns="" xmlns:a14="http://schemas.microsoft.com/office/drawing/2010/main" w="9525">
                     <a:solidFill>
                       <a:srgbClr val="000000"/>
                     </a:solidFill>
@@ -21494,7 +21672,7 @@
               </a:ln>
               <a:extLst>
                 <a:ext uri="{91240B29-F687-4f45-9708-019B960494DF}">
-                  <a14:hiddenLine xmlns:a14="http://schemas.microsoft.com/office/drawing/2010/main" xmlns="" w="9525">
+                  <a14:hiddenLine xmlns="" xmlns:a14="http://schemas.microsoft.com/office/drawing/2010/main" w="9525">
                     <a:solidFill>
                       <a:srgbClr val="000000"/>
                     </a:solidFill>
@@ -21556,7 +21734,7 @@
               </a:ln>
               <a:extLst>
                 <a:ext uri="{91240B29-F687-4f45-9708-019B960494DF}">
-                  <a14:hiddenLine xmlns:a14="http://schemas.microsoft.com/office/drawing/2010/main" xmlns="" w="9525">
+                  <a14:hiddenLine xmlns="" xmlns:a14="http://schemas.microsoft.com/office/drawing/2010/main" w="9525">
                     <a:solidFill>
                       <a:srgbClr val="000000"/>
                     </a:solidFill>
@@ -21646,7 +21824,7 @@
               </a:ln>
               <a:extLst>
                 <a:ext uri="{91240B29-F687-4f45-9708-019B960494DF}">
-                  <a14:hiddenLine xmlns:a14="http://schemas.microsoft.com/office/drawing/2010/main" xmlns="" w="9525">
+                  <a14:hiddenLine xmlns="" xmlns:a14="http://schemas.microsoft.com/office/drawing/2010/main" w="9525">
                     <a:solidFill>
                       <a:srgbClr val="000000"/>
                     </a:solidFill>
@@ -21711,7 +21889,7 @@
               </a:ln>
               <a:extLst>
                 <a:ext uri="{91240B29-F687-4f45-9708-019B960494DF}">
-                  <a14:hiddenLine xmlns:a14="http://schemas.microsoft.com/office/drawing/2010/main" xmlns="" w="9525">
+                  <a14:hiddenLine xmlns="" xmlns:a14="http://schemas.microsoft.com/office/drawing/2010/main" w="9525">
                     <a:solidFill>
                       <a:srgbClr val="000000"/>
                     </a:solidFill>
@@ -21773,7 +21951,7 @@
               </a:ln>
               <a:extLst>
                 <a:ext uri="{91240B29-F687-4f45-9708-019B960494DF}">
-                  <a14:hiddenLine xmlns:a14="http://schemas.microsoft.com/office/drawing/2010/main" xmlns="" w="9525">
+                  <a14:hiddenLine xmlns="" xmlns:a14="http://schemas.microsoft.com/office/drawing/2010/main" w="9525">
                     <a:solidFill>
                       <a:srgbClr val="000000"/>
                     </a:solidFill>
@@ -21863,7 +22041,7 @@
               </a:ln>
               <a:extLst>
                 <a:ext uri="{91240B29-F687-4f45-9708-019B960494DF}">
-                  <a14:hiddenLine xmlns:a14="http://schemas.microsoft.com/office/drawing/2010/main" xmlns="" w="9525">
+                  <a14:hiddenLine xmlns="" xmlns:a14="http://schemas.microsoft.com/office/drawing/2010/main" w="9525">
                     <a:solidFill>
                       <a:srgbClr val="000000"/>
                     </a:solidFill>
@@ -21953,7 +22131,7 @@
               </a:ln>
               <a:extLst>
                 <a:ext uri="{91240B29-F687-4f45-9708-019B960494DF}">
-                  <a14:hiddenLine xmlns:a14="http://schemas.microsoft.com/office/drawing/2010/main" xmlns="" w="9525">
+                  <a14:hiddenLine xmlns="" xmlns:a14="http://schemas.microsoft.com/office/drawing/2010/main" w="9525">
                     <a:solidFill>
                       <a:srgbClr val="000000"/>
                     </a:solidFill>
@@ -22018,7 +22196,7 @@
               </a:ln>
               <a:extLst>
                 <a:ext uri="{91240B29-F687-4f45-9708-019B960494DF}">
-                  <a14:hiddenLine xmlns:a14="http://schemas.microsoft.com/office/drawing/2010/main" xmlns="" w="9525">
+                  <a14:hiddenLine xmlns="" xmlns:a14="http://schemas.microsoft.com/office/drawing/2010/main" w="9525">
                     <a:solidFill>
                       <a:srgbClr val="000000"/>
                     </a:solidFill>
@@ -22138,7 +22316,7 @@
               </a:ln>
               <a:extLst>
                 <a:ext uri="{91240B29-F687-4f45-9708-019B960494DF}">
-                  <a14:hiddenLine xmlns:a14="http://schemas.microsoft.com/office/drawing/2010/main" xmlns="" w="9525">
+                  <a14:hiddenLine xmlns="" xmlns:a14="http://schemas.microsoft.com/office/drawing/2010/main" w="9525">
                     <a:solidFill>
                       <a:srgbClr val="000000"/>
                     </a:solidFill>
@@ -22236,7 +22414,7 @@
               </a:ln>
               <a:extLst>
                 <a:ext uri="{91240B29-F687-4f45-9708-019B960494DF}">
-                  <a14:hiddenLine xmlns:a14="http://schemas.microsoft.com/office/drawing/2010/main" xmlns="" w="9525">
+                  <a14:hiddenLine xmlns="" xmlns:a14="http://schemas.microsoft.com/office/drawing/2010/main" w="9525">
                     <a:solidFill>
                       <a:srgbClr val="000000"/>
                     </a:solidFill>
@@ -22351,7 +22529,7 @@
               </a:ln>
               <a:extLst>
                 <a:ext uri="{91240B29-F687-4f45-9708-019B960494DF}">
-                  <a14:hiddenLine xmlns:a14="http://schemas.microsoft.com/office/drawing/2010/main" xmlns="" w="9525">
+                  <a14:hiddenLine xmlns="" xmlns:a14="http://schemas.microsoft.com/office/drawing/2010/main" w="9525">
                     <a:solidFill>
                       <a:srgbClr val="000000"/>
                     </a:solidFill>
@@ -22441,7 +22619,7 @@
               </a:ln>
               <a:extLst>
                 <a:ext uri="{91240B29-F687-4f45-9708-019B960494DF}">
-                  <a14:hiddenLine xmlns:a14="http://schemas.microsoft.com/office/drawing/2010/main" xmlns="" w="9525">
+                  <a14:hiddenLine xmlns="" xmlns:a14="http://schemas.microsoft.com/office/drawing/2010/main" w="9525">
                     <a:solidFill>
                       <a:srgbClr val="000000"/>
                     </a:solidFill>
@@ -22506,7 +22684,7 @@
               </a:ln>
               <a:extLst>
                 <a:ext uri="{91240B29-F687-4f45-9708-019B960494DF}">
-                  <a14:hiddenLine xmlns:a14="http://schemas.microsoft.com/office/drawing/2010/main" xmlns="" w="9525">
+                  <a14:hiddenLine xmlns="" xmlns:a14="http://schemas.microsoft.com/office/drawing/2010/main" w="9525">
                     <a:solidFill>
                       <a:srgbClr val="000000"/>
                     </a:solidFill>
@@ -22596,7 +22774,7 @@
               </a:ln>
               <a:extLst>
                 <a:ext uri="{91240B29-F687-4f45-9708-019B960494DF}">
-                  <a14:hiddenLine xmlns:a14="http://schemas.microsoft.com/office/drawing/2010/main" xmlns="" w="9525">
+                  <a14:hiddenLine xmlns="" xmlns:a14="http://schemas.microsoft.com/office/drawing/2010/main" w="9525">
                     <a:solidFill>
                       <a:srgbClr val="000000"/>
                     </a:solidFill>
@@ -22664,7 +22842,7 @@
               </a:ln>
               <a:extLst>
                 <a:ext uri="{91240B29-F687-4f45-9708-019B960494DF}">
-                  <a14:hiddenLine xmlns:a14="http://schemas.microsoft.com/office/drawing/2010/main" xmlns="" w="9525">
+                  <a14:hiddenLine xmlns="" xmlns:a14="http://schemas.microsoft.com/office/drawing/2010/main" w="9525">
                     <a:solidFill>
                       <a:srgbClr val="000000"/>
                     </a:solidFill>
@@ -22754,7 +22932,7 @@
               </a:ln>
               <a:extLst>
                 <a:ext uri="{91240B29-F687-4f45-9708-019B960494DF}">
-                  <a14:hiddenLine xmlns:a14="http://schemas.microsoft.com/office/drawing/2010/main" xmlns="" w="9525">
+                  <a14:hiddenLine xmlns="" xmlns:a14="http://schemas.microsoft.com/office/drawing/2010/main" w="9525">
                     <a:solidFill>
                       <a:srgbClr val="000000"/>
                     </a:solidFill>
@@ -22822,7 +23000,7 @@
               </a:ln>
               <a:extLst>
                 <a:ext uri="{91240B29-F687-4f45-9708-019B960494DF}">
-                  <a14:hiddenLine xmlns:a14="http://schemas.microsoft.com/office/drawing/2010/main" xmlns="" w="9525">
+                  <a14:hiddenLine xmlns="" xmlns:a14="http://schemas.microsoft.com/office/drawing/2010/main" w="9525">
                     <a:solidFill>
                       <a:srgbClr val="000000"/>
                     </a:solidFill>
@@ -22912,7 +23090,7 @@
               </a:ln>
               <a:extLst>
                 <a:ext uri="{91240B29-F687-4f45-9708-019B960494DF}">
-                  <a14:hiddenLine xmlns:a14="http://schemas.microsoft.com/office/drawing/2010/main" xmlns="" w="9525">
+                  <a14:hiddenLine xmlns="" xmlns:a14="http://schemas.microsoft.com/office/drawing/2010/main" w="9525">
                     <a:solidFill>
                       <a:srgbClr val="000000"/>
                     </a:solidFill>
@@ -22946,7 +23124,7 @@
               </a:ln>
               <a:extLst>
                 <a:ext uri="{91240B29-F687-4f45-9708-019B960494DF}">
-                  <a14:hiddenLine xmlns:a14="http://schemas.microsoft.com/office/drawing/2010/main" xmlns="" w="9525">
+                  <a14:hiddenLine xmlns="" xmlns:a14="http://schemas.microsoft.com/office/drawing/2010/main" w="9525">
                     <a:solidFill>
                       <a:srgbClr val="000000"/>
                     </a:solidFill>
@@ -23673,7 +23851,7 @@
           <a:noFill/>
           <a:extLst>
             <a:ext uri="{909E8E84-426E-40dd-AFC4-6F175D3DCCD1}">
-              <a14:hiddenFill xmlns="" xmlns:a16="http://schemas.microsoft.com/office/drawing/2014/main" xmlns:a14="http://schemas.microsoft.com/office/drawing/2010/main" xmlns:p14="http://schemas.microsoft.com/office/powerpoint/2010/main">
+              <a14:hiddenFill xmlns:p14="http://schemas.microsoft.com/office/powerpoint/2010/main" xmlns:a14="http://schemas.microsoft.com/office/drawing/2010/main" xmlns:a16="http://schemas.microsoft.com/office/drawing/2014/main" xmlns="">
                 <a:solidFill>
                   <a:srgbClr val="FFFFFF"/>
                 </a:solidFill>
@@ -23765,7 +23943,7 @@
             </a:ln>
             <a:extLst>
               <a:ext uri="{91240B29-F687-4f45-9708-019B960494DF}">
-                <a14:hiddenLine xmlns="" xmlns:a16="http://schemas.microsoft.com/office/drawing/2014/main" xmlns:a14="http://schemas.microsoft.com/office/drawing/2010/main" xmlns:p14="http://schemas.microsoft.com/office/powerpoint/2010/main" w="9525">
+                <a14:hiddenLine xmlns:p14="http://schemas.microsoft.com/office/powerpoint/2010/main" xmlns:a14="http://schemas.microsoft.com/office/drawing/2010/main" xmlns:a16="http://schemas.microsoft.com/office/drawing/2014/main" xmlns="" w="9525">
                   <a:solidFill>
                     <a:srgbClr val="000000"/>
                   </a:solidFill>
@@ -23877,7 +24055,7 @@
             </a:ln>
             <a:extLst>
               <a:ext uri="{91240B29-F687-4f45-9708-019B960494DF}">
-                <a14:hiddenLine xmlns="" xmlns:a16="http://schemas.microsoft.com/office/drawing/2014/main" xmlns:a14="http://schemas.microsoft.com/office/drawing/2010/main" xmlns:p14="http://schemas.microsoft.com/office/powerpoint/2010/main" w="9525">
+                <a14:hiddenLine xmlns:p14="http://schemas.microsoft.com/office/powerpoint/2010/main" xmlns:a14="http://schemas.microsoft.com/office/drawing/2010/main" xmlns:a16="http://schemas.microsoft.com/office/drawing/2014/main" xmlns="" w="9525">
                   <a:solidFill>
                     <a:srgbClr val="000000"/>
                   </a:solidFill>
@@ -23989,7 +24167,7 @@
             </a:ln>
             <a:extLst>
               <a:ext uri="{91240B29-F687-4f45-9708-019B960494DF}">
-                <a14:hiddenLine xmlns="" xmlns:a16="http://schemas.microsoft.com/office/drawing/2014/main" xmlns:a14="http://schemas.microsoft.com/office/drawing/2010/main" xmlns:p14="http://schemas.microsoft.com/office/powerpoint/2010/main" w="9525">
+                <a14:hiddenLine xmlns:p14="http://schemas.microsoft.com/office/powerpoint/2010/main" xmlns:a14="http://schemas.microsoft.com/office/drawing/2010/main" xmlns:a16="http://schemas.microsoft.com/office/drawing/2014/main" xmlns="" w="9525">
                   <a:solidFill>
                     <a:srgbClr val="000000"/>
                   </a:solidFill>
@@ -24045,7 +24223,7 @@
             </a:ln>
             <a:extLst>
               <a:ext uri="{91240B29-F687-4f45-9708-019B960494DF}">
-                <a14:hiddenLine xmlns="" xmlns:a16="http://schemas.microsoft.com/office/drawing/2014/main" xmlns:a14="http://schemas.microsoft.com/office/drawing/2010/main" xmlns:p14="http://schemas.microsoft.com/office/powerpoint/2010/main" w="9525">
+                <a14:hiddenLine xmlns:p14="http://schemas.microsoft.com/office/powerpoint/2010/main" xmlns:a14="http://schemas.microsoft.com/office/drawing/2010/main" xmlns:a16="http://schemas.microsoft.com/office/drawing/2014/main" xmlns="" w="9525">
                   <a:solidFill>
                     <a:srgbClr val="000000"/>
                   </a:solidFill>
@@ -24157,7 +24335,7 @@
             </a:ln>
             <a:extLst>
               <a:ext uri="{91240B29-F687-4f45-9708-019B960494DF}">
-                <a14:hiddenLine xmlns="" xmlns:a16="http://schemas.microsoft.com/office/drawing/2014/main" xmlns:a14="http://schemas.microsoft.com/office/drawing/2010/main" xmlns:p14="http://schemas.microsoft.com/office/powerpoint/2010/main" w="9525">
+                <a14:hiddenLine xmlns:p14="http://schemas.microsoft.com/office/powerpoint/2010/main" xmlns:a14="http://schemas.microsoft.com/office/drawing/2010/main" xmlns:a16="http://schemas.microsoft.com/office/drawing/2014/main" xmlns="" w="9525">
                   <a:solidFill>
                     <a:srgbClr val="000000"/>
                   </a:solidFill>
@@ -24241,7 +24419,7 @@
             </a:ln>
             <a:extLst>
               <a:ext uri="{91240B29-F687-4f45-9708-019B960494DF}">
-                <a14:hiddenLine xmlns="" xmlns:a16="http://schemas.microsoft.com/office/drawing/2014/main" xmlns:a14="http://schemas.microsoft.com/office/drawing/2010/main" xmlns:p14="http://schemas.microsoft.com/office/powerpoint/2010/main" w="9525">
+                <a14:hiddenLine xmlns:p14="http://schemas.microsoft.com/office/powerpoint/2010/main" xmlns:a14="http://schemas.microsoft.com/office/drawing/2010/main" xmlns:a16="http://schemas.microsoft.com/office/drawing/2014/main" xmlns="" w="9525">
                   <a:solidFill>
                     <a:srgbClr val="000000"/>
                   </a:solidFill>
@@ -24325,7 +24503,7 @@
             </a:ln>
             <a:extLst>
               <a:ext uri="{91240B29-F687-4f45-9708-019B960494DF}">
-                <a14:hiddenLine xmlns="" xmlns:a16="http://schemas.microsoft.com/office/drawing/2014/main" xmlns:a14="http://schemas.microsoft.com/office/drawing/2010/main" xmlns:p14="http://schemas.microsoft.com/office/powerpoint/2010/main" w="9525">
+                <a14:hiddenLine xmlns:p14="http://schemas.microsoft.com/office/powerpoint/2010/main" xmlns:a14="http://schemas.microsoft.com/office/drawing/2010/main" xmlns:a16="http://schemas.microsoft.com/office/drawing/2014/main" xmlns="" w="9525">
                   <a:solidFill>
                     <a:srgbClr val="000000"/>
                   </a:solidFill>
@@ -24437,7 +24615,7 @@
             </a:ln>
             <a:extLst>
               <a:ext uri="{91240B29-F687-4f45-9708-019B960494DF}">
-                <a14:hiddenLine xmlns="" xmlns:a16="http://schemas.microsoft.com/office/drawing/2014/main" xmlns:a14="http://schemas.microsoft.com/office/drawing/2010/main" xmlns:p14="http://schemas.microsoft.com/office/powerpoint/2010/main" w="9525">
+                <a14:hiddenLine xmlns:p14="http://schemas.microsoft.com/office/powerpoint/2010/main" xmlns:a14="http://schemas.microsoft.com/office/drawing/2010/main" xmlns:a16="http://schemas.microsoft.com/office/drawing/2014/main" xmlns="" w="9525">
                   <a:solidFill>
                     <a:srgbClr val="000000"/>
                   </a:solidFill>
@@ -24521,7 +24699,7 @@
             </a:ln>
             <a:extLst>
               <a:ext uri="{91240B29-F687-4f45-9708-019B960494DF}">
-                <a14:hiddenLine xmlns="" xmlns:a16="http://schemas.microsoft.com/office/drawing/2014/main" xmlns:a14="http://schemas.microsoft.com/office/drawing/2010/main" xmlns:p14="http://schemas.microsoft.com/office/powerpoint/2010/main" w="9525">
+                <a14:hiddenLine xmlns:p14="http://schemas.microsoft.com/office/powerpoint/2010/main" xmlns:a14="http://schemas.microsoft.com/office/drawing/2010/main" xmlns:a16="http://schemas.microsoft.com/office/drawing/2014/main" xmlns="" w="9525">
                   <a:solidFill>
                     <a:srgbClr val="000000"/>
                   </a:solidFill>
@@ -24605,7 +24783,7 @@
             </a:ln>
             <a:extLst>
               <a:ext uri="{91240B29-F687-4f45-9708-019B960494DF}">
-                <a14:hiddenLine xmlns="" xmlns:a16="http://schemas.microsoft.com/office/drawing/2014/main" xmlns:a14="http://schemas.microsoft.com/office/drawing/2010/main" xmlns:p14="http://schemas.microsoft.com/office/powerpoint/2010/main" w="9525">
+                <a14:hiddenLine xmlns:p14="http://schemas.microsoft.com/office/powerpoint/2010/main" xmlns:a14="http://schemas.microsoft.com/office/drawing/2010/main" xmlns:a16="http://schemas.microsoft.com/office/drawing/2014/main" xmlns="" w="9525">
                   <a:solidFill>
                     <a:srgbClr val="000000"/>
                   </a:solidFill>
@@ -24717,7 +24895,7 @@
             </a:ln>
             <a:extLst>
               <a:ext uri="{91240B29-F687-4f45-9708-019B960494DF}">
-                <a14:hiddenLine xmlns="" xmlns:a16="http://schemas.microsoft.com/office/drawing/2014/main" xmlns:a14="http://schemas.microsoft.com/office/drawing/2010/main" xmlns:p14="http://schemas.microsoft.com/office/powerpoint/2010/main" w="9525">
+                <a14:hiddenLine xmlns:p14="http://schemas.microsoft.com/office/powerpoint/2010/main" xmlns:a14="http://schemas.microsoft.com/office/drawing/2010/main" xmlns:a16="http://schemas.microsoft.com/office/drawing/2014/main" xmlns="" w="9525">
                   <a:solidFill>
                     <a:srgbClr val="000000"/>
                   </a:solidFill>
@@ -24829,7 +25007,7 @@
             </a:ln>
             <a:extLst>
               <a:ext uri="{91240B29-F687-4f45-9708-019B960494DF}">
-                <a14:hiddenLine xmlns="" xmlns:a16="http://schemas.microsoft.com/office/drawing/2014/main" xmlns:a14="http://schemas.microsoft.com/office/drawing/2010/main" xmlns:p14="http://schemas.microsoft.com/office/powerpoint/2010/main" w="9525">
+                <a14:hiddenLine xmlns:p14="http://schemas.microsoft.com/office/powerpoint/2010/main" xmlns:a14="http://schemas.microsoft.com/office/drawing/2010/main" xmlns:a16="http://schemas.microsoft.com/office/drawing/2014/main" xmlns="" w="9525">
                   <a:solidFill>
                     <a:srgbClr val="000000"/>
                   </a:solidFill>
@@ -24913,7 +25091,7 @@
             </a:ln>
             <a:extLst>
               <a:ext uri="{91240B29-F687-4f45-9708-019B960494DF}">
-                <a14:hiddenLine xmlns="" xmlns:a16="http://schemas.microsoft.com/office/drawing/2014/main" xmlns:a14="http://schemas.microsoft.com/office/drawing/2010/main" xmlns:p14="http://schemas.microsoft.com/office/powerpoint/2010/main" w="9525">
+                <a14:hiddenLine xmlns:p14="http://schemas.microsoft.com/office/powerpoint/2010/main" xmlns:a14="http://schemas.microsoft.com/office/drawing/2010/main" xmlns:a16="http://schemas.microsoft.com/office/drawing/2014/main" xmlns="" w="9525">
                   <a:solidFill>
                     <a:srgbClr val="000000"/>
                   </a:solidFill>
@@ -25045,7 +25223,7 @@
             </a:ln>
             <a:extLst>
               <a:ext uri="{91240B29-F687-4f45-9708-019B960494DF}">
-                <a14:hiddenLine xmlns="" xmlns:a16="http://schemas.microsoft.com/office/drawing/2014/main" xmlns:a14="http://schemas.microsoft.com/office/drawing/2010/main" xmlns:p14="http://schemas.microsoft.com/office/powerpoint/2010/main" w="9525">
+                <a14:hiddenLine xmlns:p14="http://schemas.microsoft.com/office/powerpoint/2010/main" xmlns:a14="http://schemas.microsoft.com/office/drawing/2010/main" xmlns:a16="http://schemas.microsoft.com/office/drawing/2014/main" xmlns="" w="9525">
                   <a:solidFill>
                     <a:srgbClr val="000000"/>
                   </a:solidFill>
@@ -25129,7 +25307,7 @@
             </a:ln>
             <a:extLst>
               <a:ext uri="{91240B29-F687-4f45-9708-019B960494DF}">
-                <a14:hiddenLine xmlns="" xmlns:a16="http://schemas.microsoft.com/office/drawing/2014/main" xmlns:a14="http://schemas.microsoft.com/office/drawing/2010/main" xmlns:p14="http://schemas.microsoft.com/office/powerpoint/2010/main" w="9525">
+                <a14:hiddenLine xmlns:p14="http://schemas.microsoft.com/office/powerpoint/2010/main" xmlns:a14="http://schemas.microsoft.com/office/drawing/2010/main" xmlns:a16="http://schemas.microsoft.com/office/drawing/2014/main" xmlns="" w="9525">
                   <a:solidFill>
                     <a:srgbClr val="000000"/>
                   </a:solidFill>
@@ -25241,7 +25419,7 @@
             </a:ln>
             <a:extLst>
               <a:ext uri="{91240B29-F687-4f45-9708-019B960494DF}">
-                <a14:hiddenLine xmlns="" xmlns:a16="http://schemas.microsoft.com/office/drawing/2014/main" xmlns:a14="http://schemas.microsoft.com/office/drawing/2010/main" xmlns:p14="http://schemas.microsoft.com/office/powerpoint/2010/main" w="9525">
+                <a14:hiddenLine xmlns:p14="http://schemas.microsoft.com/office/powerpoint/2010/main" xmlns:a14="http://schemas.microsoft.com/office/drawing/2010/main" xmlns:a16="http://schemas.microsoft.com/office/drawing/2014/main" xmlns="" w="9525">
                   <a:solidFill>
                     <a:srgbClr val="000000"/>
                   </a:solidFill>
@@ -25353,7 +25531,7 @@
             </a:ln>
             <a:extLst>
               <a:ext uri="{91240B29-F687-4f45-9708-019B960494DF}">
-                <a14:hiddenLine xmlns="" xmlns:a16="http://schemas.microsoft.com/office/drawing/2014/main" xmlns:a14="http://schemas.microsoft.com/office/drawing/2010/main" xmlns:p14="http://schemas.microsoft.com/office/powerpoint/2010/main" w="9525">
+                <a14:hiddenLine xmlns:p14="http://schemas.microsoft.com/office/powerpoint/2010/main" xmlns:a14="http://schemas.microsoft.com/office/drawing/2010/main" xmlns:a16="http://schemas.microsoft.com/office/drawing/2014/main" xmlns="" w="9525">
                   <a:solidFill>
                     <a:srgbClr val="000000"/>
                   </a:solidFill>
@@ -25437,7 +25615,7 @@
             </a:ln>
             <a:extLst>
               <a:ext uri="{91240B29-F687-4f45-9708-019B960494DF}">
-                <a14:hiddenLine xmlns="" xmlns:a16="http://schemas.microsoft.com/office/drawing/2014/main" xmlns:a14="http://schemas.microsoft.com/office/drawing/2010/main" xmlns:p14="http://schemas.microsoft.com/office/powerpoint/2010/main" w="9525">
+                <a14:hiddenLine xmlns:p14="http://schemas.microsoft.com/office/powerpoint/2010/main" xmlns:a14="http://schemas.microsoft.com/office/drawing/2010/main" xmlns:a16="http://schemas.microsoft.com/office/drawing/2014/main" xmlns="" w="9525">
                   <a:solidFill>
                     <a:srgbClr val="000000"/>
                   </a:solidFill>
@@ -25549,7 +25727,7 @@
             </a:ln>
             <a:extLst>
               <a:ext uri="{91240B29-F687-4f45-9708-019B960494DF}">
-                <a14:hiddenLine xmlns="" xmlns:a16="http://schemas.microsoft.com/office/drawing/2014/main" xmlns:a14="http://schemas.microsoft.com/office/drawing/2010/main" xmlns:p14="http://schemas.microsoft.com/office/powerpoint/2010/main" w="9525">
+                <a14:hiddenLine xmlns:p14="http://schemas.microsoft.com/office/powerpoint/2010/main" xmlns:a14="http://schemas.microsoft.com/office/drawing/2010/main" xmlns:a16="http://schemas.microsoft.com/office/drawing/2014/main" xmlns="" w="9525">
                   <a:solidFill>
                     <a:srgbClr val="000000"/>
                   </a:solidFill>
@@ -25661,7 +25839,7 @@
             </a:ln>
             <a:extLst>
               <a:ext uri="{91240B29-F687-4f45-9708-019B960494DF}">
-                <a14:hiddenLine xmlns="" xmlns:a16="http://schemas.microsoft.com/office/drawing/2014/main" xmlns:a14="http://schemas.microsoft.com/office/drawing/2010/main" xmlns:p14="http://schemas.microsoft.com/office/powerpoint/2010/main" w="9525">
+                <a14:hiddenLine xmlns:p14="http://schemas.microsoft.com/office/powerpoint/2010/main" xmlns:a14="http://schemas.microsoft.com/office/drawing/2010/main" xmlns:a16="http://schemas.microsoft.com/office/drawing/2014/main" xmlns="" w="9525">
                   <a:solidFill>
                     <a:srgbClr val="000000"/>
                   </a:solidFill>
@@ -25739,7 +25917,7 @@
             </a:ln>
             <a:extLst>
               <a:ext uri="{91240B29-F687-4f45-9708-019B960494DF}">
-                <a14:hiddenLine xmlns="" xmlns:a16="http://schemas.microsoft.com/office/drawing/2014/main" xmlns:a14="http://schemas.microsoft.com/office/drawing/2010/main" xmlns:p14="http://schemas.microsoft.com/office/powerpoint/2010/main" w="9525">
+                <a14:hiddenLine xmlns:p14="http://schemas.microsoft.com/office/powerpoint/2010/main" xmlns:a14="http://schemas.microsoft.com/office/drawing/2010/main" xmlns:a16="http://schemas.microsoft.com/office/drawing/2014/main" xmlns="" w="9525">
                   <a:solidFill>
                     <a:srgbClr val="000000"/>
                   </a:solidFill>
@@ -25851,7 +26029,7 @@
             </a:ln>
             <a:extLst>
               <a:ext uri="{91240B29-F687-4f45-9708-019B960494DF}">
-                <a14:hiddenLine xmlns="" xmlns:a16="http://schemas.microsoft.com/office/drawing/2014/main" xmlns:a14="http://schemas.microsoft.com/office/drawing/2010/main" xmlns:p14="http://schemas.microsoft.com/office/powerpoint/2010/main" w="9525">
+                <a14:hiddenLine xmlns:p14="http://schemas.microsoft.com/office/powerpoint/2010/main" xmlns:a14="http://schemas.microsoft.com/office/drawing/2010/main" xmlns:a16="http://schemas.microsoft.com/office/drawing/2014/main" xmlns="" w="9525">
                   <a:solidFill>
                     <a:srgbClr val="000000"/>
                   </a:solidFill>
@@ -25929,7 +26107,7 @@
             </a:ln>
             <a:extLst>
               <a:ext uri="{91240B29-F687-4f45-9708-019B960494DF}">
-                <a14:hiddenLine xmlns="" xmlns:a16="http://schemas.microsoft.com/office/drawing/2014/main" xmlns:a14="http://schemas.microsoft.com/office/drawing/2010/main" xmlns:p14="http://schemas.microsoft.com/office/powerpoint/2010/main" w="9525">
+                <a14:hiddenLine xmlns:p14="http://schemas.microsoft.com/office/powerpoint/2010/main" xmlns:a14="http://schemas.microsoft.com/office/drawing/2010/main" xmlns:a16="http://schemas.microsoft.com/office/drawing/2014/main" xmlns="" w="9525">
                   <a:solidFill>
                     <a:srgbClr val="000000"/>
                   </a:solidFill>
@@ -26041,7 +26219,7 @@
             </a:ln>
             <a:extLst>
               <a:ext uri="{91240B29-F687-4f45-9708-019B960494DF}">
-                <a14:hiddenLine xmlns="" xmlns:a16="http://schemas.microsoft.com/office/drawing/2014/main" xmlns:a14="http://schemas.microsoft.com/office/drawing/2010/main" xmlns:p14="http://schemas.microsoft.com/office/powerpoint/2010/main" w="9525">
+                <a14:hiddenLine xmlns:p14="http://schemas.microsoft.com/office/powerpoint/2010/main" xmlns:a14="http://schemas.microsoft.com/office/drawing/2010/main" xmlns:a16="http://schemas.microsoft.com/office/drawing/2014/main" xmlns="" w="9525">
                   <a:solidFill>
                     <a:srgbClr val="000000"/>
                   </a:solidFill>
@@ -26131,7 +26309,7 @@
             </a:ln>
             <a:extLst>
               <a:ext uri="{91240B29-F687-4f45-9708-019B960494DF}">
-                <a14:hiddenLine xmlns="" xmlns:a16="http://schemas.microsoft.com/office/drawing/2014/main" xmlns:a14="http://schemas.microsoft.com/office/drawing/2010/main" xmlns:p14="http://schemas.microsoft.com/office/powerpoint/2010/main" w="9525">
+                <a14:hiddenLine xmlns:p14="http://schemas.microsoft.com/office/powerpoint/2010/main" xmlns:a14="http://schemas.microsoft.com/office/drawing/2010/main" xmlns:a16="http://schemas.microsoft.com/office/drawing/2014/main" xmlns="" w="9525">
                   <a:solidFill>
                     <a:srgbClr val="000000"/>
                   </a:solidFill>
@@ -26243,7 +26421,7 @@
             </a:ln>
             <a:extLst>
               <a:ext uri="{91240B29-F687-4f45-9708-019B960494DF}">
-                <a14:hiddenLine xmlns="" xmlns:a16="http://schemas.microsoft.com/office/drawing/2014/main" xmlns:a14="http://schemas.microsoft.com/office/drawing/2010/main" xmlns:p14="http://schemas.microsoft.com/office/powerpoint/2010/main" w="9525">
+                <a14:hiddenLine xmlns:p14="http://schemas.microsoft.com/office/powerpoint/2010/main" xmlns:a14="http://schemas.microsoft.com/office/drawing/2010/main" xmlns:a16="http://schemas.microsoft.com/office/drawing/2014/main" xmlns="" w="9525">
                   <a:solidFill>
                     <a:srgbClr val="000000"/>
                   </a:solidFill>
@@ -26333,7 +26511,7 @@
             </a:ln>
             <a:extLst>
               <a:ext uri="{91240B29-F687-4f45-9708-019B960494DF}">
-                <a14:hiddenLine xmlns="" xmlns:a16="http://schemas.microsoft.com/office/drawing/2014/main" xmlns:a14="http://schemas.microsoft.com/office/drawing/2010/main" xmlns:p14="http://schemas.microsoft.com/office/powerpoint/2010/main" w="9525">
+                <a14:hiddenLine xmlns:p14="http://schemas.microsoft.com/office/powerpoint/2010/main" xmlns:a14="http://schemas.microsoft.com/office/drawing/2010/main" xmlns:a16="http://schemas.microsoft.com/office/drawing/2014/main" xmlns="" w="9525">
                   <a:solidFill>
                     <a:srgbClr val="000000"/>
                   </a:solidFill>
@@ -26445,7 +26623,7 @@
             </a:ln>
             <a:extLst>
               <a:ext uri="{91240B29-F687-4f45-9708-019B960494DF}">
-                <a14:hiddenLine xmlns="" xmlns:a16="http://schemas.microsoft.com/office/drawing/2014/main" xmlns:a14="http://schemas.microsoft.com/office/drawing/2010/main" xmlns:p14="http://schemas.microsoft.com/office/powerpoint/2010/main" w="9525">
+                <a14:hiddenLine xmlns:p14="http://schemas.microsoft.com/office/powerpoint/2010/main" xmlns:a14="http://schemas.microsoft.com/office/drawing/2010/main" xmlns:a16="http://schemas.microsoft.com/office/drawing/2014/main" xmlns="" w="9525">
                   <a:solidFill>
                     <a:srgbClr val="000000"/>
                   </a:solidFill>
@@ -26501,7 +26679,7 @@
             </a:ln>
             <a:extLst>
               <a:ext uri="{91240B29-F687-4f45-9708-019B960494DF}">
-                <a14:hiddenLine xmlns="" xmlns:a16="http://schemas.microsoft.com/office/drawing/2014/main" xmlns:a14="http://schemas.microsoft.com/office/drawing/2010/main" xmlns:p14="http://schemas.microsoft.com/office/powerpoint/2010/main" w="9525">
+                <a14:hiddenLine xmlns:p14="http://schemas.microsoft.com/office/powerpoint/2010/main" xmlns:a14="http://schemas.microsoft.com/office/drawing/2010/main" xmlns:a16="http://schemas.microsoft.com/office/drawing/2014/main" xmlns="" w="9525">
                   <a:solidFill>
                     <a:srgbClr val="000000"/>
                   </a:solidFill>
@@ -26613,7 +26791,7 @@
             </a:ln>
             <a:extLst>
               <a:ext uri="{91240B29-F687-4f45-9708-019B960494DF}">
-                <a14:hiddenLine xmlns="" xmlns:a16="http://schemas.microsoft.com/office/drawing/2014/main" xmlns:a14="http://schemas.microsoft.com/office/drawing/2010/main" xmlns:p14="http://schemas.microsoft.com/office/powerpoint/2010/main" w="9525">
+                <a14:hiddenLine xmlns:p14="http://schemas.microsoft.com/office/powerpoint/2010/main" xmlns:a14="http://schemas.microsoft.com/office/drawing/2010/main" xmlns:a16="http://schemas.microsoft.com/office/drawing/2014/main" xmlns="" w="9525">
                   <a:solidFill>
                     <a:srgbClr val="000000"/>
                   </a:solidFill>
@@ -26697,7 +26875,7 @@
             </a:ln>
             <a:extLst>
               <a:ext uri="{91240B29-F687-4f45-9708-019B960494DF}">
-                <a14:hiddenLine xmlns="" xmlns:a16="http://schemas.microsoft.com/office/drawing/2014/main" xmlns:a14="http://schemas.microsoft.com/office/drawing/2010/main" xmlns:p14="http://schemas.microsoft.com/office/powerpoint/2010/main" w="9525">
+                <a14:hiddenLine xmlns:p14="http://schemas.microsoft.com/office/powerpoint/2010/main" xmlns:a14="http://schemas.microsoft.com/office/drawing/2010/main" xmlns:a16="http://schemas.microsoft.com/office/drawing/2014/main" xmlns="" w="9525">
                   <a:solidFill>
                     <a:srgbClr val="000000"/>
                   </a:solidFill>
@@ -26781,7 +26959,7 @@
             </a:ln>
             <a:extLst>
               <a:ext uri="{91240B29-F687-4f45-9708-019B960494DF}">
-                <a14:hiddenLine xmlns="" xmlns:a16="http://schemas.microsoft.com/office/drawing/2014/main" xmlns:a14="http://schemas.microsoft.com/office/drawing/2010/main" xmlns:p14="http://schemas.microsoft.com/office/powerpoint/2010/main" w="9525">
+                <a14:hiddenLine xmlns:p14="http://schemas.microsoft.com/office/powerpoint/2010/main" xmlns:a14="http://schemas.microsoft.com/office/drawing/2010/main" xmlns:a16="http://schemas.microsoft.com/office/drawing/2014/main" xmlns="" w="9525">
                   <a:solidFill>
                     <a:srgbClr val="000000"/>
                   </a:solidFill>
@@ -26893,7 +27071,7 @@
             </a:ln>
             <a:extLst>
               <a:ext uri="{91240B29-F687-4f45-9708-019B960494DF}">
-                <a14:hiddenLine xmlns="" xmlns:a16="http://schemas.microsoft.com/office/drawing/2014/main" xmlns:a14="http://schemas.microsoft.com/office/drawing/2010/main" xmlns:p14="http://schemas.microsoft.com/office/powerpoint/2010/main" w="9525">
+                <a14:hiddenLine xmlns:p14="http://schemas.microsoft.com/office/powerpoint/2010/main" xmlns:a14="http://schemas.microsoft.com/office/drawing/2010/main" xmlns:a16="http://schemas.microsoft.com/office/drawing/2014/main" xmlns="" w="9525">
                   <a:solidFill>
                     <a:srgbClr val="000000"/>
                   </a:solidFill>
@@ -26983,7 +27161,7 @@
             </a:ln>
             <a:extLst>
               <a:ext uri="{91240B29-F687-4f45-9708-019B960494DF}">
-                <a14:hiddenLine xmlns="" xmlns:a16="http://schemas.microsoft.com/office/drawing/2014/main" xmlns:a14="http://schemas.microsoft.com/office/drawing/2010/main" xmlns:p14="http://schemas.microsoft.com/office/powerpoint/2010/main" w="9525">
+                <a14:hiddenLine xmlns:p14="http://schemas.microsoft.com/office/powerpoint/2010/main" xmlns:a14="http://schemas.microsoft.com/office/drawing/2010/main" xmlns:a16="http://schemas.microsoft.com/office/drawing/2014/main" xmlns="" w="9525">
                   <a:solidFill>
                     <a:srgbClr val="000000"/>
                   </a:solidFill>
@@ -27067,7 +27245,7 @@
             </a:ln>
             <a:extLst>
               <a:ext uri="{91240B29-F687-4f45-9708-019B960494DF}">
-                <a14:hiddenLine xmlns="" xmlns:a16="http://schemas.microsoft.com/office/drawing/2014/main" xmlns:a14="http://schemas.microsoft.com/office/drawing/2010/main" xmlns:p14="http://schemas.microsoft.com/office/powerpoint/2010/main" w="9525">
+                <a14:hiddenLine xmlns:p14="http://schemas.microsoft.com/office/powerpoint/2010/main" xmlns:a14="http://schemas.microsoft.com/office/drawing/2010/main" xmlns:a16="http://schemas.microsoft.com/office/drawing/2014/main" xmlns="" w="9525">
                   <a:solidFill>
                     <a:srgbClr val="000000"/>
                   </a:solidFill>
@@ -27179,7 +27357,7 @@
             </a:ln>
             <a:extLst>
               <a:ext uri="{91240B29-F687-4f45-9708-019B960494DF}">
-                <a14:hiddenLine xmlns="" xmlns:a16="http://schemas.microsoft.com/office/drawing/2014/main" xmlns:a14="http://schemas.microsoft.com/office/drawing/2010/main" xmlns:p14="http://schemas.microsoft.com/office/powerpoint/2010/main" w="9525">
+                <a14:hiddenLine xmlns:p14="http://schemas.microsoft.com/office/powerpoint/2010/main" xmlns:a14="http://schemas.microsoft.com/office/drawing/2010/main" xmlns:a16="http://schemas.microsoft.com/office/drawing/2014/main" xmlns="" w="9525">
                   <a:solidFill>
                     <a:srgbClr val="000000"/>
                   </a:solidFill>
@@ -27263,7 +27441,7 @@
             </a:ln>
             <a:extLst>
               <a:ext uri="{91240B29-F687-4f45-9708-019B960494DF}">
-                <a14:hiddenLine xmlns="" xmlns:a16="http://schemas.microsoft.com/office/drawing/2014/main" xmlns:a14="http://schemas.microsoft.com/office/drawing/2010/main" xmlns:p14="http://schemas.microsoft.com/office/powerpoint/2010/main" w="9525">
+                <a14:hiddenLine xmlns:p14="http://schemas.microsoft.com/office/powerpoint/2010/main" xmlns:a14="http://schemas.microsoft.com/office/drawing/2010/main" xmlns:a16="http://schemas.microsoft.com/office/drawing/2014/main" xmlns="" w="9525">
                   <a:solidFill>
                     <a:srgbClr val="000000"/>
                   </a:solidFill>
@@ -27375,7 +27553,7 @@
             </a:ln>
             <a:extLst>
               <a:ext uri="{91240B29-F687-4f45-9708-019B960494DF}">
-                <a14:hiddenLine xmlns="" xmlns:a16="http://schemas.microsoft.com/office/drawing/2014/main" xmlns:a14="http://schemas.microsoft.com/office/drawing/2010/main" xmlns:p14="http://schemas.microsoft.com/office/powerpoint/2010/main" w="9525">
+                <a14:hiddenLine xmlns:p14="http://schemas.microsoft.com/office/powerpoint/2010/main" xmlns:a14="http://schemas.microsoft.com/office/drawing/2010/main" xmlns:a16="http://schemas.microsoft.com/office/drawing/2014/main" xmlns="" w="9525">
                   <a:solidFill>
                     <a:srgbClr val="000000"/>
                   </a:solidFill>
@@ -27459,7 +27637,7 @@
             </a:ln>
             <a:extLst>
               <a:ext uri="{91240B29-F687-4f45-9708-019B960494DF}">
-                <a14:hiddenLine xmlns="" xmlns:a16="http://schemas.microsoft.com/office/drawing/2014/main" xmlns:a14="http://schemas.microsoft.com/office/drawing/2010/main" xmlns:p14="http://schemas.microsoft.com/office/powerpoint/2010/main" w="9525">
+                <a14:hiddenLine xmlns:p14="http://schemas.microsoft.com/office/powerpoint/2010/main" xmlns:a14="http://schemas.microsoft.com/office/drawing/2010/main" xmlns:a16="http://schemas.microsoft.com/office/drawing/2014/main" xmlns="" w="9525">
                   <a:solidFill>
                     <a:srgbClr val="000000"/>
                   </a:solidFill>
@@ -27571,7 +27749,7 @@
             </a:ln>
             <a:extLst>
               <a:ext uri="{91240B29-F687-4f45-9708-019B960494DF}">
-                <a14:hiddenLine xmlns="" xmlns:a16="http://schemas.microsoft.com/office/drawing/2014/main" xmlns:a14="http://schemas.microsoft.com/office/drawing/2010/main" xmlns:p14="http://schemas.microsoft.com/office/powerpoint/2010/main" w="9525">
+                <a14:hiddenLine xmlns:p14="http://schemas.microsoft.com/office/powerpoint/2010/main" xmlns:a14="http://schemas.microsoft.com/office/drawing/2010/main" xmlns:a16="http://schemas.microsoft.com/office/drawing/2014/main" xmlns="" w="9525">
                   <a:solidFill>
                     <a:srgbClr val="000000"/>
                   </a:solidFill>
@@ -27627,7 +27805,7 @@
             </a:ln>
             <a:extLst>
               <a:ext uri="{91240B29-F687-4f45-9708-019B960494DF}">
-                <a14:hiddenLine xmlns="" xmlns:a16="http://schemas.microsoft.com/office/drawing/2014/main" xmlns:a14="http://schemas.microsoft.com/office/drawing/2010/main" xmlns:p14="http://schemas.microsoft.com/office/powerpoint/2010/main" w="9525">
+                <a14:hiddenLine xmlns:p14="http://schemas.microsoft.com/office/powerpoint/2010/main" xmlns:a14="http://schemas.microsoft.com/office/drawing/2010/main" xmlns:a16="http://schemas.microsoft.com/office/drawing/2014/main" xmlns="" w="9525">
                   <a:solidFill>
                     <a:srgbClr val="000000"/>
                   </a:solidFill>
@@ -27714,7 +27892,7 @@
             </a:ln>
             <a:extLst>
               <a:ext uri="{91240B29-F687-4f45-9708-019B960494DF}">
-                <a14:hiddenLine xmlns="" xmlns:a16="http://schemas.microsoft.com/office/drawing/2014/main" xmlns:a14="http://schemas.microsoft.com/office/drawing/2010/main" xmlns:p14="http://schemas.microsoft.com/office/powerpoint/2010/main" w="9525">
+                <a14:hiddenLine xmlns:p14="http://schemas.microsoft.com/office/powerpoint/2010/main" xmlns:a14="http://schemas.microsoft.com/office/drawing/2010/main" xmlns:a16="http://schemas.microsoft.com/office/drawing/2014/main" xmlns="" w="9525">
                   <a:solidFill>
                     <a:srgbClr val="000000"/>
                   </a:solidFill>
@@ -27826,7 +28004,7 @@
             </a:ln>
             <a:extLst>
               <a:ext uri="{91240B29-F687-4f45-9708-019B960494DF}">
-                <a14:hiddenLine xmlns="" xmlns:a16="http://schemas.microsoft.com/office/drawing/2014/main" xmlns:a14="http://schemas.microsoft.com/office/drawing/2010/main" xmlns:p14="http://schemas.microsoft.com/office/powerpoint/2010/main" w="9525">
+                <a14:hiddenLine xmlns:p14="http://schemas.microsoft.com/office/powerpoint/2010/main" xmlns:a14="http://schemas.microsoft.com/office/drawing/2010/main" xmlns:a16="http://schemas.microsoft.com/office/drawing/2014/main" xmlns="" w="9525">
                   <a:solidFill>
                     <a:srgbClr val="000000"/>
                   </a:solidFill>
@@ -27910,7 +28088,7 @@
             </a:ln>
             <a:extLst>
               <a:ext uri="{91240B29-F687-4f45-9708-019B960494DF}">
-                <a14:hiddenLine xmlns="" xmlns:a16="http://schemas.microsoft.com/office/drawing/2014/main" xmlns:a14="http://schemas.microsoft.com/office/drawing/2010/main" xmlns:p14="http://schemas.microsoft.com/office/powerpoint/2010/main" w="9525">
+                <a14:hiddenLine xmlns:p14="http://schemas.microsoft.com/office/powerpoint/2010/main" xmlns:a14="http://schemas.microsoft.com/office/drawing/2010/main" xmlns:a16="http://schemas.microsoft.com/office/drawing/2014/main" xmlns="" w="9525">
                   <a:solidFill>
                     <a:srgbClr val="000000"/>
                   </a:solidFill>
@@ -28022,7 +28200,7 @@
             </a:ln>
             <a:extLst>
               <a:ext uri="{91240B29-F687-4f45-9708-019B960494DF}">
-                <a14:hiddenLine xmlns="" xmlns:a16="http://schemas.microsoft.com/office/drawing/2014/main" xmlns:a14="http://schemas.microsoft.com/office/drawing/2010/main" xmlns:p14="http://schemas.microsoft.com/office/powerpoint/2010/main" w="9525">
+                <a14:hiddenLine xmlns:p14="http://schemas.microsoft.com/office/powerpoint/2010/main" xmlns:a14="http://schemas.microsoft.com/office/drawing/2010/main" xmlns:a16="http://schemas.microsoft.com/office/drawing/2014/main" xmlns="" w="9525">
                   <a:solidFill>
                     <a:srgbClr val="000000"/>
                   </a:solidFill>
@@ -28134,7 +28312,7 @@
             </a:ln>
             <a:extLst>
               <a:ext uri="{91240B29-F687-4f45-9708-019B960494DF}">
-                <a14:hiddenLine xmlns="" xmlns:a16="http://schemas.microsoft.com/office/drawing/2014/main" xmlns:a14="http://schemas.microsoft.com/office/drawing/2010/main" xmlns:p14="http://schemas.microsoft.com/office/powerpoint/2010/main" w="9525">
+                <a14:hiddenLine xmlns:p14="http://schemas.microsoft.com/office/powerpoint/2010/main" xmlns:a14="http://schemas.microsoft.com/office/drawing/2010/main" xmlns:a16="http://schemas.microsoft.com/office/drawing/2014/main" xmlns="" w="9525">
                   <a:solidFill>
                     <a:srgbClr val="000000"/>
                   </a:solidFill>
@@ -28221,7 +28399,7 @@
             </a:ln>
             <a:extLst>
               <a:ext uri="{91240B29-F687-4f45-9708-019B960494DF}">
-                <a14:hiddenLine xmlns="" xmlns:a16="http://schemas.microsoft.com/office/drawing/2014/main" xmlns:a14="http://schemas.microsoft.com/office/drawing/2010/main" xmlns:p14="http://schemas.microsoft.com/office/powerpoint/2010/main" w="9525">
+                <a14:hiddenLine xmlns:p14="http://schemas.microsoft.com/office/powerpoint/2010/main" xmlns:a14="http://schemas.microsoft.com/office/drawing/2010/main" xmlns:a16="http://schemas.microsoft.com/office/drawing/2014/main" xmlns="" w="9525">
                   <a:solidFill>
                     <a:srgbClr val="000000"/>
                   </a:solidFill>
@@ -28305,7 +28483,7 @@
             </a:ln>
             <a:extLst>
               <a:ext uri="{91240B29-F687-4f45-9708-019B960494DF}">
-                <a14:hiddenLine xmlns="" xmlns:a16="http://schemas.microsoft.com/office/drawing/2014/main" xmlns:a14="http://schemas.microsoft.com/office/drawing/2010/main" xmlns:p14="http://schemas.microsoft.com/office/powerpoint/2010/main" w="9525">
+                <a14:hiddenLine xmlns:p14="http://schemas.microsoft.com/office/powerpoint/2010/main" xmlns:a14="http://schemas.microsoft.com/office/drawing/2010/main" xmlns:a16="http://schemas.microsoft.com/office/drawing/2014/main" xmlns="" w="9525">
                   <a:solidFill>
                     <a:srgbClr val="000000"/>
                   </a:solidFill>
@@ -28417,7 +28595,7 @@
             </a:ln>
             <a:extLst>
               <a:ext uri="{91240B29-F687-4f45-9708-019B960494DF}">
-                <a14:hiddenLine xmlns="" xmlns:a16="http://schemas.microsoft.com/office/drawing/2014/main" xmlns:a14="http://schemas.microsoft.com/office/drawing/2010/main" xmlns:p14="http://schemas.microsoft.com/office/powerpoint/2010/main" w="9525">
+                <a14:hiddenLine xmlns:p14="http://schemas.microsoft.com/office/powerpoint/2010/main" xmlns:a14="http://schemas.microsoft.com/office/drawing/2010/main" xmlns:a16="http://schemas.microsoft.com/office/drawing/2014/main" xmlns="" w="9525">
                   <a:solidFill>
                     <a:srgbClr val="000000"/>
                   </a:solidFill>
@@ -28529,7 +28707,7 @@
             </a:ln>
             <a:extLst>
               <a:ext uri="{91240B29-F687-4f45-9708-019B960494DF}">
-                <a14:hiddenLine xmlns="" xmlns:a16="http://schemas.microsoft.com/office/drawing/2014/main" xmlns:a14="http://schemas.microsoft.com/office/drawing/2010/main" xmlns:p14="http://schemas.microsoft.com/office/powerpoint/2010/main" w="9525">
+                <a14:hiddenLine xmlns:p14="http://schemas.microsoft.com/office/powerpoint/2010/main" xmlns:a14="http://schemas.microsoft.com/office/drawing/2010/main" xmlns:a16="http://schemas.microsoft.com/office/drawing/2014/main" xmlns="" w="9525">
                   <a:solidFill>
                     <a:srgbClr val="000000"/>
                   </a:solidFill>
@@ -28613,7 +28791,7 @@
             </a:ln>
             <a:extLst>
               <a:ext uri="{91240B29-F687-4f45-9708-019B960494DF}">
-                <a14:hiddenLine xmlns="" xmlns:a16="http://schemas.microsoft.com/office/drawing/2014/main" xmlns:a14="http://schemas.microsoft.com/office/drawing/2010/main" xmlns:p14="http://schemas.microsoft.com/office/powerpoint/2010/main" w="9525">
+                <a14:hiddenLine xmlns:p14="http://schemas.microsoft.com/office/powerpoint/2010/main" xmlns:a14="http://schemas.microsoft.com/office/drawing/2010/main" xmlns:a16="http://schemas.microsoft.com/office/drawing/2014/main" xmlns="" w="9525">
                   <a:solidFill>
                     <a:srgbClr val="000000"/>
                   </a:solidFill>
@@ -28755,7 +28933,7 @@
             </a:ln>
             <a:extLst>
               <a:ext uri="{91240B29-F687-4f45-9708-019B960494DF}">
-                <a14:hiddenLine xmlns="" xmlns:a16="http://schemas.microsoft.com/office/drawing/2014/main" xmlns:a14="http://schemas.microsoft.com/office/drawing/2010/main" xmlns:p14="http://schemas.microsoft.com/office/powerpoint/2010/main" w="9525">
+                <a14:hiddenLine xmlns:p14="http://schemas.microsoft.com/office/powerpoint/2010/main" xmlns:a14="http://schemas.microsoft.com/office/drawing/2010/main" xmlns:a16="http://schemas.microsoft.com/office/drawing/2014/main" xmlns="" w="9525">
                   <a:solidFill>
                     <a:srgbClr val="000000"/>
                   </a:solidFill>
@@ -28845,7 +29023,7 @@
             </a:ln>
             <a:extLst>
               <a:ext uri="{91240B29-F687-4f45-9708-019B960494DF}">
-                <a14:hiddenLine xmlns="" xmlns:a16="http://schemas.microsoft.com/office/drawing/2014/main" xmlns:a14="http://schemas.microsoft.com/office/drawing/2010/main" xmlns:p14="http://schemas.microsoft.com/office/powerpoint/2010/main" w="9525">
+                <a14:hiddenLine xmlns:p14="http://schemas.microsoft.com/office/powerpoint/2010/main" xmlns:a14="http://schemas.microsoft.com/office/drawing/2010/main" xmlns:a16="http://schemas.microsoft.com/office/drawing/2014/main" xmlns="" w="9525">
                   <a:solidFill>
                     <a:srgbClr val="000000"/>
                   </a:solidFill>
@@ -28957,7 +29135,7 @@
             </a:ln>
             <a:extLst>
               <a:ext uri="{91240B29-F687-4f45-9708-019B960494DF}">
-                <a14:hiddenLine xmlns="" xmlns:a16="http://schemas.microsoft.com/office/drawing/2014/main" xmlns:a14="http://schemas.microsoft.com/office/drawing/2010/main" xmlns:p14="http://schemas.microsoft.com/office/powerpoint/2010/main" w="9525">
+                <a14:hiddenLine xmlns:p14="http://schemas.microsoft.com/office/powerpoint/2010/main" xmlns:a14="http://schemas.microsoft.com/office/drawing/2010/main" xmlns:a16="http://schemas.microsoft.com/office/drawing/2014/main" xmlns="" w="9525">
                   <a:solidFill>
                     <a:srgbClr val="000000"/>
                   </a:solidFill>
@@ -29121,7 +29299,7 @@
             <a:noFill/>
             <a:extLst>
               <a:ext uri="{909E8E84-426E-40dd-AFC4-6F175D3DCCD1}">
-                <a14:hiddenFill xmlns="" xmlns:a16="http://schemas.microsoft.com/office/drawing/2014/main" xmlns:a14="http://schemas.microsoft.com/office/drawing/2010/main" xmlns:p14="http://schemas.microsoft.com/office/powerpoint/2010/main">
+                <a14:hiddenFill xmlns:p14="http://schemas.microsoft.com/office/powerpoint/2010/main" xmlns:a14="http://schemas.microsoft.com/office/drawing/2010/main" xmlns:a16="http://schemas.microsoft.com/office/drawing/2014/main" xmlns="">
                   <a:solidFill>
                     <a:srgbClr val="FFFFFF"/>
                   </a:solidFill>
@@ -29269,7 +29447,7 @@
             </a:ln>
             <a:extLst>
               <a:ext uri="{91240B29-F687-4f45-9708-019B960494DF}">
-                <a14:hiddenLine xmlns="" xmlns:a16="http://schemas.microsoft.com/office/drawing/2014/main" xmlns:a14="http://schemas.microsoft.com/office/drawing/2010/main" xmlns:p14="http://schemas.microsoft.com/office/powerpoint/2010/main" w="9525">
+                <a14:hiddenLine xmlns:p14="http://schemas.microsoft.com/office/powerpoint/2010/main" xmlns:a14="http://schemas.microsoft.com/office/drawing/2010/main" xmlns:a16="http://schemas.microsoft.com/office/drawing/2014/main" xmlns="" w="9525">
                   <a:solidFill>
                     <a:srgbClr val="000000"/>
                   </a:solidFill>
@@ -29381,7 +29559,7 @@
             </a:ln>
             <a:extLst>
               <a:ext uri="{91240B29-F687-4f45-9708-019B960494DF}">
-                <a14:hiddenLine xmlns="" xmlns:a16="http://schemas.microsoft.com/office/drawing/2014/main" xmlns:a14="http://schemas.microsoft.com/office/drawing/2010/main" xmlns:p14="http://schemas.microsoft.com/office/powerpoint/2010/main" w="9525">
+                <a14:hiddenLine xmlns:p14="http://schemas.microsoft.com/office/powerpoint/2010/main" xmlns:a14="http://schemas.microsoft.com/office/drawing/2010/main" xmlns:a16="http://schemas.microsoft.com/office/drawing/2014/main" xmlns="" w="9525">
                   <a:solidFill>
                     <a:srgbClr val="000000"/>
                   </a:solidFill>
@@ -29493,7 +29671,7 @@
             </a:ln>
             <a:extLst>
               <a:ext uri="{91240B29-F687-4f45-9708-019B960494DF}">
-                <a14:hiddenLine xmlns="" xmlns:a16="http://schemas.microsoft.com/office/drawing/2014/main" xmlns:a14="http://schemas.microsoft.com/office/drawing/2010/main" xmlns:p14="http://schemas.microsoft.com/office/powerpoint/2010/main" w="9525">
+                <a14:hiddenLine xmlns:p14="http://schemas.microsoft.com/office/powerpoint/2010/main" xmlns:a14="http://schemas.microsoft.com/office/drawing/2010/main" xmlns:a16="http://schemas.microsoft.com/office/drawing/2014/main" xmlns="" w="9525">
                   <a:solidFill>
                     <a:srgbClr val="000000"/>
                   </a:solidFill>
@@ -29549,7 +29727,7 @@
             </a:ln>
             <a:extLst>
               <a:ext uri="{91240B29-F687-4f45-9708-019B960494DF}">
-                <a14:hiddenLine xmlns="" xmlns:a16="http://schemas.microsoft.com/office/drawing/2014/main" xmlns:a14="http://schemas.microsoft.com/office/drawing/2010/main" xmlns:p14="http://schemas.microsoft.com/office/powerpoint/2010/main" w="9525">
+                <a14:hiddenLine xmlns:p14="http://schemas.microsoft.com/office/powerpoint/2010/main" xmlns:a14="http://schemas.microsoft.com/office/drawing/2010/main" xmlns:a16="http://schemas.microsoft.com/office/drawing/2014/main" xmlns="" w="9525">
                   <a:solidFill>
                     <a:srgbClr val="000000"/>
                   </a:solidFill>
@@ -29661,7 +29839,7 @@
             </a:ln>
             <a:extLst>
               <a:ext uri="{91240B29-F687-4f45-9708-019B960494DF}">
-                <a14:hiddenLine xmlns="" xmlns:a16="http://schemas.microsoft.com/office/drawing/2014/main" xmlns:a14="http://schemas.microsoft.com/office/drawing/2010/main" xmlns:p14="http://schemas.microsoft.com/office/powerpoint/2010/main" w="9525">
+                <a14:hiddenLine xmlns:p14="http://schemas.microsoft.com/office/powerpoint/2010/main" xmlns:a14="http://schemas.microsoft.com/office/drawing/2010/main" xmlns:a16="http://schemas.microsoft.com/office/drawing/2014/main" xmlns="" w="9525">
                   <a:solidFill>
                     <a:srgbClr val="000000"/>
                   </a:solidFill>
@@ -29745,7 +29923,7 @@
             </a:ln>
             <a:extLst>
               <a:ext uri="{91240B29-F687-4f45-9708-019B960494DF}">
-                <a14:hiddenLine xmlns="" xmlns:a16="http://schemas.microsoft.com/office/drawing/2014/main" xmlns:a14="http://schemas.microsoft.com/office/drawing/2010/main" xmlns:p14="http://schemas.microsoft.com/office/powerpoint/2010/main" w="9525">
+                <a14:hiddenLine xmlns:p14="http://schemas.microsoft.com/office/powerpoint/2010/main" xmlns:a14="http://schemas.microsoft.com/office/drawing/2010/main" xmlns:a16="http://schemas.microsoft.com/office/drawing/2014/main" xmlns="" w="9525">
                   <a:solidFill>
                     <a:srgbClr val="000000"/>
                   </a:solidFill>
@@ -29829,7 +30007,7 @@
             </a:ln>
             <a:extLst>
               <a:ext uri="{91240B29-F687-4f45-9708-019B960494DF}">
-                <a14:hiddenLine xmlns="" xmlns:a16="http://schemas.microsoft.com/office/drawing/2014/main" xmlns:a14="http://schemas.microsoft.com/office/drawing/2010/main" xmlns:p14="http://schemas.microsoft.com/office/powerpoint/2010/main" w="9525">
+                <a14:hiddenLine xmlns:p14="http://schemas.microsoft.com/office/powerpoint/2010/main" xmlns:a14="http://schemas.microsoft.com/office/drawing/2010/main" xmlns:a16="http://schemas.microsoft.com/office/drawing/2014/main" xmlns="" w="9525">
                   <a:solidFill>
                     <a:srgbClr val="000000"/>
                   </a:solidFill>
@@ -29941,7 +30119,7 @@
             </a:ln>
             <a:extLst>
               <a:ext uri="{91240B29-F687-4f45-9708-019B960494DF}">
-                <a14:hiddenLine xmlns="" xmlns:a16="http://schemas.microsoft.com/office/drawing/2014/main" xmlns:a14="http://schemas.microsoft.com/office/drawing/2010/main" xmlns:p14="http://schemas.microsoft.com/office/powerpoint/2010/main" w="9525">
+                <a14:hiddenLine xmlns:p14="http://schemas.microsoft.com/office/powerpoint/2010/main" xmlns:a14="http://schemas.microsoft.com/office/drawing/2010/main" xmlns:a16="http://schemas.microsoft.com/office/drawing/2014/main" xmlns="" w="9525">
                   <a:solidFill>
                     <a:srgbClr val="000000"/>
                   </a:solidFill>
@@ -30025,7 +30203,7 @@
             </a:ln>
             <a:extLst>
               <a:ext uri="{91240B29-F687-4f45-9708-019B960494DF}">
-                <a14:hiddenLine xmlns="" xmlns:a16="http://schemas.microsoft.com/office/drawing/2014/main" xmlns:a14="http://schemas.microsoft.com/office/drawing/2010/main" xmlns:p14="http://schemas.microsoft.com/office/powerpoint/2010/main" w="9525">
+                <a14:hiddenLine xmlns:p14="http://schemas.microsoft.com/office/powerpoint/2010/main" xmlns:a14="http://schemas.microsoft.com/office/drawing/2010/main" xmlns:a16="http://schemas.microsoft.com/office/drawing/2014/main" xmlns="" w="9525">
                   <a:solidFill>
                     <a:srgbClr val="000000"/>
                   </a:solidFill>
@@ -30109,7 +30287,7 @@
             </a:ln>
             <a:extLst>
               <a:ext uri="{91240B29-F687-4f45-9708-019B960494DF}">
-                <a14:hiddenLine xmlns="" xmlns:a16="http://schemas.microsoft.com/office/drawing/2014/main" xmlns:a14="http://schemas.microsoft.com/office/drawing/2010/main" xmlns:p14="http://schemas.microsoft.com/office/powerpoint/2010/main" w="9525">
+                <a14:hiddenLine xmlns:p14="http://schemas.microsoft.com/office/powerpoint/2010/main" xmlns:a14="http://schemas.microsoft.com/office/drawing/2010/main" xmlns:a16="http://schemas.microsoft.com/office/drawing/2014/main" xmlns="" w="9525">
                   <a:solidFill>
                     <a:srgbClr val="000000"/>
                   </a:solidFill>
@@ -30221,7 +30399,7 @@
             </a:ln>
             <a:extLst>
               <a:ext uri="{91240B29-F687-4f45-9708-019B960494DF}">
-                <a14:hiddenLine xmlns="" xmlns:a16="http://schemas.microsoft.com/office/drawing/2014/main" xmlns:a14="http://schemas.microsoft.com/office/drawing/2010/main" xmlns:p14="http://schemas.microsoft.com/office/powerpoint/2010/main" w="9525">
+                <a14:hiddenLine xmlns:p14="http://schemas.microsoft.com/office/powerpoint/2010/main" xmlns:a14="http://schemas.microsoft.com/office/drawing/2010/main" xmlns:a16="http://schemas.microsoft.com/office/drawing/2014/main" xmlns="" w="9525">
                   <a:solidFill>
                     <a:srgbClr val="000000"/>
                   </a:solidFill>
@@ -30333,7 +30511,7 @@
             </a:ln>
             <a:extLst>
               <a:ext uri="{91240B29-F687-4f45-9708-019B960494DF}">
-                <a14:hiddenLine xmlns="" xmlns:a16="http://schemas.microsoft.com/office/drawing/2014/main" xmlns:a14="http://schemas.microsoft.com/office/drawing/2010/main" xmlns:p14="http://schemas.microsoft.com/office/powerpoint/2010/main" w="9525">
+                <a14:hiddenLine xmlns:p14="http://schemas.microsoft.com/office/powerpoint/2010/main" xmlns:a14="http://schemas.microsoft.com/office/drawing/2010/main" xmlns:a16="http://schemas.microsoft.com/office/drawing/2014/main" xmlns="" w="9525">
                   <a:solidFill>
                     <a:srgbClr val="000000"/>
                   </a:solidFill>
@@ -30417,7 +30595,7 @@
             </a:ln>
             <a:extLst>
               <a:ext uri="{91240B29-F687-4f45-9708-019B960494DF}">
-                <a14:hiddenLine xmlns="" xmlns:a16="http://schemas.microsoft.com/office/drawing/2014/main" xmlns:a14="http://schemas.microsoft.com/office/drawing/2010/main" xmlns:p14="http://schemas.microsoft.com/office/powerpoint/2010/main" w="9525">
+                <a14:hiddenLine xmlns:p14="http://schemas.microsoft.com/office/powerpoint/2010/main" xmlns:a14="http://schemas.microsoft.com/office/drawing/2010/main" xmlns:a16="http://schemas.microsoft.com/office/drawing/2014/main" xmlns="" w="9525">
                   <a:solidFill>
                     <a:srgbClr val="000000"/>
                   </a:solidFill>
@@ -30549,7 +30727,7 @@
             </a:ln>
             <a:extLst>
               <a:ext uri="{91240B29-F687-4f45-9708-019B960494DF}">
-                <a14:hiddenLine xmlns="" xmlns:a16="http://schemas.microsoft.com/office/drawing/2014/main" xmlns:a14="http://schemas.microsoft.com/office/drawing/2010/main" xmlns:p14="http://schemas.microsoft.com/office/powerpoint/2010/main" w="9525">
+                <a14:hiddenLine xmlns:p14="http://schemas.microsoft.com/office/powerpoint/2010/main" xmlns:a14="http://schemas.microsoft.com/office/drawing/2010/main" xmlns:a16="http://schemas.microsoft.com/office/drawing/2014/main" xmlns="" w="9525">
                   <a:solidFill>
                     <a:srgbClr val="000000"/>
                   </a:solidFill>
@@ -30633,7 +30811,7 @@
             </a:ln>
             <a:extLst>
               <a:ext uri="{91240B29-F687-4f45-9708-019B960494DF}">
-                <a14:hiddenLine xmlns="" xmlns:a16="http://schemas.microsoft.com/office/drawing/2014/main" xmlns:a14="http://schemas.microsoft.com/office/drawing/2010/main" xmlns:p14="http://schemas.microsoft.com/office/powerpoint/2010/main" w="9525">
+                <a14:hiddenLine xmlns:p14="http://schemas.microsoft.com/office/powerpoint/2010/main" xmlns:a14="http://schemas.microsoft.com/office/drawing/2010/main" xmlns:a16="http://schemas.microsoft.com/office/drawing/2014/main" xmlns="" w="9525">
                   <a:solidFill>
                     <a:srgbClr val="000000"/>
                   </a:solidFill>
@@ -30745,7 +30923,7 @@
             </a:ln>
             <a:extLst>
               <a:ext uri="{91240B29-F687-4f45-9708-019B960494DF}">
-                <a14:hiddenLine xmlns="" xmlns:a16="http://schemas.microsoft.com/office/drawing/2014/main" xmlns:a14="http://schemas.microsoft.com/office/drawing/2010/main" xmlns:p14="http://schemas.microsoft.com/office/powerpoint/2010/main" w="9525">
+                <a14:hiddenLine xmlns:p14="http://schemas.microsoft.com/office/powerpoint/2010/main" xmlns:a14="http://schemas.microsoft.com/office/drawing/2010/main" xmlns:a16="http://schemas.microsoft.com/office/drawing/2014/main" xmlns="" w="9525">
                   <a:solidFill>
                     <a:srgbClr val="000000"/>
                   </a:solidFill>
@@ -30857,7 +31035,7 @@
             </a:ln>
             <a:extLst>
               <a:ext uri="{91240B29-F687-4f45-9708-019B960494DF}">
-                <a14:hiddenLine xmlns="" xmlns:a16="http://schemas.microsoft.com/office/drawing/2014/main" xmlns:a14="http://schemas.microsoft.com/office/drawing/2010/main" xmlns:p14="http://schemas.microsoft.com/office/powerpoint/2010/main" w="9525">
+                <a14:hiddenLine xmlns:p14="http://schemas.microsoft.com/office/powerpoint/2010/main" xmlns:a14="http://schemas.microsoft.com/office/drawing/2010/main" xmlns:a16="http://schemas.microsoft.com/office/drawing/2014/main" xmlns="" w="9525">
                   <a:solidFill>
                     <a:srgbClr val="000000"/>
                   </a:solidFill>
@@ -30941,7 +31119,7 @@
             </a:ln>
             <a:extLst>
               <a:ext uri="{91240B29-F687-4f45-9708-019B960494DF}">
-                <a14:hiddenLine xmlns="" xmlns:a16="http://schemas.microsoft.com/office/drawing/2014/main" xmlns:a14="http://schemas.microsoft.com/office/drawing/2010/main" xmlns:p14="http://schemas.microsoft.com/office/powerpoint/2010/main" w="9525">
+                <a14:hiddenLine xmlns:p14="http://schemas.microsoft.com/office/powerpoint/2010/main" xmlns:a14="http://schemas.microsoft.com/office/drawing/2010/main" xmlns:a16="http://schemas.microsoft.com/office/drawing/2014/main" xmlns="" w="9525">
                   <a:solidFill>
                     <a:srgbClr val="000000"/>
                   </a:solidFill>
@@ -31053,7 +31231,7 @@
             </a:ln>
             <a:extLst>
               <a:ext uri="{91240B29-F687-4f45-9708-019B960494DF}">
-                <a14:hiddenLine xmlns="" xmlns:a16="http://schemas.microsoft.com/office/drawing/2014/main" xmlns:a14="http://schemas.microsoft.com/office/drawing/2010/main" xmlns:p14="http://schemas.microsoft.com/office/powerpoint/2010/main" w="9525">
+                <a14:hiddenLine xmlns:p14="http://schemas.microsoft.com/office/powerpoint/2010/main" xmlns:a14="http://schemas.microsoft.com/office/drawing/2010/main" xmlns:a16="http://schemas.microsoft.com/office/drawing/2014/main" xmlns="" w="9525">
                   <a:solidFill>
                     <a:srgbClr val="000000"/>
                   </a:solidFill>
@@ -31165,7 +31343,7 @@
             </a:ln>
             <a:extLst>
               <a:ext uri="{91240B29-F687-4f45-9708-019B960494DF}">
-                <a14:hiddenLine xmlns="" xmlns:a16="http://schemas.microsoft.com/office/drawing/2014/main" xmlns:a14="http://schemas.microsoft.com/office/drawing/2010/main" xmlns:p14="http://schemas.microsoft.com/office/powerpoint/2010/main" w="9525">
+                <a14:hiddenLine xmlns:p14="http://schemas.microsoft.com/office/powerpoint/2010/main" xmlns:a14="http://schemas.microsoft.com/office/drawing/2010/main" xmlns:a16="http://schemas.microsoft.com/office/drawing/2014/main" xmlns="" w="9525">
                   <a:solidFill>
                     <a:srgbClr val="000000"/>
                   </a:solidFill>
@@ -31243,7 +31421,7 @@
             </a:ln>
             <a:extLst>
               <a:ext uri="{91240B29-F687-4f45-9708-019B960494DF}">
-                <a14:hiddenLine xmlns="" xmlns:a16="http://schemas.microsoft.com/office/drawing/2014/main" xmlns:a14="http://schemas.microsoft.com/office/drawing/2010/main" xmlns:p14="http://schemas.microsoft.com/office/powerpoint/2010/main" w="9525">
+                <a14:hiddenLine xmlns:p14="http://schemas.microsoft.com/office/powerpoint/2010/main" xmlns:a14="http://schemas.microsoft.com/office/drawing/2010/main" xmlns:a16="http://schemas.microsoft.com/office/drawing/2014/main" xmlns="" w="9525">
                   <a:solidFill>
                     <a:srgbClr val="000000"/>
                   </a:solidFill>
@@ -31355,7 +31533,7 @@
             </a:ln>
             <a:extLst>
               <a:ext uri="{91240B29-F687-4f45-9708-019B960494DF}">
-                <a14:hiddenLine xmlns="" xmlns:a16="http://schemas.microsoft.com/office/drawing/2014/main" xmlns:a14="http://schemas.microsoft.com/office/drawing/2010/main" xmlns:p14="http://schemas.microsoft.com/office/powerpoint/2010/main" w="9525">
+                <a14:hiddenLine xmlns:p14="http://schemas.microsoft.com/office/powerpoint/2010/main" xmlns:a14="http://schemas.microsoft.com/office/drawing/2010/main" xmlns:a16="http://schemas.microsoft.com/office/drawing/2014/main" xmlns="" w="9525">
                   <a:solidFill>
                     <a:srgbClr val="000000"/>
                   </a:solidFill>
@@ -31433,7 +31611,7 @@
             </a:ln>
             <a:extLst>
               <a:ext uri="{91240B29-F687-4f45-9708-019B960494DF}">
-                <a14:hiddenLine xmlns="" xmlns:a16="http://schemas.microsoft.com/office/drawing/2014/main" xmlns:a14="http://schemas.microsoft.com/office/drawing/2010/main" xmlns:p14="http://schemas.microsoft.com/office/powerpoint/2010/main" w="9525">
+                <a14:hiddenLine xmlns:p14="http://schemas.microsoft.com/office/powerpoint/2010/main" xmlns:a14="http://schemas.microsoft.com/office/drawing/2010/main" xmlns:a16="http://schemas.microsoft.com/office/drawing/2014/main" xmlns="" w="9525">
                   <a:solidFill>
                     <a:srgbClr val="000000"/>
                   </a:solidFill>
@@ -31545,7 +31723,7 @@
             </a:ln>
             <a:extLst>
               <a:ext uri="{91240B29-F687-4f45-9708-019B960494DF}">
-                <a14:hiddenLine xmlns="" xmlns:a16="http://schemas.microsoft.com/office/drawing/2014/main" xmlns:a14="http://schemas.microsoft.com/office/drawing/2010/main" xmlns:p14="http://schemas.microsoft.com/office/powerpoint/2010/main" w="9525">
+                <a14:hiddenLine xmlns:p14="http://schemas.microsoft.com/office/powerpoint/2010/main" xmlns:a14="http://schemas.microsoft.com/office/drawing/2010/main" xmlns:a16="http://schemas.microsoft.com/office/drawing/2014/main" xmlns="" w="9525">
                   <a:solidFill>
                     <a:srgbClr val="000000"/>
                   </a:solidFill>
@@ -31635,7 +31813,7 @@
             </a:ln>
             <a:extLst>
               <a:ext uri="{91240B29-F687-4f45-9708-019B960494DF}">
-                <a14:hiddenLine xmlns="" xmlns:a16="http://schemas.microsoft.com/office/drawing/2014/main" xmlns:a14="http://schemas.microsoft.com/office/drawing/2010/main" xmlns:p14="http://schemas.microsoft.com/office/powerpoint/2010/main" w="9525">
+                <a14:hiddenLine xmlns:p14="http://schemas.microsoft.com/office/powerpoint/2010/main" xmlns:a14="http://schemas.microsoft.com/office/drawing/2010/main" xmlns:a16="http://schemas.microsoft.com/office/drawing/2014/main" xmlns="" w="9525">
                   <a:solidFill>
                     <a:srgbClr val="000000"/>
                   </a:solidFill>
@@ -31747,7 +31925,7 @@
             </a:ln>
             <a:extLst>
               <a:ext uri="{91240B29-F687-4f45-9708-019B960494DF}">
-                <a14:hiddenLine xmlns="" xmlns:a16="http://schemas.microsoft.com/office/drawing/2014/main" xmlns:a14="http://schemas.microsoft.com/office/drawing/2010/main" xmlns:p14="http://schemas.microsoft.com/office/powerpoint/2010/main" w="9525">
+                <a14:hiddenLine xmlns:p14="http://schemas.microsoft.com/office/powerpoint/2010/main" xmlns:a14="http://schemas.microsoft.com/office/drawing/2010/main" xmlns:a16="http://schemas.microsoft.com/office/drawing/2014/main" xmlns="" w="9525">
                   <a:solidFill>
                     <a:srgbClr val="000000"/>
                   </a:solidFill>
@@ -31837,7 +32015,7 @@
             </a:ln>
             <a:extLst>
               <a:ext uri="{91240B29-F687-4f45-9708-019B960494DF}">
-                <a14:hiddenLine xmlns="" xmlns:a16="http://schemas.microsoft.com/office/drawing/2014/main" xmlns:a14="http://schemas.microsoft.com/office/drawing/2010/main" xmlns:p14="http://schemas.microsoft.com/office/powerpoint/2010/main" w="9525">
+                <a14:hiddenLine xmlns:p14="http://schemas.microsoft.com/office/powerpoint/2010/main" xmlns:a14="http://schemas.microsoft.com/office/drawing/2010/main" xmlns:a16="http://schemas.microsoft.com/office/drawing/2014/main" xmlns="" w="9525">
                   <a:solidFill>
                     <a:srgbClr val="000000"/>
                   </a:solidFill>
@@ -31949,7 +32127,7 @@
             </a:ln>
             <a:extLst>
               <a:ext uri="{91240B29-F687-4f45-9708-019B960494DF}">
-                <a14:hiddenLine xmlns="" xmlns:a16="http://schemas.microsoft.com/office/drawing/2014/main" xmlns:a14="http://schemas.microsoft.com/office/drawing/2010/main" xmlns:p14="http://schemas.microsoft.com/office/powerpoint/2010/main" w="9525">
+                <a14:hiddenLine xmlns:p14="http://schemas.microsoft.com/office/powerpoint/2010/main" xmlns:a14="http://schemas.microsoft.com/office/drawing/2010/main" xmlns:a16="http://schemas.microsoft.com/office/drawing/2014/main" xmlns="" w="9525">
                   <a:solidFill>
                     <a:srgbClr val="000000"/>
                   </a:solidFill>
@@ -32005,7 +32183,7 @@
             </a:ln>
             <a:extLst>
               <a:ext uri="{91240B29-F687-4f45-9708-019B960494DF}">
-                <a14:hiddenLine xmlns="" xmlns:a16="http://schemas.microsoft.com/office/drawing/2014/main" xmlns:a14="http://schemas.microsoft.com/office/drawing/2010/main" xmlns:p14="http://schemas.microsoft.com/office/powerpoint/2010/main" w="9525">
+                <a14:hiddenLine xmlns:p14="http://schemas.microsoft.com/office/powerpoint/2010/main" xmlns:a14="http://schemas.microsoft.com/office/drawing/2010/main" xmlns:a16="http://schemas.microsoft.com/office/drawing/2014/main" xmlns="" w="9525">
                   <a:solidFill>
                     <a:srgbClr val="000000"/>
                   </a:solidFill>
@@ -32117,7 +32295,7 @@
             </a:ln>
             <a:extLst>
               <a:ext uri="{91240B29-F687-4f45-9708-019B960494DF}">
-                <a14:hiddenLine xmlns="" xmlns:a16="http://schemas.microsoft.com/office/drawing/2014/main" xmlns:a14="http://schemas.microsoft.com/office/drawing/2010/main" xmlns:p14="http://schemas.microsoft.com/office/powerpoint/2010/main" w="9525">
+                <a14:hiddenLine xmlns:p14="http://schemas.microsoft.com/office/powerpoint/2010/main" xmlns:a14="http://schemas.microsoft.com/office/drawing/2010/main" xmlns:a16="http://schemas.microsoft.com/office/drawing/2014/main" xmlns="" w="9525">
                   <a:solidFill>
                     <a:srgbClr val="000000"/>
                   </a:solidFill>
@@ -32201,7 +32379,7 @@
             </a:ln>
             <a:extLst>
               <a:ext uri="{91240B29-F687-4f45-9708-019B960494DF}">
-                <a14:hiddenLine xmlns="" xmlns:a16="http://schemas.microsoft.com/office/drawing/2014/main" xmlns:a14="http://schemas.microsoft.com/office/drawing/2010/main" xmlns:p14="http://schemas.microsoft.com/office/powerpoint/2010/main" w="9525">
+                <a14:hiddenLine xmlns:p14="http://schemas.microsoft.com/office/powerpoint/2010/main" xmlns:a14="http://schemas.microsoft.com/office/drawing/2010/main" xmlns:a16="http://schemas.microsoft.com/office/drawing/2014/main" xmlns="" w="9525">
                   <a:solidFill>
                     <a:srgbClr val="000000"/>
                   </a:solidFill>
@@ -32285,7 +32463,7 @@
             </a:ln>
             <a:extLst>
               <a:ext uri="{91240B29-F687-4f45-9708-019B960494DF}">
-                <a14:hiddenLine xmlns="" xmlns:a16="http://schemas.microsoft.com/office/drawing/2014/main" xmlns:a14="http://schemas.microsoft.com/office/drawing/2010/main" xmlns:p14="http://schemas.microsoft.com/office/powerpoint/2010/main" w="9525">
+                <a14:hiddenLine xmlns:p14="http://schemas.microsoft.com/office/powerpoint/2010/main" xmlns:a14="http://schemas.microsoft.com/office/drawing/2010/main" xmlns:a16="http://schemas.microsoft.com/office/drawing/2014/main" xmlns="" w="9525">
                   <a:solidFill>
                     <a:srgbClr val="000000"/>
                   </a:solidFill>
@@ -32397,7 +32575,7 @@
             </a:ln>
             <a:extLst>
               <a:ext uri="{91240B29-F687-4f45-9708-019B960494DF}">
-                <a14:hiddenLine xmlns="" xmlns:a16="http://schemas.microsoft.com/office/drawing/2014/main" xmlns:a14="http://schemas.microsoft.com/office/drawing/2010/main" xmlns:p14="http://schemas.microsoft.com/office/powerpoint/2010/main" w="9525">
+                <a14:hiddenLine xmlns:p14="http://schemas.microsoft.com/office/powerpoint/2010/main" xmlns:a14="http://schemas.microsoft.com/office/drawing/2010/main" xmlns:a16="http://schemas.microsoft.com/office/drawing/2014/main" xmlns="" w="9525">
                   <a:solidFill>
                     <a:srgbClr val="000000"/>
                   </a:solidFill>
@@ -32487,7 +32665,7 @@
             </a:ln>
             <a:extLst>
               <a:ext uri="{91240B29-F687-4f45-9708-019B960494DF}">
-                <a14:hiddenLine xmlns="" xmlns:a16="http://schemas.microsoft.com/office/drawing/2014/main" xmlns:a14="http://schemas.microsoft.com/office/drawing/2010/main" xmlns:p14="http://schemas.microsoft.com/office/powerpoint/2010/main" w="9525">
+                <a14:hiddenLine xmlns:p14="http://schemas.microsoft.com/office/powerpoint/2010/main" xmlns:a14="http://schemas.microsoft.com/office/drawing/2010/main" xmlns:a16="http://schemas.microsoft.com/office/drawing/2014/main" xmlns="" w="9525">
                   <a:solidFill>
                     <a:srgbClr val="000000"/>
                   </a:solidFill>
@@ -32571,7 +32749,7 @@
             </a:ln>
             <a:extLst>
               <a:ext uri="{91240B29-F687-4f45-9708-019B960494DF}">
-                <a14:hiddenLine xmlns="" xmlns:a16="http://schemas.microsoft.com/office/drawing/2014/main" xmlns:a14="http://schemas.microsoft.com/office/drawing/2010/main" xmlns:p14="http://schemas.microsoft.com/office/powerpoint/2010/main" w="9525">
+                <a14:hiddenLine xmlns:p14="http://schemas.microsoft.com/office/powerpoint/2010/main" xmlns:a14="http://schemas.microsoft.com/office/drawing/2010/main" xmlns:a16="http://schemas.microsoft.com/office/drawing/2014/main" xmlns="" w="9525">
                   <a:solidFill>
                     <a:srgbClr val="000000"/>
                   </a:solidFill>
@@ -32683,7 +32861,7 @@
             </a:ln>
             <a:extLst>
               <a:ext uri="{91240B29-F687-4f45-9708-019B960494DF}">
-                <a14:hiddenLine xmlns="" xmlns:a16="http://schemas.microsoft.com/office/drawing/2014/main" xmlns:a14="http://schemas.microsoft.com/office/drawing/2010/main" xmlns:p14="http://schemas.microsoft.com/office/powerpoint/2010/main" w="9525">
+                <a14:hiddenLine xmlns:p14="http://schemas.microsoft.com/office/powerpoint/2010/main" xmlns:a14="http://schemas.microsoft.com/office/drawing/2010/main" xmlns:a16="http://schemas.microsoft.com/office/drawing/2014/main" xmlns="" w="9525">
                   <a:solidFill>
                     <a:srgbClr val="000000"/>
                   </a:solidFill>
@@ -32767,7 +32945,7 @@
             </a:ln>
             <a:extLst>
               <a:ext uri="{91240B29-F687-4f45-9708-019B960494DF}">
-                <a14:hiddenLine xmlns="" xmlns:a16="http://schemas.microsoft.com/office/drawing/2014/main" xmlns:a14="http://schemas.microsoft.com/office/drawing/2010/main" xmlns:p14="http://schemas.microsoft.com/office/powerpoint/2010/main" w="9525">
+                <a14:hiddenLine xmlns:p14="http://schemas.microsoft.com/office/powerpoint/2010/main" xmlns:a14="http://schemas.microsoft.com/office/drawing/2010/main" xmlns:a16="http://schemas.microsoft.com/office/drawing/2014/main" xmlns="" w="9525">
                   <a:solidFill>
                     <a:srgbClr val="000000"/>
                   </a:solidFill>
@@ -32879,7 +33057,7 @@
             </a:ln>
             <a:extLst>
               <a:ext uri="{91240B29-F687-4f45-9708-019B960494DF}">
-                <a14:hiddenLine xmlns="" xmlns:a16="http://schemas.microsoft.com/office/drawing/2014/main" xmlns:a14="http://schemas.microsoft.com/office/drawing/2010/main" xmlns:p14="http://schemas.microsoft.com/office/powerpoint/2010/main" w="9525">
+                <a14:hiddenLine xmlns:p14="http://schemas.microsoft.com/office/powerpoint/2010/main" xmlns:a14="http://schemas.microsoft.com/office/drawing/2010/main" xmlns:a16="http://schemas.microsoft.com/office/drawing/2014/main" xmlns="" w="9525">
                   <a:solidFill>
                     <a:srgbClr val="000000"/>
                   </a:solidFill>
@@ -32963,7 +33141,7 @@
             </a:ln>
             <a:extLst>
               <a:ext uri="{91240B29-F687-4f45-9708-019B960494DF}">
-                <a14:hiddenLine xmlns="" xmlns:a16="http://schemas.microsoft.com/office/drawing/2014/main" xmlns:a14="http://schemas.microsoft.com/office/drawing/2010/main" xmlns:p14="http://schemas.microsoft.com/office/powerpoint/2010/main" w="9525">
+                <a14:hiddenLine xmlns:p14="http://schemas.microsoft.com/office/powerpoint/2010/main" xmlns:a14="http://schemas.microsoft.com/office/drawing/2010/main" xmlns:a16="http://schemas.microsoft.com/office/drawing/2014/main" xmlns="" w="9525">
                   <a:solidFill>
                     <a:srgbClr val="000000"/>
                   </a:solidFill>
@@ -33075,7 +33253,7 @@
             </a:ln>
             <a:extLst>
               <a:ext uri="{91240B29-F687-4f45-9708-019B960494DF}">
-                <a14:hiddenLine xmlns="" xmlns:a16="http://schemas.microsoft.com/office/drawing/2014/main" xmlns:a14="http://schemas.microsoft.com/office/drawing/2010/main" xmlns:p14="http://schemas.microsoft.com/office/powerpoint/2010/main" w="9525">
+                <a14:hiddenLine xmlns:p14="http://schemas.microsoft.com/office/powerpoint/2010/main" xmlns:a14="http://schemas.microsoft.com/office/drawing/2010/main" xmlns:a16="http://schemas.microsoft.com/office/drawing/2014/main" xmlns="" w="9525">
                   <a:solidFill>
                     <a:srgbClr val="000000"/>
                   </a:solidFill>
@@ -33131,7 +33309,7 @@
             </a:ln>
             <a:extLst>
               <a:ext uri="{91240B29-F687-4f45-9708-019B960494DF}">
-                <a14:hiddenLine xmlns="" xmlns:a16="http://schemas.microsoft.com/office/drawing/2014/main" xmlns:a14="http://schemas.microsoft.com/office/drawing/2010/main" xmlns:p14="http://schemas.microsoft.com/office/powerpoint/2010/main" w="9525">
+                <a14:hiddenLine xmlns:p14="http://schemas.microsoft.com/office/powerpoint/2010/main" xmlns:a14="http://schemas.microsoft.com/office/drawing/2010/main" xmlns:a16="http://schemas.microsoft.com/office/drawing/2014/main" xmlns="" w="9525">
                   <a:solidFill>
                     <a:srgbClr val="000000"/>
                   </a:solidFill>
@@ -33218,7 +33396,7 @@
             </a:ln>
             <a:extLst>
               <a:ext uri="{91240B29-F687-4f45-9708-019B960494DF}">
-                <a14:hiddenLine xmlns="" xmlns:a16="http://schemas.microsoft.com/office/drawing/2014/main" xmlns:a14="http://schemas.microsoft.com/office/drawing/2010/main" xmlns:p14="http://schemas.microsoft.com/office/powerpoint/2010/main" w="9525">
+                <a14:hiddenLine xmlns:p14="http://schemas.microsoft.com/office/powerpoint/2010/main" xmlns:a14="http://schemas.microsoft.com/office/drawing/2010/main" xmlns:a16="http://schemas.microsoft.com/office/drawing/2014/main" xmlns="" w="9525">
                   <a:solidFill>
                     <a:srgbClr val="000000"/>
                   </a:solidFill>
@@ -33330,7 +33508,7 @@
             </a:ln>
             <a:extLst>
               <a:ext uri="{91240B29-F687-4f45-9708-019B960494DF}">
-                <a14:hiddenLine xmlns="" xmlns:a16="http://schemas.microsoft.com/office/drawing/2014/main" xmlns:a14="http://schemas.microsoft.com/office/drawing/2010/main" xmlns:p14="http://schemas.microsoft.com/office/powerpoint/2010/main" w="9525">
+                <a14:hiddenLine xmlns:p14="http://schemas.microsoft.com/office/powerpoint/2010/main" xmlns:a14="http://schemas.microsoft.com/office/drawing/2010/main" xmlns:a16="http://schemas.microsoft.com/office/drawing/2014/main" xmlns="" w="9525">
                   <a:solidFill>
                     <a:srgbClr val="000000"/>
                   </a:solidFill>
@@ -33414,7 +33592,7 @@
             </a:ln>
             <a:extLst>
               <a:ext uri="{91240B29-F687-4f45-9708-019B960494DF}">
-                <a14:hiddenLine xmlns="" xmlns:a16="http://schemas.microsoft.com/office/drawing/2014/main" xmlns:a14="http://schemas.microsoft.com/office/drawing/2010/main" xmlns:p14="http://schemas.microsoft.com/office/powerpoint/2010/main" w="9525">
+                <a14:hiddenLine xmlns:p14="http://schemas.microsoft.com/office/powerpoint/2010/main" xmlns:a14="http://schemas.microsoft.com/office/drawing/2010/main" xmlns:a16="http://schemas.microsoft.com/office/drawing/2014/main" xmlns="" w="9525">
                   <a:solidFill>
                     <a:srgbClr val="000000"/>
                   </a:solidFill>
@@ -33526,7 +33704,7 @@
             </a:ln>
             <a:extLst>
               <a:ext uri="{91240B29-F687-4f45-9708-019B960494DF}">
-                <a14:hiddenLine xmlns="" xmlns:a16="http://schemas.microsoft.com/office/drawing/2014/main" xmlns:a14="http://schemas.microsoft.com/office/drawing/2010/main" xmlns:p14="http://schemas.microsoft.com/office/powerpoint/2010/main" w="9525">
+                <a14:hiddenLine xmlns:p14="http://schemas.microsoft.com/office/powerpoint/2010/main" xmlns:a14="http://schemas.microsoft.com/office/drawing/2010/main" xmlns:a16="http://schemas.microsoft.com/office/drawing/2014/main" xmlns="" w="9525">
                   <a:solidFill>
                     <a:srgbClr val="000000"/>
                   </a:solidFill>
@@ -33638,7 +33816,7 @@
             </a:ln>
             <a:extLst>
               <a:ext uri="{91240B29-F687-4f45-9708-019B960494DF}">
-                <a14:hiddenLine xmlns="" xmlns:a16="http://schemas.microsoft.com/office/drawing/2014/main" xmlns:a14="http://schemas.microsoft.com/office/drawing/2010/main" xmlns:p14="http://schemas.microsoft.com/office/powerpoint/2010/main" w="9525">
+                <a14:hiddenLine xmlns:p14="http://schemas.microsoft.com/office/powerpoint/2010/main" xmlns:a14="http://schemas.microsoft.com/office/drawing/2010/main" xmlns:a16="http://schemas.microsoft.com/office/drawing/2014/main" xmlns="" w="9525">
                   <a:solidFill>
                     <a:srgbClr val="000000"/>
                   </a:solidFill>
@@ -33725,7 +33903,7 @@
             </a:ln>
             <a:extLst>
               <a:ext uri="{91240B29-F687-4f45-9708-019B960494DF}">
-                <a14:hiddenLine xmlns="" xmlns:a16="http://schemas.microsoft.com/office/drawing/2014/main" xmlns:a14="http://schemas.microsoft.com/office/drawing/2010/main" xmlns:p14="http://schemas.microsoft.com/office/powerpoint/2010/main" w="9525">
+                <a14:hiddenLine xmlns:p14="http://schemas.microsoft.com/office/powerpoint/2010/main" xmlns:a14="http://schemas.microsoft.com/office/drawing/2010/main" xmlns:a16="http://schemas.microsoft.com/office/drawing/2014/main" xmlns="" w="9525">
                   <a:solidFill>
                     <a:srgbClr val="000000"/>
                   </a:solidFill>
@@ -33809,7 +33987,7 @@
             </a:ln>
             <a:extLst>
               <a:ext uri="{91240B29-F687-4f45-9708-019B960494DF}">
-                <a14:hiddenLine xmlns="" xmlns:a16="http://schemas.microsoft.com/office/drawing/2014/main" xmlns:a14="http://schemas.microsoft.com/office/drawing/2010/main" xmlns:p14="http://schemas.microsoft.com/office/powerpoint/2010/main" w="9525">
+                <a14:hiddenLine xmlns:p14="http://schemas.microsoft.com/office/powerpoint/2010/main" xmlns:a14="http://schemas.microsoft.com/office/drawing/2010/main" xmlns:a16="http://schemas.microsoft.com/office/drawing/2014/main" xmlns="" w="9525">
                   <a:solidFill>
                     <a:srgbClr val="000000"/>
                   </a:solidFill>
@@ -33921,7 +34099,7 @@
             </a:ln>
             <a:extLst>
               <a:ext uri="{91240B29-F687-4f45-9708-019B960494DF}">
-                <a14:hiddenLine xmlns="" xmlns:a16="http://schemas.microsoft.com/office/drawing/2014/main" xmlns:a14="http://schemas.microsoft.com/office/drawing/2010/main" xmlns:p14="http://schemas.microsoft.com/office/powerpoint/2010/main" w="9525">
+                <a14:hiddenLine xmlns:p14="http://schemas.microsoft.com/office/powerpoint/2010/main" xmlns:a14="http://schemas.microsoft.com/office/drawing/2010/main" xmlns:a16="http://schemas.microsoft.com/office/drawing/2014/main" xmlns="" w="9525">
                   <a:solidFill>
                     <a:srgbClr val="000000"/>
                   </a:solidFill>
@@ -34033,7 +34211,7 @@
             </a:ln>
             <a:extLst>
               <a:ext uri="{91240B29-F687-4f45-9708-019B960494DF}">
-                <a14:hiddenLine xmlns="" xmlns:a16="http://schemas.microsoft.com/office/drawing/2014/main" xmlns:a14="http://schemas.microsoft.com/office/drawing/2010/main" xmlns:p14="http://schemas.microsoft.com/office/powerpoint/2010/main" w="9525">
+                <a14:hiddenLine xmlns:p14="http://schemas.microsoft.com/office/powerpoint/2010/main" xmlns:a14="http://schemas.microsoft.com/office/drawing/2010/main" xmlns:a16="http://schemas.microsoft.com/office/drawing/2014/main" xmlns="" w="9525">
                   <a:solidFill>
                     <a:srgbClr val="000000"/>
                   </a:solidFill>
@@ -34117,7 +34295,7 @@
             </a:ln>
             <a:extLst>
               <a:ext uri="{91240B29-F687-4f45-9708-019B960494DF}">
-                <a14:hiddenLine xmlns="" xmlns:a16="http://schemas.microsoft.com/office/drawing/2014/main" xmlns:a14="http://schemas.microsoft.com/office/drawing/2010/main" xmlns:p14="http://schemas.microsoft.com/office/powerpoint/2010/main" w="9525">
+                <a14:hiddenLine xmlns:p14="http://schemas.microsoft.com/office/powerpoint/2010/main" xmlns:a14="http://schemas.microsoft.com/office/drawing/2010/main" xmlns:a16="http://schemas.microsoft.com/office/drawing/2014/main" xmlns="" w="9525">
                   <a:solidFill>
                     <a:srgbClr val="000000"/>
                   </a:solidFill>
@@ -34259,7 +34437,7 @@
             </a:ln>
             <a:extLst>
               <a:ext uri="{91240B29-F687-4f45-9708-019B960494DF}">
-                <a14:hiddenLine xmlns="" xmlns:a16="http://schemas.microsoft.com/office/drawing/2014/main" xmlns:a14="http://schemas.microsoft.com/office/drawing/2010/main" xmlns:p14="http://schemas.microsoft.com/office/powerpoint/2010/main" w="9525">
+                <a14:hiddenLine xmlns:p14="http://schemas.microsoft.com/office/powerpoint/2010/main" xmlns:a14="http://schemas.microsoft.com/office/drawing/2010/main" xmlns:a16="http://schemas.microsoft.com/office/drawing/2014/main" xmlns="" w="9525">
                   <a:solidFill>
                     <a:srgbClr val="000000"/>
                   </a:solidFill>
@@ -34349,7 +34527,7 @@
             </a:ln>
             <a:extLst>
               <a:ext uri="{91240B29-F687-4f45-9708-019B960494DF}">
-                <a14:hiddenLine xmlns="" xmlns:a16="http://schemas.microsoft.com/office/drawing/2014/main" xmlns:a14="http://schemas.microsoft.com/office/drawing/2010/main" xmlns:p14="http://schemas.microsoft.com/office/powerpoint/2010/main" w="9525">
+                <a14:hiddenLine xmlns:p14="http://schemas.microsoft.com/office/powerpoint/2010/main" xmlns:a14="http://schemas.microsoft.com/office/drawing/2010/main" xmlns:a16="http://schemas.microsoft.com/office/drawing/2014/main" xmlns="" w="9525">
                   <a:solidFill>
                     <a:srgbClr val="000000"/>
                   </a:solidFill>
@@ -34461,7 +34639,7 @@
             </a:ln>
             <a:extLst>
               <a:ext uri="{91240B29-F687-4f45-9708-019B960494DF}">
-                <a14:hiddenLine xmlns="" xmlns:a16="http://schemas.microsoft.com/office/drawing/2014/main" xmlns:a14="http://schemas.microsoft.com/office/drawing/2010/main" xmlns:p14="http://schemas.microsoft.com/office/powerpoint/2010/main" w="9525">
+                <a14:hiddenLine xmlns:p14="http://schemas.microsoft.com/office/powerpoint/2010/main" xmlns:a14="http://schemas.microsoft.com/office/drawing/2010/main" xmlns:a16="http://schemas.microsoft.com/office/drawing/2014/main" xmlns="" w="9525">
                   <a:solidFill>
                     <a:srgbClr val="000000"/>
                   </a:solidFill>
@@ -34598,7 +34776,7 @@
             </a:ln>
             <a:extLst>
               <a:ext uri="{91240B29-F687-4f45-9708-019B960494DF}">
-                <a14:hiddenLine xmlns="" xmlns:a16="http://schemas.microsoft.com/office/drawing/2014/main" xmlns:a14="http://schemas.microsoft.com/office/drawing/2010/main" xmlns:p14="http://schemas.microsoft.com/office/powerpoint/2010/main" w="9525">
+                <a14:hiddenLine xmlns:p14="http://schemas.microsoft.com/office/powerpoint/2010/main" xmlns:a14="http://schemas.microsoft.com/office/drawing/2010/main" xmlns:a16="http://schemas.microsoft.com/office/drawing/2014/main" xmlns="" w="9525">
                   <a:solidFill>
                     <a:srgbClr val="000000"/>
                   </a:solidFill>
@@ -34735,7 +34913,7 @@
             </a:ln>
             <a:extLst>
               <a:ext uri="{91240B29-F687-4f45-9708-019B960494DF}">
-                <a14:hiddenLine xmlns="" xmlns:a16="http://schemas.microsoft.com/office/drawing/2014/main" xmlns:a14="http://schemas.microsoft.com/office/drawing/2010/main" xmlns:p14="http://schemas.microsoft.com/office/powerpoint/2010/main" w="9525">
+                <a14:hiddenLine xmlns:p14="http://schemas.microsoft.com/office/powerpoint/2010/main" xmlns:a14="http://schemas.microsoft.com/office/drawing/2010/main" xmlns:a16="http://schemas.microsoft.com/office/drawing/2014/main" xmlns="" w="9525">
                   <a:solidFill>
                     <a:srgbClr val="000000"/>
                   </a:solidFill>
@@ -34847,7 +35025,7 @@
             </a:ln>
             <a:extLst>
               <a:ext uri="{91240B29-F687-4f45-9708-019B960494DF}">
-                <a14:hiddenLine xmlns="" xmlns:a16="http://schemas.microsoft.com/office/drawing/2014/main" xmlns:a14="http://schemas.microsoft.com/office/drawing/2010/main" xmlns:p14="http://schemas.microsoft.com/office/powerpoint/2010/main" w="9525">
+                <a14:hiddenLine xmlns:p14="http://schemas.microsoft.com/office/powerpoint/2010/main" xmlns:a14="http://schemas.microsoft.com/office/drawing/2010/main" xmlns:a16="http://schemas.microsoft.com/office/drawing/2014/main" xmlns="" w="9525">
                   <a:solidFill>
                     <a:srgbClr val="000000"/>
                   </a:solidFill>
@@ -34934,7 +35112,7 @@
             </a:ln>
             <a:extLst>
               <a:ext uri="{91240B29-F687-4f45-9708-019B960494DF}">
-                <a14:hiddenLine xmlns="" xmlns:a16="http://schemas.microsoft.com/office/drawing/2014/main" xmlns:a14="http://schemas.microsoft.com/office/drawing/2010/main" xmlns:p14="http://schemas.microsoft.com/office/powerpoint/2010/main" w="9525">
+                <a14:hiddenLine xmlns:p14="http://schemas.microsoft.com/office/powerpoint/2010/main" xmlns:a14="http://schemas.microsoft.com/office/drawing/2010/main" xmlns:a16="http://schemas.microsoft.com/office/drawing/2014/main" xmlns="" w="9525">
                   <a:solidFill>
                     <a:srgbClr val="000000"/>
                   </a:solidFill>
@@ -35046,7 +35224,7 @@
             </a:ln>
             <a:extLst>
               <a:ext uri="{91240B29-F687-4f45-9708-019B960494DF}">
-                <a14:hiddenLine xmlns="" xmlns:a16="http://schemas.microsoft.com/office/drawing/2014/main" xmlns:a14="http://schemas.microsoft.com/office/drawing/2010/main" xmlns:p14="http://schemas.microsoft.com/office/powerpoint/2010/main" w="9525">
+                <a14:hiddenLine xmlns:p14="http://schemas.microsoft.com/office/powerpoint/2010/main" xmlns:a14="http://schemas.microsoft.com/office/drawing/2010/main" xmlns:a16="http://schemas.microsoft.com/office/drawing/2014/main" xmlns="" w="9525">
                   <a:solidFill>
                     <a:srgbClr val="000000"/>
                   </a:solidFill>
@@ -35136,7 +35314,7 @@
             </a:ln>
             <a:extLst>
               <a:ext uri="{91240B29-F687-4f45-9708-019B960494DF}">
-                <a14:hiddenLine xmlns="" xmlns:a16="http://schemas.microsoft.com/office/drawing/2014/main" xmlns:a14="http://schemas.microsoft.com/office/drawing/2010/main" xmlns:p14="http://schemas.microsoft.com/office/powerpoint/2010/main" w="9525">
+                <a14:hiddenLine xmlns:p14="http://schemas.microsoft.com/office/powerpoint/2010/main" xmlns:a14="http://schemas.microsoft.com/office/drawing/2010/main" xmlns:a16="http://schemas.microsoft.com/office/drawing/2014/main" xmlns="" w="9525">
                   <a:solidFill>
                     <a:srgbClr val="000000"/>
                   </a:solidFill>
@@ -35248,7 +35426,7 @@
             </a:ln>
             <a:extLst>
               <a:ext uri="{91240B29-F687-4f45-9708-019B960494DF}">
-                <a14:hiddenLine xmlns="" xmlns:a16="http://schemas.microsoft.com/office/drawing/2014/main" xmlns:a14="http://schemas.microsoft.com/office/drawing/2010/main" xmlns:p14="http://schemas.microsoft.com/office/powerpoint/2010/main" w="9525">
+                <a14:hiddenLine xmlns:p14="http://schemas.microsoft.com/office/powerpoint/2010/main" xmlns:a14="http://schemas.microsoft.com/office/drawing/2010/main" xmlns:a16="http://schemas.microsoft.com/office/drawing/2014/main" xmlns="" w="9525">
                   <a:solidFill>
                     <a:srgbClr val="000000"/>
                   </a:solidFill>
@@ -35338,7 +35516,7 @@
             </a:ln>
             <a:extLst>
               <a:ext uri="{91240B29-F687-4f45-9708-019B960494DF}">
-                <a14:hiddenLine xmlns="" xmlns:a16="http://schemas.microsoft.com/office/drawing/2014/main" xmlns:a14="http://schemas.microsoft.com/office/drawing/2010/main" xmlns:p14="http://schemas.microsoft.com/office/powerpoint/2010/main" w="9525">
+                <a14:hiddenLine xmlns:p14="http://schemas.microsoft.com/office/powerpoint/2010/main" xmlns:a14="http://schemas.microsoft.com/office/drawing/2010/main" xmlns:a16="http://schemas.microsoft.com/office/drawing/2014/main" xmlns="" w="9525">
                   <a:solidFill>
                     <a:srgbClr val="000000"/>
                   </a:solidFill>
@@ -35450,7 +35628,7 @@
             </a:ln>
             <a:extLst>
               <a:ext uri="{91240B29-F687-4f45-9708-019B960494DF}">
-                <a14:hiddenLine xmlns="" xmlns:a16="http://schemas.microsoft.com/office/drawing/2014/main" xmlns:a14="http://schemas.microsoft.com/office/drawing/2010/main" xmlns:p14="http://schemas.microsoft.com/office/powerpoint/2010/main" w="9525">
+                <a14:hiddenLine xmlns:p14="http://schemas.microsoft.com/office/powerpoint/2010/main" xmlns:a14="http://schemas.microsoft.com/office/drawing/2010/main" xmlns:a16="http://schemas.microsoft.com/office/drawing/2014/main" xmlns="" w="9525">
                   <a:solidFill>
                     <a:srgbClr val="000000"/>
                   </a:solidFill>
@@ -35506,7 +35684,7 @@
             </a:ln>
             <a:extLst>
               <a:ext uri="{91240B29-F687-4f45-9708-019B960494DF}">
-                <a14:hiddenLine xmlns="" xmlns:a16="http://schemas.microsoft.com/office/drawing/2014/main" xmlns:a14="http://schemas.microsoft.com/office/drawing/2010/main" xmlns:p14="http://schemas.microsoft.com/office/powerpoint/2010/main" w="9525">
+                <a14:hiddenLine xmlns:p14="http://schemas.microsoft.com/office/powerpoint/2010/main" xmlns:a14="http://schemas.microsoft.com/office/drawing/2010/main" xmlns:a16="http://schemas.microsoft.com/office/drawing/2014/main" xmlns="" w="9525">
                   <a:solidFill>
                     <a:srgbClr val="000000"/>
                   </a:solidFill>
@@ -35650,6 +35828,232 @@
       </p:grpSpPr>
       <p:sp>
         <p:nvSpPr>
+          <p:cNvPr id="2" name="Title 1">
+            <a:extLst>
+              <a:ext uri="{FF2B5EF4-FFF2-40B4-BE49-F238E27FC236}">
+                <a16:creationId xmlns:a16="http://schemas.microsoft.com/office/drawing/2014/main" id="{12EAA093-E00B-31E9-0A13-71142E30E57C}"/>
+              </a:ext>
+            </a:extLst>
+          </p:cNvPr>
+          <p:cNvSpPr>
+            <a:spLocks noGrp="1"/>
+          </p:cNvSpPr>
+          <p:nvPr>
+            <p:ph type="ctrTitle"/>
+          </p:nvPr>
+        </p:nvSpPr>
+        <p:spPr>
+          <a:xfrm>
+            <a:off x="1167493" y="524656"/>
+            <a:ext cx="10045149" cy="1229194"/>
+          </a:xfrm>
+        </p:spPr>
+        <p:txBody>
+          <a:bodyPr/>
+          <a:lstStyle/>
+          <a:p>
+            <a:r>
+              <a:rPr lang="en-US" dirty="0"/>
+              <a:t>Vulnerable Regions:</a:t>
+            </a:r>
+          </a:p>
+        </p:txBody>
+      </p:sp>
+      <p:sp>
+        <p:nvSpPr>
+          <p:cNvPr id="3" name="Subtitle 2">
+            <a:extLst>
+              <a:ext uri="{FF2B5EF4-FFF2-40B4-BE49-F238E27FC236}">
+                <a16:creationId xmlns:a16="http://schemas.microsoft.com/office/drawing/2014/main" id="{C62C8177-F0B6-B02C-3682-183D8307E999}"/>
+              </a:ext>
+            </a:extLst>
+          </p:cNvPr>
+          <p:cNvSpPr>
+            <a:spLocks noGrp="1"/>
+          </p:cNvSpPr>
+          <p:nvPr>
+            <p:ph type="subTitle" idx="1"/>
+          </p:nvPr>
+        </p:nvSpPr>
+        <p:spPr/>
+        <p:txBody>
+          <a:bodyPr/>
+          <a:lstStyle/>
+          <a:p>
+            <a:r>
+              <a:rPr lang="en-US" dirty="0"/>
+              <a:t>What areas are more affected </a:t>
+            </a:r>
+          </a:p>
+          <a:p>
+            <a:r>
+              <a:rPr lang="en-US" dirty="0"/>
+              <a:t>Regions</a:t>
+            </a:r>
+          </a:p>
+        </p:txBody>
+      </p:sp>
+    </p:spTree>
+    <p:extLst>
+      <p:ext uri="{BB962C8B-B14F-4D97-AF65-F5344CB8AC3E}">
+        <p14:creationId xmlns:p14="http://schemas.microsoft.com/office/powerpoint/2010/main" val="4117153350"/>
+      </p:ext>
+    </p:extLst>
+  </p:cSld>
+  <p:clrMapOvr>
+    <a:masterClrMapping/>
+  </p:clrMapOvr>
+</p:sld>
+</file>
+
+<file path=ppt/slides/slide11.xml><?xml version="1.0" encoding="utf-8"?>
+<p:sld xmlns:a="http://schemas.openxmlformats.org/drawingml/2006/main" xmlns:r="http://schemas.openxmlformats.org/officeDocument/2006/relationships" xmlns:p="http://schemas.openxmlformats.org/presentationml/2006/main">
+  <p:cSld>
+    <p:spTree>
+      <p:nvGrpSpPr>
+        <p:cNvPr id="1" name=""/>
+        <p:cNvGrpSpPr/>
+        <p:nvPr/>
+      </p:nvGrpSpPr>
+      <p:grpSpPr>
+        <a:xfrm>
+          <a:off x="0" y="0"/>
+          <a:ext cx="0" cy="0"/>
+          <a:chOff x="0" y="0"/>
+          <a:chExt cx="0" cy="0"/>
+        </a:xfrm>
+      </p:grpSpPr>
+      <p:sp>
+        <p:nvSpPr>
+          <p:cNvPr id="6" name="Title 5">
+            <a:extLst>
+              <a:ext uri="{FF2B5EF4-FFF2-40B4-BE49-F238E27FC236}">
+                <a16:creationId xmlns:a16="http://schemas.microsoft.com/office/drawing/2014/main" id="{EDF9E134-98AA-3ECE-E40A-180C85ACD7D5}"/>
+              </a:ext>
+            </a:extLst>
+          </p:cNvPr>
+          <p:cNvSpPr>
+            <a:spLocks noGrp="1"/>
+          </p:cNvSpPr>
+          <p:nvPr>
+            <p:ph type="title"/>
+          </p:nvPr>
+        </p:nvSpPr>
+        <p:spPr/>
+        <p:txBody>
+          <a:bodyPr/>
+          <a:lstStyle/>
+          <a:p>
+            <a:r>
+              <a:rPr lang="en-US" dirty="0"/>
+              <a:t>Global Efforts to Address Climate Change</a:t>
+            </a:r>
+          </a:p>
+        </p:txBody>
+      </p:sp>
+      <p:sp>
+        <p:nvSpPr>
+          <p:cNvPr id="3" name="Content Placeholder 2">
+            <a:extLst>
+              <a:ext uri="{FF2B5EF4-FFF2-40B4-BE49-F238E27FC236}">
+                <a16:creationId xmlns:a16="http://schemas.microsoft.com/office/drawing/2014/main" id="{D1455C0B-19FB-954B-532A-0A68CAC4E0E4}"/>
+              </a:ext>
+            </a:extLst>
+          </p:cNvPr>
+          <p:cNvSpPr>
+            <a:spLocks noGrp="1"/>
+          </p:cNvSpPr>
+          <p:nvPr>
+            <p:ph idx="1"/>
+          </p:nvPr>
+        </p:nvSpPr>
+        <p:spPr/>
+        <p:txBody>
+          <a:bodyPr/>
+          <a:lstStyle/>
+          <a:p>
+            <a:r>
+              <a:rPr lang="en-US" dirty="0"/>
+              <a:t>International agreements (e.g., Paris Agreement)</a:t>
+            </a:r>
+          </a:p>
+          <a:p>
+            <a:r>
+              <a:rPr lang="en-US" dirty="0"/>
+              <a:t>National policies and initiatives</a:t>
+            </a:r>
+          </a:p>
+          <a:p>
+            <a:r>
+              <a:rPr lang="en-US" dirty="0"/>
+              <a:t>Role of renewable energy</a:t>
+            </a:r>
+          </a:p>
+          <a:p>
+            <a:r>
+              <a:rPr lang="en-US" dirty="0"/>
+              <a:t>Adaptation strategies</a:t>
+            </a:r>
+          </a:p>
+        </p:txBody>
+      </p:sp>
+      <p:sp>
+        <p:nvSpPr>
+          <p:cNvPr id="4" name="Content Placeholder 3">
+            <a:extLst>
+              <a:ext uri="{FF2B5EF4-FFF2-40B4-BE49-F238E27FC236}">
+                <a16:creationId xmlns:a16="http://schemas.microsoft.com/office/drawing/2014/main" id="{DBA34351-9D9C-8C32-5CC0-3F19A1CAC037}"/>
+              </a:ext>
+            </a:extLst>
+          </p:cNvPr>
+          <p:cNvSpPr>
+            <a:spLocks noGrp="1"/>
+          </p:cNvSpPr>
+          <p:nvPr>
+            <p:ph idx="10"/>
+          </p:nvPr>
+        </p:nvSpPr>
+        <p:spPr/>
+        <p:txBody>
+          <a:bodyPr/>
+          <a:lstStyle/>
+          <a:p>
+            <a:endParaRPr lang="en-US" dirty="0"/>
+          </a:p>
+        </p:txBody>
+      </p:sp>
+    </p:spTree>
+    <p:extLst>
+      <p:ext uri="{BB962C8B-B14F-4D97-AF65-F5344CB8AC3E}">
+        <p14:creationId xmlns:p14="http://schemas.microsoft.com/office/powerpoint/2010/main" val="1265939620"/>
+      </p:ext>
+    </p:extLst>
+  </p:cSld>
+  <p:clrMapOvr>
+    <a:masterClrMapping/>
+  </p:clrMapOvr>
+</p:sld>
+</file>
+
+<file path=ppt/slides/slide12.xml><?xml version="1.0" encoding="utf-8"?>
+<p:sld xmlns:a="http://schemas.openxmlformats.org/drawingml/2006/main" xmlns:r="http://schemas.openxmlformats.org/officeDocument/2006/relationships" xmlns:p="http://schemas.openxmlformats.org/presentationml/2006/main">
+  <p:cSld>
+    <p:spTree>
+      <p:nvGrpSpPr>
+        <p:cNvPr id="1" name=""/>
+        <p:cNvGrpSpPr/>
+        <p:nvPr/>
+      </p:nvGrpSpPr>
+      <p:grpSpPr>
+        <a:xfrm>
+          <a:off x="0" y="0"/>
+          <a:ext cx="0" cy="0"/>
+          <a:chOff x="0" y="0"/>
+          <a:chExt cx="0" cy="0"/>
+        </a:xfrm>
+      </p:grpSpPr>
+      <p:sp>
+        <p:nvSpPr>
           <p:cNvPr id="6" name="Title 5">
             <a:extLst>
               <a:ext uri="{FF2B5EF4-FFF2-40B4-BE49-F238E27FC236}">
@@ -35734,7 +36138,7 @@
 </p:sld>
 </file>
 
-<file path=ppt/slides/slide11.xml><?xml version="1.0" encoding="utf-8"?>
+<file path=ppt/slides/slide13.xml><?xml version="1.0" encoding="utf-8"?>
 <p:sld xmlns:a="http://schemas.openxmlformats.org/drawingml/2006/main" xmlns:r="http://schemas.openxmlformats.org/officeDocument/2006/relationships" xmlns:p="http://schemas.openxmlformats.org/presentationml/2006/main">
   <p:cSld>
     <p:spTree>
@@ -35858,7 +36262,7 @@
 </p:sld>
 </file>
 
-<file path=ppt/slides/slide12.xml><?xml version="1.0" encoding="utf-8"?>
+<file path=ppt/slides/slide14.xml><?xml version="1.0" encoding="utf-8"?>
 <p:sld xmlns:a="http://schemas.openxmlformats.org/drawingml/2006/main" xmlns:r="http://schemas.openxmlformats.org/officeDocument/2006/relationships" xmlns:p="http://schemas.openxmlformats.org/presentationml/2006/main">
   <p:cSld>
     <p:spTree>
@@ -35891,14 +36295,19 @@
             <p:ph type="title"/>
           </p:nvPr>
         </p:nvSpPr>
-        <p:spPr/>
+        <p:spPr>
+          <a:xfrm>
+            <a:off x="1141413" y="618518"/>
+            <a:ext cx="9905998" cy="905482"/>
+          </a:xfrm>
+        </p:spPr>
         <p:txBody>
           <a:bodyPr/>
           <a:lstStyle/>
           <a:p>
             <a:r>
               <a:rPr lang="en-US" dirty="0"/>
-              <a:t>References </a:t>
+              <a:t>Resources and Datasets </a:t>
             </a:r>
           </a:p>
         </p:txBody>
@@ -35926,20 +36335,15 @@
           </a:xfrm>
         </p:spPr>
         <p:txBody>
-          <a:bodyPr/>
+          <a:bodyPr>
+            <a:normAutofit fontScale="70000" lnSpcReduction="20000"/>
+          </a:bodyPr>
           <a:lstStyle/>
           <a:p>
             <a:r>
               <a:rPr lang="en-US" dirty="0"/>
-              <a:t>Climate Change Science: </a:t>
+              <a:t>Climate Change: Earth Surface Temperature Data: https://www.kaggle.com/datasets/berkeleyearth/climate-change-earth-surface-temperature-data</a:t>
             </a:r>
-            <a:r>
-              <a:rPr lang="en-US" dirty="0">
-                <a:hlinkClick r:id="rId2"/>
-              </a:rPr>
-              <a:t>https://www.epa.gov/climatechange-science</a:t>
-            </a:r>
-            <a:endParaRPr lang="en-US" dirty="0"/>
           </a:p>
           <a:p>
             <a:endParaRPr lang="en-US" dirty="0"/>
@@ -35947,18 +36351,35 @@
           <a:p>
             <a:r>
               <a:rPr lang="en-US" dirty="0"/>
-              <a:t>5 ways to Reduce Corporate Carbon Foot Print in 2024: </a:t>
+              <a:t>Crop Production&amp; Climate Change: https://www.kaggle.com/datasets/thedevastator/the-relationship-between-crop-production-and-cli</a:t>
             </a:r>
-            <a:r>
-              <a:rPr lang="en-US" dirty="0">
-                <a:hlinkClick r:id="rId3"/>
-              </a:rPr>
-              <a:t>https://research.aimultiple.com/carbon-footprint-reduction/</a:t>
-            </a:r>
+          </a:p>
+          <a:p>
             <a:endParaRPr lang="en-US" dirty="0"/>
           </a:p>
           <a:p>
+            <a:r>
+              <a:rPr lang="en-US" dirty="0"/>
+              <a:t>Effects of Climate Change on Global Food Production V1: https://data.world/xprizeai-env/effects-of-climate-change-on-global-food-production-v-1</a:t>
+            </a:r>
+          </a:p>
+          <a:p>
             <a:endParaRPr lang="en-US" dirty="0"/>
+          </a:p>
+          <a:p>
+            <a:r>
+              <a:rPr lang="en-US" dirty="0"/>
+              <a:t>Global climate change Data: https://data.world/data-society/global-climate-change-data</a:t>
+            </a:r>
+          </a:p>
+          <a:p>
+            <a:endParaRPr lang="en-US" dirty="0"/>
+          </a:p>
+          <a:p>
+            <a:r>
+              <a:rPr lang="en-US" dirty="0"/>
+              <a:t>Causes of climate changes: https://www.epa.gov/climatechange-science/causes-climate-change#:~:text=Scientists%20have%20pieced%20together%20a,earth's%20orbit%20around%20the%20sun.</a:t>
+            </a:r>
           </a:p>
         </p:txBody>
       </p:sp>
@@ -35975,7 +36396,4175 @@
 </p:sld>
 </file>
 
-<file path=ppt/slides/slide13.xml><?xml version="1.0" encoding="utf-8"?>
+<file path=ppt/slides/slide15.xml><?xml version="1.0" encoding="utf-8"?>
+<p:sld xmlns:a="http://schemas.openxmlformats.org/drawingml/2006/main" xmlns:r="http://schemas.openxmlformats.org/officeDocument/2006/relationships" xmlns:p="http://schemas.openxmlformats.org/presentationml/2006/main">
+  <p:cSld>
+    <p:spTree>
+      <p:nvGrpSpPr>
+        <p:cNvPr id="1" name=""/>
+        <p:cNvGrpSpPr/>
+        <p:nvPr/>
+      </p:nvGrpSpPr>
+      <p:grpSpPr>
+        <a:xfrm>
+          <a:off x="0" y="0"/>
+          <a:ext cx="0" cy="0"/>
+          <a:chOff x="0" y="0"/>
+          <a:chExt cx="0" cy="0"/>
+        </a:xfrm>
+      </p:grpSpPr>
+      <p:sp>
+        <p:nvSpPr>
+          <p:cNvPr id="2" name="Title 1">
+            <a:extLst>
+              <a:ext uri="{FF2B5EF4-FFF2-40B4-BE49-F238E27FC236}">
+                <a16:creationId xmlns:a16="http://schemas.microsoft.com/office/drawing/2014/main" id="{1E5BCF4C-E89B-2EA4-04AE-469D67EB48FF}"/>
+              </a:ext>
+            </a:extLst>
+          </p:cNvPr>
+          <p:cNvSpPr>
+            <a:spLocks noGrp="1"/>
+          </p:cNvSpPr>
+          <p:nvPr>
+            <p:ph type="title"/>
+          </p:nvPr>
+        </p:nvSpPr>
+        <p:spPr>
+          <a:xfrm>
+            <a:off x="1141413" y="618518"/>
+            <a:ext cx="9905998" cy="778482"/>
+          </a:xfrm>
+        </p:spPr>
+        <p:txBody>
+          <a:bodyPr/>
+          <a:lstStyle/>
+          <a:p>
+            <a:r>
+              <a:rPr lang="en-US" dirty="0"/>
+              <a:t>Resources &amp; Datasets</a:t>
+            </a:r>
+          </a:p>
+        </p:txBody>
+      </p:sp>
+      <p:sp>
+        <p:nvSpPr>
+          <p:cNvPr id="3" name="Content Placeholder 2">
+            <a:extLst>
+              <a:ext uri="{FF2B5EF4-FFF2-40B4-BE49-F238E27FC236}">
+                <a16:creationId xmlns:a16="http://schemas.microsoft.com/office/drawing/2014/main" id="{ED75A204-9BC8-F775-B26A-EB64C397CC6F}"/>
+              </a:ext>
+            </a:extLst>
+          </p:cNvPr>
+          <p:cNvSpPr>
+            <a:spLocks noGrp="1"/>
+          </p:cNvSpPr>
+          <p:nvPr>
+            <p:ph idx="1"/>
+          </p:nvPr>
+        </p:nvSpPr>
+        <p:spPr/>
+        <p:txBody>
+          <a:bodyPr>
+            <a:normAutofit fontScale="55000" lnSpcReduction="20000"/>
+          </a:bodyPr>
+          <a:lstStyle/>
+          <a:p>
+            <a:r>
+              <a:rPr lang="en-US" dirty="0"/>
+              <a:t>5 ways to Reduce Corporate Carbon Footprint in 2024: https://research.aimultiple.com/carbon-footprint-reduction/</a:t>
+            </a:r>
+          </a:p>
+          <a:p>
+            <a:endParaRPr lang="en-US" dirty="0"/>
+          </a:p>
+          <a:p>
+            <a:r>
+              <a:rPr lang="en-US" dirty="0"/>
+              <a:t>The Science of Climate Change: https://www.climate.gov/news-features/understanding-climate/climate-change-global-temperature</a:t>
+            </a:r>
+          </a:p>
+          <a:p>
+            <a:endParaRPr lang="en-US" dirty="0"/>
+          </a:p>
+          <a:p>
+            <a:r>
+              <a:rPr lang="en-US" dirty="0"/>
+              <a:t>6 Pressing Questions about Beef and Climate change Answered: https://www.wri.org/insights/6-pressing-questions-about-beef-and-climate-change-answered</a:t>
+            </a:r>
+          </a:p>
+          <a:p>
+            <a:endParaRPr lang="en-US" dirty="0"/>
+          </a:p>
+          <a:p>
+            <a:r>
+              <a:rPr lang="en-US" dirty="0"/>
+              <a:t>The Science of climate Change: https://citizensclimatelobby.org/blog/policy/the-science-behind-climate-change/?utm_source=google&amp;utm_medium=ppc&amp;utm_campaign=the-science-of-climate-change&amp;gad_source=1&amp;gclid=CjwKCAjwoPOwBhAeEiwAJuXRh2QkX7jeRrtXJzkE7CTdiPmXrbopINE_1ji9dXPWxGpLATjBEXGZnhoCIbEQAvD_BwE</a:t>
+            </a:r>
+          </a:p>
+        </p:txBody>
+      </p:sp>
+    </p:spTree>
+    <p:extLst>
+      <p:ext uri="{BB962C8B-B14F-4D97-AF65-F5344CB8AC3E}">
+        <p14:creationId xmlns:p14="http://schemas.microsoft.com/office/powerpoint/2010/main" val="2407153735"/>
+      </p:ext>
+    </p:extLst>
+  </p:cSld>
+  <p:clrMapOvr>
+    <a:masterClrMapping/>
+  </p:clrMapOvr>
+</p:sld>
+</file>
+
+<file path=ppt/slides/slide16.xml><?xml version="1.0" encoding="utf-8"?>
+<p:sld xmlns:a="http://schemas.openxmlformats.org/drawingml/2006/main" xmlns:r="http://schemas.openxmlformats.org/officeDocument/2006/relationships" xmlns:p="http://schemas.openxmlformats.org/presentationml/2006/main">
+  <p:cSld>
+    <p:bg>
+      <p:bgPr>
+        <a:gradFill rotWithShape="1">
+          <a:gsLst>
+            <a:gs pos="0">
+              <a:schemeClr val="bg1">
+                <a:tint val="98000"/>
+                <a:hueMod val="94000"/>
+                <a:satMod val="148000"/>
+                <a:lumMod val="150000"/>
+              </a:schemeClr>
+            </a:gs>
+            <a:gs pos="100000">
+              <a:schemeClr val="bg1">
+                <a:shade val="92000"/>
+                <a:hueMod val="104000"/>
+                <a:satMod val="140000"/>
+                <a:lumMod val="68000"/>
+              </a:schemeClr>
+            </a:gs>
+          </a:gsLst>
+          <a:lin ang="5040000" scaled="0"/>
+        </a:gradFill>
+        <a:effectLst/>
+      </p:bgPr>
+    </p:bg>
+    <p:spTree>
+      <p:nvGrpSpPr>
+        <p:cNvPr id="1" name=""/>
+        <p:cNvGrpSpPr/>
+        <p:nvPr/>
+      </p:nvGrpSpPr>
+      <p:grpSpPr>
+        <a:xfrm>
+          <a:off x="0" y="0"/>
+          <a:ext cx="0" cy="0"/>
+          <a:chOff x="0" y="0"/>
+          <a:chExt cx="0" cy="0"/>
+        </a:xfrm>
+      </p:grpSpPr>
+      <p:sp useBgFill="1">
+        <p:nvSpPr>
+          <p:cNvPr id="8" name="Rectangle 7">
+            <a:extLst>
+              <a:ext uri="{FF2B5EF4-FFF2-40B4-BE49-F238E27FC236}">
+                <a16:creationId xmlns:a16="http://schemas.microsoft.com/office/drawing/2014/main" id="{E9B448F0-DA06-4165-AB5F-4330A20E06D0}"/>
+              </a:ext>
+              <a:ext uri="{C183D7F6-B498-43B3-948B-1728B52AA6E4}">
+                <adec:decorative xmlns:adec="http://schemas.microsoft.com/office/drawing/2017/decorative" val="1"/>
+              </a:ext>
+            </a:extLst>
+          </p:cNvPr>
+          <p:cNvSpPr>
+            <a:spLocks noGrp="1" noRot="1" noChangeAspect="1" noMove="1" noResize="1" noEditPoints="1" noAdjustHandles="1" noChangeArrowheads="1" noChangeShapeType="1" noTextEdit="1"/>
+          </p:cNvSpPr>
+          <p:nvPr>
+            <p:extLst>
+              <p:ext uri="{386F3935-93C4-4BCD-93E2-E3B085C9AB24}">
+                <p16:designElem xmlns:p16="http://schemas.microsoft.com/office/powerpoint/2015/main" val="1"/>
+              </p:ext>
+            </p:extLst>
+          </p:nvPr>
+        </p:nvSpPr>
+        <p:spPr>
+          <a:xfrm>
+            <a:off x="1" y="-1"/>
+            <a:ext cx="12192000" cy="6858000"/>
+          </a:xfrm>
+          <a:prstGeom prst="rect">
+            <a:avLst/>
+          </a:prstGeom>
+          <a:ln>
+            <a:noFill/>
+          </a:ln>
+        </p:spPr>
+        <p:style>
+          <a:lnRef idx="2">
+            <a:schemeClr val="accent1">
+              <a:shade val="50000"/>
+            </a:schemeClr>
+          </a:lnRef>
+          <a:fillRef idx="1">
+            <a:schemeClr val="accent1"/>
+          </a:fillRef>
+          <a:effectRef idx="0">
+            <a:schemeClr val="accent1"/>
+          </a:effectRef>
+          <a:fontRef idx="minor">
+            <a:schemeClr val="lt1"/>
+          </a:fontRef>
+        </p:style>
+        <p:txBody>
+          <a:bodyPr rtlCol="0" anchor="ctr"/>
+          <a:lstStyle/>
+          <a:p>
+            <a:pPr algn="ctr"/>
+            <a:endParaRPr lang="en-US"/>
+          </a:p>
+        </p:txBody>
+      </p:sp>
+      <p:pic>
+        <p:nvPicPr>
+          <p:cNvPr id="10" name="Picture 2">
+            <a:extLst>
+              <a:ext uri="{FF2B5EF4-FFF2-40B4-BE49-F238E27FC236}">
+                <a16:creationId xmlns:a16="http://schemas.microsoft.com/office/drawing/2014/main" id="{92D83638-A467-411A-9C31-FE9A111CD885}"/>
+              </a:ext>
+              <a:ext uri="{C183D7F6-B498-43B3-948B-1728B52AA6E4}">
+                <adec:decorative xmlns:adec="http://schemas.microsoft.com/office/drawing/2017/decorative" val="1"/>
+              </a:ext>
+            </a:extLst>
+          </p:cNvPr>
+          <p:cNvPicPr>
+            <a:picLocks noGrp="1" noRot="1" noChangeAspect="1" noMove="1" noResize="1" noEditPoints="1" noAdjustHandles="1" noChangeArrowheads="1" noChangeShapeType="1" noCrop="1"/>
+          </p:cNvPicPr>
+          <p:nvPr>
+            <p:extLst>
+              <p:ext uri="{386F3935-93C4-4BCD-93E2-E3B085C9AB24}">
+                <p16:designElem xmlns:p16="http://schemas.microsoft.com/office/powerpoint/2015/main" val="1"/>
+              </p:ext>
+            </p:extLst>
+          </p:nvPr>
+        </p:nvPicPr>
+        <p:blipFill>
+          <a:blip r:embed="rId2">
+            <a:alphaModFix amt="30000"/>
+            <a:duotone>
+              <a:prstClr val="black"/>
+              <a:schemeClr val="tx2">
+                <a:tint val="45000"/>
+                <a:satMod val="400000"/>
+              </a:schemeClr>
+            </a:duotone>
+            <a:extLst>
+              <a:ext uri="{28A0092B-C50C-407E-A947-70E740481C1C}">
+                <a14:useLocalDpi xmlns:a14="http://schemas.microsoft.com/office/drawing/2010/main" val="0"/>
+              </a:ext>
+            </a:extLst>
+          </a:blip>
+          <a:srcRect/>
+          <a:stretch>
+            <a:fillRect/>
+          </a:stretch>
+        </p:blipFill>
+        <p:spPr bwMode="auto">
+          <a:xfrm>
+            <a:off x="0" y="0"/>
+            <a:ext cx="12192003" cy="6858001"/>
+          </a:xfrm>
+          <a:prstGeom prst="rect">
+            <a:avLst/>
+          </a:prstGeom>
+          <a:noFill/>
+          <a:extLst>
+            <a:ext uri="{909E8E84-426E-40dd-AFC4-6F175D3DCCD1}">
+              <a14:hiddenFill xmlns="" xmlns:a16="http://schemas.microsoft.com/office/drawing/2014/main" xmlns:p14="http://schemas.microsoft.com/office/powerpoint/2010/main" xmlns:a14="http://schemas.microsoft.com/office/drawing/2010/main">
+                <a:solidFill>
+                  <a:srgbClr val="FFFFFF"/>
+                </a:solidFill>
+              </a14:hiddenFill>
+            </a:ext>
+          </a:extLst>
+        </p:spPr>
+      </p:pic>
+      <p:grpSp>
+        <p:nvGrpSpPr>
+          <p:cNvPr id="12" name="Group 11">
+            <a:extLst>
+              <a:ext uri="{FF2B5EF4-FFF2-40B4-BE49-F238E27FC236}">
+                <a16:creationId xmlns:a16="http://schemas.microsoft.com/office/drawing/2014/main" id="{2576BCDF-119F-4EB5-83D7-ED823C93EBBD}"/>
+              </a:ext>
+              <a:ext uri="{C183D7F6-B498-43B3-948B-1728B52AA6E4}">
+                <adec:decorative xmlns:adec="http://schemas.microsoft.com/office/drawing/2017/decorative" val="1"/>
+              </a:ext>
+            </a:extLst>
+          </p:cNvPr>
+          <p:cNvGrpSpPr>
+            <a:grpSpLocks noGrp="1" noUngrp="1" noRot="1" noChangeAspect="1" noMove="1" noResize="1"/>
+          </p:cNvGrpSpPr>
+          <p:nvPr>
+            <p:extLst>
+              <p:ext uri="{386F3935-93C4-4BCD-93E2-E3B085C9AB24}">
+                <p16:designElem xmlns:p16="http://schemas.microsoft.com/office/powerpoint/2015/main" val="1"/>
+              </p:ext>
+            </p:extLst>
+          </p:nvPr>
+        </p:nvGrpSpPr>
+        <p:grpSpPr>
+          <a:xfrm>
+            <a:off x="0" y="0"/>
+            <a:ext cx="1220788" cy="6858001"/>
+            <a:chOff x="-14288" y="0"/>
+            <a:chExt cx="1220788" cy="6858001"/>
+          </a:xfrm>
+          <a:solidFill>
+            <a:schemeClr val="tx2">
+              <a:alpha val="45000"/>
+            </a:schemeClr>
+          </a:solidFill>
+        </p:grpSpPr>
+        <p:sp>
+          <p:nvSpPr>
+            <p:cNvPr id="13" name="Rectangle 5">
+              <a:extLst>
+                <a:ext uri="{FF2B5EF4-FFF2-40B4-BE49-F238E27FC236}">
+                  <a16:creationId xmlns:a16="http://schemas.microsoft.com/office/drawing/2014/main" id="{43D63E8F-FD8A-4CE3-B7C9-3E9E2B66B5FD}"/>
+                </a:ext>
+                <a:ext uri="{C183D7F6-B498-43B3-948B-1728B52AA6E4}">
+                  <adec:decorative xmlns:adec="http://schemas.microsoft.com/office/drawing/2017/decorative" val="1"/>
+                </a:ext>
+              </a:extLst>
+            </p:cNvPr>
+            <p:cNvSpPr>
+              <a:spLocks noChangeArrowheads="1"/>
+            </p:cNvSpPr>
+            <p:nvPr>
+              <p:extLst>
+                <p:ext uri="{386F3935-93C4-4BCD-93E2-E3B085C9AB24}">
+                  <p16:designElem xmlns:p16="http://schemas.microsoft.com/office/powerpoint/2015/main" val="1"/>
+                </p:ext>
+              </p:extLst>
+            </p:nvPr>
+          </p:nvSpPr>
+          <p:spPr bwMode="auto">
+            <a:xfrm>
+              <a:off x="114300" y="4763"/>
+              <a:ext cx="23813" cy="2181225"/>
+            </a:xfrm>
+            <a:prstGeom prst="rect">
+              <a:avLst/>
+            </a:prstGeom>
+            <a:grpFill/>
+            <a:ln>
+              <a:noFill/>
+            </a:ln>
+            <a:extLst>
+              <a:ext uri="{91240B29-F687-4f45-9708-019B960494DF}">
+                <a14:hiddenLine xmlns="" xmlns:a16="http://schemas.microsoft.com/office/drawing/2014/main" xmlns:p14="http://schemas.microsoft.com/office/powerpoint/2010/main" xmlns:a14="http://schemas.microsoft.com/office/drawing/2010/main" w="9525">
+                  <a:solidFill>
+                    <a:srgbClr val="000000"/>
+                  </a:solidFill>
+                  <a:miter lim="800000"/>
+                  <a:headEnd/>
+                  <a:tailEnd/>
+                </a14:hiddenLine>
+              </a:ext>
+            </a:extLst>
+          </p:spPr>
+          <p:txBody>
+            <a:bodyPr/>
+            <a:lstStyle/>
+            <a:p>
+              <a:endParaRPr lang="en-US"/>
+            </a:p>
+          </p:txBody>
+        </p:sp>
+        <p:sp>
+          <p:nvSpPr>
+            <p:cNvPr id="14" name="Freeform 6">
+              <a:extLst>
+                <a:ext uri="{FF2B5EF4-FFF2-40B4-BE49-F238E27FC236}">
+                  <a16:creationId xmlns:a16="http://schemas.microsoft.com/office/drawing/2014/main" id="{D107D890-1831-46D8-90FB-F2FC0B28841D}"/>
+                </a:ext>
+                <a:ext uri="{C183D7F6-B498-43B3-948B-1728B52AA6E4}">
+                  <adec:decorative xmlns:adec="http://schemas.microsoft.com/office/drawing/2017/decorative" val="1"/>
+                </a:ext>
+              </a:extLst>
+            </p:cNvPr>
+            <p:cNvSpPr>
+              <a:spLocks noEditPoints="1"/>
+            </p:cNvSpPr>
+            <p:nvPr>
+              <p:extLst>
+                <p:ext uri="{386F3935-93C4-4BCD-93E2-E3B085C9AB24}">
+                  <p16:designElem xmlns:p16="http://schemas.microsoft.com/office/powerpoint/2015/main" val="1"/>
+                </p:ext>
+              </p:extLst>
+            </p:nvPr>
+          </p:nvSpPr>
+          <p:spPr bwMode="auto">
+            <a:xfrm>
+              <a:off x="33337" y="2176463"/>
+              <a:ext cx="190500" cy="190500"/>
+            </a:xfrm>
+            <a:custGeom>
+              <a:avLst/>
+              <a:gdLst/>
+              <a:ahLst/>
+              <a:cxnLst/>
+              <a:rect l="0" t="0" r="r" b="b"/>
+              <a:pathLst>
+                <a:path w="40" h="40">
+                  <a:moveTo>
+                    <a:pt x="20" y="40"/>
+                  </a:moveTo>
+                  <a:cubicBezTo>
+                    <a:pt x="9" y="40"/>
+                    <a:pt x="0" y="31"/>
+                    <a:pt x="0" y="20"/>
+                  </a:cubicBezTo>
+                  <a:cubicBezTo>
+                    <a:pt x="0" y="9"/>
+                    <a:pt x="9" y="0"/>
+                    <a:pt x="20" y="0"/>
+                  </a:cubicBezTo>
+                  <a:cubicBezTo>
+                    <a:pt x="31" y="0"/>
+                    <a:pt x="40" y="9"/>
+                    <a:pt x="40" y="20"/>
+                  </a:cubicBezTo>
+                  <a:cubicBezTo>
+                    <a:pt x="40" y="31"/>
+                    <a:pt x="31" y="40"/>
+                    <a:pt x="20" y="40"/>
+                  </a:cubicBezTo>
+                  <a:close/>
+                  <a:moveTo>
+                    <a:pt x="20" y="4"/>
+                  </a:moveTo>
+                  <a:cubicBezTo>
+                    <a:pt x="11" y="4"/>
+                    <a:pt x="4" y="11"/>
+                    <a:pt x="4" y="20"/>
+                  </a:cubicBezTo>
+                  <a:cubicBezTo>
+                    <a:pt x="4" y="29"/>
+                    <a:pt x="11" y="36"/>
+                    <a:pt x="20" y="36"/>
+                  </a:cubicBezTo>
+                  <a:cubicBezTo>
+                    <a:pt x="28" y="36"/>
+                    <a:pt x="36" y="29"/>
+                    <a:pt x="36" y="20"/>
+                  </a:cubicBezTo>
+                  <a:cubicBezTo>
+                    <a:pt x="36" y="11"/>
+                    <a:pt x="28" y="4"/>
+                    <a:pt x="20" y="4"/>
+                  </a:cubicBezTo>
+                  <a:close/>
+                </a:path>
+              </a:pathLst>
+            </a:custGeom>
+            <a:grpFill/>
+            <a:ln>
+              <a:noFill/>
+            </a:ln>
+            <a:extLst>
+              <a:ext uri="{91240B29-F687-4f45-9708-019B960494DF}">
+                <a14:hiddenLine xmlns="" xmlns:a16="http://schemas.microsoft.com/office/drawing/2014/main" xmlns:p14="http://schemas.microsoft.com/office/powerpoint/2010/main" xmlns:a14="http://schemas.microsoft.com/office/drawing/2010/main" w="9525">
+                  <a:solidFill>
+                    <a:srgbClr val="000000"/>
+                  </a:solidFill>
+                  <a:round/>
+                  <a:headEnd/>
+                  <a:tailEnd/>
+                </a14:hiddenLine>
+              </a:ext>
+            </a:extLst>
+          </p:spPr>
+          <p:txBody>
+            <a:bodyPr/>
+            <a:lstStyle/>
+            <a:p>
+              <a:endParaRPr lang="en-US"/>
+            </a:p>
+          </p:txBody>
+        </p:sp>
+        <p:sp>
+          <p:nvSpPr>
+            <p:cNvPr id="15" name="Freeform 7">
+              <a:extLst>
+                <a:ext uri="{FF2B5EF4-FFF2-40B4-BE49-F238E27FC236}">
+                  <a16:creationId xmlns:a16="http://schemas.microsoft.com/office/drawing/2014/main" id="{02440904-A4EC-4F72-8E22-AAF4D9DB5C1B}"/>
+                </a:ext>
+                <a:ext uri="{C183D7F6-B498-43B3-948B-1728B52AA6E4}">
+                  <adec:decorative xmlns:adec="http://schemas.microsoft.com/office/drawing/2017/decorative" val="1"/>
+                </a:ext>
+              </a:extLst>
+            </p:cNvPr>
+            <p:cNvSpPr>
+              <a:spLocks noEditPoints="1"/>
+            </p:cNvSpPr>
+            <p:nvPr>
+              <p:extLst>
+                <p:ext uri="{386F3935-93C4-4BCD-93E2-E3B085C9AB24}">
+                  <p16:designElem xmlns:p16="http://schemas.microsoft.com/office/powerpoint/2015/main" val="1"/>
+                </p:ext>
+              </p:extLst>
+            </p:nvPr>
+          </p:nvSpPr>
+          <p:spPr bwMode="auto">
+            <a:xfrm>
+              <a:off x="28575" y="4021138"/>
+              <a:ext cx="190500" cy="188913"/>
+            </a:xfrm>
+            <a:custGeom>
+              <a:avLst/>
+              <a:gdLst/>
+              <a:ahLst/>
+              <a:cxnLst/>
+              <a:rect l="0" t="0" r="r" b="b"/>
+              <a:pathLst>
+                <a:path w="40" h="40">
+                  <a:moveTo>
+                    <a:pt x="20" y="40"/>
+                  </a:moveTo>
+                  <a:cubicBezTo>
+                    <a:pt x="9" y="40"/>
+                    <a:pt x="0" y="31"/>
+                    <a:pt x="0" y="20"/>
+                  </a:cubicBezTo>
+                  <a:cubicBezTo>
+                    <a:pt x="0" y="9"/>
+                    <a:pt x="9" y="0"/>
+                    <a:pt x="20" y="0"/>
+                  </a:cubicBezTo>
+                  <a:cubicBezTo>
+                    <a:pt x="31" y="0"/>
+                    <a:pt x="40" y="9"/>
+                    <a:pt x="40" y="20"/>
+                  </a:cubicBezTo>
+                  <a:cubicBezTo>
+                    <a:pt x="40" y="31"/>
+                    <a:pt x="31" y="40"/>
+                    <a:pt x="20" y="40"/>
+                  </a:cubicBezTo>
+                  <a:close/>
+                  <a:moveTo>
+                    <a:pt x="20" y="4"/>
+                  </a:moveTo>
+                  <a:cubicBezTo>
+                    <a:pt x="12" y="4"/>
+                    <a:pt x="4" y="11"/>
+                    <a:pt x="4" y="20"/>
+                  </a:cubicBezTo>
+                  <a:cubicBezTo>
+                    <a:pt x="4" y="29"/>
+                    <a:pt x="12" y="36"/>
+                    <a:pt x="20" y="36"/>
+                  </a:cubicBezTo>
+                  <a:cubicBezTo>
+                    <a:pt x="29" y="36"/>
+                    <a:pt x="36" y="29"/>
+                    <a:pt x="36" y="20"/>
+                  </a:cubicBezTo>
+                  <a:cubicBezTo>
+                    <a:pt x="36" y="11"/>
+                    <a:pt x="29" y="4"/>
+                    <a:pt x="20" y="4"/>
+                  </a:cubicBezTo>
+                  <a:close/>
+                </a:path>
+              </a:pathLst>
+            </a:custGeom>
+            <a:grpFill/>
+            <a:ln>
+              <a:noFill/>
+            </a:ln>
+            <a:extLst>
+              <a:ext uri="{91240B29-F687-4f45-9708-019B960494DF}">
+                <a14:hiddenLine xmlns="" xmlns:a16="http://schemas.microsoft.com/office/drawing/2014/main" xmlns:p14="http://schemas.microsoft.com/office/powerpoint/2010/main" xmlns:a14="http://schemas.microsoft.com/office/drawing/2010/main" w="9525">
+                  <a:solidFill>
+                    <a:srgbClr val="000000"/>
+                  </a:solidFill>
+                  <a:round/>
+                  <a:headEnd/>
+                  <a:tailEnd/>
+                </a14:hiddenLine>
+              </a:ext>
+            </a:extLst>
+          </p:spPr>
+          <p:txBody>
+            <a:bodyPr/>
+            <a:lstStyle/>
+            <a:p>
+              <a:endParaRPr lang="en-US"/>
+            </a:p>
+          </p:txBody>
+        </p:sp>
+        <p:sp>
+          <p:nvSpPr>
+            <p:cNvPr id="16" name="Freeform 8">
+              <a:extLst>
+                <a:ext uri="{FF2B5EF4-FFF2-40B4-BE49-F238E27FC236}">
+                  <a16:creationId xmlns:a16="http://schemas.microsoft.com/office/drawing/2014/main" id="{625E9C1F-1569-416B-A85C-FA143487225D}"/>
+                </a:ext>
+                <a:ext uri="{C183D7F6-B498-43B3-948B-1728B52AA6E4}">
+                  <adec:decorative xmlns:adec="http://schemas.microsoft.com/office/drawing/2017/decorative" val="1"/>
+                </a:ext>
+              </a:extLst>
+            </p:cNvPr>
+            <p:cNvSpPr/>
+            <p:nvPr>
+              <p:extLst>
+                <p:ext uri="{386F3935-93C4-4BCD-93E2-E3B085C9AB24}">
+                  <p16:designElem xmlns:p16="http://schemas.microsoft.com/office/powerpoint/2015/main" val="1"/>
+                </p:ext>
+              </p:extLst>
+            </p:nvPr>
+          </p:nvSpPr>
+          <p:spPr bwMode="auto">
+            <a:xfrm>
+              <a:off x="200025" y="4763"/>
+              <a:ext cx="369888" cy="1811338"/>
+            </a:xfrm>
+            <a:custGeom>
+              <a:avLst/>
+              <a:gdLst/>
+              <a:ahLst/>
+              <a:cxnLst/>
+              <a:rect l="0" t="0" r="r" b="b"/>
+              <a:pathLst>
+                <a:path w="233" h="1141">
+                  <a:moveTo>
+                    <a:pt x="218" y="1141"/>
+                  </a:moveTo>
+                  <a:lnTo>
+                    <a:pt x="0" y="626"/>
+                  </a:lnTo>
+                  <a:lnTo>
+                    <a:pt x="0" y="0"/>
+                  </a:lnTo>
+                  <a:lnTo>
+                    <a:pt x="15" y="0"/>
+                  </a:lnTo>
+                  <a:lnTo>
+                    <a:pt x="15" y="623"/>
+                  </a:lnTo>
+                  <a:lnTo>
+                    <a:pt x="233" y="1135"/>
+                  </a:lnTo>
+                  <a:lnTo>
+                    <a:pt x="218" y="1141"/>
+                  </a:lnTo>
+                  <a:close/>
+                </a:path>
+              </a:pathLst>
+            </a:custGeom>
+            <a:grpFill/>
+            <a:ln>
+              <a:noFill/>
+            </a:ln>
+            <a:extLst>
+              <a:ext uri="{91240B29-F687-4f45-9708-019B960494DF}">
+                <a14:hiddenLine xmlns="" xmlns:a16="http://schemas.microsoft.com/office/drawing/2014/main" xmlns:p14="http://schemas.microsoft.com/office/powerpoint/2010/main" xmlns:a14="http://schemas.microsoft.com/office/drawing/2010/main" w="9525">
+                  <a:solidFill>
+                    <a:srgbClr val="000000"/>
+                  </a:solidFill>
+                  <a:round/>
+                  <a:headEnd/>
+                  <a:tailEnd/>
+                </a14:hiddenLine>
+              </a:ext>
+            </a:extLst>
+          </p:spPr>
+          <p:txBody>
+            <a:bodyPr/>
+            <a:lstStyle/>
+            <a:p>
+              <a:endParaRPr lang="en-US"/>
+            </a:p>
+          </p:txBody>
+        </p:sp>
+        <p:sp>
+          <p:nvSpPr>
+            <p:cNvPr id="17" name="Freeform 9">
+              <a:extLst>
+                <a:ext uri="{FF2B5EF4-FFF2-40B4-BE49-F238E27FC236}">
+                  <a16:creationId xmlns:a16="http://schemas.microsoft.com/office/drawing/2014/main" id="{3A186C77-43BF-4B1B-8170-48944F305750}"/>
+                </a:ext>
+                <a:ext uri="{C183D7F6-B498-43B3-948B-1728B52AA6E4}">
+                  <adec:decorative xmlns:adec="http://schemas.microsoft.com/office/drawing/2017/decorative" val="1"/>
+                </a:ext>
+              </a:extLst>
+            </p:cNvPr>
+            <p:cNvSpPr>
+              <a:spLocks noEditPoints="1"/>
+            </p:cNvSpPr>
+            <p:nvPr>
+              <p:extLst>
+                <p:ext uri="{386F3935-93C4-4BCD-93E2-E3B085C9AB24}">
+                  <p16:designElem xmlns:p16="http://schemas.microsoft.com/office/powerpoint/2015/main" val="1"/>
+                </p:ext>
+              </p:extLst>
+            </p:nvPr>
+          </p:nvSpPr>
+          <p:spPr bwMode="auto">
+            <a:xfrm>
+              <a:off x="503237" y="1801813"/>
+              <a:ext cx="190500" cy="188913"/>
+            </a:xfrm>
+            <a:custGeom>
+              <a:avLst/>
+              <a:gdLst/>
+              <a:ahLst/>
+              <a:cxnLst/>
+              <a:rect l="0" t="0" r="r" b="b"/>
+              <a:pathLst>
+                <a:path w="40" h="40">
+                  <a:moveTo>
+                    <a:pt x="20" y="40"/>
+                  </a:moveTo>
+                  <a:cubicBezTo>
+                    <a:pt x="9" y="40"/>
+                    <a:pt x="0" y="31"/>
+                    <a:pt x="0" y="20"/>
+                  </a:cubicBezTo>
+                  <a:cubicBezTo>
+                    <a:pt x="0" y="9"/>
+                    <a:pt x="9" y="0"/>
+                    <a:pt x="20" y="0"/>
+                  </a:cubicBezTo>
+                  <a:cubicBezTo>
+                    <a:pt x="33" y="0"/>
+                    <a:pt x="40" y="6"/>
+                    <a:pt x="40" y="20"/>
+                  </a:cubicBezTo>
+                  <a:cubicBezTo>
+                    <a:pt x="40" y="31"/>
+                    <a:pt x="31" y="40"/>
+                    <a:pt x="20" y="40"/>
+                  </a:cubicBezTo>
+                  <a:close/>
+                  <a:moveTo>
+                    <a:pt x="20" y="4"/>
+                  </a:moveTo>
+                  <a:cubicBezTo>
+                    <a:pt x="11" y="4"/>
+                    <a:pt x="4" y="11"/>
+                    <a:pt x="4" y="20"/>
+                  </a:cubicBezTo>
+                  <a:cubicBezTo>
+                    <a:pt x="4" y="29"/>
+                    <a:pt x="11" y="36"/>
+                    <a:pt x="20" y="36"/>
+                  </a:cubicBezTo>
+                  <a:cubicBezTo>
+                    <a:pt x="28" y="36"/>
+                    <a:pt x="36" y="29"/>
+                    <a:pt x="36" y="20"/>
+                  </a:cubicBezTo>
+                  <a:cubicBezTo>
+                    <a:pt x="36" y="9"/>
+                    <a:pt x="31" y="4"/>
+                    <a:pt x="20" y="4"/>
+                  </a:cubicBezTo>
+                  <a:close/>
+                </a:path>
+              </a:pathLst>
+            </a:custGeom>
+            <a:grpFill/>
+            <a:ln>
+              <a:noFill/>
+            </a:ln>
+            <a:extLst>
+              <a:ext uri="{91240B29-F687-4f45-9708-019B960494DF}">
+                <a14:hiddenLine xmlns="" xmlns:a16="http://schemas.microsoft.com/office/drawing/2014/main" xmlns:p14="http://schemas.microsoft.com/office/powerpoint/2010/main" xmlns:a14="http://schemas.microsoft.com/office/drawing/2010/main" w="9525">
+                  <a:solidFill>
+                    <a:srgbClr val="000000"/>
+                  </a:solidFill>
+                  <a:round/>
+                  <a:headEnd/>
+                  <a:tailEnd/>
+                </a14:hiddenLine>
+              </a:ext>
+            </a:extLst>
+          </p:spPr>
+          <p:txBody>
+            <a:bodyPr/>
+            <a:lstStyle/>
+            <a:p>
+              <a:endParaRPr lang="en-US"/>
+            </a:p>
+          </p:txBody>
+        </p:sp>
+        <p:sp>
+          <p:nvSpPr>
+            <p:cNvPr id="18" name="Freeform 10">
+              <a:extLst>
+                <a:ext uri="{FF2B5EF4-FFF2-40B4-BE49-F238E27FC236}">
+                  <a16:creationId xmlns:a16="http://schemas.microsoft.com/office/drawing/2014/main" id="{FA8D72C1-8526-44B4-9333-5E0057ECCA29}"/>
+                </a:ext>
+                <a:ext uri="{C183D7F6-B498-43B3-948B-1728B52AA6E4}">
+                  <adec:decorative xmlns:adec="http://schemas.microsoft.com/office/drawing/2017/decorative" val="1"/>
+                </a:ext>
+              </a:extLst>
+            </p:cNvPr>
+            <p:cNvSpPr/>
+            <p:nvPr>
+              <p:extLst>
+                <p:ext uri="{386F3935-93C4-4BCD-93E2-E3B085C9AB24}">
+                  <p16:designElem xmlns:p16="http://schemas.microsoft.com/office/powerpoint/2015/main" val="1"/>
+                </p:ext>
+              </p:extLst>
+            </p:nvPr>
+          </p:nvSpPr>
+          <p:spPr bwMode="auto">
+            <a:xfrm>
+              <a:off x="285750" y="4763"/>
+              <a:ext cx="369888" cy="1430338"/>
+            </a:xfrm>
+            <a:custGeom>
+              <a:avLst/>
+              <a:gdLst/>
+              <a:ahLst/>
+              <a:cxnLst/>
+              <a:rect l="0" t="0" r="r" b="b"/>
+              <a:pathLst>
+                <a:path w="233" h="901">
+                  <a:moveTo>
+                    <a:pt x="221" y="901"/>
+                  </a:moveTo>
+                  <a:lnTo>
+                    <a:pt x="0" y="383"/>
+                  </a:lnTo>
+                  <a:lnTo>
+                    <a:pt x="0" y="0"/>
+                  </a:lnTo>
+                  <a:lnTo>
+                    <a:pt x="18" y="0"/>
+                  </a:lnTo>
+                  <a:lnTo>
+                    <a:pt x="18" y="380"/>
+                  </a:lnTo>
+                  <a:lnTo>
+                    <a:pt x="233" y="895"/>
+                  </a:lnTo>
+                  <a:lnTo>
+                    <a:pt x="221" y="901"/>
+                  </a:lnTo>
+                  <a:close/>
+                </a:path>
+              </a:pathLst>
+            </a:custGeom>
+            <a:grpFill/>
+            <a:ln>
+              <a:noFill/>
+            </a:ln>
+            <a:extLst>
+              <a:ext uri="{91240B29-F687-4f45-9708-019B960494DF}">
+                <a14:hiddenLine xmlns="" xmlns:a16="http://schemas.microsoft.com/office/drawing/2014/main" xmlns:p14="http://schemas.microsoft.com/office/powerpoint/2010/main" xmlns:a14="http://schemas.microsoft.com/office/drawing/2010/main" w="9525">
+                  <a:solidFill>
+                    <a:srgbClr val="000000"/>
+                  </a:solidFill>
+                  <a:round/>
+                  <a:headEnd/>
+                  <a:tailEnd/>
+                </a14:hiddenLine>
+              </a:ext>
+            </a:extLst>
+          </p:spPr>
+          <p:txBody>
+            <a:bodyPr/>
+            <a:lstStyle/>
+            <a:p>
+              <a:endParaRPr lang="en-US"/>
+            </a:p>
+          </p:txBody>
+        </p:sp>
+        <p:sp>
+          <p:nvSpPr>
+            <p:cNvPr id="19" name="Freeform 11">
+              <a:extLst>
+                <a:ext uri="{FF2B5EF4-FFF2-40B4-BE49-F238E27FC236}">
+                  <a16:creationId xmlns:a16="http://schemas.microsoft.com/office/drawing/2014/main" id="{790E4BA0-9C47-48B6-AA4A-8FC22DA9541E}"/>
+                </a:ext>
+                <a:ext uri="{C183D7F6-B498-43B3-948B-1728B52AA6E4}">
+                  <adec:decorative xmlns:adec="http://schemas.microsoft.com/office/drawing/2017/decorative" val="1"/>
+                </a:ext>
+              </a:extLst>
+            </p:cNvPr>
+            <p:cNvSpPr/>
+            <p:nvPr>
+              <p:extLst>
+                <p:ext uri="{386F3935-93C4-4BCD-93E2-E3B085C9AB24}">
+                  <p16:designElem xmlns:p16="http://schemas.microsoft.com/office/powerpoint/2015/main" val="1"/>
+                </p:ext>
+              </p:extLst>
+            </p:nvPr>
+          </p:nvSpPr>
+          <p:spPr bwMode="auto">
+            <a:xfrm>
+              <a:off x="546100" y="0"/>
+              <a:ext cx="152400" cy="912813"/>
+            </a:xfrm>
+            <a:custGeom>
+              <a:avLst/>
+              <a:gdLst/>
+              <a:ahLst/>
+              <a:cxnLst/>
+              <a:rect l="0" t="0" r="r" b="b"/>
+              <a:pathLst>
+                <a:path w="96" h="575">
+                  <a:moveTo>
+                    <a:pt x="96" y="575"/>
+                  </a:moveTo>
+                  <a:lnTo>
+                    <a:pt x="78" y="575"/>
+                  </a:lnTo>
+                  <a:lnTo>
+                    <a:pt x="78" y="192"/>
+                  </a:lnTo>
+                  <a:lnTo>
+                    <a:pt x="0" y="6"/>
+                  </a:lnTo>
+                  <a:lnTo>
+                    <a:pt x="15" y="0"/>
+                  </a:lnTo>
+                  <a:lnTo>
+                    <a:pt x="96" y="189"/>
+                  </a:lnTo>
+                  <a:lnTo>
+                    <a:pt x="96" y="575"/>
+                  </a:lnTo>
+                  <a:close/>
+                </a:path>
+              </a:pathLst>
+            </a:custGeom>
+            <a:grpFill/>
+            <a:ln>
+              <a:noFill/>
+            </a:ln>
+            <a:extLst>
+              <a:ext uri="{91240B29-F687-4f45-9708-019B960494DF}">
+                <a14:hiddenLine xmlns="" xmlns:a16="http://schemas.microsoft.com/office/drawing/2014/main" xmlns:p14="http://schemas.microsoft.com/office/powerpoint/2010/main" xmlns:a14="http://schemas.microsoft.com/office/drawing/2010/main" w="9525">
+                  <a:solidFill>
+                    <a:srgbClr val="000000"/>
+                  </a:solidFill>
+                  <a:round/>
+                  <a:headEnd/>
+                  <a:tailEnd/>
+                </a14:hiddenLine>
+              </a:ext>
+            </a:extLst>
+          </p:spPr>
+          <p:txBody>
+            <a:bodyPr/>
+            <a:lstStyle/>
+            <a:p>
+              <a:endParaRPr lang="en-US"/>
+            </a:p>
+          </p:txBody>
+        </p:sp>
+        <p:sp>
+          <p:nvSpPr>
+            <p:cNvPr id="20" name="Freeform 12">
+              <a:extLst>
+                <a:ext uri="{FF2B5EF4-FFF2-40B4-BE49-F238E27FC236}">
+                  <a16:creationId xmlns:a16="http://schemas.microsoft.com/office/drawing/2014/main" id="{FD051475-431F-4B9D-94C6-7B49A69582F2}"/>
+                </a:ext>
+                <a:ext uri="{C183D7F6-B498-43B3-948B-1728B52AA6E4}">
+                  <adec:decorative xmlns:adec="http://schemas.microsoft.com/office/drawing/2017/decorative" val="1"/>
+                </a:ext>
+              </a:extLst>
+            </p:cNvPr>
+            <p:cNvSpPr>
+              <a:spLocks noEditPoints="1"/>
+            </p:cNvSpPr>
+            <p:nvPr>
+              <p:extLst>
+                <p:ext uri="{386F3935-93C4-4BCD-93E2-E3B085C9AB24}">
+                  <p16:designElem xmlns:p16="http://schemas.microsoft.com/office/powerpoint/2015/main" val="1"/>
+                </p:ext>
+              </p:extLst>
+            </p:nvPr>
+          </p:nvSpPr>
+          <p:spPr bwMode="auto">
+            <a:xfrm>
+              <a:off x="588962" y="1420813"/>
+              <a:ext cx="190500" cy="190500"/>
+            </a:xfrm>
+            <a:custGeom>
+              <a:avLst/>
+              <a:gdLst/>
+              <a:ahLst/>
+              <a:cxnLst/>
+              <a:rect l="0" t="0" r="r" b="b"/>
+              <a:pathLst>
+                <a:path w="40" h="40">
+                  <a:moveTo>
+                    <a:pt x="20" y="40"/>
+                  </a:moveTo>
+                  <a:cubicBezTo>
+                    <a:pt x="9" y="40"/>
+                    <a:pt x="0" y="31"/>
+                    <a:pt x="0" y="20"/>
+                  </a:cubicBezTo>
+                  <a:cubicBezTo>
+                    <a:pt x="0" y="9"/>
+                    <a:pt x="9" y="0"/>
+                    <a:pt x="20" y="0"/>
+                  </a:cubicBezTo>
+                  <a:cubicBezTo>
+                    <a:pt x="33" y="0"/>
+                    <a:pt x="40" y="7"/>
+                    <a:pt x="40" y="20"/>
+                  </a:cubicBezTo>
+                  <a:cubicBezTo>
+                    <a:pt x="40" y="31"/>
+                    <a:pt x="31" y="40"/>
+                    <a:pt x="20" y="40"/>
+                  </a:cubicBezTo>
+                  <a:close/>
+                  <a:moveTo>
+                    <a:pt x="20" y="4"/>
+                  </a:moveTo>
+                  <a:cubicBezTo>
+                    <a:pt x="11" y="4"/>
+                    <a:pt x="4" y="11"/>
+                    <a:pt x="4" y="20"/>
+                  </a:cubicBezTo>
+                  <a:cubicBezTo>
+                    <a:pt x="4" y="29"/>
+                    <a:pt x="11" y="36"/>
+                    <a:pt x="20" y="36"/>
+                  </a:cubicBezTo>
+                  <a:cubicBezTo>
+                    <a:pt x="29" y="36"/>
+                    <a:pt x="36" y="29"/>
+                    <a:pt x="36" y="20"/>
+                  </a:cubicBezTo>
+                  <a:cubicBezTo>
+                    <a:pt x="36" y="9"/>
+                    <a:pt x="31" y="4"/>
+                    <a:pt x="20" y="4"/>
+                  </a:cubicBezTo>
+                  <a:close/>
+                </a:path>
+              </a:pathLst>
+            </a:custGeom>
+            <a:grpFill/>
+            <a:ln>
+              <a:noFill/>
+            </a:ln>
+            <a:extLst>
+              <a:ext uri="{91240B29-F687-4f45-9708-019B960494DF}">
+                <a14:hiddenLine xmlns="" xmlns:a16="http://schemas.microsoft.com/office/drawing/2014/main" xmlns:p14="http://schemas.microsoft.com/office/powerpoint/2010/main" xmlns:a14="http://schemas.microsoft.com/office/drawing/2010/main" w="9525">
+                  <a:solidFill>
+                    <a:srgbClr val="000000"/>
+                  </a:solidFill>
+                  <a:round/>
+                  <a:headEnd/>
+                  <a:tailEnd/>
+                </a14:hiddenLine>
+              </a:ext>
+            </a:extLst>
+          </p:spPr>
+          <p:txBody>
+            <a:bodyPr/>
+            <a:lstStyle/>
+            <a:p>
+              <a:endParaRPr lang="en-US"/>
+            </a:p>
+          </p:txBody>
+        </p:sp>
+        <p:sp>
+          <p:nvSpPr>
+            <p:cNvPr id="21" name="Freeform 13">
+              <a:extLst>
+                <a:ext uri="{FF2B5EF4-FFF2-40B4-BE49-F238E27FC236}">
+                  <a16:creationId xmlns:a16="http://schemas.microsoft.com/office/drawing/2014/main" id="{82255D2F-85A1-4A19-8BC4-EB2715F36CCE}"/>
+                </a:ext>
+                <a:ext uri="{C183D7F6-B498-43B3-948B-1728B52AA6E4}">
+                  <adec:decorative xmlns:adec="http://schemas.microsoft.com/office/drawing/2017/decorative" val="1"/>
+                </a:ext>
+              </a:extLst>
+            </p:cNvPr>
+            <p:cNvSpPr>
+              <a:spLocks noEditPoints="1"/>
+            </p:cNvSpPr>
+            <p:nvPr>
+              <p:extLst>
+                <p:ext uri="{386F3935-93C4-4BCD-93E2-E3B085C9AB24}">
+                  <p16:designElem xmlns:p16="http://schemas.microsoft.com/office/powerpoint/2015/main" val="1"/>
+                </p:ext>
+              </p:extLst>
+            </p:nvPr>
+          </p:nvSpPr>
+          <p:spPr bwMode="auto">
+            <a:xfrm>
+              <a:off x="588962" y="903288"/>
+              <a:ext cx="190500" cy="190500"/>
+            </a:xfrm>
+            <a:custGeom>
+              <a:avLst/>
+              <a:gdLst/>
+              <a:ahLst/>
+              <a:cxnLst/>
+              <a:rect l="0" t="0" r="r" b="b"/>
+              <a:pathLst>
+                <a:path w="40" h="40">
+                  <a:moveTo>
+                    <a:pt x="20" y="40"/>
+                  </a:moveTo>
+                  <a:cubicBezTo>
+                    <a:pt x="9" y="40"/>
+                    <a:pt x="0" y="31"/>
+                    <a:pt x="0" y="20"/>
+                  </a:cubicBezTo>
+                  <a:cubicBezTo>
+                    <a:pt x="0" y="9"/>
+                    <a:pt x="9" y="0"/>
+                    <a:pt x="20" y="0"/>
+                  </a:cubicBezTo>
+                  <a:cubicBezTo>
+                    <a:pt x="31" y="0"/>
+                    <a:pt x="40" y="9"/>
+                    <a:pt x="40" y="20"/>
+                  </a:cubicBezTo>
+                  <a:cubicBezTo>
+                    <a:pt x="40" y="31"/>
+                    <a:pt x="31" y="40"/>
+                    <a:pt x="20" y="40"/>
+                  </a:cubicBezTo>
+                  <a:close/>
+                  <a:moveTo>
+                    <a:pt x="20" y="4"/>
+                  </a:moveTo>
+                  <a:cubicBezTo>
+                    <a:pt x="11" y="4"/>
+                    <a:pt x="4" y="11"/>
+                    <a:pt x="4" y="20"/>
+                  </a:cubicBezTo>
+                  <a:cubicBezTo>
+                    <a:pt x="4" y="29"/>
+                    <a:pt x="11" y="36"/>
+                    <a:pt x="20" y="36"/>
+                  </a:cubicBezTo>
+                  <a:cubicBezTo>
+                    <a:pt x="29" y="36"/>
+                    <a:pt x="36" y="29"/>
+                    <a:pt x="36" y="20"/>
+                  </a:cubicBezTo>
+                  <a:cubicBezTo>
+                    <a:pt x="36" y="11"/>
+                    <a:pt x="29" y="4"/>
+                    <a:pt x="20" y="4"/>
+                  </a:cubicBezTo>
+                  <a:close/>
+                </a:path>
+              </a:pathLst>
+            </a:custGeom>
+            <a:grpFill/>
+            <a:ln>
+              <a:noFill/>
+            </a:ln>
+            <a:extLst>
+              <a:ext uri="{91240B29-F687-4f45-9708-019B960494DF}">
+                <a14:hiddenLine xmlns="" xmlns:a16="http://schemas.microsoft.com/office/drawing/2014/main" xmlns:p14="http://schemas.microsoft.com/office/powerpoint/2010/main" xmlns:a14="http://schemas.microsoft.com/office/drawing/2010/main" w="9525">
+                  <a:solidFill>
+                    <a:srgbClr val="000000"/>
+                  </a:solidFill>
+                  <a:round/>
+                  <a:headEnd/>
+                  <a:tailEnd/>
+                </a14:hiddenLine>
+              </a:ext>
+            </a:extLst>
+          </p:spPr>
+          <p:txBody>
+            <a:bodyPr/>
+            <a:lstStyle/>
+            <a:p>
+              <a:endParaRPr lang="en-US"/>
+            </a:p>
+          </p:txBody>
+        </p:sp>
+        <p:sp>
+          <p:nvSpPr>
+            <p:cNvPr id="22" name="Freeform 14">
+              <a:extLst>
+                <a:ext uri="{FF2B5EF4-FFF2-40B4-BE49-F238E27FC236}">
+                  <a16:creationId xmlns:a16="http://schemas.microsoft.com/office/drawing/2014/main" id="{EBC3A004-9794-4EFA-83F0-989248797CD9}"/>
+                </a:ext>
+                <a:ext uri="{C183D7F6-B498-43B3-948B-1728B52AA6E4}">
+                  <adec:decorative xmlns:adec="http://schemas.microsoft.com/office/drawing/2017/decorative" val="1"/>
+                </a:ext>
+              </a:extLst>
+            </p:cNvPr>
+            <p:cNvSpPr/>
+            <p:nvPr>
+              <p:extLst>
+                <p:ext uri="{386F3935-93C4-4BCD-93E2-E3B085C9AB24}">
+                  <p16:designElem xmlns:p16="http://schemas.microsoft.com/office/powerpoint/2015/main" val="1"/>
+                </p:ext>
+              </p:extLst>
+            </p:nvPr>
+          </p:nvSpPr>
+          <p:spPr bwMode="auto">
+            <a:xfrm>
+              <a:off x="641350" y="0"/>
+              <a:ext cx="422275" cy="527050"/>
+            </a:xfrm>
+            <a:custGeom>
+              <a:avLst/>
+              <a:gdLst/>
+              <a:ahLst/>
+              <a:cxnLst/>
+              <a:rect l="0" t="0" r="r" b="b"/>
+              <a:pathLst>
+                <a:path w="266" h="332">
+                  <a:moveTo>
+                    <a:pt x="257" y="332"/>
+                  </a:moveTo>
+                  <a:lnTo>
+                    <a:pt x="48" y="123"/>
+                  </a:lnTo>
+                  <a:lnTo>
+                    <a:pt x="0" y="6"/>
+                  </a:lnTo>
+                  <a:lnTo>
+                    <a:pt x="15" y="0"/>
+                  </a:lnTo>
+                  <a:lnTo>
+                    <a:pt x="63" y="114"/>
+                  </a:lnTo>
+                  <a:lnTo>
+                    <a:pt x="266" y="320"/>
+                  </a:lnTo>
+                  <a:lnTo>
+                    <a:pt x="257" y="332"/>
+                  </a:lnTo>
+                  <a:close/>
+                </a:path>
+              </a:pathLst>
+            </a:custGeom>
+            <a:grpFill/>
+            <a:ln>
+              <a:noFill/>
+            </a:ln>
+            <a:extLst>
+              <a:ext uri="{91240B29-F687-4f45-9708-019B960494DF}">
+                <a14:hiddenLine xmlns="" xmlns:a16="http://schemas.microsoft.com/office/drawing/2014/main" xmlns:p14="http://schemas.microsoft.com/office/powerpoint/2010/main" xmlns:a14="http://schemas.microsoft.com/office/drawing/2010/main" w="9525">
+                  <a:solidFill>
+                    <a:srgbClr val="000000"/>
+                  </a:solidFill>
+                  <a:round/>
+                  <a:headEnd/>
+                  <a:tailEnd/>
+                </a14:hiddenLine>
+              </a:ext>
+            </a:extLst>
+          </p:spPr>
+          <p:txBody>
+            <a:bodyPr/>
+            <a:lstStyle/>
+            <a:p>
+              <a:endParaRPr lang="en-US"/>
+            </a:p>
+          </p:txBody>
+        </p:sp>
+        <p:sp>
+          <p:nvSpPr>
+            <p:cNvPr id="23" name="Freeform 15">
+              <a:extLst>
+                <a:ext uri="{FF2B5EF4-FFF2-40B4-BE49-F238E27FC236}">
+                  <a16:creationId xmlns:a16="http://schemas.microsoft.com/office/drawing/2014/main" id="{6EFD9FC3-E11A-44E3-BCAC-A07F3C601F22}"/>
+                </a:ext>
+                <a:ext uri="{C183D7F6-B498-43B3-948B-1728B52AA6E4}">
+                  <adec:decorative xmlns:adec="http://schemas.microsoft.com/office/drawing/2017/decorative" val="1"/>
+                </a:ext>
+              </a:extLst>
+            </p:cNvPr>
+            <p:cNvSpPr>
+              <a:spLocks noEditPoints="1"/>
+            </p:cNvSpPr>
+            <p:nvPr>
+              <p:extLst>
+                <p:ext uri="{386F3935-93C4-4BCD-93E2-E3B085C9AB24}">
+                  <p16:designElem xmlns:p16="http://schemas.microsoft.com/office/powerpoint/2015/main" val="1"/>
+                </p:ext>
+              </p:extLst>
+            </p:nvPr>
+          </p:nvSpPr>
+          <p:spPr bwMode="auto">
+            <a:xfrm>
+              <a:off x="1020762" y="488950"/>
+              <a:ext cx="161925" cy="147638"/>
+            </a:xfrm>
+            <a:custGeom>
+              <a:avLst/>
+              <a:gdLst/>
+              <a:ahLst/>
+              <a:cxnLst/>
+              <a:rect l="0" t="0" r="r" b="b"/>
+              <a:pathLst>
+                <a:path w="34" h="31">
+                  <a:moveTo>
+                    <a:pt x="17" y="31"/>
+                  </a:moveTo>
+                  <a:cubicBezTo>
+                    <a:pt x="13" y="31"/>
+                    <a:pt x="9" y="30"/>
+                    <a:pt x="6" y="27"/>
+                  </a:cubicBezTo>
+                  <a:cubicBezTo>
+                    <a:pt x="0" y="20"/>
+                    <a:pt x="0" y="10"/>
+                    <a:pt x="6" y="4"/>
+                  </a:cubicBezTo>
+                  <a:cubicBezTo>
+                    <a:pt x="9" y="1"/>
+                    <a:pt x="13" y="0"/>
+                    <a:pt x="17" y="0"/>
+                  </a:cubicBezTo>
+                  <a:cubicBezTo>
+                    <a:pt x="21" y="0"/>
+                    <a:pt x="25" y="1"/>
+                    <a:pt x="28" y="4"/>
+                  </a:cubicBezTo>
+                  <a:cubicBezTo>
+                    <a:pt x="34" y="10"/>
+                    <a:pt x="34" y="20"/>
+                    <a:pt x="28" y="27"/>
+                  </a:cubicBezTo>
+                  <a:cubicBezTo>
+                    <a:pt x="25" y="30"/>
+                    <a:pt x="21" y="31"/>
+                    <a:pt x="17" y="31"/>
+                  </a:cubicBezTo>
+                  <a:close/>
+                  <a:moveTo>
+                    <a:pt x="17" y="4"/>
+                  </a:moveTo>
+                  <a:cubicBezTo>
+                    <a:pt x="14" y="4"/>
+                    <a:pt x="11" y="5"/>
+                    <a:pt x="9" y="7"/>
+                  </a:cubicBezTo>
+                  <a:cubicBezTo>
+                    <a:pt x="4" y="12"/>
+                    <a:pt x="4" y="19"/>
+                    <a:pt x="9" y="24"/>
+                  </a:cubicBezTo>
+                  <a:cubicBezTo>
+                    <a:pt x="11" y="26"/>
+                    <a:pt x="14" y="27"/>
+                    <a:pt x="17" y="27"/>
+                  </a:cubicBezTo>
+                  <a:cubicBezTo>
+                    <a:pt x="20" y="27"/>
+                    <a:pt x="23" y="26"/>
+                    <a:pt x="25" y="24"/>
+                  </a:cubicBezTo>
+                  <a:cubicBezTo>
+                    <a:pt x="30" y="19"/>
+                    <a:pt x="30" y="12"/>
+                    <a:pt x="25" y="7"/>
+                  </a:cubicBezTo>
+                  <a:cubicBezTo>
+                    <a:pt x="23" y="5"/>
+                    <a:pt x="20" y="4"/>
+                    <a:pt x="17" y="4"/>
+                  </a:cubicBezTo>
+                  <a:close/>
+                </a:path>
+              </a:pathLst>
+            </a:custGeom>
+            <a:grpFill/>
+            <a:ln>
+              <a:noFill/>
+            </a:ln>
+            <a:extLst>
+              <a:ext uri="{91240B29-F687-4f45-9708-019B960494DF}">
+                <a14:hiddenLine xmlns="" xmlns:a16="http://schemas.microsoft.com/office/drawing/2014/main" xmlns:p14="http://schemas.microsoft.com/office/powerpoint/2010/main" xmlns:a14="http://schemas.microsoft.com/office/drawing/2010/main" w="9525">
+                  <a:solidFill>
+                    <a:srgbClr val="000000"/>
+                  </a:solidFill>
+                  <a:round/>
+                  <a:headEnd/>
+                  <a:tailEnd/>
+                </a14:hiddenLine>
+              </a:ext>
+            </a:extLst>
+          </p:spPr>
+          <p:txBody>
+            <a:bodyPr/>
+            <a:lstStyle/>
+            <a:p>
+              <a:endParaRPr lang="en-US"/>
+            </a:p>
+          </p:txBody>
+        </p:sp>
+        <p:sp>
+          <p:nvSpPr>
+            <p:cNvPr id="24" name="Line 16">
+              <a:extLst>
+                <a:ext uri="{FF2B5EF4-FFF2-40B4-BE49-F238E27FC236}">
+                  <a16:creationId xmlns:a16="http://schemas.microsoft.com/office/drawing/2014/main" id="{AB6AB6F7-6592-4028-B349-1C0E53A29CDC}"/>
+                </a:ext>
+                <a:ext uri="{C183D7F6-B498-43B3-948B-1728B52AA6E4}">
+                  <adec:decorative xmlns:adec="http://schemas.microsoft.com/office/drawing/2017/decorative" val="1"/>
+                </a:ext>
+              </a:extLst>
+            </p:cNvPr>
+            <p:cNvSpPr>
+              <a:spLocks noChangeShapeType="1"/>
+            </p:cNvSpPr>
+            <p:nvPr>
+              <p:extLst>
+                <p:ext uri="{386F3935-93C4-4BCD-93E2-E3B085C9AB24}">
+                  <p16:designElem xmlns:p16="http://schemas.microsoft.com/office/powerpoint/2015/main" val="1"/>
+                </p:ext>
+              </p:extLst>
+            </p:nvPr>
+          </p:nvSpPr>
+          <p:spPr bwMode="auto">
+            <a:xfrm>
+              <a:off x="-4763" y="9525"/>
+              <a:ext cx="0" cy="0"/>
+            </a:xfrm>
+            <a:prstGeom prst="line">
+              <a:avLst/>
+            </a:prstGeom>
+            <a:grpFill/>
+            <a:ln w="15" cap="flat">
+              <a:solidFill>
+                <a:srgbClr val="FFFFFF"/>
+              </a:solidFill>
+              <a:prstDash val="solid"/>
+              <a:miter lim="800000"/>
+              <a:headEnd/>
+              <a:tailEnd/>
+            </a:ln>
+          </p:spPr>
+          <p:txBody>
+            <a:bodyPr/>
+            <a:lstStyle/>
+            <a:p>
+              <a:endParaRPr lang="en-US"/>
+            </a:p>
+          </p:txBody>
+        </p:sp>
+        <p:sp>
+          <p:nvSpPr>
+            <p:cNvPr id="25" name="Freeform 17">
+              <a:extLst>
+                <a:ext uri="{FF2B5EF4-FFF2-40B4-BE49-F238E27FC236}">
+                  <a16:creationId xmlns:a16="http://schemas.microsoft.com/office/drawing/2014/main" id="{6C2415E6-F914-4C11-B48B-4910AA6CA6BD}"/>
+                </a:ext>
+                <a:ext uri="{C183D7F6-B498-43B3-948B-1728B52AA6E4}">
+                  <adec:decorative xmlns:adec="http://schemas.microsoft.com/office/drawing/2017/decorative" val="1"/>
+                </a:ext>
+              </a:extLst>
+            </p:cNvPr>
+            <p:cNvSpPr/>
+            <p:nvPr>
+              <p:extLst>
+                <p:ext uri="{386F3935-93C4-4BCD-93E2-E3B085C9AB24}">
+                  <p16:designElem xmlns:p16="http://schemas.microsoft.com/office/powerpoint/2015/main" val="1"/>
+                </p:ext>
+              </p:extLst>
+            </p:nvPr>
+          </p:nvSpPr>
+          <p:spPr bwMode="auto">
+            <a:xfrm>
+              <a:off x="9525" y="1801813"/>
+              <a:ext cx="123825" cy="127000"/>
+            </a:xfrm>
+            <a:custGeom>
+              <a:avLst/>
+              <a:gdLst/>
+              <a:ahLst/>
+              <a:cxnLst/>
+              <a:rect l="0" t="0" r="r" b="b"/>
+              <a:pathLst>
+                <a:path w="78" h="80">
+                  <a:moveTo>
+                    <a:pt x="6" y="80"/>
+                  </a:moveTo>
+                  <a:lnTo>
+                    <a:pt x="0" y="71"/>
+                  </a:lnTo>
+                  <a:lnTo>
+                    <a:pt x="69" y="0"/>
+                  </a:lnTo>
+                  <a:lnTo>
+                    <a:pt x="78" y="9"/>
+                  </a:lnTo>
+                  <a:lnTo>
+                    <a:pt x="6" y="80"/>
+                  </a:lnTo>
+                  <a:close/>
+                </a:path>
+              </a:pathLst>
+            </a:custGeom>
+            <a:grpFill/>
+            <a:ln>
+              <a:noFill/>
+            </a:ln>
+            <a:extLst>
+              <a:ext uri="{91240B29-F687-4f45-9708-019B960494DF}">
+                <a14:hiddenLine xmlns="" xmlns:a16="http://schemas.microsoft.com/office/drawing/2014/main" xmlns:p14="http://schemas.microsoft.com/office/powerpoint/2010/main" xmlns:a14="http://schemas.microsoft.com/office/drawing/2010/main" w="9525">
+                  <a:solidFill>
+                    <a:srgbClr val="000000"/>
+                  </a:solidFill>
+                  <a:round/>
+                  <a:headEnd/>
+                  <a:tailEnd/>
+                </a14:hiddenLine>
+              </a:ext>
+            </a:extLst>
+          </p:spPr>
+          <p:txBody>
+            <a:bodyPr/>
+            <a:lstStyle/>
+            <a:p>
+              <a:endParaRPr lang="en-US"/>
+            </a:p>
+          </p:txBody>
+        </p:sp>
+        <p:sp>
+          <p:nvSpPr>
+            <p:cNvPr id="26" name="Freeform 18">
+              <a:extLst>
+                <a:ext uri="{FF2B5EF4-FFF2-40B4-BE49-F238E27FC236}">
+                  <a16:creationId xmlns:a16="http://schemas.microsoft.com/office/drawing/2014/main" id="{2412013C-072A-489E-851A-CFEF91A9A6A9}"/>
+                </a:ext>
+                <a:ext uri="{C183D7F6-B498-43B3-948B-1728B52AA6E4}">
+                  <adec:decorative xmlns:adec="http://schemas.microsoft.com/office/drawing/2017/decorative" val="1"/>
+                </a:ext>
+              </a:extLst>
+            </p:cNvPr>
+            <p:cNvSpPr/>
+            <p:nvPr>
+              <p:extLst>
+                <p:ext uri="{386F3935-93C4-4BCD-93E2-E3B085C9AB24}">
+                  <p16:designElem xmlns:p16="http://schemas.microsoft.com/office/powerpoint/2015/main" val="1"/>
+                </p:ext>
+              </p:extLst>
+            </p:nvPr>
+          </p:nvSpPr>
+          <p:spPr bwMode="auto">
+            <a:xfrm>
+              <a:off x="-9525" y="3549650"/>
+              <a:ext cx="147638" cy="481013"/>
+            </a:xfrm>
+            <a:custGeom>
+              <a:avLst/>
+              <a:gdLst/>
+              <a:ahLst/>
+              <a:cxnLst/>
+              <a:rect l="0" t="0" r="r" b="b"/>
+              <a:pathLst>
+                <a:path w="93" h="303">
+                  <a:moveTo>
+                    <a:pt x="93" y="303"/>
+                  </a:moveTo>
+                  <a:lnTo>
+                    <a:pt x="78" y="303"/>
+                  </a:lnTo>
+                  <a:lnTo>
+                    <a:pt x="78" y="78"/>
+                  </a:lnTo>
+                  <a:lnTo>
+                    <a:pt x="0" y="12"/>
+                  </a:lnTo>
+                  <a:lnTo>
+                    <a:pt x="12" y="0"/>
+                  </a:lnTo>
+                  <a:lnTo>
+                    <a:pt x="93" y="69"/>
+                  </a:lnTo>
+                  <a:lnTo>
+                    <a:pt x="93" y="303"/>
+                  </a:lnTo>
+                  <a:close/>
+                </a:path>
+              </a:pathLst>
+            </a:custGeom>
+            <a:grpFill/>
+            <a:ln>
+              <a:noFill/>
+            </a:ln>
+            <a:extLst>
+              <a:ext uri="{91240B29-F687-4f45-9708-019B960494DF}">
+                <a14:hiddenLine xmlns="" xmlns:a16="http://schemas.microsoft.com/office/drawing/2014/main" xmlns:p14="http://schemas.microsoft.com/office/powerpoint/2010/main" xmlns:a14="http://schemas.microsoft.com/office/drawing/2010/main" w="9525">
+                  <a:solidFill>
+                    <a:srgbClr val="000000"/>
+                  </a:solidFill>
+                  <a:round/>
+                  <a:headEnd/>
+                  <a:tailEnd/>
+                </a14:hiddenLine>
+              </a:ext>
+            </a:extLst>
+          </p:spPr>
+          <p:txBody>
+            <a:bodyPr/>
+            <a:lstStyle/>
+            <a:p>
+              <a:endParaRPr lang="en-US"/>
+            </a:p>
+          </p:txBody>
+        </p:sp>
+        <p:sp>
+          <p:nvSpPr>
+            <p:cNvPr id="27" name="Freeform 19">
+              <a:extLst>
+                <a:ext uri="{FF2B5EF4-FFF2-40B4-BE49-F238E27FC236}">
+                  <a16:creationId xmlns:a16="http://schemas.microsoft.com/office/drawing/2014/main" id="{DE93DF9F-296F-4DE4-8813-D8C04DE4CFC5}"/>
+                </a:ext>
+                <a:ext uri="{C183D7F6-B498-43B3-948B-1728B52AA6E4}">
+                  <adec:decorative xmlns:adec="http://schemas.microsoft.com/office/drawing/2017/decorative" val="1"/>
+                </a:ext>
+              </a:extLst>
+            </p:cNvPr>
+            <p:cNvSpPr/>
+            <p:nvPr>
+              <p:extLst>
+                <p:ext uri="{386F3935-93C4-4BCD-93E2-E3B085C9AB24}">
+                  <p16:designElem xmlns:p16="http://schemas.microsoft.com/office/powerpoint/2015/main" val="1"/>
+                </p:ext>
+              </p:extLst>
+            </p:nvPr>
+          </p:nvSpPr>
+          <p:spPr bwMode="auto">
+            <a:xfrm>
+              <a:off x="128587" y="1382713"/>
+              <a:ext cx="142875" cy="476250"/>
+            </a:xfrm>
+            <a:custGeom>
+              <a:avLst/>
+              <a:gdLst/>
+              <a:ahLst/>
+              <a:cxnLst/>
+              <a:rect l="0" t="0" r="r" b="b"/>
+              <a:pathLst>
+                <a:path w="90" h="300">
+                  <a:moveTo>
+                    <a:pt x="90" y="300"/>
+                  </a:moveTo>
+                  <a:lnTo>
+                    <a:pt x="78" y="300"/>
+                  </a:lnTo>
+                  <a:lnTo>
+                    <a:pt x="78" y="84"/>
+                  </a:lnTo>
+                  <a:lnTo>
+                    <a:pt x="0" y="9"/>
+                  </a:lnTo>
+                  <a:lnTo>
+                    <a:pt x="9" y="0"/>
+                  </a:lnTo>
+                  <a:lnTo>
+                    <a:pt x="90" y="81"/>
+                  </a:lnTo>
+                  <a:lnTo>
+                    <a:pt x="90" y="300"/>
+                  </a:lnTo>
+                  <a:close/>
+                </a:path>
+              </a:pathLst>
+            </a:custGeom>
+            <a:grpFill/>
+            <a:ln>
+              <a:noFill/>
+            </a:ln>
+            <a:extLst>
+              <a:ext uri="{91240B29-F687-4f45-9708-019B960494DF}">
+                <a14:hiddenLine xmlns="" xmlns:a16="http://schemas.microsoft.com/office/drawing/2014/main" xmlns:p14="http://schemas.microsoft.com/office/powerpoint/2010/main" xmlns:a14="http://schemas.microsoft.com/office/drawing/2010/main" w="9525">
+                  <a:solidFill>
+                    <a:srgbClr val="000000"/>
+                  </a:solidFill>
+                  <a:round/>
+                  <a:headEnd/>
+                  <a:tailEnd/>
+                </a14:hiddenLine>
+              </a:ext>
+            </a:extLst>
+          </p:spPr>
+          <p:txBody>
+            <a:bodyPr/>
+            <a:lstStyle/>
+            <a:p>
+              <a:endParaRPr lang="en-US"/>
+            </a:p>
+          </p:txBody>
+        </p:sp>
+        <p:sp>
+          <p:nvSpPr>
+            <p:cNvPr id="28" name="Freeform 20">
+              <a:extLst>
+                <a:ext uri="{FF2B5EF4-FFF2-40B4-BE49-F238E27FC236}">
+                  <a16:creationId xmlns:a16="http://schemas.microsoft.com/office/drawing/2014/main" id="{F440D966-5030-460C-9916-BF9B91542185}"/>
+                </a:ext>
+                <a:ext uri="{C183D7F6-B498-43B3-948B-1728B52AA6E4}">
+                  <adec:decorative xmlns:adec="http://schemas.microsoft.com/office/drawing/2017/decorative" val="1"/>
+                </a:ext>
+              </a:extLst>
+            </p:cNvPr>
+            <p:cNvSpPr>
+              <a:spLocks noEditPoints="1"/>
+            </p:cNvSpPr>
+            <p:nvPr>
+              <p:extLst>
+                <p:ext uri="{386F3935-93C4-4BCD-93E2-E3B085C9AB24}">
+                  <p16:designElem xmlns:p16="http://schemas.microsoft.com/office/powerpoint/2015/main" val="1"/>
+                </p:ext>
+              </p:extLst>
+            </p:nvPr>
+          </p:nvSpPr>
+          <p:spPr bwMode="auto">
+            <a:xfrm>
+              <a:off x="204787" y="1849438"/>
+              <a:ext cx="114300" cy="107950"/>
+            </a:xfrm>
+            <a:custGeom>
+              <a:avLst/>
+              <a:gdLst/>
+              <a:ahLst/>
+              <a:cxnLst/>
+              <a:rect l="0" t="0" r="r" b="b"/>
+              <a:pathLst>
+                <a:path w="24" h="23">
+                  <a:moveTo>
+                    <a:pt x="12" y="23"/>
+                  </a:moveTo>
+                  <a:cubicBezTo>
+                    <a:pt x="6" y="23"/>
+                    <a:pt x="0" y="18"/>
+                    <a:pt x="0" y="12"/>
+                  </a:cubicBezTo>
+                  <a:cubicBezTo>
+                    <a:pt x="0" y="5"/>
+                    <a:pt x="6" y="0"/>
+                    <a:pt x="12" y="0"/>
+                  </a:cubicBezTo>
+                  <a:cubicBezTo>
+                    <a:pt x="18" y="0"/>
+                    <a:pt x="24" y="5"/>
+                    <a:pt x="24" y="12"/>
+                  </a:cubicBezTo>
+                  <a:cubicBezTo>
+                    <a:pt x="24" y="18"/>
+                    <a:pt x="18" y="23"/>
+                    <a:pt x="12" y="23"/>
+                  </a:cubicBezTo>
+                  <a:close/>
+                  <a:moveTo>
+                    <a:pt x="12" y="4"/>
+                  </a:moveTo>
+                  <a:cubicBezTo>
+                    <a:pt x="8" y="4"/>
+                    <a:pt x="4" y="8"/>
+                    <a:pt x="4" y="12"/>
+                  </a:cubicBezTo>
+                  <a:cubicBezTo>
+                    <a:pt x="4" y="16"/>
+                    <a:pt x="8" y="19"/>
+                    <a:pt x="12" y="19"/>
+                  </a:cubicBezTo>
+                  <a:cubicBezTo>
+                    <a:pt x="16" y="19"/>
+                    <a:pt x="20" y="16"/>
+                    <a:pt x="20" y="12"/>
+                  </a:cubicBezTo>
+                  <a:cubicBezTo>
+                    <a:pt x="20" y="8"/>
+                    <a:pt x="16" y="4"/>
+                    <a:pt x="12" y="4"/>
+                  </a:cubicBezTo>
+                  <a:close/>
+                </a:path>
+              </a:pathLst>
+            </a:custGeom>
+            <a:grpFill/>
+            <a:ln>
+              <a:noFill/>
+            </a:ln>
+            <a:extLst>
+              <a:ext uri="{91240B29-F687-4f45-9708-019B960494DF}">
+                <a14:hiddenLine xmlns="" xmlns:a16="http://schemas.microsoft.com/office/drawing/2014/main" xmlns:p14="http://schemas.microsoft.com/office/powerpoint/2010/main" xmlns:a14="http://schemas.microsoft.com/office/drawing/2010/main" w="9525">
+                  <a:solidFill>
+                    <a:srgbClr val="000000"/>
+                  </a:solidFill>
+                  <a:round/>
+                  <a:headEnd/>
+                  <a:tailEnd/>
+                </a14:hiddenLine>
+              </a:ext>
+            </a:extLst>
+          </p:spPr>
+          <p:txBody>
+            <a:bodyPr/>
+            <a:lstStyle/>
+            <a:p>
+              <a:endParaRPr lang="en-US"/>
+            </a:p>
+          </p:txBody>
+        </p:sp>
+        <p:sp>
+          <p:nvSpPr>
+            <p:cNvPr id="29" name="Rectangle 21">
+              <a:extLst>
+                <a:ext uri="{FF2B5EF4-FFF2-40B4-BE49-F238E27FC236}">
+                  <a16:creationId xmlns:a16="http://schemas.microsoft.com/office/drawing/2014/main" id="{1EFE245D-BA05-4F4D-A6E8-40739F48E769}"/>
+                </a:ext>
+                <a:ext uri="{C183D7F6-B498-43B3-948B-1728B52AA6E4}">
+                  <adec:decorative xmlns:adec="http://schemas.microsoft.com/office/drawing/2017/decorative" val="1"/>
+                </a:ext>
+              </a:extLst>
+            </p:cNvPr>
+            <p:cNvSpPr>
+              <a:spLocks noChangeArrowheads="1"/>
+            </p:cNvSpPr>
+            <p:nvPr>
+              <p:extLst>
+                <p:ext uri="{386F3935-93C4-4BCD-93E2-E3B085C9AB24}">
+                  <p16:designElem xmlns:p16="http://schemas.microsoft.com/office/powerpoint/2015/main" val="1"/>
+                </p:ext>
+              </p:extLst>
+            </p:nvPr>
+          </p:nvSpPr>
+          <p:spPr bwMode="auto">
+            <a:xfrm>
+              <a:off x="133350" y="4662488"/>
+              <a:ext cx="23813" cy="2181225"/>
+            </a:xfrm>
+            <a:prstGeom prst="rect">
+              <a:avLst/>
+            </a:prstGeom>
+            <a:grpFill/>
+            <a:ln>
+              <a:noFill/>
+            </a:ln>
+            <a:extLst>
+              <a:ext uri="{91240B29-F687-4f45-9708-019B960494DF}">
+                <a14:hiddenLine xmlns="" xmlns:a16="http://schemas.microsoft.com/office/drawing/2014/main" xmlns:p14="http://schemas.microsoft.com/office/powerpoint/2010/main" xmlns:a14="http://schemas.microsoft.com/office/drawing/2010/main" w="9525">
+                  <a:solidFill>
+                    <a:srgbClr val="000000"/>
+                  </a:solidFill>
+                  <a:miter lim="800000"/>
+                  <a:headEnd/>
+                  <a:tailEnd/>
+                </a14:hiddenLine>
+              </a:ext>
+            </a:extLst>
+          </p:spPr>
+          <p:txBody>
+            <a:bodyPr/>
+            <a:lstStyle/>
+            <a:p>
+              <a:endParaRPr lang="en-US"/>
+            </a:p>
+          </p:txBody>
+        </p:sp>
+        <p:sp>
+          <p:nvSpPr>
+            <p:cNvPr id="30" name="Freeform 22">
+              <a:extLst>
+                <a:ext uri="{FF2B5EF4-FFF2-40B4-BE49-F238E27FC236}">
+                  <a16:creationId xmlns:a16="http://schemas.microsoft.com/office/drawing/2014/main" id="{ED67811C-F735-441C-98A6-2517EC099AFD}"/>
+                </a:ext>
+                <a:ext uri="{C183D7F6-B498-43B3-948B-1728B52AA6E4}">
+                  <adec:decorative xmlns:adec="http://schemas.microsoft.com/office/drawing/2017/decorative" val="1"/>
+                </a:ext>
+              </a:extLst>
+            </p:cNvPr>
+            <p:cNvSpPr/>
+            <p:nvPr>
+              <p:extLst>
+                <p:ext uri="{386F3935-93C4-4BCD-93E2-E3B085C9AB24}">
+                  <p16:designElem xmlns:p16="http://schemas.microsoft.com/office/powerpoint/2015/main" val="1"/>
+                </p:ext>
+              </p:extLst>
+            </p:nvPr>
+          </p:nvSpPr>
+          <p:spPr bwMode="auto">
+            <a:xfrm>
+              <a:off x="223837" y="5041900"/>
+              <a:ext cx="369888" cy="1801813"/>
+            </a:xfrm>
+            <a:custGeom>
+              <a:avLst/>
+              <a:gdLst/>
+              <a:ahLst/>
+              <a:cxnLst/>
+              <a:rect l="0" t="0" r="r" b="b"/>
+              <a:pathLst>
+                <a:path w="233" h="1135">
+                  <a:moveTo>
+                    <a:pt x="15" y="1135"/>
+                  </a:moveTo>
+                  <a:lnTo>
+                    <a:pt x="0" y="1135"/>
+                  </a:lnTo>
+                  <a:lnTo>
+                    <a:pt x="0" y="515"/>
+                  </a:lnTo>
+                  <a:lnTo>
+                    <a:pt x="0" y="512"/>
+                  </a:lnTo>
+                  <a:lnTo>
+                    <a:pt x="218" y="0"/>
+                  </a:lnTo>
+                  <a:lnTo>
+                    <a:pt x="233" y="6"/>
+                  </a:lnTo>
+                  <a:lnTo>
+                    <a:pt x="15" y="518"/>
+                  </a:lnTo>
+                  <a:lnTo>
+                    <a:pt x="15" y="1135"/>
+                  </a:lnTo>
+                  <a:close/>
+                </a:path>
+              </a:pathLst>
+            </a:custGeom>
+            <a:grpFill/>
+            <a:ln>
+              <a:noFill/>
+            </a:ln>
+            <a:extLst>
+              <a:ext uri="{91240B29-F687-4f45-9708-019B960494DF}">
+                <a14:hiddenLine xmlns="" xmlns:a16="http://schemas.microsoft.com/office/drawing/2014/main" xmlns:p14="http://schemas.microsoft.com/office/powerpoint/2010/main" xmlns:a14="http://schemas.microsoft.com/office/drawing/2010/main" w="9525">
+                  <a:solidFill>
+                    <a:srgbClr val="000000"/>
+                  </a:solidFill>
+                  <a:round/>
+                  <a:headEnd/>
+                  <a:tailEnd/>
+                </a14:hiddenLine>
+              </a:ext>
+            </a:extLst>
+          </p:spPr>
+          <p:txBody>
+            <a:bodyPr/>
+            <a:lstStyle/>
+            <a:p>
+              <a:endParaRPr lang="en-US"/>
+            </a:p>
+          </p:txBody>
+        </p:sp>
+        <p:sp>
+          <p:nvSpPr>
+            <p:cNvPr id="31" name="Freeform 23">
+              <a:extLst>
+                <a:ext uri="{FF2B5EF4-FFF2-40B4-BE49-F238E27FC236}">
+                  <a16:creationId xmlns:a16="http://schemas.microsoft.com/office/drawing/2014/main" id="{3070FC44-32F9-470F-A131-868F3F1DB72F}"/>
+                </a:ext>
+                <a:ext uri="{C183D7F6-B498-43B3-948B-1728B52AA6E4}">
+                  <adec:decorative xmlns:adec="http://schemas.microsoft.com/office/drawing/2017/decorative" val="1"/>
+                </a:ext>
+              </a:extLst>
+            </p:cNvPr>
+            <p:cNvSpPr>
+              <a:spLocks noEditPoints="1"/>
+            </p:cNvSpPr>
+            <p:nvPr>
+              <p:extLst>
+                <p:ext uri="{386F3935-93C4-4BCD-93E2-E3B085C9AB24}">
+                  <p16:designElem xmlns:p16="http://schemas.microsoft.com/office/powerpoint/2015/main" val="1"/>
+                </p:ext>
+              </p:extLst>
+            </p:nvPr>
+          </p:nvSpPr>
+          <p:spPr bwMode="auto">
+            <a:xfrm>
+              <a:off x="52387" y="4481513"/>
+              <a:ext cx="190500" cy="190500"/>
+            </a:xfrm>
+            <a:custGeom>
+              <a:avLst/>
+              <a:gdLst/>
+              <a:ahLst/>
+              <a:cxnLst/>
+              <a:rect l="0" t="0" r="r" b="b"/>
+              <a:pathLst>
+                <a:path w="40" h="40">
+                  <a:moveTo>
+                    <a:pt x="20" y="40"/>
+                  </a:moveTo>
+                  <a:cubicBezTo>
+                    <a:pt x="9" y="40"/>
+                    <a:pt x="0" y="31"/>
+                    <a:pt x="0" y="20"/>
+                  </a:cubicBezTo>
+                  <a:cubicBezTo>
+                    <a:pt x="0" y="9"/>
+                    <a:pt x="9" y="0"/>
+                    <a:pt x="20" y="0"/>
+                  </a:cubicBezTo>
+                  <a:cubicBezTo>
+                    <a:pt x="31" y="0"/>
+                    <a:pt x="40" y="9"/>
+                    <a:pt x="40" y="20"/>
+                  </a:cubicBezTo>
+                  <a:cubicBezTo>
+                    <a:pt x="40" y="31"/>
+                    <a:pt x="31" y="40"/>
+                    <a:pt x="20" y="40"/>
+                  </a:cubicBezTo>
+                  <a:close/>
+                  <a:moveTo>
+                    <a:pt x="20" y="4"/>
+                  </a:moveTo>
+                  <a:cubicBezTo>
+                    <a:pt x="11" y="4"/>
+                    <a:pt x="4" y="11"/>
+                    <a:pt x="4" y="20"/>
+                  </a:cubicBezTo>
+                  <a:cubicBezTo>
+                    <a:pt x="4" y="29"/>
+                    <a:pt x="11" y="36"/>
+                    <a:pt x="20" y="36"/>
+                  </a:cubicBezTo>
+                  <a:cubicBezTo>
+                    <a:pt x="28" y="36"/>
+                    <a:pt x="36" y="29"/>
+                    <a:pt x="36" y="20"/>
+                  </a:cubicBezTo>
+                  <a:cubicBezTo>
+                    <a:pt x="36" y="11"/>
+                    <a:pt x="28" y="4"/>
+                    <a:pt x="20" y="4"/>
+                  </a:cubicBezTo>
+                  <a:close/>
+                </a:path>
+              </a:pathLst>
+            </a:custGeom>
+            <a:grpFill/>
+            <a:ln>
+              <a:noFill/>
+            </a:ln>
+            <a:extLst>
+              <a:ext uri="{91240B29-F687-4f45-9708-019B960494DF}">
+                <a14:hiddenLine xmlns="" xmlns:a16="http://schemas.microsoft.com/office/drawing/2014/main" xmlns:p14="http://schemas.microsoft.com/office/powerpoint/2010/main" xmlns:a14="http://schemas.microsoft.com/office/drawing/2010/main" w="9525">
+                  <a:solidFill>
+                    <a:srgbClr val="000000"/>
+                  </a:solidFill>
+                  <a:round/>
+                  <a:headEnd/>
+                  <a:tailEnd/>
+                </a14:hiddenLine>
+              </a:ext>
+            </a:extLst>
+          </p:spPr>
+          <p:txBody>
+            <a:bodyPr/>
+            <a:lstStyle/>
+            <a:p>
+              <a:endParaRPr lang="en-US"/>
+            </a:p>
+          </p:txBody>
+        </p:sp>
+        <p:sp>
+          <p:nvSpPr>
+            <p:cNvPr id="32" name="Freeform 24">
+              <a:extLst>
+                <a:ext uri="{FF2B5EF4-FFF2-40B4-BE49-F238E27FC236}">
+                  <a16:creationId xmlns:a16="http://schemas.microsoft.com/office/drawing/2014/main" id="{95FB52C7-C779-4E3F-978C-4595FEF868F5}"/>
+                </a:ext>
+                <a:ext uri="{C183D7F6-B498-43B3-948B-1728B52AA6E4}">
+                  <adec:decorative xmlns:adec="http://schemas.microsoft.com/office/drawing/2017/decorative" val="1"/>
+                </a:ext>
+              </a:extLst>
+            </p:cNvPr>
+            <p:cNvSpPr/>
+            <p:nvPr>
+              <p:extLst>
+                <p:ext uri="{386F3935-93C4-4BCD-93E2-E3B085C9AB24}">
+                  <p16:designElem xmlns:p16="http://schemas.microsoft.com/office/powerpoint/2015/main" val="1"/>
+                </p:ext>
+              </p:extLst>
+            </p:nvPr>
+          </p:nvSpPr>
+          <p:spPr bwMode="auto">
+            <a:xfrm>
+              <a:off x="-14288" y="5627688"/>
+              <a:ext cx="85725" cy="1216025"/>
+            </a:xfrm>
+            <a:custGeom>
+              <a:avLst/>
+              <a:gdLst/>
+              <a:ahLst/>
+              <a:cxnLst/>
+              <a:rect l="0" t="0" r="r" b="b"/>
+              <a:pathLst>
+                <a:path w="54" h="766">
+                  <a:moveTo>
+                    <a:pt x="54" y="766"/>
+                  </a:moveTo>
+                  <a:lnTo>
+                    <a:pt x="36" y="766"/>
+                  </a:lnTo>
+                  <a:lnTo>
+                    <a:pt x="36" y="149"/>
+                  </a:lnTo>
+                  <a:lnTo>
+                    <a:pt x="0" y="3"/>
+                  </a:lnTo>
+                  <a:lnTo>
+                    <a:pt x="18" y="0"/>
+                  </a:lnTo>
+                  <a:lnTo>
+                    <a:pt x="54" y="146"/>
+                  </a:lnTo>
+                  <a:lnTo>
+                    <a:pt x="54" y="766"/>
+                  </a:lnTo>
+                  <a:close/>
+                </a:path>
+              </a:pathLst>
+            </a:custGeom>
+            <a:grpFill/>
+            <a:ln>
+              <a:noFill/>
+            </a:ln>
+            <a:extLst>
+              <a:ext uri="{91240B29-F687-4f45-9708-019B960494DF}">
+                <a14:hiddenLine xmlns="" xmlns:a16="http://schemas.microsoft.com/office/drawing/2014/main" xmlns:p14="http://schemas.microsoft.com/office/powerpoint/2010/main" xmlns:a14="http://schemas.microsoft.com/office/drawing/2010/main" w="9525">
+                  <a:solidFill>
+                    <a:srgbClr val="000000"/>
+                  </a:solidFill>
+                  <a:round/>
+                  <a:headEnd/>
+                  <a:tailEnd/>
+                </a14:hiddenLine>
+              </a:ext>
+            </a:extLst>
+          </p:spPr>
+          <p:txBody>
+            <a:bodyPr/>
+            <a:lstStyle/>
+            <a:p>
+              <a:endParaRPr lang="en-US"/>
+            </a:p>
+          </p:txBody>
+        </p:sp>
+        <p:sp>
+          <p:nvSpPr>
+            <p:cNvPr id="33" name="Freeform 25">
+              <a:extLst>
+                <a:ext uri="{FF2B5EF4-FFF2-40B4-BE49-F238E27FC236}">
+                  <a16:creationId xmlns:a16="http://schemas.microsoft.com/office/drawing/2014/main" id="{D4EB1759-62AC-4B24-9DC6-E4F8737E8984}"/>
+                </a:ext>
+                <a:ext uri="{C183D7F6-B498-43B3-948B-1728B52AA6E4}">
+                  <adec:decorative xmlns:adec="http://schemas.microsoft.com/office/drawing/2017/decorative" val="1"/>
+                </a:ext>
+              </a:extLst>
+            </p:cNvPr>
+            <p:cNvSpPr>
+              <a:spLocks noEditPoints="1"/>
+            </p:cNvSpPr>
+            <p:nvPr>
+              <p:extLst>
+                <p:ext uri="{386F3935-93C4-4BCD-93E2-E3B085C9AB24}">
+                  <p16:designElem xmlns:p16="http://schemas.microsoft.com/office/powerpoint/2015/main" val="1"/>
+                </p:ext>
+              </p:extLst>
+            </p:nvPr>
+          </p:nvSpPr>
+          <p:spPr bwMode="auto">
+            <a:xfrm>
+              <a:off x="527050" y="4867275"/>
+              <a:ext cx="190500" cy="188913"/>
+            </a:xfrm>
+            <a:custGeom>
+              <a:avLst/>
+              <a:gdLst/>
+              <a:ahLst/>
+              <a:cxnLst/>
+              <a:rect l="0" t="0" r="r" b="b"/>
+              <a:pathLst>
+                <a:path w="40" h="40">
+                  <a:moveTo>
+                    <a:pt x="20" y="40"/>
+                  </a:moveTo>
+                  <a:cubicBezTo>
+                    <a:pt x="9" y="40"/>
+                    <a:pt x="0" y="31"/>
+                    <a:pt x="0" y="20"/>
+                  </a:cubicBezTo>
+                  <a:cubicBezTo>
+                    <a:pt x="0" y="9"/>
+                    <a:pt x="9" y="0"/>
+                    <a:pt x="20" y="0"/>
+                  </a:cubicBezTo>
+                  <a:cubicBezTo>
+                    <a:pt x="31" y="0"/>
+                    <a:pt x="40" y="9"/>
+                    <a:pt x="40" y="20"/>
+                  </a:cubicBezTo>
+                  <a:cubicBezTo>
+                    <a:pt x="40" y="31"/>
+                    <a:pt x="31" y="40"/>
+                    <a:pt x="20" y="40"/>
+                  </a:cubicBezTo>
+                  <a:close/>
+                  <a:moveTo>
+                    <a:pt x="20" y="4"/>
+                  </a:moveTo>
+                  <a:cubicBezTo>
+                    <a:pt x="11" y="4"/>
+                    <a:pt x="4" y="11"/>
+                    <a:pt x="4" y="20"/>
+                  </a:cubicBezTo>
+                  <a:cubicBezTo>
+                    <a:pt x="4" y="29"/>
+                    <a:pt x="11" y="36"/>
+                    <a:pt x="20" y="36"/>
+                  </a:cubicBezTo>
+                  <a:cubicBezTo>
+                    <a:pt x="29" y="36"/>
+                    <a:pt x="36" y="29"/>
+                    <a:pt x="36" y="20"/>
+                  </a:cubicBezTo>
+                  <a:cubicBezTo>
+                    <a:pt x="36" y="11"/>
+                    <a:pt x="29" y="4"/>
+                    <a:pt x="20" y="4"/>
+                  </a:cubicBezTo>
+                  <a:close/>
+                </a:path>
+              </a:pathLst>
+            </a:custGeom>
+            <a:grpFill/>
+            <a:ln>
+              <a:noFill/>
+            </a:ln>
+            <a:extLst>
+              <a:ext uri="{91240B29-F687-4f45-9708-019B960494DF}">
+                <a14:hiddenLine xmlns="" xmlns:a16="http://schemas.microsoft.com/office/drawing/2014/main" xmlns:p14="http://schemas.microsoft.com/office/powerpoint/2010/main" xmlns:a14="http://schemas.microsoft.com/office/drawing/2010/main" w="9525">
+                  <a:solidFill>
+                    <a:srgbClr val="000000"/>
+                  </a:solidFill>
+                  <a:round/>
+                  <a:headEnd/>
+                  <a:tailEnd/>
+                </a14:hiddenLine>
+              </a:ext>
+            </a:extLst>
+          </p:spPr>
+          <p:txBody>
+            <a:bodyPr/>
+            <a:lstStyle/>
+            <a:p>
+              <a:endParaRPr lang="en-US"/>
+            </a:p>
+          </p:txBody>
+        </p:sp>
+        <p:sp>
+          <p:nvSpPr>
+            <p:cNvPr id="34" name="Freeform 26">
+              <a:extLst>
+                <a:ext uri="{FF2B5EF4-FFF2-40B4-BE49-F238E27FC236}">
+                  <a16:creationId xmlns:a16="http://schemas.microsoft.com/office/drawing/2014/main" id="{7BF6FB39-864B-4F58-86E8-790E16FB3CD7}"/>
+                </a:ext>
+                <a:ext uri="{C183D7F6-B498-43B3-948B-1728B52AA6E4}">
+                  <adec:decorative xmlns:adec="http://schemas.microsoft.com/office/drawing/2017/decorative" val="1"/>
+                </a:ext>
+              </a:extLst>
+            </p:cNvPr>
+            <p:cNvSpPr/>
+            <p:nvPr>
+              <p:extLst>
+                <p:ext uri="{386F3935-93C4-4BCD-93E2-E3B085C9AB24}">
+                  <p16:designElem xmlns:p16="http://schemas.microsoft.com/office/powerpoint/2015/main" val="1"/>
+                </p:ext>
+              </p:extLst>
+            </p:nvPr>
+          </p:nvSpPr>
+          <p:spPr bwMode="auto">
+            <a:xfrm>
+              <a:off x="309562" y="5422900"/>
+              <a:ext cx="374650" cy="1425575"/>
+            </a:xfrm>
+            <a:custGeom>
+              <a:avLst/>
+              <a:gdLst/>
+              <a:ahLst/>
+              <a:cxnLst/>
+              <a:rect l="0" t="0" r="r" b="b"/>
+              <a:pathLst>
+                <a:path w="236" h="898">
+                  <a:moveTo>
+                    <a:pt x="18" y="898"/>
+                  </a:moveTo>
+                  <a:lnTo>
+                    <a:pt x="0" y="898"/>
+                  </a:lnTo>
+                  <a:lnTo>
+                    <a:pt x="0" y="515"/>
+                  </a:lnTo>
+                  <a:lnTo>
+                    <a:pt x="3" y="512"/>
+                  </a:lnTo>
+                  <a:lnTo>
+                    <a:pt x="221" y="0"/>
+                  </a:lnTo>
+                  <a:lnTo>
+                    <a:pt x="236" y="6"/>
+                  </a:lnTo>
+                  <a:lnTo>
+                    <a:pt x="18" y="518"/>
+                  </a:lnTo>
+                  <a:lnTo>
+                    <a:pt x="18" y="898"/>
+                  </a:lnTo>
+                  <a:close/>
+                </a:path>
+              </a:pathLst>
+            </a:custGeom>
+            <a:grpFill/>
+            <a:ln>
+              <a:noFill/>
+            </a:ln>
+            <a:extLst>
+              <a:ext uri="{91240B29-F687-4f45-9708-019B960494DF}">
+                <a14:hiddenLine xmlns="" xmlns:a16="http://schemas.microsoft.com/office/drawing/2014/main" xmlns:p14="http://schemas.microsoft.com/office/powerpoint/2010/main" xmlns:a14="http://schemas.microsoft.com/office/drawing/2010/main" w="9525">
+                  <a:solidFill>
+                    <a:srgbClr val="000000"/>
+                  </a:solidFill>
+                  <a:round/>
+                  <a:headEnd/>
+                  <a:tailEnd/>
+                </a14:hiddenLine>
+              </a:ext>
+            </a:extLst>
+          </p:spPr>
+          <p:txBody>
+            <a:bodyPr/>
+            <a:lstStyle/>
+            <a:p>
+              <a:endParaRPr lang="en-US"/>
+            </a:p>
+          </p:txBody>
+        </p:sp>
+        <p:sp>
+          <p:nvSpPr>
+            <p:cNvPr id="35" name="Freeform 27">
+              <a:extLst>
+                <a:ext uri="{FF2B5EF4-FFF2-40B4-BE49-F238E27FC236}">
+                  <a16:creationId xmlns:a16="http://schemas.microsoft.com/office/drawing/2014/main" id="{5FE4FA46-B51C-43DA-87FC-2644ED117A01}"/>
+                </a:ext>
+                <a:ext uri="{C183D7F6-B498-43B3-948B-1728B52AA6E4}">
+                  <adec:decorative xmlns:adec="http://schemas.microsoft.com/office/drawing/2017/decorative" val="1"/>
+                </a:ext>
+              </a:extLst>
+            </p:cNvPr>
+            <p:cNvSpPr/>
+            <p:nvPr>
+              <p:extLst>
+                <p:ext uri="{386F3935-93C4-4BCD-93E2-E3B085C9AB24}">
+                  <p16:designElem xmlns:p16="http://schemas.microsoft.com/office/powerpoint/2015/main" val="1"/>
+                </p:ext>
+              </p:extLst>
+            </p:nvPr>
+          </p:nvSpPr>
+          <p:spPr bwMode="auto">
+            <a:xfrm>
+              <a:off x="569912" y="5945188"/>
+              <a:ext cx="152400" cy="912813"/>
+            </a:xfrm>
+            <a:custGeom>
+              <a:avLst/>
+              <a:gdLst/>
+              <a:ahLst/>
+              <a:cxnLst/>
+              <a:rect l="0" t="0" r="r" b="b"/>
+              <a:pathLst>
+                <a:path w="96" h="575">
+                  <a:moveTo>
+                    <a:pt x="15" y="575"/>
+                  </a:moveTo>
+                  <a:lnTo>
+                    <a:pt x="0" y="569"/>
+                  </a:lnTo>
+                  <a:lnTo>
+                    <a:pt x="81" y="383"/>
+                  </a:lnTo>
+                  <a:lnTo>
+                    <a:pt x="81" y="0"/>
+                  </a:lnTo>
+                  <a:lnTo>
+                    <a:pt x="96" y="0"/>
+                  </a:lnTo>
+                  <a:lnTo>
+                    <a:pt x="96" y="386"/>
+                  </a:lnTo>
+                  <a:lnTo>
+                    <a:pt x="15" y="575"/>
+                  </a:lnTo>
+                  <a:close/>
+                </a:path>
+              </a:pathLst>
+            </a:custGeom>
+            <a:grpFill/>
+            <a:ln>
+              <a:noFill/>
+            </a:ln>
+            <a:extLst>
+              <a:ext uri="{91240B29-F687-4f45-9708-019B960494DF}">
+                <a14:hiddenLine xmlns="" xmlns:a16="http://schemas.microsoft.com/office/drawing/2014/main" xmlns:p14="http://schemas.microsoft.com/office/powerpoint/2010/main" xmlns:a14="http://schemas.microsoft.com/office/drawing/2010/main" w="9525">
+                  <a:solidFill>
+                    <a:srgbClr val="000000"/>
+                  </a:solidFill>
+                  <a:round/>
+                  <a:headEnd/>
+                  <a:tailEnd/>
+                </a14:hiddenLine>
+              </a:ext>
+            </a:extLst>
+          </p:spPr>
+          <p:txBody>
+            <a:bodyPr/>
+            <a:lstStyle/>
+            <a:p>
+              <a:endParaRPr lang="en-US"/>
+            </a:p>
+          </p:txBody>
+        </p:sp>
+        <p:sp>
+          <p:nvSpPr>
+            <p:cNvPr id="36" name="Freeform 28">
+              <a:extLst>
+                <a:ext uri="{FF2B5EF4-FFF2-40B4-BE49-F238E27FC236}">
+                  <a16:creationId xmlns:a16="http://schemas.microsoft.com/office/drawing/2014/main" id="{25DD1322-2D3A-4E7B-B23B-B4F96E02C29F}"/>
+                </a:ext>
+                <a:ext uri="{C183D7F6-B498-43B3-948B-1728B52AA6E4}">
+                  <adec:decorative xmlns:adec="http://schemas.microsoft.com/office/drawing/2017/decorative" val="1"/>
+                </a:ext>
+              </a:extLst>
+            </p:cNvPr>
+            <p:cNvSpPr>
+              <a:spLocks noEditPoints="1"/>
+            </p:cNvSpPr>
+            <p:nvPr>
+              <p:extLst>
+                <p:ext uri="{386F3935-93C4-4BCD-93E2-E3B085C9AB24}">
+                  <p16:designElem xmlns:p16="http://schemas.microsoft.com/office/powerpoint/2015/main" val="1"/>
+                </p:ext>
+              </p:extLst>
+            </p:nvPr>
+          </p:nvSpPr>
+          <p:spPr bwMode="auto">
+            <a:xfrm>
+              <a:off x="612775" y="5246688"/>
+              <a:ext cx="190500" cy="190500"/>
+            </a:xfrm>
+            <a:custGeom>
+              <a:avLst/>
+              <a:gdLst/>
+              <a:ahLst/>
+              <a:cxnLst/>
+              <a:rect l="0" t="0" r="r" b="b"/>
+              <a:pathLst>
+                <a:path w="40" h="40">
+                  <a:moveTo>
+                    <a:pt x="20" y="40"/>
+                  </a:moveTo>
+                  <a:cubicBezTo>
+                    <a:pt x="9" y="40"/>
+                    <a:pt x="0" y="31"/>
+                    <a:pt x="0" y="20"/>
+                  </a:cubicBezTo>
+                  <a:cubicBezTo>
+                    <a:pt x="0" y="9"/>
+                    <a:pt x="9" y="0"/>
+                    <a:pt x="20" y="0"/>
+                  </a:cubicBezTo>
+                  <a:cubicBezTo>
+                    <a:pt x="31" y="0"/>
+                    <a:pt x="40" y="9"/>
+                    <a:pt x="40" y="20"/>
+                  </a:cubicBezTo>
+                  <a:cubicBezTo>
+                    <a:pt x="40" y="31"/>
+                    <a:pt x="31" y="40"/>
+                    <a:pt x="20" y="40"/>
+                  </a:cubicBezTo>
+                  <a:close/>
+                  <a:moveTo>
+                    <a:pt x="20" y="4"/>
+                  </a:moveTo>
+                  <a:cubicBezTo>
+                    <a:pt x="12" y="4"/>
+                    <a:pt x="4" y="11"/>
+                    <a:pt x="4" y="20"/>
+                  </a:cubicBezTo>
+                  <a:cubicBezTo>
+                    <a:pt x="4" y="29"/>
+                    <a:pt x="12" y="36"/>
+                    <a:pt x="20" y="36"/>
+                  </a:cubicBezTo>
+                  <a:cubicBezTo>
+                    <a:pt x="29" y="36"/>
+                    <a:pt x="36" y="29"/>
+                    <a:pt x="36" y="20"/>
+                  </a:cubicBezTo>
+                  <a:cubicBezTo>
+                    <a:pt x="36" y="11"/>
+                    <a:pt x="29" y="4"/>
+                    <a:pt x="20" y="4"/>
+                  </a:cubicBezTo>
+                  <a:close/>
+                </a:path>
+              </a:pathLst>
+            </a:custGeom>
+            <a:grpFill/>
+            <a:ln>
+              <a:noFill/>
+            </a:ln>
+            <a:extLst>
+              <a:ext uri="{91240B29-F687-4f45-9708-019B960494DF}">
+                <a14:hiddenLine xmlns="" xmlns:a16="http://schemas.microsoft.com/office/drawing/2014/main" xmlns:p14="http://schemas.microsoft.com/office/powerpoint/2010/main" xmlns:a14="http://schemas.microsoft.com/office/drawing/2010/main" w="9525">
+                  <a:solidFill>
+                    <a:srgbClr val="000000"/>
+                  </a:solidFill>
+                  <a:round/>
+                  <a:headEnd/>
+                  <a:tailEnd/>
+                </a14:hiddenLine>
+              </a:ext>
+            </a:extLst>
+          </p:spPr>
+          <p:txBody>
+            <a:bodyPr/>
+            <a:lstStyle/>
+            <a:p>
+              <a:endParaRPr lang="en-US"/>
+            </a:p>
+          </p:txBody>
+        </p:sp>
+        <p:sp>
+          <p:nvSpPr>
+            <p:cNvPr id="37" name="Freeform 29">
+              <a:extLst>
+                <a:ext uri="{FF2B5EF4-FFF2-40B4-BE49-F238E27FC236}">
+                  <a16:creationId xmlns:a16="http://schemas.microsoft.com/office/drawing/2014/main" id="{6E4FFBEB-52BB-494D-AD99-A0F072AB6F35}"/>
+                </a:ext>
+                <a:ext uri="{C183D7F6-B498-43B3-948B-1728B52AA6E4}">
+                  <adec:decorative xmlns:adec="http://schemas.microsoft.com/office/drawing/2017/decorative" val="1"/>
+                </a:ext>
+              </a:extLst>
+            </p:cNvPr>
+            <p:cNvSpPr>
+              <a:spLocks noEditPoints="1"/>
+            </p:cNvSpPr>
+            <p:nvPr>
+              <p:extLst>
+                <p:ext uri="{386F3935-93C4-4BCD-93E2-E3B085C9AB24}">
+                  <p16:designElem xmlns:p16="http://schemas.microsoft.com/office/powerpoint/2015/main" val="1"/>
+                </p:ext>
+              </p:extLst>
+            </p:nvPr>
+          </p:nvSpPr>
+          <p:spPr bwMode="auto">
+            <a:xfrm>
+              <a:off x="612775" y="5764213"/>
+              <a:ext cx="190500" cy="190500"/>
+            </a:xfrm>
+            <a:custGeom>
+              <a:avLst/>
+              <a:gdLst/>
+              <a:ahLst/>
+              <a:cxnLst/>
+              <a:rect l="0" t="0" r="r" b="b"/>
+              <a:pathLst>
+                <a:path w="40" h="40">
+                  <a:moveTo>
+                    <a:pt x="20" y="40"/>
+                  </a:moveTo>
+                  <a:cubicBezTo>
+                    <a:pt x="9" y="40"/>
+                    <a:pt x="0" y="31"/>
+                    <a:pt x="0" y="20"/>
+                  </a:cubicBezTo>
+                  <a:cubicBezTo>
+                    <a:pt x="0" y="9"/>
+                    <a:pt x="9" y="0"/>
+                    <a:pt x="20" y="0"/>
+                  </a:cubicBezTo>
+                  <a:cubicBezTo>
+                    <a:pt x="31" y="0"/>
+                    <a:pt x="40" y="9"/>
+                    <a:pt x="40" y="20"/>
+                  </a:cubicBezTo>
+                  <a:cubicBezTo>
+                    <a:pt x="40" y="31"/>
+                    <a:pt x="31" y="40"/>
+                    <a:pt x="20" y="40"/>
+                  </a:cubicBezTo>
+                  <a:close/>
+                  <a:moveTo>
+                    <a:pt x="20" y="4"/>
+                  </a:moveTo>
+                  <a:cubicBezTo>
+                    <a:pt x="12" y="4"/>
+                    <a:pt x="4" y="11"/>
+                    <a:pt x="4" y="20"/>
+                  </a:cubicBezTo>
+                  <a:cubicBezTo>
+                    <a:pt x="4" y="29"/>
+                    <a:pt x="12" y="36"/>
+                    <a:pt x="20" y="36"/>
+                  </a:cubicBezTo>
+                  <a:cubicBezTo>
+                    <a:pt x="29" y="36"/>
+                    <a:pt x="36" y="29"/>
+                    <a:pt x="36" y="20"/>
+                  </a:cubicBezTo>
+                  <a:cubicBezTo>
+                    <a:pt x="36" y="11"/>
+                    <a:pt x="29" y="4"/>
+                    <a:pt x="20" y="4"/>
+                  </a:cubicBezTo>
+                  <a:close/>
+                </a:path>
+              </a:pathLst>
+            </a:custGeom>
+            <a:grpFill/>
+            <a:ln>
+              <a:noFill/>
+            </a:ln>
+            <a:extLst>
+              <a:ext uri="{91240B29-F687-4f45-9708-019B960494DF}">
+                <a14:hiddenLine xmlns="" xmlns:a16="http://schemas.microsoft.com/office/drawing/2014/main" xmlns:p14="http://schemas.microsoft.com/office/powerpoint/2010/main" xmlns:a14="http://schemas.microsoft.com/office/drawing/2010/main" w="9525">
+                  <a:solidFill>
+                    <a:srgbClr val="000000"/>
+                  </a:solidFill>
+                  <a:round/>
+                  <a:headEnd/>
+                  <a:tailEnd/>
+                </a14:hiddenLine>
+              </a:ext>
+            </a:extLst>
+          </p:spPr>
+          <p:txBody>
+            <a:bodyPr/>
+            <a:lstStyle/>
+            <a:p>
+              <a:endParaRPr lang="en-US"/>
+            </a:p>
+          </p:txBody>
+        </p:sp>
+        <p:sp>
+          <p:nvSpPr>
+            <p:cNvPr id="38" name="Freeform 30">
+              <a:extLst>
+                <a:ext uri="{FF2B5EF4-FFF2-40B4-BE49-F238E27FC236}">
+                  <a16:creationId xmlns:a16="http://schemas.microsoft.com/office/drawing/2014/main" id="{7DE92406-3F65-4333-BAAA-A9A7B5AEE911}"/>
+                </a:ext>
+                <a:ext uri="{C183D7F6-B498-43B3-948B-1728B52AA6E4}">
+                  <adec:decorative xmlns:adec="http://schemas.microsoft.com/office/drawing/2017/decorative" val="1"/>
+                </a:ext>
+              </a:extLst>
+            </p:cNvPr>
+            <p:cNvSpPr/>
+            <p:nvPr>
+              <p:extLst>
+                <p:ext uri="{386F3935-93C4-4BCD-93E2-E3B085C9AB24}">
+                  <p16:designElem xmlns:p16="http://schemas.microsoft.com/office/powerpoint/2015/main" val="1"/>
+                </p:ext>
+              </p:extLst>
+            </p:nvPr>
+          </p:nvSpPr>
+          <p:spPr bwMode="auto">
+            <a:xfrm>
+              <a:off x="669925" y="6330950"/>
+              <a:ext cx="417513" cy="517525"/>
+            </a:xfrm>
+            <a:custGeom>
+              <a:avLst/>
+              <a:gdLst/>
+              <a:ahLst/>
+              <a:cxnLst/>
+              <a:rect l="0" t="0" r="r" b="b"/>
+              <a:pathLst>
+                <a:path w="263" h="326">
+                  <a:moveTo>
+                    <a:pt x="15" y="326"/>
+                  </a:moveTo>
+                  <a:lnTo>
+                    <a:pt x="0" y="320"/>
+                  </a:lnTo>
+                  <a:lnTo>
+                    <a:pt x="45" y="206"/>
+                  </a:lnTo>
+                  <a:lnTo>
+                    <a:pt x="48" y="206"/>
+                  </a:lnTo>
+                  <a:lnTo>
+                    <a:pt x="254" y="0"/>
+                  </a:lnTo>
+                  <a:lnTo>
+                    <a:pt x="263" y="12"/>
+                  </a:lnTo>
+                  <a:lnTo>
+                    <a:pt x="60" y="215"/>
+                  </a:lnTo>
+                  <a:lnTo>
+                    <a:pt x="15" y="326"/>
+                  </a:lnTo>
+                  <a:close/>
+                </a:path>
+              </a:pathLst>
+            </a:custGeom>
+            <a:grpFill/>
+            <a:ln>
+              <a:noFill/>
+            </a:ln>
+            <a:extLst>
+              <a:ext uri="{91240B29-F687-4f45-9708-019B960494DF}">
+                <a14:hiddenLine xmlns="" xmlns:a16="http://schemas.microsoft.com/office/drawing/2014/main" xmlns:p14="http://schemas.microsoft.com/office/powerpoint/2010/main" xmlns:a14="http://schemas.microsoft.com/office/drawing/2010/main" w="9525">
+                  <a:solidFill>
+                    <a:srgbClr val="000000"/>
+                  </a:solidFill>
+                  <a:round/>
+                  <a:headEnd/>
+                  <a:tailEnd/>
+                </a14:hiddenLine>
+              </a:ext>
+            </a:extLst>
+          </p:spPr>
+          <p:txBody>
+            <a:bodyPr/>
+            <a:lstStyle/>
+            <a:p>
+              <a:endParaRPr lang="en-US"/>
+            </a:p>
+          </p:txBody>
+        </p:sp>
+        <p:sp>
+          <p:nvSpPr>
+            <p:cNvPr id="39" name="Freeform 31">
+              <a:extLst>
+                <a:ext uri="{FF2B5EF4-FFF2-40B4-BE49-F238E27FC236}">
+                  <a16:creationId xmlns:a16="http://schemas.microsoft.com/office/drawing/2014/main" id="{B8B0FFC4-D1BB-4BB9-A224-BB78BFD33801}"/>
+                </a:ext>
+                <a:ext uri="{C183D7F6-B498-43B3-948B-1728B52AA6E4}">
+                  <adec:decorative xmlns:adec="http://schemas.microsoft.com/office/drawing/2017/decorative" val="1"/>
+                </a:ext>
+              </a:extLst>
+            </p:cNvPr>
+            <p:cNvSpPr>
+              <a:spLocks noEditPoints="1"/>
+            </p:cNvSpPr>
+            <p:nvPr>
+              <p:extLst>
+                <p:ext uri="{386F3935-93C4-4BCD-93E2-E3B085C9AB24}">
+                  <p16:designElem xmlns:p16="http://schemas.microsoft.com/office/powerpoint/2015/main" val="1"/>
+                </p:ext>
+              </p:extLst>
+            </p:nvPr>
+          </p:nvSpPr>
+          <p:spPr bwMode="auto">
+            <a:xfrm>
+              <a:off x="1049337" y="6221413"/>
+              <a:ext cx="157163" cy="147638"/>
+            </a:xfrm>
+            <a:custGeom>
+              <a:avLst/>
+              <a:gdLst/>
+              <a:ahLst/>
+              <a:cxnLst/>
+              <a:rect l="0" t="0" r="r" b="b"/>
+              <a:pathLst>
+                <a:path w="33" h="31">
+                  <a:moveTo>
+                    <a:pt x="16" y="31"/>
+                  </a:moveTo>
+                  <a:cubicBezTo>
+                    <a:pt x="12" y="31"/>
+                    <a:pt x="8" y="29"/>
+                    <a:pt x="5" y="26"/>
+                  </a:cubicBezTo>
+                  <a:cubicBezTo>
+                    <a:pt x="2" y="24"/>
+                    <a:pt x="0" y="20"/>
+                    <a:pt x="0" y="15"/>
+                  </a:cubicBezTo>
+                  <a:cubicBezTo>
+                    <a:pt x="0" y="11"/>
+                    <a:pt x="2" y="7"/>
+                    <a:pt x="5" y="4"/>
+                  </a:cubicBezTo>
+                  <a:cubicBezTo>
+                    <a:pt x="8" y="1"/>
+                    <a:pt x="12" y="0"/>
+                    <a:pt x="16" y="0"/>
+                  </a:cubicBezTo>
+                  <a:cubicBezTo>
+                    <a:pt x="20" y="0"/>
+                    <a:pt x="24" y="1"/>
+                    <a:pt x="27" y="4"/>
+                  </a:cubicBezTo>
+                  <a:cubicBezTo>
+                    <a:pt x="33" y="10"/>
+                    <a:pt x="33" y="20"/>
+                    <a:pt x="27" y="26"/>
+                  </a:cubicBezTo>
+                  <a:cubicBezTo>
+                    <a:pt x="24" y="29"/>
+                    <a:pt x="20" y="31"/>
+                    <a:pt x="16" y="31"/>
+                  </a:cubicBezTo>
+                  <a:close/>
+                  <a:moveTo>
+                    <a:pt x="16" y="4"/>
+                  </a:moveTo>
+                  <a:cubicBezTo>
+                    <a:pt x="13" y="4"/>
+                    <a:pt x="10" y="5"/>
+                    <a:pt x="8" y="7"/>
+                  </a:cubicBezTo>
+                  <a:cubicBezTo>
+                    <a:pt x="6" y="9"/>
+                    <a:pt x="4" y="12"/>
+                    <a:pt x="4" y="15"/>
+                  </a:cubicBezTo>
+                  <a:cubicBezTo>
+                    <a:pt x="4" y="19"/>
+                    <a:pt x="6" y="21"/>
+                    <a:pt x="8" y="24"/>
+                  </a:cubicBezTo>
+                  <a:cubicBezTo>
+                    <a:pt x="10" y="26"/>
+                    <a:pt x="13" y="27"/>
+                    <a:pt x="16" y="27"/>
+                  </a:cubicBezTo>
+                  <a:cubicBezTo>
+                    <a:pt x="19" y="27"/>
+                    <a:pt x="22" y="26"/>
+                    <a:pt x="24" y="24"/>
+                  </a:cubicBezTo>
+                  <a:cubicBezTo>
+                    <a:pt x="29" y="19"/>
+                    <a:pt x="29" y="12"/>
+                    <a:pt x="24" y="7"/>
+                  </a:cubicBezTo>
+                  <a:cubicBezTo>
+                    <a:pt x="22" y="5"/>
+                    <a:pt x="19" y="4"/>
+                    <a:pt x="16" y="4"/>
+                  </a:cubicBezTo>
+                  <a:close/>
+                </a:path>
+              </a:pathLst>
+            </a:custGeom>
+            <a:grpFill/>
+            <a:ln>
+              <a:noFill/>
+            </a:ln>
+            <a:extLst>
+              <a:ext uri="{91240B29-F687-4f45-9708-019B960494DF}">
+                <a14:hiddenLine xmlns="" xmlns:a16="http://schemas.microsoft.com/office/drawing/2014/main" xmlns:p14="http://schemas.microsoft.com/office/powerpoint/2010/main" xmlns:a14="http://schemas.microsoft.com/office/drawing/2010/main" w="9525">
+                  <a:solidFill>
+                    <a:srgbClr val="000000"/>
+                  </a:solidFill>
+                  <a:round/>
+                  <a:headEnd/>
+                  <a:tailEnd/>
+                </a14:hiddenLine>
+              </a:ext>
+            </a:extLst>
+          </p:spPr>
+          <p:txBody>
+            <a:bodyPr/>
+            <a:lstStyle/>
+            <a:p>
+              <a:endParaRPr lang="en-US"/>
+            </a:p>
+          </p:txBody>
+        </p:sp>
+      </p:grpSp>
+      <p:sp>
+        <p:nvSpPr>
+          <p:cNvPr id="2" name="Title 1">
+            <a:extLst>
+              <a:ext uri="{FF2B5EF4-FFF2-40B4-BE49-F238E27FC236}">
+                <a16:creationId xmlns:a16="http://schemas.microsoft.com/office/drawing/2014/main" id="{1E5BCF4C-E89B-2EA4-04AE-469D67EB48FF}"/>
+              </a:ext>
+            </a:extLst>
+          </p:cNvPr>
+          <p:cNvSpPr>
+            <a:spLocks noGrp="1"/>
+          </p:cNvSpPr>
+          <p:nvPr>
+            <p:ph type="title"/>
+          </p:nvPr>
+        </p:nvSpPr>
+        <p:spPr>
+          <a:xfrm>
+            <a:off x="1141411" y="748240"/>
+            <a:ext cx="9906000" cy="434449"/>
+          </a:xfrm>
+        </p:spPr>
+        <p:txBody>
+          <a:bodyPr>
+            <a:normAutofit fontScale="90000"/>
+          </a:bodyPr>
+          <a:lstStyle/>
+          <a:p>
+            <a:pPr algn="ctr"/>
+            <a:r>
+              <a:rPr lang="en-US" sz="4000" dirty="0"/>
+              <a:t>Resources &amp; DATASETS</a:t>
+            </a:r>
+          </a:p>
+        </p:txBody>
+      </p:sp>
+      <p:sp>
+        <p:nvSpPr>
+          <p:cNvPr id="3" name="Content Placeholder 2">
+            <a:extLst>
+              <a:ext uri="{FF2B5EF4-FFF2-40B4-BE49-F238E27FC236}">
+                <a16:creationId xmlns:a16="http://schemas.microsoft.com/office/drawing/2014/main" id="{ED75A204-9BC8-F775-B26A-EB64C397CC6F}"/>
+              </a:ext>
+            </a:extLst>
+          </p:cNvPr>
+          <p:cNvSpPr>
+            <a:spLocks noGrp="1"/>
+          </p:cNvSpPr>
+          <p:nvPr>
+            <p:ph idx="1"/>
+          </p:nvPr>
+        </p:nvSpPr>
+        <p:spPr>
+          <a:xfrm>
+            <a:off x="1206500" y="1382713"/>
+            <a:ext cx="9840911" cy="4408488"/>
+          </a:xfrm>
+        </p:spPr>
+        <p:txBody>
+          <a:bodyPr anchor="t">
+            <a:normAutofit fontScale="62500" lnSpcReduction="20000"/>
+          </a:bodyPr>
+          <a:lstStyle/>
+          <a:p>
+            <a:r>
+              <a:rPr lang="en-US" dirty="0"/>
+              <a:t>President Biden's Historic Climate Agenda: https://www.whitehouse.gov/climate/</a:t>
+            </a:r>
+          </a:p>
+          <a:p>
+            <a:endParaRPr lang="en-US" dirty="0"/>
+          </a:p>
+          <a:p>
+            <a:r>
+              <a:rPr lang="en-US" dirty="0"/>
+              <a:t>The Beef with Beef: Why are Beef Prices so High?: https://www.thecommons.earth/blog/the-beef-with-beef-why-are-beef-prices-so-high#:~:text=COVID%2D19%20threw%20a%20curveball&amp;text=It%20caused%20a%20surge%20in,subsequently%20driving%20up%20beef%20prices.</a:t>
+            </a:r>
+          </a:p>
+          <a:p>
+            <a:endParaRPr lang="en-US" dirty="0"/>
+          </a:p>
+          <a:p>
+            <a:r>
+              <a:rPr lang="en-US" dirty="0"/>
+              <a:t>Droughts, complicated by climate change, results in Us beef herd hitting historic low: https://investigatemidwest.org/2024/03/13/droughts-complicated-by-climate-change-lead-to-historically-dwindling-us-beef-herd/</a:t>
+            </a:r>
+          </a:p>
+          <a:p>
+            <a:endParaRPr lang="en-US" dirty="0"/>
+          </a:p>
+          <a:p>
+            <a:r>
+              <a:rPr lang="en-US" dirty="0"/>
+              <a:t>Sustainable pork production in the age of climate change: https://www.pig333.com/articles/sustainable-pork-production-in-the-age-of-climate-change_16467/#:~:text=Increased%20production%20costs%20due%20to,production%20due%20to%20extreme%20weather.</a:t>
+            </a:r>
+          </a:p>
+        </p:txBody>
+      </p:sp>
+      <p:grpSp>
+        <p:nvGrpSpPr>
+          <p:cNvPr id="41" name="Group 40">
+            <a:extLst>
+              <a:ext uri="{FF2B5EF4-FFF2-40B4-BE49-F238E27FC236}">
+                <a16:creationId xmlns:a16="http://schemas.microsoft.com/office/drawing/2014/main" id="{8DB4BB99-C854-45F9-BED1-63D15E3A2411}"/>
+              </a:ext>
+              <a:ext uri="{C183D7F6-B498-43B3-948B-1728B52AA6E4}">
+                <adec:decorative xmlns:adec="http://schemas.microsoft.com/office/drawing/2017/decorative" val="1"/>
+              </a:ext>
+            </a:extLst>
+          </p:cNvPr>
+          <p:cNvGrpSpPr>
+            <a:grpSpLocks noGrp="1" noUngrp="1" noRot="1" noChangeAspect="1" noMove="1" noResize="1"/>
+          </p:cNvGrpSpPr>
+          <p:nvPr>
+            <p:extLst>
+              <p:ext uri="{386F3935-93C4-4BCD-93E2-E3B085C9AB24}">
+                <p16:designElem xmlns:p16="http://schemas.microsoft.com/office/powerpoint/2015/main" val="1"/>
+              </p:ext>
+            </p:extLst>
+          </p:nvPr>
+        </p:nvGrpSpPr>
+        <p:grpSpPr>
+          <a:xfrm>
+            <a:off x="11364912" y="0"/>
+            <a:ext cx="674688" cy="6848476"/>
+            <a:chOff x="11364912" y="0"/>
+            <a:chExt cx="674688" cy="6848476"/>
+          </a:xfrm>
+          <a:solidFill>
+            <a:schemeClr val="tx2">
+              <a:alpha val="45000"/>
+            </a:schemeClr>
+          </a:solidFill>
+        </p:grpSpPr>
+        <p:sp>
+          <p:nvSpPr>
+            <p:cNvPr id="42" name="Freeform 32">
+              <a:extLst>
+                <a:ext uri="{FF2B5EF4-FFF2-40B4-BE49-F238E27FC236}">
+                  <a16:creationId xmlns:a16="http://schemas.microsoft.com/office/drawing/2014/main" id="{5D1CCC4C-284C-4BF6-97D9-D9746746348F}"/>
+                </a:ext>
+                <a:ext uri="{C183D7F6-B498-43B3-948B-1728B52AA6E4}">
+                  <adec:decorative xmlns:adec="http://schemas.microsoft.com/office/drawing/2017/decorative" val="1"/>
+                </a:ext>
+              </a:extLst>
+            </p:cNvPr>
+            <p:cNvSpPr/>
+            <p:nvPr>
+              <p:extLst>
+                <p:ext uri="{386F3935-93C4-4BCD-93E2-E3B085C9AB24}">
+                  <p16:designElem xmlns:p16="http://schemas.microsoft.com/office/powerpoint/2015/main" val="1"/>
+                </p:ext>
+              </p:extLst>
+            </p:nvPr>
+          </p:nvSpPr>
+          <p:spPr bwMode="auto">
+            <a:xfrm>
+              <a:off x="11483975" y="0"/>
+              <a:ext cx="417513" cy="512763"/>
+            </a:xfrm>
+            <a:custGeom>
+              <a:avLst/>
+              <a:gdLst/>
+              <a:ahLst/>
+              <a:cxnLst/>
+              <a:rect l="0" t="0" r="r" b="b"/>
+              <a:pathLst>
+                <a:path w="263" h="323">
+                  <a:moveTo>
+                    <a:pt x="12" y="323"/>
+                  </a:moveTo>
+                  <a:lnTo>
+                    <a:pt x="0" y="314"/>
+                  </a:lnTo>
+                  <a:lnTo>
+                    <a:pt x="203" y="108"/>
+                  </a:lnTo>
+                  <a:lnTo>
+                    <a:pt x="248" y="0"/>
+                  </a:lnTo>
+                  <a:lnTo>
+                    <a:pt x="263" y="6"/>
+                  </a:lnTo>
+                  <a:lnTo>
+                    <a:pt x="218" y="117"/>
+                  </a:lnTo>
+                  <a:lnTo>
+                    <a:pt x="218" y="117"/>
+                  </a:lnTo>
+                  <a:lnTo>
+                    <a:pt x="12" y="323"/>
+                  </a:lnTo>
+                  <a:close/>
+                </a:path>
+              </a:pathLst>
+            </a:custGeom>
+            <a:grpFill/>
+            <a:ln>
+              <a:noFill/>
+            </a:ln>
+            <a:extLst>
+              <a:ext uri="{91240B29-F687-4f45-9708-019B960494DF}">
+                <a14:hiddenLine xmlns="" xmlns:a16="http://schemas.microsoft.com/office/drawing/2014/main" xmlns:p14="http://schemas.microsoft.com/office/powerpoint/2010/main" xmlns:a14="http://schemas.microsoft.com/office/drawing/2010/main" w="9525">
+                  <a:solidFill>
+                    <a:srgbClr val="000000"/>
+                  </a:solidFill>
+                  <a:round/>
+                  <a:headEnd/>
+                  <a:tailEnd/>
+                </a14:hiddenLine>
+              </a:ext>
+            </a:extLst>
+          </p:spPr>
+          <p:txBody>
+            <a:bodyPr/>
+            <a:lstStyle/>
+            <a:p>
+              <a:endParaRPr lang="en-US"/>
+            </a:p>
+          </p:txBody>
+        </p:sp>
+        <p:sp>
+          <p:nvSpPr>
+            <p:cNvPr id="43" name="Freeform 33">
+              <a:extLst>
+                <a:ext uri="{FF2B5EF4-FFF2-40B4-BE49-F238E27FC236}">
+                  <a16:creationId xmlns:a16="http://schemas.microsoft.com/office/drawing/2014/main" id="{35D82D1B-EB09-4028-9107-D60B547C7B42}"/>
+                </a:ext>
+                <a:ext uri="{C183D7F6-B498-43B3-948B-1728B52AA6E4}">
+                  <adec:decorative xmlns:adec="http://schemas.microsoft.com/office/drawing/2017/decorative" val="1"/>
+                </a:ext>
+              </a:extLst>
+            </p:cNvPr>
+            <p:cNvSpPr>
+              <a:spLocks noEditPoints="1"/>
+            </p:cNvSpPr>
+            <p:nvPr>
+              <p:extLst>
+                <p:ext uri="{386F3935-93C4-4BCD-93E2-E3B085C9AB24}">
+                  <p16:designElem xmlns:p16="http://schemas.microsoft.com/office/powerpoint/2015/main" val="1"/>
+                </p:ext>
+              </p:extLst>
+            </p:nvPr>
+          </p:nvSpPr>
+          <p:spPr bwMode="auto">
+            <a:xfrm>
+              <a:off x="11364912" y="474663"/>
+              <a:ext cx="157163" cy="152400"/>
+            </a:xfrm>
+            <a:custGeom>
+              <a:avLst/>
+              <a:gdLst/>
+              <a:ahLst/>
+              <a:cxnLst/>
+              <a:rect l="0" t="0" r="r" b="b"/>
+              <a:pathLst>
+                <a:path w="33" h="32">
+                  <a:moveTo>
+                    <a:pt x="17" y="32"/>
+                  </a:moveTo>
+                  <a:cubicBezTo>
+                    <a:pt x="13" y="32"/>
+                    <a:pt x="9" y="30"/>
+                    <a:pt x="6" y="27"/>
+                  </a:cubicBezTo>
+                  <a:cubicBezTo>
+                    <a:pt x="0" y="21"/>
+                    <a:pt x="0" y="11"/>
+                    <a:pt x="6" y="5"/>
+                  </a:cubicBezTo>
+                  <a:cubicBezTo>
+                    <a:pt x="9" y="2"/>
+                    <a:pt x="13" y="0"/>
+                    <a:pt x="17" y="0"/>
+                  </a:cubicBezTo>
+                  <a:cubicBezTo>
+                    <a:pt x="21" y="0"/>
+                    <a:pt x="25" y="2"/>
+                    <a:pt x="28" y="5"/>
+                  </a:cubicBezTo>
+                  <a:cubicBezTo>
+                    <a:pt x="31" y="8"/>
+                    <a:pt x="33" y="12"/>
+                    <a:pt x="33" y="16"/>
+                  </a:cubicBezTo>
+                  <a:cubicBezTo>
+                    <a:pt x="33" y="20"/>
+                    <a:pt x="31" y="24"/>
+                    <a:pt x="28" y="27"/>
+                  </a:cubicBezTo>
+                  <a:cubicBezTo>
+                    <a:pt x="25" y="30"/>
+                    <a:pt x="21" y="32"/>
+                    <a:pt x="17" y="32"/>
+                  </a:cubicBezTo>
+                  <a:close/>
+                  <a:moveTo>
+                    <a:pt x="17" y="4"/>
+                  </a:moveTo>
+                  <a:cubicBezTo>
+                    <a:pt x="14" y="4"/>
+                    <a:pt x="11" y="6"/>
+                    <a:pt x="9" y="8"/>
+                  </a:cubicBezTo>
+                  <a:cubicBezTo>
+                    <a:pt x="4" y="12"/>
+                    <a:pt x="4" y="20"/>
+                    <a:pt x="9" y="24"/>
+                  </a:cubicBezTo>
+                  <a:cubicBezTo>
+                    <a:pt x="11" y="27"/>
+                    <a:pt x="14" y="28"/>
+                    <a:pt x="17" y="28"/>
+                  </a:cubicBezTo>
+                  <a:cubicBezTo>
+                    <a:pt x="20" y="28"/>
+                    <a:pt x="23" y="27"/>
+                    <a:pt x="26" y="24"/>
+                  </a:cubicBezTo>
+                  <a:cubicBezTo>
+                    <a:pt x="30" y="20"/>
+                    <a:pt x="30" y="12"/>
+                    <a:pt x="26" y="8"/>
+                  </a:cubicBezTo>
+                  <a:cubicBezTo>
+                    <a:pt x="23" y="6"/>
+                    <a:pt x="20" y="4"/>
+                    <a:pt x="17" y="4"/>
+                  </a:cubicBezTo>
+                  <a:close/>
+                </a:path>
+              </a:pathLst>
+            </a:custGeom>
+            <a:grpFill/>
+            <a:ln>
+              <a:noFill/>
+            </a:ln>
+            <a:extLst>
+              <a:ext uri="{91240B29-F687-4f45-9708-019B960494DF}">
+                <a14:hiddenLine xmlns="" xmlns:a16="http://schemas.microsoft.com/office/drawing/2014/main" xmlns:p14="http://schemas.microsoft.com/office/powerpoint/2010/main" xmlns:a14="http://schemas.microsoft.com/office/drawing/2010/main" w="9525">
+                  <a:solidFill>
+                    <a:srgbClr val="000000"/>
+                  </a:solidFill>
+                  <a:round/>
+                  <a:headEnd/>
+                  <a:tailEnd/>
+                </a14:hiddenLine>
+              </a:ext>
+            </a:extLst>
+          </p:spPr>
+          <p:txBody>
+            <a:bodyPr/>
+            <a:lstStyle/>
+            <a:p>
+              <a:endParaRPr lang="en-US"/>
+            </a:p>
+          </p:txBody>
+        </p:sp>
+        <p:sp>
+          <p:nvSpPr>
+            <p:cNvPr id="44" name="Freeform 34">
+              <a:extLst>
+                <a:ext uri="{FF2B5EF4-FFF2-40B4-BE49-F238E27FC236}">
+                  <a16:creationId xmlns:a16="http://schemas.microsoft.com/office/drawing/2014/main" id="{1389EE93-8059-437E-8507-7557AD68FB1D}"/>
+                </a:ext>
+                <a:ext uri="{C183D7F6-B498-43B3-948B-1728B52AA6E4}">
+                  <adec:decorative xmlns:adec="http://schemas.microsoft.com/office/drawing/2017/decorative" val="1"/>
+                </a:ext>
+              </a:extLst>
+            </p:cNvPr>
+            <p:cNvSpPr>
+              <a:spLocks noEditPoints="1"/>
+            </p:cNvSpPr>
+            <p:nvPr>
+              <p:extLst>
+                <p:ext uri="{386F3935-93C4-4BCD-93E2-E3B085C9AB24}">
+                  <p16:designElem xmlns:p16="http://schemas.microsoft.com/office/powerpoint/2015/main" val="1"/>
+                </p:ext>
+              </p:extLst>
+            </p:nvPr>
+          </p:nvSpPr>
+          <p:spPr bwMode="auto">
+            <a:xfrm>
+              <a:off x="11631612" y="1539875"/>
+              <a:ext cx="188913" cy="190500"/>
+            </a:xfrm>
+            <a:custGeom>
+              <a:avLst/>
+              <a:gdLst/>
+              <a:ahLst/>
+              <a:cxnLst/>
+              <a:rect l="0" t="0" r="r" b="b"/>
+              <a:pathLst>
+                <a:path w="40" h="40">
+                  <a:moveTo>
+                    <a:pt x="20" y="40"/>
+                  </a:moveTo>
+                  <a:cubicBezTo>
+                    <a:pt x="9" y="40"/>
+                    <a:pt x="0" y="31"/>
+                    <a:pt x="0" y="20"/>
+                  </a:cubicBezTo>
+                  <a:cubicBezTo>
+                    <a:pt x="0" y="9"/>
+                    <a:pt x="9" y="0"/>
+                    <a:pt x="20" y="0"/>
+                  </a:cubicBezTo>
+                  <a:cubicBezTo>
+                    <a:pt x="31" y="0"/>
+                    <a:pt x="40" y="9"/>
+                    <a:pt x="40" y="20"/>
+                  </a:cubicBezTo>
+                  <a:cubicBezTo>
+                    <a:pt x="40" y="31"/>
+                    <a:pt x="31" y="40"/>
+                    <a:pt x="20" y="40"/>
+                  </a:cubicBezTo>
+                  <a:close/>
+                  <a:moveTo>
+                    <a:pt x="20" y="4"/>
+                  </a:moveTo>
+                  <a:cubicBezTo>
+                    <a:pt x="11" y="4"/>
+                    <a:pt x="4" y="11"/>
+                    <a:pt x="4" y="20"/>
+                  </a:cubicBezTo>
+                  <a:cubicBezTo>
+                    <a:pt x="4" y="29"/>
+                    <a:pt x="11" y="36"/>
+                    <a:pt x="20" y="36"/>
+                  </a:cubicBezTo>
+                  <a:cubicBezTo>
+                    <a:pt x="29" y="36"/>
+                    <a:pt x="36" y="29"/>
+                    <a:pt x="36" y="20"/>
+                  </a:cubicBezTo>
+                  <a:cubicBezTo>
+                    <a:pt x="36" y="11"/>
+                    <a:pt x="29" y="4"/>
+                    <a:pt x="20" y="4"/>
+                  </a:cubicBezTo>
+                  <a:close/>
+                </a:path>
+              </a:pathLst>
+            </a:custGeom>
+            <a:grpFill/>
+            <a:ln>
+              <a:noFill/>
+            </a:ln>
+            <a:extLst>
+              <a:ext uri="{91240B29-F687-4f45-9708-019B960494DF}">
+                <a14:hiddenLine xmlns="" xmlns:a16="http://schemas.microsoft.com/office/drawing/2014/main" xmlns:p14="http://schemas.microsoft.com/office/powerpoint/2010/main" xmlns:a14="http://schemas.microsoft.com/office/drawing/2010/main" w="9525">
+                  <a:solidFill>
+                    <a:srgbClr val="000000"/>
+                  </a:solidFill>
+                  <a:round/>
+                  <a:headEnd/>
+                  <a:tailEnd/>
+                </a14:hiddenLine>
+              </a:ext>
+            </a:extLst>
+          </p:spPr>
+          <p:txBody>
+            <a:bodyPr/>
+            <a:lstStyle/>
+            <a:p>
+              <a:endParaRPr lang="en-US"/>
+            </a:p>
+          </p:txBody>
+        </p:sp>
+        <p:sp>
+          <p:nvSpPr>
+            <p:cNvPr id="45" name="Freeform 35">
+              <a:extLst>
+                <a:ext uri="{FF2B5EF4-FFF2-40B4-BE49-F238E27FC236}">
+                  <a16:creationId xmlns:a16="http://schemas.microsoft.com/office/drawing/2014/main" id="{377C05DC-75FF-4426-A34F-DBF0C7E7BEF4}"/>
+                </a:ext>
+                <a:ext uri="{C183D7F6-B498-43B3-948B-1728B52AA6E4}">
+                  <adec:decorative xmlns:adec="http://schemas.microsoft.com/office/drawing/2017/decorative" val="1"/>
+                </a:ext>
+              </a:extLst>
+            </p:cNvPr>
+            <p:cNvSpPr/>
+            <p:nvPr>
+              <p:extLst>
+                <p:ext uri="{386F3935-93C4-4BCD-93E2-E3B085C9AB24}">
+                  <p16:designElem xmlns:p16="http://schemas.microsoft.com/office/powerpoint/2015/main" val="1"/>
+                </p:ext>
+              </p:extLst>
+            </p:nvPr>
+          </p:nvSpPr>
+          <p:spPr bwMode="auto">
+            <a:xfrm>
+              <a:off x="11531600" y="5694363"/>
+              <a:ext cx="298450" cy="1154113"/>
+            </a:xfrm>
+            <a:custGeom>
+              <a:avLst/>
+              <a:gdLst/>
+              <a:ahLst/>
+              <a:cxnLst/>
+              <a:rect l="0" t="0" r="r" b="b"/>
+              <a:pathLst>
+                <a:path w="188" h="727">
+                  <a:moveTo>
+                    <a:pt x="15" y="727"/>
+                  </a:moveTo>
+                  <a:lnTo>
+                    <a:pt x="0" y="727"/>
+                  </a:lnTo>
+                  <a:lnTo>
+                    <a:pt x="0" y="407"/>
+                  </a:lnTo>
+                  <a:lnTo>
+                    <a:pt x="0" y="407"/>
+                  </a:lnTo>
+                  <a:lnTo>
+                    <a:pt x="176" y="0"/>
+                  </a:lnTo>
+                  <a:lnTo>
+                    <a:pt x="188" y="6"/>
+                  </a:lnTo>
+                  <a:lnTo>
+                    <a:pt x="15" y="410"/>
+                  </a:lnTo>
+                  <a:lnTo>
+                    <a:pt x="15" y="727"/>
+                  </a:lnTo>
+                  <a:close/>
+                </a:path>
+              </a:pathLst>
+            </a:custGeom>
+            <a:grpFill/>
+            <a:ln>
+              <a:noFill/>
+            </a:ln>
+            <a:extLst>
+              <a:ext uri="{91240B29-F687-4f45-9708-019B960494DF}">
+                <a14:hiddenLine xmlns="" xmlns:a16="http://schemas.microsoft.com/office/drawing/2014/main" xmlns:p14="http://schemas.microsoft.com/office/powerpoint/2010/main" xmlns:a14="http://schemas.microsoft.com/office/drawing/2010/main" w="9525">
+                  <a:solidFill>
+                    <a:srgbClr val="000000"/>
+                  </a:solidFill>
+                  <a:round/>
+                  <a:headEnd/>
+                  <a:tailEnd/>
+                </a14:hiddenLine>
+              </a:ext>
+            </a:extLst>
+          </p:spPr>
+          <p:txBody>
+            <a:bodyPr/>
+            <a:lstStyle/>
+            <a:p>
+              <a:endParaRPr lang="en-US"/>
+            </a:p>
+          </p:txBody>
+        </p:sp>
+        <p:sp>
+          <p:nvSpPr>
+            <p:cNvPr id="46" name="Freeform 36">
+              <a:extLst>
+                <a:ext uri="{FF2B5EF4-FFF2-40B4-BE49-F238E27FC236}">
+                  <a16:creationId xmlns:a16="http://schemas.microsoft.com/office/drawing/2014/main" id="{03D385C8-866D-437D-91B1-2E3ECDD88E59}"/>
+                </a:ext>
+                <a:ext uri="{C183D7F6-B498-43B3-948B-1728B52AA6E4}">
+                  <adec:decorative xmlns:adec="http://schemas.microsoft.com/office/drawing/2017/decorative" val="1"/>
+                </a:ext>
+              </a:extLst>
+            </p:cNvPr>
+            <p:cNvSpPr>
+              <a:spLocks noEditPoints="1"/>
+            </p:cNvSpPr>
+            <p:nvPr>
+              <p:extLst>
+                <p:ext uri="{386F3935-93C4-4BCD-93E2-E3B085C9AB24}">
+                  <p16:designElem xmlns:p16="http://schemas.microsoft.com/office/powerpoint/2015/main" val="1"/>
+                </p:ext>
+              </p:extLst>
+            </p:nvPr>
+          </p:nvSpPr>
+          <p:spPr bwMode="auto">
+            <a:xfrm>
+              <a:off x="11772900" y="5551488"/>
+              <a:ext cx="157163" cy="155575"/>
+            </a:xfrm>
+            <a:custGeom>
+              <a:avLst/>
+              <a:gdLst/>
+              <a:ahLst/>
+              <a:cxnLst/>
+              <a:rect l="0" t="0" r="r" b="b"/>
+              <a:pathLst>
+                <a:path w="33" h="33">
+                  <a:moveTo>
+                    <a:pt x="17" y="33"/>
+                  </a:moveTo>
+                  <a:cubicBezTo>
+                    <a:pt x="8" y="33"/>
+                    <a:pt x="0" y="25"/>
+                    <a:pt x="0" y="16"/>
+                  </a:cubicBezTo>
+                  <a:cubicBezTo>
+                    <a:pt x="0" y="7"/>
+                    <a:pt x="8" y="0"/>
+                    <a:pt x="17" y="0"/>
+                  </a:cubicBezTo>
+                  <a:cubicBezTo>
+                    <a:pt x="26" y="0"/>
+                    <a:pt x="33" y="7"/>
+                    <a:pt x="33" y="16"/>
+                  </a:cubicBezTo>
+                  <a:cubicBezTo>
+                    <a:pt x="33" y="25"/>
+                    <a:pt x="26" y="33"/>
+                    <a:pt x="17" y="33"/>
+                  </a:cubicBezTo>
+                  <a:close/>
+                  <a:moveTo>
+                    <a:pt x="17" y="4"/>
+                  </a:moveTo>
+                  <a:cubicBezTo>
+                    <a:pt x="10" y="4"/>
+                    <a:pt x="4" y="9"/>
+                    <a:pt x="4" y="16"/>
+                  </a:cubicBezTo>
+                  <a:cubicBezTo>
+                    <a:pt x="4" y="23"/>
+                    <a:pt x="10" y="29"/>
+                    <a:pt x="17" y="29"/>
+                  </a:cubicBezTo>
+                  <a:cubicBezTo>
+                    <a:pt x="23" y="29"/>
+                    <a:pt x="29" y="23"/>
+                    <a:pt x="29" y="16"/>
+                  </a:cubicBezTo>
+                  <a:cubicBezTo>
+                    <a:pt x="29" y="9"/>
+                    <a:pt x="23" y="4"/>
+                    <a:pt x="17" y="4"/>
+                  </a:cubicBezTo>
+                  <a:close/>
+                </a:path>
+              </a:pathLst>
+            </a:custGeom>
+            <a:grpFill/>
+            <a:ln>
+              <a:noFill/>
+            </a:ln>
+            <a:extLst>
+              <a:ext uri="{91240B29-F687-4f45-9708-019B960494DF}">
+                <a14:hiddenLine xmlns="" xmlns:a16="http://schemas.microsoft.com/office/drawing/2014/main" xmlns:p14="http://schemas.microsoft.com/office/powerpoint/2010/main" xmlns:a14="http://schemas.microsoft.com/office/drawing/2010/main" w="9525">
+                  <a:solidFill>
+                    <a:srgbClr val="000000"/>
+                  </a:solidFill>
+                  <a:round/>
+                  <a:headEnd/>
+                  <a:tailEnd/>
+                </a14:hiddenLine>
+              </a:ext>
+            </a:extLst>
+          </p:spPr>
+          <p:txBody>
+            <a:bodyPr/>
+            <a:lstStyle/>
+            <a:p>
+              <a:endParaRPr lang="en-US"/>
+            </a:p>
+          </p:txBody>
+        </p:sp>
+        <p:sp>
+          <p:nvSpPr>
+            <p:cNvPr id="47" name="Freeform 37">
+              <a:extLst>
+                <a:ext uri="{FF2B5EF4-FFF2-40B4-BE49-F238E27FC236}">
+                  <a16:creationId xmlns:a16="http://schemas.microsoft.com/office/drawing/2014/main" id="{3F649CBB-748F-4C79-A14F-C531C40B08BB}"/>
+                </a:ext>
+                <a:ext uri="{C183D7F6-B498-43B3-948B-1728B52AA6E4}">
+                  <adec:decorative xmlns:adec="http://schemas.microsoft.com/office/drawing/2017/decorative" val="1"/>
+                </a:ext>
+              </a:extLst>
+            </p:cNvPr>
+            <p:cNvSpPr/>
+            <p:nvPr>
+              <p:extLst>
+                <p:ext uri="{386F3935-93C4-4BCD-93E2-E3B085C9AB24}">
+                  <p16:designElem xmlns:p16="http://schemas.microsoft.com/office/powerpoint/2015/main" val="1"/>
+                </p:ext>
+              </p:extLst>
+            </p:nvPr>
+          </p:nvSpPr>
+          <p:spPr bwMode="auto">
+            <a:xfrm>
+              <a:off x="11710987" y="4763"/>
+              <a:ext cx="304800" cy="1544638"/>
+            </a:xfrm>
+            <a:custGeom>
+              <a:avLst/>
+              <a:gdLst/>
+              <a:ahLst/>
+              <a:cxnLst/>
+              <a:rect l="0" t="0" r="r" b="b"/>
+              <a:pathLst>
+                <a:path w="192" h="973">
+                  <a:moveTo>
+                    <a:pt x="15" y="973"/>
+                  </a:moveTo>
+                  <a:lnTo>
+                    <a:pt x="0" y="973"/>
+                  </a:lnTo>
+                  <a:lnTo>
+                    <a:pt x="0" y="790"/>
+                  </a:lnTo>
+                  <a:lnTo>
+                    <a:pt x="174" y="614"/>
+                  </a:lnTo>
+                  <a:lnTo>
+                    <a:pt x="174" y="0"/>
+                  </a:lnTo>
+                  <a:lnTo>
+                    <a:pt x="192" y="0"/>
+                  </a:lnTo>
+                  <a:lnTo>
+                    <a:pt x="192" y="620"/>
+                  </a:lnTo>
+                  <a:lnTo>
+                    <a:pt x="15" y="796"/>
+                  </a:lnTo>
+                  <a:lnTo>
+                    <a:pt x="15" y="973"/>
+                  </a:lnTo>
+                  <a:close/>
+                </a:path>
+              </a:pathLst>
+            </a:custGeom>
+            <a:grpFill/>
+            <a:ln>
+              <a:noFill/>
+            </a:ln>
+            <a:extLst>
+              <a:ext uri="{91240B29-F687-4f45-9708-019B960494DF}">
+                <a14:hiddenLine xmlns="" xmlns:a16="http://schemas.microsoft.com/office/drawing/2014/main" xmlns:p14="http://schemas.microsoft.com/office/powerpoint/2010/main" xmlns:a14="http://schemas.microsoft.com/office/drawing/2010/main" w="9525">
+                  <a:solidFill>
+                    <a:srgbClr val="000000"/>
+                  </a:solidFill>
+                  <a:round/>
+                  <a:headEnd/>
+                  <a:tailEnd/>
+                </a14:hiddenLine>
+              </a:ext>
+            </a:extLst>
+          </p:spPr>
+          <p:txBody>
+            <a:bodyPr/>
+            <a:lstStyle/>
+            <a:p>
+              <a:endParaRPr lang="en-US"/>
+            </a:p>
+          </p:txBody>
+        </p:sp>
+        <p:sp>
+          <p:nvSpPr>
+            <p:cNvPr id="48" name="Freeform 38">
+              <a:extLst>
+                <a:ext uri="{FF2B5EF4-FFF2-40B4-BE49-F238E27FC236}">
+                  <a16:creationId xmlns:a16="http://schemas.microsoft.com/office/drawing/2014/main" id="{7F4622C0-84AF-41F1-9128-FE73CADD36F2}"/>
+                </a:ext>
+                <a:ext uri="{C183D7F6-B498-43B3-948B-1728B52AA6E4}">
+                  <adec:decorative xmlns:adec="http://schemas.microsoft.com/office/drawing/2017/decorative" val="1"/>
+                </a:ext>
+              </a:extLst>
+            </p:cNvPr>
+            <p:cNvSpPr>
+              <a:spLocks noEditPoints="1"/>
+            </p:cNvSpPr>
+            <p:nvPr>
+              <p:extLst>
+                <p:ext uri="{386F3935-93C4-4BCD-93E2-E3B085C9AB24}">
+                  <p16:designElem xmlns:p16="http://schemas.microsoft.com/office/powerpoint/2015/main" val="1"/>
+                </p:ext>
+              </p:extLst>
+            </p:nvPr>
+          </p:nvSpPr>
+          <p:spPr bwMode="auto">
+            <a:xfrm>
+              <a:off x="11636375" y="4867275"/>
+              <a:ext cx="188913" cy="188913"/>
+            </a:xfrm>
+            <a:custGeom>
+              <a:avLst/>
+              <a:gdLst/>
+              <a:ahLst/>
+              <a:cxnLst/>
+              <a:rect l="0" t="0" r="r" b="b"/>
+              <a:pathLst>
+                <a:path w="40" h="40">
+                  <a:moveTo>
+                    <a:pt x="20" y="40"/>
+                  </a:moveTo>
+                  <a:cubicBezTo>
+                    <a:pt x="9" y="40"/>
+                    <a:pt x="0" y="31"/>
+                    <a:pt x="0" y="20"/>
+                  </a:cubicBezTo>
+                  <a:cubicBezTo>
+                    <a:pt x="0" y="9"/>
+                    <a:pt x="9" y="0"/>
+                    <a:pt x="20" y="0"/>
+                  </a:cubicBezTo>
+                  <a:cubicBezTo>
+                    <a:pt x="31" y="0"/>
+                    <a:pt x="40" y="9"/>
+                    <a:pt x="40" y="20"/>
+                  </a:cubicBezTo>
+                  <a:cubicBezTo>
+                    <a:pt x="40" y="31"/>
+                    <a:pt x="31" y="40"/>
+                    <a:pt x="20" y="40"/>
+                  </a:cubicBezTo>
+                  <a:close/>
+                  <a:moveTo>
+                    <a:pt x="20" y="4"/>
+                  </a:moveTo>
+                  <a:cubicBezTo>
+                    <a:pt x="11" y="4"/>
+                    <a:pt x="4" y="11"/>
+                    <a:pt x="4" y="20"/>
+                  </a:cubicBezTo>
+                  <a:cubicBezTo>
+                    <a:pt x="4" y="29"/>
+                    <a:pt x="11" y="36"/>
+                    <a:pt x="20" y="36"/>
+                  </a:cubicBezTo>
+                  <a:cubicBezTo>
+                    <a:pt x="29" y="36"/>
+                    <a:pt x="36" y="29"/>
+                    <a:pt x="36" y="20"/>
+                  </a:cubicBezTo>
+                  <a:cubicBezTo>
+                    <a:pt x="36" y="11"/>
+                    <a:pt x="29" y="4"/>
+                    <a:pt x="20" y="4"/>
+                  </a:cubicBezTo>
+                  <a:close/>
+                </a:path>
+              </a:pathLst>
+            </a:custGeom>
+            <a:grpFill/>
+            <a:ln>
+              <a:noFill/>
+            </a:ln>
+            <a:extLst>
+              <a:ext uri="{91240B29-F687-4f45-9708-019B960494DF}">
+                <a14:hiddenLine xmlns="" xmlns:a16="http://schemas.microsoft.com/office/drawing/2014/main" xmlns:p14="http://schemas.microsoft.com/office/powerpoint/2010/main" xmlns:a14="http://schemas.microsoft.com/office/drawing/2010/main" w="9525">
+                  <a:solidFill>
+                    <a:srgbClr val="000000"/>
+                  </a:solidFill>
+                  <a:round/>
+                  <a:headEnd/>
+                  <a:tailEnd/>
+                </a14:hiddenLine>
+              </a:ext>
+            </a:extLst>
+          </p:spPr>
+          <p:txBody>
+            <a:bodyPr/>
+            <a:lstStyle/>
+            <a:p>
+              <a:endParaRPr lang="en-US"/>
+            </a:p>
+          </p:txBody>
+        </p:sp>
+        <p:sp>
+          <p:nvSpPr>
+            <p:cNvPr id="49" name="Freeform 39">
+              <a:extLst>
+                <a:ext uri="{FF2B5EF4-FFF2-40B4-BE49-F238E27FC236}">
+                  <a16:creationId xmlns:a16="http://schemas.microsoft.com/office/drawing/2014/main" id="{CC6F29C1-A471-4CDE-8C21-E4B15C5EF47A}"/>
+                </a:ext>
+                <a:ext uri="{C183D7F6-B498-43B3-948B-1728B52AA6E4}">
+                  <adec:decorative xmlns:adec="http://schemas.microsoft.com/office/drawing/2017/decorative" val="1"/>
+                </a:ext>
+              </a:extLst>
+            </p:cNvPr>
+            <p:cNvSpPr/>
+            <p:nvPr>
+              <p:extLst>
+                <p:ext uri="{386F3935-93C4-4BCD-93E2-E3B085C9AB24}">
+                  <p16:designElem xmlns:p16="http://schemas.microsoft.com/office/powerpoint/2015/main" val="1"/>
+                </p:ext>
+              </p:extLst>
+            </p:nvPr>
+          </p:nvSpPr>
+          <p:spPr bwMode="auto">
+            <a:xfrm>
+              <a:off x="11441112" y="5046663"/>
+              <a:ext cx="307975" cy="1801813"/>
+            </a:xfrm>
+            <a:custGeom>
+              <a:avLst/>
+              <a:gdLst/>
+              <a:ahLst/>
+              <a:cxnLst/>
+              <a:rect l="0" t="0" r="r" b="b"/>
+              <a:pathLst>
+                <a:path w="194" h="1135">
+                  <a:moveTo>
+                    <a:pt x="18" y="1135"/>
+                  </a:moveTo>
+                  <a:lnTo>
+                    <a:pt x="0" y="1135"/>
+                  </a:lnTo>
+                  <a:lnTo>
+                    <a:pt x="0" y="354"/>
+                  </a:lnTo>
+                  <a:lnTo>
+                    <a:pt x="176" y="177"/>
+                  </a:lnTo>
+                  <a:lnTo>
+                    <a:pt x="176" y="0"/>
+                  </a:lnTo>
+                  <a:lnTo>
+                    <a:pt x="194" y="0"/>
+                  </a:lnTo>
+                  <a:lnTo>
+                    <a:pt x="194" y="183"/>
+                  </a:lnTo>
+                  <a:lnTo>
+                    <a:pt x="18" y="360"/>
+                  </a:lnTo>
+                  <a:lnTo>
+                    <a:pt x="18" y="1135"/>
+                  </a:lnTo>
+                  <a:close/>
+                </a:path>
+              </a:pathLst>
+            </a:custGeom>
+            <a:grpFill/>
+            <a:ln>
+              <a:noFill/>
+            </a:ln>
+            <a:extLst>
+              <a:ext uri="{91240B29-F687-4f45-9708-019B960494DF}">
+                <a14:hiddenLine xmlns="" xmlns:a16="http://schemas.microsoft.com/office/drawing/2014/main" xmlns:p14="http://schemas.microsoft.com/office/powerpoint/2010/main" xmlns:a14="http://schemas.microsoft.com/office/drawing/2010/main" w="9525">
+                  <a:solidFill>
+                    <a:srgbClr val="000000"/>
+                  </a:solidFill>
+                  <a:round/>
+                  <a:headEnd/>
+                  <a:tailEnd/>
+                </a14:hiddenLine>
+              </a:ext>
+            </a:extLst>
+          </p:spPr>
+          <p:txBody>
+            <a:bodyPr/>
+            <a:lstStyle/>
+            <a:p>
+              <a:endParaRPr lang="en-US"/>
+            </a:p>
+          </p:txBody>
+        </p:sp>
+        <p:sp>
+          <p:nvSpPr>
+            <p:cNvPr id="50" name="Freeform 40">
+              <a:extLst>
+                <a:ext uri="{FF2B5EF4-FFF2-40B4-BE49-F238E27FC236}">
+                  <a16:creationId xmlns:a16="http://schemas.microsoft.com/office/drawing/2014/main" id="{67F5B7DA-86C7-4AE0-96B6-D7F5AA51E21C}"/>
+                </a:ext>
+                <a:ext uri="{C183D7F6-B498-43B3-948B-1728B52AA6E4}">
+                  <adec:decorative xmlns:adec="http://schemas.microsoft.com/office/drawing/2017/decorative" val="1"/>
+                </a:ext>
+              </a:extLst>
+            </p:cNvPr>
+            <p:cNvSpPr>
+              <a:spLocks noEditPoints="1"/>
+            </p:cNvSpPr>
+            <p:nvPr>
+              <p:extLst>
+                <p:ext uri="{386F3935-93C4-4BCD-93E2-E3B085C9AB24}">
+                  <p16:designElem xmlns:p16="http://schemas.microsoft.com/office/powerpoint/2015/main" val="1"/>
+                </p:ext>
+              </p:extLst>
+            </p:nvPr>
+          </p:nvSpPr>
+          <p:spPr bwMode="auto">
+            <a:xfrm>
+              <a:off x="11849100" y="6416675"/>
+              <a:ext cx="190500" cy="188913"/>
+            </a:xfrm>
+            <a:custGeom>
+              <a:avLst/>
+              <a:gdLst/>
+              <a:ahLst/>
+              <a:cxnLst/>
+              <a:rect l="0" t="0" r="r" b="b"/>
+              <a:pathLst>
+                <a:path w="40" h="40">
+                  <a:moveTo>
+                    <a:pt x="20" y="40"/>
+                  </a:moveTo>
+                  <a:cubicBezTo>
+                    <a:pt x="9" y="40"/>
+                    <a:pt x="0" y="31"/>
+                    <a:pt x="0" y="20"/>
+                  </a:cubicBezTo>
+                  <a:cubicBezTo>
+                    <a:pt x="0" y="9"/>
+                    <a:pt x="9" y="0"/>
+                    <a:pt x="20" y="0"/>
+                  </a:cubicBezTo>
+                  <a:cubicBezTo>
+                    <a:pt x="31" y="0"/>
+                    <a:pt x="40" y="9"/>
+                    <a:pt x="40" y="20"/>
+                  </a:cubicBezTo>
+                  <a:cubicBezTo>
+                    <a:pt x="40" y="31"/>
+                    <a:pt x="31" y="40"/>
+                    <a:pt x="20" y="40"/>
+                  </a:cubicBezTo>
+                  <a:close/>
+                  <a:moveTo>
+                    <a:pt x="20" y="4"/>
+                  </a:moveTo>
+                  <a:cubicBezTo>
+                    <a:pt x="12" y="4"/>
+                    <a:pt x="4" y="11"/>
+                    <a:pt x="4" y="20"/>
+                  </a:cubicBezTo>
+                  <a:cubicBezTo>
+                    <a:pt x="4" y="29"/>
+                    <a:pt x="12" y="36"/>
+                    <a:pt x="20" y="36"/>
+                  </a:cubicBezTo>
+                  <a:cubicBezTo>
+                    <a:pt x="29" y="36"/>
+                    <a:pt x="36" y="29"/>
+                    <a:pt x="36" y="20"/>
+                  </a:cubicBezTo>
+                  <a:cubicBezTo>
+                    <a:pt x="36" y="11"/>
+                    <a:pt x="29" y="4"/>
+                    <a:pt x="20" y="4"/>
+                  </a:cubicBezTo>
+                  <a:close/>
+                </a:path>
+              </a:pathLst>
+            </a:custGeom>
+            <a:grpFill/>
+            <a:ln>
+              <a:noFill/>
+            </a:ln>
+            <a:extLst>
+              <a:ext uri="{91240B29-F687-4f45-9708-019B960494DF}">
+                <a14:hiddenLine xmlns="" xmlns:a16="http://schemas.microsoft.com/office/drawing/2014/main" xmlns:p14="http://schemas.microsoft.com/office/powerpoint/2010/main" xmlns:a14="http://schemas.microsoft.com/office/drawing/2010/main" w="9525">
+                  <a:solidFill>
+                    <a:srgbClr val="000000"/>
+                  </a:solidFill>
+                  <a:round/>
+                  <a:headEnd/>
+                  <a:tailEnd/>
+                </a14:hiddenLine>
+              </a:ext>
+            </a:extLst>
+          </p:spPr>
+          <p:txBody>
+            <a:bodyPr/>
+            <a:lstStyle/>
+            <a:p>
+              <a:endParaRPr lang="en-US"/>
+            </a:p>
+          </p:txBody>
+        </p:sp>
+        <p:sp>
+          <p:nvSpPr>
+            <p:cNvPr id="51" name="Rectangle 41">
+              <a:extLst>
+                <a:ext uri="{FF2B5EF4-FFF2-40B4-BE49-F238E27FC236}">
+                  <a16:creationId xmlns:a16="http://schemas.microsoft.com/office/drawing/2014/main" id="{0FA481E3-0439-484A-AC9B-19D58B98E49F}"/>
+                </a:ext>
+                <a:ext uri="{C183D7F6-B498-43B3-948B-1728B52AA6E4}">
+                  <adec:decorative xmlns:adec="http://schemas.microsoft.com/office/drawing/2017/decorative" val="1"/>
+                </a:ext>
+              </a:extLst>
+            </p:cNvPr>
+            <p:cNvSpPr>
+              <a:spLocks noChangeArrowheads="1"/>
+            </p:cNvSpPr>
+            <p:nvPr>
+              <p:extLst>
+                <p:ext uri="{386F3935-93C4-4BCD-93E2-E3B085C9AB24}">
+                  <p16:designElem xmlns:p16="http://schemas.microsoft.com/office/powerpoint/2015/main" val="1"/>
+                </p:ext>
+              </p:extLst>
+            </p:nvPr>
+          </p:nvSpPr>
+          <p:spPr bwMode="auto">
+            <a:xfrm>
+              <a:off x="11939587" y="6596063"/>
+              <a:ext cx="23813" cy="252413"/>
+            </a:xfrm>
+            <a:prstGeom prst="rect">
+              <a:avLst/>
+            </a:prstGeom>
+            <a:grpFill/>
+            <a:ln>
+              <a:noFill/>
+            </a:ln>
+            <a:extLst>
+              <a:ext uri="{91240B29-F687-4f45-9708-019B960494DF}">
+                <a14:hiddenLine xmlns="" xmlns:a16="http://schemas.microsoft.com/office/drawing/2014/main" xmlns:p14="http://schemas.microsoft.com/office/powerpoint/2010/main" xmlns:a14="http://schemas.microsoft.com/office/drawing/2010/main" w="9525">
+                  <a:solidFill>
+                    <a:srgbClr val="000000"/>
+                  </a:solidFill>
+                  <a:miter lim="800000"/>
+                  <a:headEnd/>
+                  <a:tailEnd/>
+                </a14:hiddenLine>
+              </a:ext>
+            </a:extLst>
+          </p:spPr>
+          <p:txBody>
+            <a:bodyPr/>
+            <a:lstStyle/>
+            <a:p>
+              <a:endParaRPr lang="en-US"/>
+            </a:p>
+          </p:txBody>
+        </p:sp>
+      </p:grpSp>
+    </p:spTree>
+    <p:extLst>
+      <p:ext uri="{BB962C8B-B14F-4D97-AF65-F5344CB8AC3E}">
+        <p14:creationId xmlns:p14="http://schemas.microsoft.com/office/powerpoint/2010/main" val="2386873086"/>
+      </p:ext>
+    </p:extLst>
+  </p:cSld>
+  <p:clrMapOvr>
+    <a:overrideClrMapping bg1="lt1" tx1="dk1" bg2="lt2" tx2="dk2" accent1="accent1" accent2="accent2" accent3="accent3" accent4="accent4" accent5="accent5" accent6="accent6" hlink="hlink" folHlink="folHlink"/>
+  </p:clrMapOvr>
+</p:sld>
+</file>
+
+<file path=ppt/slides/slide17.xml><?xml version="1.0" encoding="utf-8"?>
+<p:sld xmlns:a="http://schemas.openxmlformats.org/drawingml/2006/main" xmlns:r="http://schemas.openxmlformats.org/officeDocument/2006/relationships" xmlns:p="http://schemas.openxmlformats.org/presentationml/2006/main">
+  <p:cSld>
+    <p:spTree>
+      <p:nvGrpSpPr>
+        <p:cNvPr id="1" name=""/>
+        <p:cNvGrpSpPr/>
+        <p:nvPr/>
+      </p:nvGrpSpPr>
+      <p:grpSpPr>
+        <a:xfrm>
+          <a:off x="0" y="0"/>
+          <a:ext cx="0" cy="0"/>
+          <a:chOff x="0" y="0"/>
+          <a:chExt cx="0" cy="0"/>
+        </a:xfrm>
+      </p:grpSpPr>
+      <p:sp>
+        <p:nvSpPr>
+          <p:cNvPr id="2" name="Title 1">
+            <a:extLst>
+              <a:ext uri="{FF2B5EF4-FFF2-40B4-BE49-F238E27FC236}">
+                <a16:creationId xmlns:a16="http://schemas.microsoft.com/office/drawing/2014/main" id="{E9FC9494-954D-2072-B651-A03884911F80}"/>
+              </a:ext>
+            </a:extLst>
+          </p:cNvPr>
+          <p:cNvSpPr>
+            <a:spLocks noGrp="1"/>
+          </p:cNvSpPr>
+          <p:nvPr>
+            <p:ph type="title"/>
+          </p:nvPr>
+        </p:nvSpPr>
+        <p:spPr>
+          <a:xfrm>
+            <a:off x="1141413" y="618518"/>
+            <a:ext cx="9905998" cy="651482"/>
+          </a:xfrm>
+        </p:spPr>
+        <p:txBody>
+          <a:bodyPr/>
+          <a:lstStyle/>
+          <a:p>
+            <a:r>
+              <a:rPr lang="en-US" dirty="0"/>
+              <a:t>Resources and Datasets</a:t>
+            </a:r>
+          </a:p>
+        </p:txBody>
+      </p:sp>
+      <p:sp>
+        <p:nvSpPr>
+          <p:cNvPr id="3" name="Content Placeholder 2">
+            <a:extLst>
+              <a:ext uri="{FF2B5EF4-FFF2-40B4-BE49-F238E27FC236}">
+                <a16:creationId xmlns:a16="http://schemas.microsoft.com/office/drawing/2014/main" id="{3706A615-07B2-9A38-D477-1CCCBC8242E6}"/>
+              </a:ext>
+            </a:extLst>
+          </p:cNvPr>
+          <p:cNvSpPr>
+            <a:spLocks noGrp="1"/>
+          </p:cNvSpPr>
+          <p:nvPr>
+            <p:ph idx="1"/>
+          </p:nvPr>
+        </p:nvSpPr>
+        <p:spPr>
+          <a:xfrm>
+            <a:off x="1141412" y="1574800"/>
+            <a:ext cx="9905999" cy="4216401"/>
+          </a:xfrm>
+        </p:spPr>
+        <p:txBody>
+          <a:bodyPr>
+            <a:normAutofit fontScale="62500" lnSpcReduction="20000"/>
+          </a:bodyPr>
+          <a:lstStyle/>
+          <a:p>
+            <a:r>
+              <a:rPr lang="en-US" dirty="0"/>
+              <a:t>Temperature Over Time by State(starts: 1895): https://www.kaggle.com/datasets/thedevastator/analyzing-u-s-warming-rates-insights-into-climat</a:t>
+            </a:r>
+          </a:p>
+          <a:p>
+            <a:endParaRPr lang="en-US" dirty="0"/>
+          </a:p>
+          <a:p>
+            <a:r>
+              <a:rPr lang="en-US" dirty="0"/>
+              <a:t>Atmospheric CO2 Data: https://scrippsco2.ucsd.edu/data/atmospheric_co2/primary_mlo_co2_record.html</a:t>
+            </a:r>
+          </a:p>
+          <a:p>
+            <a:endParaRPr lang="en-US" dirty="0"/>
+          </a:p>
+          <a:p>
+            <a:r>
+              <a:rPr lang="en-US" dirty="0"/>
+              <a:t>Total Precipitation Data: https://kilthub.cmu.edu/articles/dataset/Assessment_of_historical_annual_temperature_and_precipitation_indices_change_in_the_U_S_cities/7961012?file=32875124</a:t>
+            </a:r>
+          </a:p>
+          <a:p>
+            <a:endParaRPr lang="en-US" dirty="0"/>
+          </a:p>
+          <a:p>
+            <a:r>
+              <a:rPr lang="en-US" dirty="0"/>
+              <a:t>Climate Change is a moral and ethical issue: https://friendsoftheearth.uk/climate/climate-change-moral-and-ethical-issue</a:t>
+            </a:r>
+          </a:p>
+          <a:p>
+            <a:endParaRPr lang="en-US" dirty="0"/>
+          </a:p>
+          <a:p>
+            <a:r>
+              <a:rPr lang="en-US" dirty="0"/>
+              <a:t>Climate change is a moral and ethical issue: https://friendsoftheearth.uk/climate/climate-change-moral-and-ethical-issue</a:t>
+            </a:r>
+          </a:p>
+        </p:txBody>
+      </p:sp>
+    </p:spTree>
+    <p:extLst>
+      <p:ext uri="{BB962C8B-B14F-4D97-AF65-F5344CB8AC3E}">
+        <p14:creationId xmlns:p14="http://schemas.microsoft.com/office/powerpoint/2010/main" val="1633096742"/>
+      </p:ext>
+    </p:extLst>
+  </p:cSld>
+  <p:clrMapOvr>
+    <a:masterClrMapping/>
+  </p:clrMapOvr>
+</p:sld>
+</file>
+
+<file path=ppt/slides/slide18.xml><?xml version="1.0" encoding="utf-8"?>
 <p:sld xmlns:a="http://schemas.openxmlformats.org/drawingml/2006/main" xmlns:r="http://schemas.openxmlformats.org/officeDocument/2006/relationships" xmlns:p="http://schemas.openxmlformats.org/presentationml/2006/main">
   <p:cSld>
     <p:spTree>
@@ -36041,7 +40630,7 @@
           <a:bodyPr/>
           <a:lstStyle/>
           <a:p>
-            <a:endParaRPr lang="en-US"/>
+            <a:endParaRPr lang="en-US" dirty="0"/>
           </a:p>
         </p:txBody>
       </p:sp>
@@ -36058,7 +40647,7 @@
 </p:sld>
 </file>
 
-<file path=ppt/slides/slide14.xml><?xml version="1.0" encoding="utf-8"?>
+<file path=ppt/slides/slide19.xml><?xml version="1.0" encoding="utf-8"?>
 <p:sld xmlns:a="http://schemas.openxmlformats.org/drawingml/2006/main" xmlns:r="http://schemas.openxmlformats.org/officeDocument/2006/relationships" xmlns:p="http://schemas.openxmlformats.org/presentationml/2006/main">
   <p:cSld>
     <p:spTree>
@@ -36330,7 +40919,7 @@
             </a:ln>
             <a:extLst>
               <a:ext uri="{91240B29-F687-4f45-9708-019B960494DF}">
-                <a14:hiddenLine xmlns="" xmlns:a16="http://schemas.microsoft.com/office/drawing/2014/main" xmlns:p14="http://schemas.microsoft.com/office/powerpoint/2010/main" xmlns:dgm="http://schemas.openxmlformats.org/drawingml/2006/diagram" xmlns:a14="http://schemas.microsoft.com/office/drawing/2010/main" w="9525">
+                <a14:hiddenLine xmlns:a14="http://schemas.microsoft.com/office/drawing/2010/main" xmlns:dgm="http://schemas.openxmlformats.org/drawingml/2006/diagram" xmlns:p14="http://schemas.microsoft.com/office/powerpoint/2010/main" xmlns:a16="http://schemas.microsoft.com/office/drawing/2014/main" xmlns="" w="9525">
                   <a:solidFill>
                     <a:srgbClr val="000000"/>
                   </a:solidFill>
@@ -36442,7 +41031,7 @@
             </a:ln>
             <a:extLst>
               <a:ext uri="{91240B29-F687-4f45-9708-019B960494DF}">
-                <a14:hiddenLine xmlns="" xmlns:a16="http://schemas.microsoft.com/office/drawing/2014/main" xmlns:p14="http://schemas.microsoft.com/office/powerpoint/2010/main" xmlns:dgm="http://schemas.openxmlformats.org/drawingml/2006/diagram" xmlns:a14="http://schemas.microsoft.com/office/drawing/2010/main" w="9525">
+                <a14:hiddenLine xmlns:a14="http://schemas.microsoft.com/office/drawing/2010/main" xmlns:dgm="http://schemas.openxmlformats.org/drawingml/2006/diagram" xmlns:p14="http://schemas.microsoft.com/office/powerpoint/2010/main" xmlns:a16="http://schemas.microsoft.com/office/drawing/2014/main" xmlns="" w="9525">
                   <a:solidFill>
                     <a:srgbClr val="000000"/>
                   </a:solidFill>
@@ -36554,7 +41143,7 @@
             </a:ln>
             <a:extLst>
               <a:ext uri="{91240B29-F687-4f45-9708-019B960494DF}">
-                <a14:hiddenLine xmlns="" xmlns:a16="http://schemas.microsoft.com/office/drawing/2014/main" xmlns:p14="http://schemas.microsoft.com/office/powerpoint/2010/main" xmlns:dgm="http://schemas.openxmlformats.org/drawingml/2006/diagram" xmlns:a14="http://schemas.microsoft.com/office/drawing/2010/main" w="9525">
+                <a14:hiddenLine xmlns:a14="http://schemas.microsoft.com/office/drawing/2010/main" xmlns:dgm="http://schemas.openxmlformats.org/drawingml/2006/diagram" xmlns:p14="http://schemas.microsoft.com/office/powerpoint/2010/main" xmlns:a16="http://schemas.microsoft.com/office/drawing/2014/main" xmlns="" w="9525">
                   <a:solidFill>
                     <a:srgbClr val="000000"/>
                   </a:solidFill>
@@ -36638,7 +41227,7 @@
             </a:ln>
             <a:extLst>
               <a:ext uri="{91240B29-F687-4f45-9708-019B960494DF}">
-                <a14:hiddenLine xmlns="" xmlns:a16="http://schemas.microsoft.com/office/drawing/2014/main" xmlns:p14="http://schemas.microsoft.com/office/powerpoint/2010/main" xmlns:dgm="http://schemas.openxmlformats.org/drawingml/2006/diagram" xmlns:a14="http://schemas.microsoft.com/office/drawing/2010/main" w="9525">
+                <a14:hiddenLine xmlns:a14="http://schemas.microsoft.com/office/drawing/2010/main" xmlns:dgm="http://schemas.openxmlformats.org/drawingml/2006/diagram" xmlns:p14="http://schemas.microsoft.com/office/powerpoint/2010/main" xmlns:a16="http://schemas.microsoft.com/office/drawing/2014/main" xmlns="" w="9525">
                   <a:solidFill>
                     <a:srgbClr val="000000"/>
                   </a:solidFill>
@@ -36750,7 +41339,7 @@
             </a:ln>
             <a:extLst>
               <a:ext uri="{91240B29-F687-4f45-9708-019B960494DF}">
-                <a14:hiddenLine xmlns="" xmlns:a16="http://schemas.microsoft.com/office/drawing/2014/main" xmlns:p14="http://schemas.microsoft.com/office/powerpoint/2010/main" xmlns:dgm="http://schemas.openxmlformats.org/drawingml/2006/diagram" xmlns:a14="http://schemas.microsoft.com/office/drawing/2010/main" w="9525">
+                <a14:hiddenLine xmlns:a14="http://schemas.microsoft.com/office/drawing/2010/main" xmlns:dgm="http://schemas.openxmlformats.org/drawingml/2006/diagram" xmlns:p14="http://schemas.microsoft.com/office/powerpoint/2010/main" xmlns:a16="http://schemas.microsoft.com/office/drawing/2014/main" xmlns="" w="9525">
                   <a:solidFill>
                     <a:srgbClr val="000000"/>
                   </a:solidFill>
@@ -36834,7 +41423,7 @@
             </a:ln>
             <a:extLst>
               <a:ext uri="{91240B29-F687-4f45-9708-019B960494DF}">
-                <a14:hiddenLine xmlns="" xmlns:a16="http://schemas.microsoft.com/office/drawing/2014/main" xmlns:p14="http://schemas.microsoft.com/office/powerpoint/2010/main" xmlns:dgm="http://schemas.openxmlformats.org/drawingml/2006/diagram" xmlns:a14="http://schemas.microsoft.com/office/drawing/2010/main" w="9525">
+                <a14:hiddenLine xmlns:a14="http://schemas.microsoft.com/office/drawing/2010/main" xmlns:dgm="http://schemas.openxmlformats.org/drawingml/2006/diagram" xmlns:p14="http://schemas.microsoft.com/office/powerpoint/2010/main" xmlns:a16="http://schemas.microsoft.com/office/drawing/2014/main" xmlns="" w="9525">
                   <a:solidFill>
                     <a:srgbClr val="000000"/>
                   </a:solidFill>
@@ -36918,7 +41507,7 @@
             </a:ln>
             <a:extLst>
               <a:ext uri="{91240B29-F687-4f45-9708-019B960494DF}">
-                <a14:hiddenLine xmlns="" xmlns:a16="http://schemas.microsoft.com/office/drawing/2014/main" xmlns:p14="http://schemas.microsoft.com/office/powerpoint/2010/main" xmlns:dgm="http://schemas.openxmlformats.org/drawingml/2006/diagram" xmlns:a14="http://schemas.microsoft.com/office/drawing/2010/main" w="9525">
+                <a14:hiddenLine xmlns:a14="http://schemas.microsoft.com/office/drawing/2010/main" xmlns:dgm="http://schemas.openxmlformats.org/drawingml/2006/diagram" xmlns:p14="http://schemas.microsoft.com/office/powerpoint/2010/main" xmlns:a16="http://schemas.microsoft.com/office/drawing/2014/main" xmlns="" w="9525">
                   <a:solidFill>
                     <a:srgbClr val="000000"/>
                   </a:solidFill>
@@ -37030,7 +41619,7 @@
             </a:ln>
             <a:extLst>
               <a:ext uri="{91240B29-F687-4f45-9708-019B960494DF}">
-                <a14:hiddenLine xmlns="" xmlns:a16="http://schemas.microsoft.com/office/drawing/2014/main" xmlns:p14="http://schemas.microsoft.com/office/powerpoint/2010/main" xmlns:dgm="http://schemas.openxmlformats.org/drawingml/2006/diagram" xmlns:a14="http://schemas.microsoft.com/office/drawing/2010/main" w="9525">
+                <a14:hiddenLine xmlns:a14="http://schemas.microsoft.com/office/drawing/2010/main" xmlns:dgm="http://schemas.openxmlformats.org/drawingml/2006/diagram" xmlns:p14="http://schemas.microsoft.com/office/powerpoint/2010/main" xmlns:a16="http://schemas.microsoft.com/office/drawing/2014/main" xmlns="" w="9525">
                   <a:solidFill>
                     <a:srgbClr val="000000"/>
                   </a:solidFill>
@@ -37142,7 +41731,7 @@
             </a:ln>
             <a:extLst>
               <a:ext uri="{91240B29-F687-4f45-9708-019B960494DF}">
-                <a14:hiddenLine xmlns="" xmlns:a16="http://schemas.microsoft.com/office/drawing/2014/main" xmlns:p14="http://schemas.microsoft.com/office/powerpoint/2010/main" xmlns:dgm="http://schemas.openxmlformats.org/drawingml/2006/diagram" xmlns:a14="http://schemas.microsoft.com/office/drawing/2010/main" w="9525">
+                <a14:hiddenLine xmlns:a14="http://schemas.microsoft.com/office/drawing/2010/main" xmlns:dgm="http://schemas.openxmlformats.org/drawingml/2006/diagram" xmlns:p14="http://schemas.microsoft.com/office/powerpoint/2010/main" xmlns:a16="http://schemas.microsoft.com/office/drawing/2014/main" xmlns="" w="9525">
                   <a:solidFill>
                     <a:srgbClr val="000000"/>
                   </a:solidFill>
@@ -37226,7 +41815,7 @@
             </a:ln>
             <a:extLst>
               <a:ext uri="{91240B29-F687-4f45-9708-019B960494DF}">
-                <a14:hiddenLine xmlns="" xmlns:a16="http://schemas.microsoft.com/office/drawing/2014/main" xmlns:p14="http://schemas.microsoft.com/office/powerpoint/2010/main" xmlns:dgm="http://schemas.openxmlformats.org/drawingml/2006/diagram" xmlns:a14="http://schemas.microsoft.com/office/drawing/2010/main" w="9525">
+                <a14:hiddenLine xmlns:a14="http://schemas.microsoft.com/office/drawing/2010/main" xmlns:dgm="http://schemas.openxmlformats.org/drawingml/2006/diagram" xmlns:p14="http://schemas.microsoft.com/office/powerpoint/2010/main" xmlns:a16="http://schemas.microsoft.com/office/drawing/2014/main" xmlns="" w="9525">
                   <a:solidFill>
                     <a:srgbClr val="000000"/>
                   </a:solidFill>
@@ -37358,7 +41947,7 @@
             </a:ln>
             <a:extLst>
               <a:ext uri="{91240B29-F687-4f45-9708-019B960494DF}">
-                <a14:hiddenLine xmlns="" xmlns:a16="http://schemas.microsoft.com/office/drawing/2014/main" xmlns:p14="http://schemas.microsoft.com/office/powerpoint/2010/main" xmlns:dgm="http://schemas.openxmlformats.org/drawingml/2006/diagram" xmlns:a14="http://schemas.microsoft.com/office/drawing/2010/main" w="9525">
+                <a14:hiddenLine xmlns:a14="http://schemas.microsoft.com/office/drawing/2010/main" xmlns:dgm="http://schemas.openxmlformats.org/drawingml/2006/diagram" xmlns:p14="http://schemas.microsoft.com/office/powerpoint/2010/main" xmlns:a16="http://schemas.microsoft.com/office/drawing/2014/main" xmlns="" w="9525">
                   <a:solidFill>
                     <a:srgbClr val="000000"/>
                   </a:solidFill>
@@ -37486,7 +42075,7 @@
             </a:ln>
             <a:extLst>
               <a:ext uri="{91240B29-F687-4f45-9708-019B960494DF}">
-                <a14:hiddenLine xmlns="" xmlns:a16="http://schemas.microsoft.com/office/drawing/2014/main" xmlns:p14="http://schemas.microsoft.com/office/powerpoint/2010/main" xmlns:dgm="http://schemas.openxmlformats.org/drawingml/2006/diagram" xmlns:a14="http://schemas.microsoft.com/office/drawing/2010/main" w="9525">
+                <a14:hiddenLine xmlns:a14="http://schemas.microsoft.com/office/drawing/2010/main" xmlns:dgm="http://schemas.openxmlformats.org/drawingml/2006/diagram" xmlns:p14="http://schemas.microsoft.com/office/powerpoint/2010/main" xmlns:a16="http://schemas.microsoft.com/office/drawing/2014/main" xmlns="" w="9525">
                   <a:solidFill>
                     <a:srgbClr val="000000"/>
                   </a:solidFill>
@@ -37570,7 +42159,7 @@
             </a:ln>
             <a:extLst>
               <a:ext uri="{91240B29-F687-4f45-9708-019B960494DF}">
-                <a14:hiddenLine xmlns="" xmlns:a16="http://schemas.microsoft.com/office/drawing/2014/main" xmlns:p14="http://schemas.microsoft.com/office/powerpoint/2010/main" xmlns:dgm="http://schemas.openxmlformats.org/drawingml/2006/diagram" xmlns:a14="http://schemas.microsoft.com/office/drawing/2010/main" w="9525">
+                <a14:hiddenLine xmlns:a14="http://schemas.microsoft.com/office/drawing/2010/main" xmlns:dgm="http://schemas.openxmlformats.org/drawingml/2006/diagram" xmlns:p14="http://schemas.microsoft.com/office/powerpoint/2010/main" xmlns:a16="http://schemas.microsoft.com/office/drawing/2014/main" xmlns="" w="9525">
                   <a:solidFill>
                     <a:srgbClr val="000000"/>
                   </a:solidFill>
@@ -37654,7 +42243,7 @@
             </a:ln>
             <a:extLst>
               <a:ext uri="{91240B29-F687-4f45-9708-019B960494DF}">
-                <a14:hiddenLine xmlns="" xmlns:a16="http://schemas.microsoft.com/office/drawing/2014/main" xmlns:p14="http://schemas.microsoft.com/office/powerpoint/2010/main" xmlns:dgm="http://schemas.openxmlformats.org/drawingml/2006/diagram" xmlns:a14="http://schemas.microsoft.com/office/drawing/2010/main" w="9525">
+                <a14:hiddenLine xmlns:a14="http://schemas.microsoft.com/office/drawing/2010/main" xmlns:dgm="http://schemas.openxmlformats.org/drawingml/2006/diagram" xmlns:p14="http://schemas.microsoft.com/office/powerpoint/2010/main" xmlns:a16="http://schemas.microsoft.com/office/drawing/2014/main" xmlns="" w="9525">
                   <a:solidFill>
                     <a:srgbClr val="000000"/>
                   </a:solidFill>
@@ -37766,7 +42355,7 @@
             </a:ln>
             <a:extLst>
               <a:ext uri="{91240B29-F687-4f45-9708-019B960494DF}">
-                <a14:hiddenLine xmlns="" xmlns:a16="http://schemas.microsoft.com/office/drawing/2014/main" xmlns:p14="http://schemas.microsoft.com/office/powerpoint/2010/main" xmlns:dgm="http://schemas.openxmlformats.org/drawingml/2006/diagram" xmlns:a14="http://schemas.microsoft.com/office/drawing/2010/main" w="9525">
+                <a14:hiddenLine xmlns:a14="http://schemas.microsoft.com/office/drawing/2010/main" xmlns:dgm="http://schemas.openxmlformats.org/drawingml/2006/diagram" xmlns:p14="http://schemas.microsoft.com/office/powerpoint/2010/main" xmlns:a16="http://schemas.microsoft.com/office/drawing/2014/main" xmlns="" w="9525">
                   <a:solidFill>
                     <a:srgbClr val="000000"/>
                   </a:solidFill>
@@ -37822,7 +42411,7 @@
             </a:ln>
             <a:extLst>
               <a:ext uri="{91240B29-F687-4f45-9708-019B960494DF}">
-                <a14:hiddenLine xmlns="" xmlns:a16="http://schemas.microsoft.com/office/drawing/2014/main" xmlns:p14="http://schemas.microsoft.com/office/powerpoint/2010/main" xmlns:dgm="http://schemas.openxmlformats.org/drawingml/2006/diagram" xmlns:a14="http://schemas.microsoft.com/office/drawing/2010/main" w="9525">
+                <a14:hiddenLine xmlns:a14="http://schemas.microsoft.com/office/drawing/2010/main" xmlns:dgm="http://schemas.openxmlformats.org/drawingml/2006/diagram" xmlns:p14="http://schemas.microsoft.com/office/powerpoint/2010/main" xmlns:a16="http://schemas.microsoft.com/office/drawing/2014/main" xmlns="" w="9525">
                   <a:solidFill>
                     <a:srgbClr val="000000"/>
                   </a:solidFill>
@@ -37909,7 +42498,7 @@
             </a:ln>
             <a:extLst>
               <a:ext uri="{91240B29-F687-4f45-9708-019B960494DF}">
-                <a14:hiddenLine xmlns="" xmlns:a16="http://schemas.microsoft.com/office/drawing/2014/main" xmlns:p14="http://schemas.microsoft.com/office/powerpoint/2010/main" xmlns:dgm="http://schemas.openxmlformats.org/drawingml/2006/diagram" xmlns:a14="http://schemas.microsoft.com/office/drawing/2010/main" w="9525">
+                <a14:hiddenLine xmlns:a14="http://schemas.microsoft.com/office/drawing/2010/main" xmlns:dgm="http://schemas.openxmlformats.org/drawingml/2006/diagram" xmlns:p14="http://schemas.microsoft.com/office/powerpoint/2010/main" xmlns:a16="http://schemas.microsoft.com/office/drawing/2014/main" xmlns="" w="9525">
                   <a:solidFill>
                     <a:srgbClr val="000000"/>
                   </a:solidFill>
@@ -38021,7 +42610,7 @@
             </a:ln>
             <a:extLst>
               <a:ext uri="{91240B29-F687-4f45-9708-019B960494DF}">
-                <a14:hiddenLine xmlns="" xmlns:a16="http://schemas.microsoft.com/office/drawing/2014/main" xmlns:p14="http://schemas.microsoft.com/office/powerpoint/2010/main" xmlns:dgm="http://schemas.openxmlformats.org/drawingml/2006/diagram" xmlns:a14="http://schemas.microsoft.com/office/drawing/2010/main" w="9525">
+                <a14:hiddenLine xmlns:a14="http://schemas.microsoft.com/office/drawing/2010/main" xmlns:dgm="http://schemas.openxmlformats.org/drawingml/2006/diagram" xmlns:p14="http://schemas.microsoft.com/office/powerpoint/2010/main" xmlns:a16="http://schemas.microsoft.com/office/drawing/2014/main" xmlns="" w="9525">
                   <a:solidFill>
                     <a:srgbClr val="000000"/>
                   </a:solidFill>
@@ -38105,7 +42694,7 @@
             </a:ln>
             <a:extLst>
               <a:ext uri="{91240B29-F687-4f45-9708-019B960494DF}">
-                <a14:hiddenLine xmlns="" xmlns:a16="http://schemas.microsoft.com/office/drawing/2014/main" xmlns:p14="http://schemas.microsoft.com/office/powerpoint/2010/main" xmlns:dgm="http://schemas.openxmlformats.org/drawingml/2006/diagram" xmlns:a14="http://schemas.microsoft.com/office/drawing/2010/main" w="9525">
+                <a14:hiddenLine xmlns:a14="http://schemas.microsoft.com/office/drawing/2010/main" xmlns:dgm="http://schemas.openxmlformats.org/drawingml/2006/diagram" xmlns:p14="http://schemas.microsoft.com/office/powerpoint/2010/main" xmlns:a16="http://schemas.microsoft.com/office/drawing/2014/main" xmlns="" w="9525">
                   <a:solidFill>
                     <a:srgbClr val="000000"/>
                   </a:solidFill>
@@ -38217,7 +42806,7 @@
             </a:ln>
             <a:extLst>
               <a:ext uri="{91240B29-F687-4f45-9708-019B960494DF}">
-                <a14:hiddenLine xmlns="" xmlns:a16="http://schemas.microsoft.com/office/drawing/2014/main" xmlns:p14="http://schemas.microsoft.com/office/powerpoint/2010/main" xmlns:dgm="http://schemas.openxmlformats.org/drawingml/2006/diagram" xmlns:a14="http://schemas.microsoft.com/office/drawing/2010/main" w="9525">
+                <a14:hiddenLine xmlns:a14="http://schemas.microsoft.com/office/drawing/2010/main" xmlns:dgm="http://schemas.openxmlformats.org/drawingml/2006/diagram" xmlns:p14="http://schemas.microsoft.com/office/powerpoint/2010/main" xmlns:a16="http://schemas.microsoft.com/office/drawing/2014/main" xmlns="" w="9525">
                   <a:solidFill>
                     <a:srgbClr val="000000"/>
                   </a:solidFill>
@@ -38304,7 +42893,7 @@
             </a:ln>
             <a:extLst>
               <a:ext uri="{91240B29-F687-4f45-9708-019B960494DF}">
-                <a14:hiddenLine xmlns="" xmlns:a16="http://schemas.microsoft.com/office/drawing/2014/main" xmlns:p14="http://schemas.microsoft.com/office/powerpoint/2010/main" xmlns:dgm="http://schemas.openxmlformats.org/drawingml/2006/diagram" xmlns:a14="http://schemas.microsoft.com/office/drawing/2010/main" w="9525">
+                <a14:hiddenLine xmlns:a14="http://schemas.microsoft.com/office/drawing/2010/main" xmlns:dgm="http://schemas.openxmlformats.org/drawingml/2006/diagram" xmlns:p14="http://schemas.microsoft.com/office/powerpoint/2010/main" xmlns:a16="http://schemas.microsoft.com/office/drawing/2014/main" xmlns="" w="9525">
                   <a:solidFill>
                     <a:srgbClr val="000000"/>
                   </a:solidFill>
@@ -38388,7 +42977,7 @@
             </a:ln>
             <a:extLst>
               <a:ext uri="{91240B29-F687-4f45-9708-019B960494DF}">
-                <a14:hiddenLine xmlns="" xmlns:a16="http://schemas.microsoft.com/office/drawing/2014/main" xmlns:p14="http://schemas.microsoft.com/office/powerpoint/2010/main" xmlns:dgm="http://schemas.openxmlformats.org/drawingml/2006/diagram" xmlns:a14="http://schemas.microsoft.com/office/drawing/2010/main" w="9525">
+                <a14:hiddenLine xmlns:a14="http://schemas.microsoft.com/office/drawing/2010/main" xmlns:dgm="http://schemas.openxmlformats.org/drawingml/2006/diagram" xmlns:p14="http://schemas.microsoft.com/office/powerpoint/2010/main" xmlns:a16="http://schemas.microsoft.com/office/drawing/2014/main" xmlns="" w="9525">
                   <a:solidFill>
                     <a:srgbClr val="000000"/>
                   </a:solidFill>
@@ -38500,7 +43089,7 @@
             </a:ln>
             <a:extLst>
               <a:ext uri="{91240B29-F687-4f45-9708-019B960494DF}">
-                <a14:hiddenLine xmlns="" xmlns:a16="http://schemas.microsoft.com/office/drawing/2014/main" xmlns:p14="http://schemas.microsoft.com/office/powerpoint/2010/main" xmlns:dgm="http://schemas.openxmlformats.org/drawingml/2006/diagram" xmlns:a14="http://schemas.microsoft.com/office/drawing/2010/main" w="9525">
+                <a14:hiddenLine xmlns:a14="http://schemas.microsoft.com/office/drawing/2010/main" xmlns:dgm="http://schemas.openxmlformats.org/drawingml/2006/diagram" xmlns:p14="http://schemas.microsoft.com/office/powerpoint/2010/main" xmlns:a16="http://schemas.microsoft.com/office/drawing/2014/main" xmlns="" w="9525">
                   <a:solidFill>
                     <a:srgbClr val="000000"/>
                   </a:solidFill>
@@ -38612,7 +43201,7 @@
             </a:ln>
             <a:extLst>
               <a:ext uri="{91240B29-F687-4f45-9708-019B960494DF}">
-                <a14:hiddenLine xmlns="" xmlns:a16="http://schemas.microsoft.com/office/drawing/2014/main" xmlns:p14="http://schemas.microsoft.com/office/powerpoint/2010/main" xmlns:dgm="http://schemas.openxmlformats.org/drawingml/2006/diagram" xmlns:a14="http://schemas.microsoft.com/office/drawing/2010/main" w="9525">
+                <a14:hiddenLine xmlns:a14="http://schemas.microsoft.com/office/drawing/2010/main" xmlns:dgm="http://schemas.openxmlformats.org/drawingml/2006/diagram" xmlns:p14="http://schemas.microsoft.com/office/powerpoint/2010/main" xmlns:a16="http://schemas.microsoft.com/office/drawing/2014/main" xmlns="" w="9525">
                   <a:solidFill>
                     <a:srgbClr val="000000"/>
                   </a:solidFill>
@@ -38699,7 +43288,7 @@
             </a:ln>
             <a:extLst>
               <a:ext uri="{91240B29-F687-4f45-9708-019B960494DF}">
-                <a14:hiddenLine xmlns="" xmlns:a16="http://schemas.microsoft.com/office/drawing/2014/main" xmlns:p14="http://schemas.microsoft.com/office/powerpoint/2010/main" xmlns:dgm="http://schemas.openxmlformats.org/drawingml/2006/diagram" xmlns:a14="http://schemas.microsoft.com/office/drawing/2010/main" w="9525">
+                <a14:hiddenLine xmlns:a14="http://schemas.microsoft.com/office/drawing/2010/main" xmlns:dgm="http://schemas.openxmlformats.org/drawingml/2006/diagram" xmlns:p14="http://schemas.microsoft.com/office/powerpoint/2010/main" xmlns:a16="http://schemas.microsoft.com/office/drawing/2014/main" xmlns="" w="9525">
                   <a:solidFill>
                     <a:srgbClr val="000000"/>
                   </a:solidFill>
@@ -38841,7 +43430,7 @@
             </a:ln>
             <a:extLst>
               <a:ext uri="{91240B29-F687-4f45-9708-019B960494DF}">
-                <a14:hiddenLine xmlns="" xmlns:a16="http://schemas.microsoft.com/office/drawing/2014/main" xmlns:p14="http://schemas.microsoft.com/office/powerpoint/2010/main" xmlns:dgm="http://schemas.openxmlformats.org/drawingml/2006/diagram" xmlns:a14="http://schemas.microsoft.com/office/drawing/2010/main" w="9525">
+                <a14:hiddenLine xmlns:a14="http://schemas.microsoft.com/office/drawing/2010/main" xmlns:dgm="http://schemas.openxmlformats.org/drawingml/2006/diagram" xmlns:p14="http://schemas.microsoft.com/office/powerpoint/2010/main" xmlns:a16="http://schemas.microsoft.com/office/drawing/2014/main" xmlns="" w="9525">
                   <a:solidFill>
                     <a:srgbClr val="000000"/>
                   </a:solidFill>
@@ -38907,7 +43496,7 @@
           </a:prstGeom>
           <a:extLst>
             <a:ext uri="{909E8E84-426E-40dd-AFC4-6F175D3DCCD1}">
-              <a14:hiddenFill xmlns="" xmlns:a16="http://schemas.microsoft.com/office/drawing/2014/main" xmlns:p14="http://schemas.microsoft.com/office/powerpoint/2010/main" xmlns:dgm="http://schemas.openxmlformats.org/drawingml/2006/diagram" xmlns:a14="http://schemas.microsoft.com/office/drawing/2010/main">
+              <a14:hiddenFill xmlns:a14="http://schemas.microsoft.com/office/drawing/2010/main" xmlns:dgm="http://schemas.openxmlformats.org/drawingml/2006/diagram" xmlns:p14="http://schemas.microsoft.com/office/powerpoint/2010/main" xmlns:a16="http://schemas.microsoft.com/office/drawing/2014/main" xmlns="">
                 <a:solidFill>
                   <a:srgbClr val="FFFFFF"/>
                 </a:solidFill>
@@ -39066,7 +43655,7 @@
             </a:ln>
             <a:extLst>
               <a:ext uri="{91240B29-F687-4f45-9708-019B960494DF}">
-                <a14:hiddenLine xmlns="" xmlns:a16="http://schemas.microsoft.com/office/drawing/2014/main" xmlns:p14="http://schemas.microsoft.com/office/powerpoint/2010/main" xmlns:dgm="http://schemas.openxmlformats.org/drawingml/2006/diagram" xmlns:a14="http://schemas.microsoft.com/office/drawing/2010/main" w="9525">
+                <a14:hiddenLine xmlns:a14="http://schemas.microsoft.com/office/drawing/2010/main" xmlns:dgm="http://schemas.openxmlformats.org/drawingml/2006/diagram" xmlns:p14="http://schemas.microsoft.com/office/powerpoint/2010/main" xmlns:a16="http://schemas.microsoft.com/office/drawing/2014/main" xmlns="" w="9525">
                   <a:solidFill>
                     <a:srgbClr val="000000"/>
                   </a:solidFill>
@@ -39178,7 +43767,7 @@
             </a:ln>
             <a:extLst>
               <a:ext uri="{91240B29-F687-4f45-9708-019B960494DF}">
-                <a14:hiddenLine xmlns="" xmlns:a16="http://schemas.microsoft.com/office/drawing/2014/main" xmlns:p14="http://schemas.microsoft.com/office/powerpoint/2010/main" xmlns:dgm="http://schemas.openxmlformats.org/drawingml/2006/diagram" xmlns:a14="http://schemas.microsoft.com/office/drawing/2010/main" w="9525">
+                <a14:hiddenLine xmlns:a14="http://schemas.microsoft.com/office/drawing/2010/main" xmlns:dgm="http://schemas.openxmlformats.org/drawingml/2006/diagram" xmlns:p14="http://schemas.microsoft.com/office/powerpoint/2010/main" xmlns:a16="http://schemas.microsoft.com/office/drawing/2014/main" xmlns="" w="9525">
                   <a:solidFill>
                     <a:srgbClr val="000000"/>
                   </a:solidFill>
@@ -39290,7 +43879,7 @@
             </a:ln>
             <a:extLst>
               <a:ext uri="{91240B29-F687-4f45-9708-019B960494DF}">
-                <a14:hiddenLine xmlns="" xmlns:a16="http://schemas.microsoft.com/office/drawing/2014/main" xmlns:p14="http://schemas.microsoft.com/office/powerpoint/2010/main" xmlns:dgm="http://schemas.openxmlformats.org/drawingml/2006/diagram" xmlns:a14="http://schemas.microsoft.com/office/drawing/2010/main" w="9525">
+                <a14:hiddenLine xmlns:a14="http://schemas.microsoft.com/office/drawing/2010/main" xmlns:dgm="http://schemas.openxmlformats.org/drawingml/2006/diagram" xmlns:p14="http://schemas.microsoft.com/office/powerpoint/2010/main" xmlns:a16="http://schemas.microsoft.com/office/drawing/2014/main" xmlns="" w="9525">
                   <a:solidFill>
                     <a:srgbClr val="000000"/>
                   </a:solidFill>
@@ -39374,7 +43963,7 @@
             </a:ln>
             <a:extLst>
               <a:ext uri="{91240B29-F687-4f45-9708-019B960494DF}">
-                <a14:hiddenLine xmlns="" xmlns:a16="http://schemas.microsoft.com/office/drawing/2014/main" xmlns:p14="http://schemas.microsoft.com/office/powerpoint/2010/main" xmlns:dgm="http://schemas.openxmlformats.org/drawingml/2006/diagram" xmlns:a14="http://schemas.microsoft.com/office/drawing/2010/main" w="9525">
+                <a14:hiddenLine xmlns:a14="http://schemas.microsoft.com/office/drawing/2010/main" xmlns:dgm="http://schemas.openxmlformats.org/drawingml/2006/diagram" xmlns:p14="http://schemas.microsoft.com/office/powerpoint/2010/main" xmlns:a16="http://schemas.microsoft.com/office/drawing/2014/main" xmlns="" w="9525">
                   <a:solidFill>
                     <a:srgbClr val="000000"/>
                   </a:solidFill>
@@ -39486,7 +44075,7 @@
             </a:ln>
             <a:extLst>
               <a:ext uri="{91240B29-F687-4f45-9708-019B960494DF}">
-                <a14:hiddenLine xmlns="" xmlns:a16="http://schemas.microsoft.com/office/drawing/2014/main" xmlns:p14="http://schemas.microsoft.com/office/powerpoint/2010/main" xmlns:dgm="http://schemas.openxmlformats.org/drawingml/2006/diagram" xmlns:a14="http://schemas.microsoft.com/office/drawing/2010/main" w="9525">
+                <a14:hiddenLine xmlns:a14="http://schemas.microsoft.com/office/drawing/2010/main" xmlns:dgm="http://schemas.openxmlformats.org/drawingml/2006/diagram" xmlns:p14="http://schemas.microsoft.com/office/powerpoint/2010/main" xmlns:a16="http://schemas.microsoft.com/office/drawing/2014/main" xmlns="" w="9525">
                   <a:solidFill>
                     <a:srgbClr val="000000"/>
                   </a:solidFill>
@@ -39570,7 +44159,7 @@
             </a:ln>
             <a:extLst>
               <a:ext uri="{91240B29-F687-4f45-9708-019B960494DF}">
-                <a14:hiddenLine xmlns="" xmlns:a16="http://schemas.microsoft.com/office/drawing/2014/main" xmlns:p14="http://schemas.microsoft.com/office/powerpoint/2010/main" xmlns:dgm="http://schemas.openxmlformats.org/drawingml/2006/diagram" xmlns:a14="http://schemas.microsoft.com/office/drawing/2010/main" w="9525">
+                <a14:hiddenLine xmlns:a14="http://schemas.microsoft.com/office/drawing/2010/main" xmlns:dgm="http://schemas.openxmlformats.org/drawingml/2006/diagram" xmlns:p14="http://schemas.microsoft.com/office/powerpoint/2010/main" xmlns:a16="http://schemas.microsoft.com/office/drawing/2014/main" xmlns="" w="9525">
                   <a:solidFill>
                     <a:srgbClr val="000000"/>
                   </a:solidFill>
@@ -39654,7 +44243,7 @@
             </a:ln>
             <a:extLst>
               <a:ext uri="{91240B29-F687-4f45-9708-019B960494DF}">
-                <a14:hiddenLine xmlns="" xmlns:a16="http://schemas.microsoft.com/office/drawing/2014/main" xmlns:p14="http://schemas.microsoft.com/office/powerpoint/2010/main" xmlns:dgm="http://schemas.openxmlformats.org/drawingml/2006/diagram" xmlns:a14="http://schemas.microsoft.com/office/drawing/2010/main" w="9525">
+                <a14:hiddenLine xmlns:a14="http://schemas.microsoft.com/office/drawing/2010/main" xmlns:dgm="http://schemas.openxmlformats.org/drawingml/2006/diagram" xmlns:p14="http://schemas.microsoft.com/office/powerpoint/2010/main" xmlns:a16="http://schemas.microsoft.com/office/drawing/2014/main" xmlns="" w="9525">
                   <a:solidFill>
                     <a:srgbClr val="000000"/>
                   </a:solidFill>
@@ -39766,7 +44355,7 @@
             </a:ln>
             <a:extLst>
               <a:ext uri="{91240B29-F687-4f45-9708-019B960494DF}">
-                <a14:hiddenLine xmlns="" xmlns:a16="http://schemas.microsoft.com/office/drawing/2014/main" xmlns:p14="http://schemas.microsoft.com/office/powerpoint/2010/main" xmlns:dgm="http://schemas.openxmlformats.org/drawingml/2006/diagram" xmlns:a14="http://schemas.microsoft.com/office/drawing/2010/main" w="9525">
+                <a14:hiddenLine xmlns:a14="http://schemas.microsoft.com/office/drawing/2010/main" xmlns:dgm="http://schemas.openxmlformats.org/drawingml/2006/diagram" xmlns:p14="http://schemas.microsoft.com/office/powerpoint/2010/main" xmlns:a16="http://schemas.microsoft.com/office/drawing/2014/main" xmlns="" w="9525">
                   <a:solidFill>
                     <a:srgbClr val="000000"/>
                   </a:solidFill>
@@ -39878,7 +44467,7 @@
             </a:ln>
             <a:extLst>
               <a:ext uri="{91240B29-F687-4f45-9708-019B960494DF}">
-                <a14:hiddenLine xmlns="" xmlns:a16="http://schemas.microsoft.com/office/drawing/2014/main" xmlns:p14="http://schemas.microsoft.com/office/powerpoint/2010/main" xmlns:dgm="http://schemas.openxmlformats.org/drawingml/2006/diagram" xmlns:a14="http://schemas.microsoft.com/office/drawing/2010/main" w="9525">
+                <a14:hiddenLine xmlns:a14="http://schemas.microsoft.com/office/drawing/2010/main" xmlns:dgm="http://schemas.openxmlformats.org/drawingml/2006/diagram" xmlns:p14="http://schemas.microsoft.com/office/powerpoint/2010/main" xmlns:a16="http://schemas.microsoft.com/office/drawing/2014/main" xmlns="" w="9525">
                   <a:solidFill>
                     <a:srgbClr val="000000"/>
                   </a:solidFill>
@@ -39962,7 +44551,7 @@
             </a:ln>
             <a:extLst>
               <a:ext uri="{91240B29-F687-4f45-9708-019B960494DF}">
-                <a14:hiddenLine xmlns="" xmlns:a16="http://schemas.microsoft.com/office/drawing/2014/main" xmlns:p14="http://schemas.microsoft.com/office/powerpoint/2010/main" xmlns:dgm="http://schemas.openxmlformats.org/drawingml/2006/diagram" xmlns:a14="http://schemas.microsoft.com/office/drawing/2010/main" w="9525">
+                <a14:hiddenLine xmlns:a14="http://schemas.microsoft.com/office/drawing/2010/main" xmlns:dgm="http://schemas.openxmlformats.org/drawingml/2006/diagram" xmlns:p14="http://schemas.microsoft.com/office/powerpoint/2010/main" xmlns:a16="http://schemas.microsoft.com/office/drawing/2014/main" xmlns="" w="9525">
                   <a:solidFill>
                     <a:srgbClr val="000000"/>
                   </a:solidFill>
@@ -40094,7 +44683,7 @@
             </a:ln>
             <a:extLst>
               <a:ext uri="{91240B29-F687-4f45-9708-019B960494DF}">
-                <a14:hiddenLine xmlns="" xmlns:a16="http://schemas.microsoft.com/office/drawing/2014/main" xmlns:p14="http://schemas.microsoft.com/office/powerpoint/2010/main" xmlns:dgm="http://schemas.openxmlformats.org/drawingml/2006/diagram" xmlns:a14="http://schemas.microsoft.com/office/drawing/2010/main" w="9525">
+                <a14:hiddenLine xmlns:a14="http://schemas.microsoft.com/office/drawing/2010/main" xmlns:dgm="http://schemas.openxmlformats.org/drawingml/2006/diagram" xmlns:p14="http://schemas.microsoft.com/office/powerpoint/2010/main" xmlns:a16="http://schemas.microsoft.com/office/drawing/2014/main" xmlns="" w="9525">
                   <a:solidFill>
                     <a:srgbClr val="000000"/>
                   </a:solidFill>
@@ -40222,7 +44811,7 @@
             </a:ln>
             <a:extLst>
               <a:ext uri="{91240B29-F687-4f45-9708-019B960494DF}">
-                <a14:hiddenLine xmlns="" xmlns:a16="http://schemas.microsoft.com/office/drawing/2014/main" xmlns:p14="http://schemas.microsoft.com/office/powerpoint/2010/main" xmlns:dgm="http://schemas.openxmlformats.org/drawingml/2006/diagram" xmlns:a14="http://schemas.microsoft.com/office/drawing/2010/main" w="9525">
+                <a14:hiddenLine xmlns:a14="http://schemas.microsoft.com/office/drawing/2010/main" xmlns:dgm="http://schemas.openxmlformats.org/drawingml/2006/diagram" xmlns:p14="http://schemas.microsoft.com/office/powerpoint/2010/main" xmlns:a16="http://schemas.microsoft.com/office/drawing/2014/main" xmlns="" w="9525">
                   <a:solidFill>
                     <a:srgbClr val="000000"/>
                   </a:solidFill>
@@ -40306,7 +44895,7 @@
             </a:ln>
             <a:extLst>
               <a:ext uri="{91240B29-F687-4f45-9708-019B960494DF}">
-                <a14:hiddenLine xmlns="" xmlns:a16="http://schemas.microsoft.com/office/drawing/2014/main" xmlns:p14="http://schemas.microsoft.com/office/powerpoint/2010/main" xmlns:dgm="http://schemas.openxmlformats.org/drawingml/2006/diagram" xmlns:a14="http://schemas.microsoft.com/office/drawing/2010/main" w="9525">
+                <a14:hiddenLine xmlns:a14="http://schemas.microsoft.com/office/drawing/2010/main" xmlns:dgm="http://schemas.openxmlformats.org/drawingml/2006/diagram" xmlns:p14="http://schemas.microsoft.com/office/powerpoint/2010/main" xmlns:a16="http://schemas.microsoft.com/office/drawing/2014/main" xmlns="" w="9525">
                   <a:solidFill>
                     <a:srgbClr val="000000"/>
                   </a:solidFill>
@@ -40390,7 +44979,7 @@
             </a:ln>
             <a:extLst>
               <a:ext uri="{91240B29-F687-4f45-9708-019B960494DF}">
-                <a14:hiddenLine xmlns="" xmlns:a16="http://schemas.microsoft.com/office/drawing/2014/main" xmlns:p14="http://schemas.microsoft.com/office/powerpoint/2010/main" xmlns:dgm="http://schemas.openxmlformats.org/drawingml/2006/diagram" xmlns:a14="http://schemas.microsoft.com/office/drawing/2010/main" w="9525">
+                <a14:hiddenLine xmlns:a14="http://schemas.microsoft.com/office/drawing/2010/main" xmlns:dgm="http://schemas.openxmlformats.org/drawingml/2006/diagram" xmlns:p14="http://schemas.microsoft.com/office/powerpoint/2010/main" xmlns:a16="http://schemas.microsoft.com/office/drawing/2014/main" xmlns="" w="9525">
                   <a:solidFill>
                     <a:srgbClr val="000000"/>
                   </a:solidFill>
@@ -40502,7 +45091,7 @@
             </a:ln>
             <a:extLst>
               <a:ext uri="{91240B29-F687-4f45-9708-019B960494DF}">
-                <a14:hiddenLine xmlns="" xmlns:a16="http://schemas.microsoft.com/office/drawing/2014/main" xmlns:p14="http://schemas.microsoft.com/office/powerpoint/2010/main" xmlns:dgm="http://schemas.openxmlformats.org/drawingml/2006/diagram" xmlns:a14="http://schemas.microsoft.com/office/drawing/2010/main" w="9525">
+                <a14:hiddenLine xmlns:a14="http://schemas.microsoft.com/office/drawing/2010/main" xmlns:dgm="http://schemas.openxmlformats.org/drawingml/2006/diagram" xmlns:p14="http://schemas.microsoft.com/office/powerpoint/2010/main" xmlns:a16="http://schemas.microsoft.com/office/drawing/2014/main" xmlns="" w="9525">
                   <a:solidFill>
                     <a:srgbClr val="000000"/>
                   </a:solidFill>
@@ -40558,7 +45147,7 @@
             </a:ln>
             <a:extLst>
               <a:ext uri="{91240B29-F687-4f45-9708-019B960494DF}">
-                <a14:hiddenLine xmlns="" xmlns:a16="http://schemas.microsoft.com/office/drawing/2014/main" xmlns:p14="http://schemas.microsoft.com/office/powerpoint/2010/main" xmlns:dgm="http://schemas.openxmlformats.org/drawingml/2006/diagram" xmlns:a14="http://schemas.microsoft.com/office/drawing/2010/main" w="9525">
+                <a14:hiddenLine xmlns:a14="http://schemas.microsoft.com/office/drawing/2010/main" xmlns:dgm="http://schemas.openxmlformats.org/drawingml/2006/diagram" xmlns:p14="http://schemas.microsoft.com/office/powerpoint/2010/main" xmlns:a16="http://schemas.microsoft.com/office/drawing/2014/main" xmlns="" w="9525">
                   <a:solidFill>
                     <a:srgbClr val="000000"/>
                   </a:solidFill>
@@ -40645,7 +45234,7 @@
             </a:ln>
             <a:extLst>
               <a:ext uri="{91240B29-F687-4f45-9708-019B960494DF}">
-                <a14:hiddenLine xmlns="" xmlns:a16="http://schemas.microsoft.com/office/drawing/2014/main" xmlns:p14="http://schemas.microsoft.com/office/powerpoint/2010/main" xmlns:dgm="http://schemas.openxmlformats.org/drawingml/2006/diagram" xmlns:a14="http://schemas.microsoft.com/office/drawing/2010/main" w="9525">
+                <a14:hiddenLine xmlns:a14="http://schemas.microsoft.com/office/drawing/2010/main" xmlns:dgm="http://schemas.openxmlformats.org/drawingml/2006/diagram" xmlns:p14="http://schemas.microsoft.com/office/powerpoint/2010/main" xmlns:a16="http://schemas.microsoft.com/office/drawing/2014/main" xmlns="" w="9525">
                   <a:solidFill>
                     <a:srgbClr val="000000"/>
                   </a:solidFill>
@@ -40757,7 +45346,7 @@
             </a:ln>
             <a:extLst>
               <a:ext uri="{91240B29-F687-4f45-9708-019B960494DF}">
-                <a14:hiddenLine xmlns="" xmlns:a16="http://schemas.microsoft.com/office/drawing/2014/main" xmlns:p14="http://schemas.microsoft.com/office/powerpoint/2010/main" xmlns:dgm="http://schemas.openxmlformats.org/drawingml/2006/diagram" xmlns:a14="http://schemas.microsoft.com/office/drawing/2010/main" w="9525">
+                <a14:hiddenLine xmlns:a14="http://schemas.microsoft.com/office/drawing/2010/main" xmlns:dgm="http://schemas.openxmlformats.org/drawingml/2006/diagram" xmlns:p14="http://schemas.microsoft.com/office/powerpoint/2010/main" xmlns:a16="http://schemas.microsoft.com/office/drawing/2014/main" xmlns="" w="9525">
                   <a:solidFill>
                     <a:srgbClr val="000000"/>
                   </a:solidFill>
@@ -40841,7 +45430,7 @@
             </a:ln>
             <a:extLst>
               <a:ext uri="{91240B29-F687-4f45-9708-019B960494DF}">
-                <a14:hiddenLine xmlns="" xmlns:a16="http://schemas.microsoft.com/office/drawing/2014/main" xmlns:p14="http://schemas.microsoft.com/office/powerpoint/2010/main" xmlns:dgm="http://schemas.openxmlformats.org/drawingml/2006/diagram" xmlns:a14="http://schemas.microsoft.com/office/drawing/2010/main" w="9525">
+                <a14:hiddenLine xmlns:a14="http://schemas.microsoft.com/office/drawing/2010/main" xmlns:dgm="http://schemas.openxmlformats.org/drawingml/2006/diagram" xmlns:p14="http://schemas.microsoft.com/office/powerpoint/2010/main" xmlns:a16="http://schemas.microsoft.com/office/drawing/2014/main" xmlns="" w="9525">
                   <a:solidFill>
                     <a:srgbClr val="000000"/>
                   </a:solidFill>
@@ -40953,7 +45542,7 @@
             </a:ln>
             <a:extLst>
               <a:ext uri="{91240B29-F687-4f45-9708-019B960494DF}">
-                <a14:hiddenLine xmlns="" xmlns:a16="http://schemas.microsoft.com/office/drawing/2014/main" xmlns:p14="http://schemas.microsoft.com/office/powerpoint/2010/main" xmlns:dgm="http://schemas.openxmlformats.org/drawingml/2006/diagram" xmlns:a14="http://schemas.microsoft.com/office/drawing/2010/main" w="9525">
+                <a14:hiddenLine xmlns:a14="http://schemas.microsoft.com/office/drawing/2010/main" xmlns:dgm="http://schemas.openxmlformats.org/drawingml/2006/diagram" xmlns:p14="http://schemas.microsoft.com/office/powerpoint/2010/main" xmlns:a16="http://schemas.microsoft.com/office/drawing/2014/main" xmlns="" w="9525">
                   <a:solidFill>
                     <a:srgbClr val="000000"/>
                   </a:solidFill>
@@ -41040,7 +45629,7 @@
             </a:ln>
             <a:extLst>
               <a:ext uri="{91240B29-F687-4f45-9708-019B960494DF}">
-                <a14:hiddenLine xmlns="" xmlns:a16="http://schemas.microsoft.com/office/drawing/2014/main" xmlns:p14="http://schemas.microsoft.com/office/powerpoint/2010/main" xmlns:dgm="http://schemas.openxmlformats.org/drawingml/2006/diagram" xmlns:a14="http://schemas.microsoft.com/office/drawing/2010/main" w="9525">
+                <a14:hiddenLine xmlns:a14="http://schemas.microsoft.com/office/drawing/2010/main" xmlns:dgm="http://schemas.openxmlformats.org/drawingml/2006/diagram" xmlns:p14="http://schemas.microsoft.com/office/powerpoint/2010/main" xmlns:a16="http://schemas.microsoft.com/office/drawing/2014/main" xmlns="" w="9525">
                   <a:solidFill>
                     <a:srgbClr val="000000"/>
                   </a:solidFill>
@@ -41124,7 +45713,7 @@
             </a:ln>
             <a:extLst>
               <a:ext uri="{91240B29-F687-4f45-9708-019B960494DF}">
-                <a14:hiddenLine xmlns="" xmlns:a16="http://schemas.microsoft.com/office/drawing/2014/main" xmlns:p14="http://schemas.microsoft.com/office/powerpoint/2010/main" xmlns:dgm="http://schemas.openxmlformats.org/drawingml/2006/diagram" xmlns:a14="http://schemas.microsoft.com/office/drawing/2010/main" w="9525">
+                <a14:hiddenLine xmlns:a14="http://schemas.microsoft.com/office/drawing/2010/main" xmlns:dgm="http://schemas.openxmlformats.org/drawingml/2006/diagram" xmlns:p14="http://schemas.microsoft.com/office/powerpoint/2010/main" xmlns:a16="http://schemas.microsoft.com/office/drawing/2014/main" xmlns="" w="9525">
                   <a:solidFill>
                     <a:srgbClr val="000000"/>
                   </a:solidFill>
@@ -41236,7 +45825,7 @@
             </a:ln>
             <a:extLst>
               <a:ext uri="{91240B29-F687-4f45-9708-019B960494DF}">
-                <a14:hiddenLine xmlns="" xmlns:a16="http://schemas.microsoft.com/office/drawing/2014/main" xmlns:p14="http://schemas.microsoft.com/office/powerpoint/2010/main" xmlns:dgm="http://schemas.openxmlformats.org/drawingml/2006/diagram" xmlns:a14="http://schemas.microsoft.com/office/drawing/2010/main" w="9525">
+                <a14:hiddenLine xmlns:a14="http://schemas.microsoft.com/office/drawing/2010/main" xmlns:dgm="http://schemas.openxmlformats.org/drawingml/2006/diagram" xmlns:p14="http://schemas.microsoft.com/office/powerpoint/2010/main" xmlns:a16="http://schemas.microsoft.com/office/drawing/2014/main" xmlns="" w="9525">
                   <a:solidFill>
                     <a:srgbClr val="000000"/>
                   </a:solidFill>
@@ -41348,7 +45937,7 @@
             </a:ln>
             <a:extLst>
               <a:ext uri="{91240B29-F687-4f45-9708-019B960494DF}">
-                <a14:hiddenLine xmlns="" xmlns:a16="http://schemas.microsoft.com/office/drawing/2014/main" xmlns:p14="http://schemas.microsoft.com/office/powerpoint/2010/main" xmlns:dgm="http://schemas.openxmlformats.org/drawingml/2006/diagram" xmlns:a14="http://schemas.microsoft.com/office/drawing/2010/main" w="9525">
+                <a14:hiddenLine xmlns:a14="http://schemas.microsoft.com/office/drawing/2010/main" xmlns:dgm="http://schemas.openxmlformats.org/drawingml/2006/diagram" xmlns:p14="http://schemas.microsoft.com/office/powerpoint/2010/main" xmlns:a16="http://schemas.microsoft.com/office/drawing/2014/main" xmlns="" w="9525">
                   <a:solidFill>
                     <a:srgbClr val="000000"/>
                   </a:solidFill>
@@ -41435,7 +46024,7 @@
             </a:ln>
             <a:extLst>
               <a:ext uri="{91240B29-F687-4f45-9708-019B960494DF}">
-                <a14:hiddenLine xmlns="" xmlns:a16="http://schemas.microsoft.com/office/drawing/2014/main" xmlns:p14="http://schemas.microsoft.com/office/powerpoint/2010/main" xmlns:dgm="http://schemas.openxmlformats.org/drawingml/2006/diagram" xmlns:a14="http://schemas.microsoft.com/office/drawing/2010/main" w="9525">
+                <a14:hiddenLine xmlns:a14="http://schemas.microsoft.com/office/drawing/2010/main" xmlns:dgm="http://schemas.openxmlformats.org/drawingml/2006/diagram" xmlns:p14="http://schemas.microsoft.com/office/powerpoint/2010/main" xmlns:a16="http://schemas.microsoft.com/office/drawing/2014/main" xmlns="" w="9525">
                   <a:solidFill>
                     <a:srgbClr val="000000"/>
                   </a:solidFill>
@@ -41577,7 +46166,7 @@
             </a:ln>
             <a:extLst>
               <a:ext uri="{91240B29-F687-4f45-9708-019B960494DF}">
-                <a14:hiddenLine xmlns="" xmlns:a16="http://schemas.microsoft.com/office/drawing/2014/main" xmlns:p14="http://schemas.microsoft.com/office/powerpoint/2010/main" xmlns:dgm="http://schemas.openxmlformats.org/drawingml/2006/diagram" xmlns:a14="http://schemas.microsoft.com/office/drawing/2010/main" w="9525">
+                <a14:hiddenLine xmlns:a14="http://schemas.microsoft.com/office/drawing/2010/main" xmlns:dgm="http://schemas.openxmlformats.org/drawingml/2006/diagram" xmlns:p14="http://schemas.microsoft.com/office/powerpoint/2010/main" xmlns:a16="http://schemas.microsoft.com/office/drawing/2014/main" xmlns="" w="9525">
                   <a:solidFill>
                     <a:srgbClr val="000000"/>
                   </a:solidFill>
@@ -41645,7 +46234,7 @@
           <a:noFill/>
           <a:extLst>
             <a:ext uri="{909E8E84-426E-40dd-AFC4-6F175D3DCCD1}">
-              <a14:hiddenFill xmlns="" xmlns:a16="http://schemas.microsoft.com/office/drawing/2014/main" xmlns:p14="http://schemas.microsoft.com/office/powerpoint/2010/main" xmlns:dgm="http://schemas.openxmlformats.org/drawingml/2006/diagram" xmlns:a14="http://schemas.microsoft.com/office/drawing/2010/main">
+              <a14:hiddenFill xmlns:a14="http://schemas.microsoft.com/office/drawing/2010/main" xmlns:dgm="http://schemas.openxmlformats.org/drawingml/2006/diagram" xmlns:p14="http://schemas.microsoft.com/office/powerpoint/2010/main" xmlns:a16="http://schemas.microsoft.com/office/drawing/2014/main" xmlns="">
                 <a:solidFill>
                   <a:srgbClr val="FFFFFF"/>
                 </a:solidFill>
@@ -41912,6 +46501,264 @@
           <p:cNvPr id="2" name="Title 1">
             <a:extLst>
               <a:ext uri="{FF2B5EF4-FFF2-40B4-BE49-F238E27FC236}">
+                <a16:creationId xmlns:a16="http://schemas.microsoft.com/office/drawing/2014/main" id="{E4C6881E-B606-6647-4933-97880527513B}"/>
+              </a:ext>
+            </a:extLst>
+          </p:cNvPr>
+          <p:cNvSpPr>
+            <a:spLocks noGrp="1"/>
+          </p:cNvSpPr>
+          <p:nvPr>
+            <p:ph type="title"/>
+          </p:nvPr>
+        </p:nvSpPr>
+        <p:spPr/>
+        <p:txBody>
+          <a:bodyPr/>
+          <a:lstStyle/>
+          <a:p>
+            <a:r>
+              <a:rPr lang="en-US" dirty="0"/>
+              <a:t>The analysis </a:t>
+            </a:r>
+          </a:p>
+        </p:txBody>
+      </p:sp>
+      <p:sp>
+        <p:nvSpPr>
+          <p:cNvPr id="3" name="Content Placeholder 2">
+            <a:extLst>
+              <a:ext uri="{FF2B5EF4-FFF2-40B4-BE49-F238E27FC236}">
+                <a16:creationId xmlns:a16="http://schemas.microsoft.com/office/drawing/2014/main" id="{4210DC43-BC2E-A5FF-3E2C-E7E046676C01}"/>
+              </a:ext>
+            </a:extLst>
+          </p:cNvPr>
+          <p:cNvSpPr>
+            <a:spLocks noGrp="1"/>
+          </p:cNvSpPr>
+          <p:nvPr>
+            <p:ph idx="1"/>
+          </p:nvPr>
+        </p:nvSpPr>
+        <p:spPr/>
+        <p:txBody>
+          <a:bodyPr>
+            <a:normAutofit fontScale="92500" lnSpcReduction="10000"/>
+          </a:bodyPr>
+          <a:lstStyle/>
+          <a:p>
+            <a:r>
+              <a:rPr lang="en-US" dirty="0"/>
+              <a:t>Meat Analysis </a:t>
+            </a:r>
+          </a:p>
+          <a:p>
+            <a:r>
+              <a:rPr lang="en-US" dirty="0"/>
+              <a:t>Climate Analysis </a:t>
+            </a:r>
+          </a:p>
+          <a:p>
+            <a:r>
+              <a:rPr lang="en-US" dirty="0"/>
+              <a:t>Poultry Analysis </a:t>
+            </a:r>
+          </a:p>
+          <a:p>
+            <a:r>
+              <a:rPr lang="en-US" dirty="0"/>
+              <a:t>Methane Analysis</a:t>
+            </a:r>
+          </a:p>
+          <a:p>
+            <a:r>
+              <a:rPr lang="en-US" dirty="0"/>
+              <a:t>CO2 Analysis </a:t>
+            </a:r>
+          </a:p>
+          <a:p>
+            <a:r>
+              <a:rPr lang="en-US" dirty="0"/>
+              <a:t>Temperature Analysis</a:t>
+            </a:r>
+          </a:p>
+          <a:p>
+            <a:r>
+              <a:rPr lang="en-US" dirty="0"/>
+              <a:t>Crop Analysis</a:t>
+            </a:r>
+          </a:p>
+          <a:p>
+            <a:endParaRPr lang="en-US" dirty="0"/>
+          </a:p>
+        </p:txBody>
+      </p:sp>
+    </p:spTree>
+    <p:extLst>
+      <p:ext uri="{BB962C8B-B14F-4D97-AF65-F5344CB8AC3E}">
+        <p14:creationId xmlns:p14="http://schemas.microsoft.com/office/powerpoint/2010/main" val="2259730409"/>
+      </p:ext>
+    </p:extLst>
+  </p:cSld>
+  <p:clrMapOvr>
+    <a:masterClrMapping/>
+  </p:clrMapOvr>
+</p:sld>
+</file>
+
+<file path=ppt/slides/slide5.xml><?xml version="1.0" encoding="utf-8"?>
+<p:sld xmlns:a="http://schemas.openxmlformats.org/drawingml/2006/main" xmlns:r="http://schemas.openxmlformats.org/officeDocument/2006/relationships" xmlns:p="http://schemas.openxmlformats.org/presentationml/2006/main">
+  <p:cSld>
+    <p:spTree>
+      <p:nvGrpSpPr>
+        <p:cNvPr id="1" name=""/>
+        <p:cNvGrpSpPr/>
+        <p:nvPr/>
+      </p:nvGrpSpPr>
+      <p:grpSpPr>
+        <a:xfrm>
+          <a:off x="0" y="0"/>
+          <a:ext cx="0" cy="0"/>
+          <a:chOff x="0" y="0"/>
+          <a:chExt cx="0" cy="0"/>
+        </a:xfrm>
+      </p:grpSpPr>
+      <p:sp>
+        <p:nvSpPr>
+          <p:cNvPr id="2" name="Title 1">
+            <a:extLst>
+              <a:ext uri="{FF2B5EF4-FFF2-40B4-BE49-F238E27FC236}">
+                <a16:creationId xmlns:a16="http://schemas.microsoft.com/office/drawing/2014/main" id="{ECE0A9A2-32B9-4A7A-C3D5-E4FEE63B5CFF}"/>
+              </a:ext>
+            </a:extLst>
+          </p:cNvPr>
+          <p:cNvSpPr>
+            <a:spLocks noGrp="1"/>
+          </p:cNvSpPr>
+          <p:nvPr>
+            <p:ph type="title"/>
+          </p:nvPr>
+        </p:nvSpPr>
+        <p:spPr/>
+        <p:txBody>
+          <a:bodyPr/>
+          <a:lstStyle/>
+          <a:p>
+            <a:r>
+              <a:rPr lang="en-US" dirty="0"/>
+              <a:t>Data Exploration &amp; Cleaning </a:t>
+            </a:r>
+          </a:p>
+        </p:txBody>
+      </p:sp>
+      <p:sp>
+        <p:nvSpPr>
+          <p:cNvPr id="3" name="Content Placeholder 2">
+            <a:extLst>
+              <a:ext uri="{FF2B5EF4-FFF2-40B4-BE49-F238E27FC236}">
+                <a16:creationId xmlns:a16="http://schemas.microsoft.com/office/drawing/2014/main" id="{CFA54208-01B8-DC1A-0977-37889B7FE0E6}"/>
+              </a:ext>
+            </a:extLst>
+          </p:cNvPr>
+          <p:cNvSpPr>
+            <a:spLocks noGrp="1"/>
+          </p:cNvSpPr>
+          <p:nvPr>
+            <p:ph idx="1"/>
+          </p:nvPr>
+        </p:nvSpPr>
+        <p:spPr/>
+        <p:txBody>
+          <a:bodyPr/>
+          <a:lstStyle/>
+          <a:p>
+            <a:r>
+              <a:rPr lang="en-US" dirty="0"/>
+              <a:t>We used data from Kaggle.com, </a:t>
+            </a:r>
+            <a:r>
+              <a:rPr lang="en-US" dirty="0" err="1"/>
+              <a:t>data.world</a:t>
+            </a:r>
+            <a:r>
+              <a:rPr lang="en-US" dirty="0"/>
+              <a:t>, epa.gov, climate.gov</a:t>
+            </a:r>
+          </a:p>
+          <a:p>
+            <a:r>
+              <a:rPr lang="en-US" dirty="0"/>
+              <a:t>Used SQL to add the CSV to the database and then transported them to CSV to python. </a:t>
+            </a:r>
+          </a:p>
+          <a:p>
+            <a:r>
+              <a:rPr lang="en-US" dirty="0"/>
+              <a:t>We used panda to plot </a:t>
+            </a:r>
+          </a:p>
+          <a:p>
+            <a:r>
+              <a:rPr lang="en-US" dirty="0"/>
+              <a:t>For our new pandas we used the seaborn and </a:t>
+            </a:r>
+            <a:r>
+              <a:rPr lang="en-US" dirty="0" err="1"/>
+              <a:t>plotly</a:t>
+            </a:r>
+            <a:endParaRPr lang="en-US" dirty="0"/>
+          </a:p>
+          <a:p>
+            <a:r>
+              <a:rPr lang="en-US" dirty="0"/>
+              <a:t>We also have interactive plots using </a:t>
+            </a:r>
+            <a:r>
+              <a:rPr lang="en-US" dirty="0" err="1"/>
+              <a:t>plotly</a:t>
+            </a:r>
+            <a:endParaRPr lang="en-US" dirty="0"/>
+          </a:p>
+          <a:p>
+            <a:endParaRPr lang="en-US" dirty="0"/>
+          </a:p>
+        </p:txBody>
+      </p:sp>
+    </p:spTree>
+    <p:extLst>
+      <p:ext uri="{BB962C8B-B14F-4D97-AF65-F5344CB8AC3E}">
+        <p14:creationId xmlns:p14="http://schemas.microsoft.com/office/powerpoint/2010/main" val="81065473"/>
+      </p:ext>
+    </p:extLst>
+  </p:cSld>
+  <p:clrMapOvr>
+    <a:masterClrMapping/>
+  </p:clrMapOvr>
+</p:sld>
+</file>
+
+<file path=ppt/slides/slide6.xml><?xml version="1.0" encoding="utf-8"?>
+<p:sld xmlns:a="http://schemas.openxmlformats.org/drawingml/2006/main" xmlns:r="http://schemas.openxmlformats.org/officeDocument/2006/relationships" xmlns:p="http://schemas.openxmlformats.org/presentationml/2006/main">
+  <p:cSld>
+    <p:spTree>
+      <p:nvGrpSpPr>
+        <p:cNvPr id="1" name=""/>
+        <p:cNvGrpSpPr/>
+        <p:nvPr/>
+      </p:nvGrpSpPr>
+      <p:grpSpPr>
+        <a:xfrm>
+          <a:off x="0" y="0"/>
+          <a:ext cx="0" cy="0"/>
+          <a:chOff x="0" y="0"/>
+          <a:chExt cx="0" cy="0"/>
+        </a:xfrm>
+      </p:grpSpPr>
+      <p:sp>
+        <p:nvSpPr>
+          <p:cNvPr id="2" name="Title 1">
+            <a:extLst>
+              <a:ext uri="{FF2B5EF4-FFF2-40B4-BE49-F238E27FC236}">
                 <a16:creationId xmlns:a16="http://schemas.microsoft.com/office/drawing/2014/main" id="{0EA29FB3-D845-D54B-CF29-CD87AA250483}"/>
               </a:ext>
             </a:extLst>
@@ -42004,7 +46851,7 @@
 </p:sld>
 </file>
 
-<file path=ppt/slides/slide5.xml><?xml version="1.0" encoding="utf-8"?>
+<file path=ppt/slides/slide7.xml><?xml version="1.0" encoding="utf-8"?>
 <p:sld xmlns:a="http://schemas.openxmlformats.org/drawingml/2006/main" xmlns:r="http://schemas.openxmlformats.org/officeDocument/2006/relationships" xmlns:p="http://schemas.openxmlformats.org/presentationml/2006/main">
   <p:cSld>
     <p:spTree>
@@ -42246,7 +47093,7 @@
 </p:sld>
 </file>
 
-<file path=ppt/slides/slide6.xml><?xml version="1.0" encoding="utf-8"?>
+<file path=ppt/slides/slide8.xml><?xml version="1.0" encoding="utf-8"?>
 <p:sld xmlns:a="http://schemas.openxmlformats.org/drawingml/2006/main" xmlns:r="http://schemas.openxmlformats.org/officeDocument/2006/relationships" xmlns:p="http://schemas.openxmlformats.org/presentationml/2006/main">
   <p:cSld>
     <p:spTree>
@@ -42382,7 +47229,7 @@
 </p:sld>
 </file>
 
-<file path=ppt/slides/slide7.xml><?xml version="1.0" encoding="utf-8"?>
+<file path=ppt/slides/slide9.xml><?xml version="1.0" encoding="utf-8"?>
 <p:sld xmlns:a="http://schemas.openxmlformats.org/drawingml/2006/main" xmlns:r="http://schemas.openxmlformats.org/officeDocument/2006/relationships" xmlns:p="http://schemas.openxmlformats.org/presentationml/2006/main">
   <p:cSld>
     <p:spTree>
@@ -42478,232 +47325,6 @@
     <p:extLst>
       <p:ext uri="{BB962C8B-B14F-4D97-AF65-F5344CB8AC3E}">
         <p14:creationId xmlns:p14="http://schemas.microsoft.com/office/powerpoint/2010/main" val="2529338794"/>
-      </p:ext>
-    </p:extLst>
-  </p:cSld>
-  <p:clrMapOvr>
-    <a:masterClrMapping/>
-  </p:clrMapOvr>
-</p:sld>
-</file>
-
-<file path=ppt/slides/slide8.xml><?xml version="1.0" encoding="utf-8"?>
-<p:sld xmlns:a="http://schemas.openxmlformats.org/drawingml/2006/main" xmlns:r="http://schemas.openxmlformats.org/officeDocument/2006/relationships" xmlns:p="http://schemas.openxmlformats.org/presentationml/2006/main">
-  <p:cSld>
-    <p:spTree>
-      <p:nvGrpSpPr>
-        <p:cNvPr id="1" name=""/>
-        <p:cNvGrpSpPr/>
-        <p:nvPr/>
-      </p:nvGrpSpPr>
-      <p:grpSpPr>
-        <a:xfrm>
-          <a:off x="0" y="0"/>
-          <a:ext cx="0" cy="0"/>
-          <a:chOff x="0" y="0"/>
-          <a:chExt cx="0" cy="0"/>
-        </a:xfrm>
-      </p:grpSpPr>
-      <p:sp>
-        <p:nvSpPr>
-          <p:cNvPr id="2" name="Title 1">
-            <a:extLst>
-              <a:ext uri="{FF2B5EF4-FFF2-40B4-BE49-F238E27FC236}">
-                <a16:creationId xmlns:a16="http://schemas.microsoft.com/office/drawing/2014/main" id="{12EAA093-E00B-31E9-0A13-71142E30E57C}"/>
-              </a:ext>
-            </a:extLst>
-          </p:cNvPr>
-          <p:cNvSpPr>
-            <a:spLocks noGrp="1"/>
-          </p:cNvSpPr>
-          <p:nvPr>
-            <p:ph type="ctrTitle"/>
-          </p:nvPr>
-        </p:nvSpPr>
-        <p:spPr>
-          <a:xfrm>
-            <a:off x="1167493" y="524656"/>
-            <a:ext cx="10045149" cy="1229194"/>
-          </a:xfrm>
-        </p:spPr>
-        <p:txBody>
-          <a:bodyPr/>
-          <a:lstStyle/>
-          <a:p>
-            <a:r>
-              <a:rPr lang="en-US" dirty="0"/>
-              <a:t>Vulnerable Regions:</a:t>
-            </a:r>
-          </a:p>
-        </p:txBody>
-      </p:sp>
-      <p:sp>
-        <p:nvSpPr>
-          <p:cNvPr id="3" name="Subtitle 2">
-            <a:extLst>
-              <a:ext uri="{FF2B5EF4-FFF2-40B4-BE49-F238E27FC236}">
-                <a16:creationId xmlns:a16="http://schemas.microsoft.com/office/drawing/2014/main" id="{C62C8177-F0B6-B02C-3682-183D8307E999}"/>
-              </a:ext>
-            </a:extLst>
-          </p:cNvPr>
-          <p:cNvSpPr>
-            <a:spLocks noGrp="1"/>
-          </p:cNvSpPr>
-          <p:nvPr>
-            <p:ph type="subTitle" idx="1"/>
-          </p:nvPr>
-        </p:nvSpPr>
-        <p:spPr/>
-        <p:txBody>
-          <a:bodyPr/>
-          <a:lstStyle/>
-          <a:p>
-            <a:r>
-              <a:rPr lang="en-US" dirty="0"/>
-              <a:t>What areas are more affected </a:t>
-            </a:r>
-          </a:p>
-          <a:p>
-            <a:r>
-              <a:rPr lang="en-US" dirty="0"/>
-              <a:t>Regions</a:t>
-            </a:r>
-          </a:p>
-        </p:txBody>
-      </p:sp>
-    </p:spTree>
-    <p:extLst>
-      <p:ext uri="{BB962C8B-B14F-4D97-AF65-F5344CB8AC3E}">
-        <p14:creationId xmlns:p14="http://schemas.microsoft.com/office/powerpoint/2010/main" val="4117153350"/>
-      </p:ext>
-    </p:extLst>
-  </p:cSld>
-  <p:clrMapOvr>
-    <a:masterClrMapping/>
-  </p:clrMapOvr>
-</p:sld>
-</file>
-
-<file path=ppt/slides/slide9.xml><?xml version="1.0" encoding="utf-8"?>
-<p:sld xmlns:a="http://schemas.openxmlformats.org/drawingml/2006/main" xmlns:r="http://schemas.openxmlformats.org/officeDocument/2006/relationships" xmlns:p="http://schemas.openxmlformats.org/presentationml/2006/main">
-  <p:cSld>
-    <p:spTree>
-      <p:nvGrpSpPr>
-        <p:cNvPr id="1" name=""/>
-        <p:cNvGrpSpPr/>
-        <p:nvPr/>
-      </p:nvGrpSpPr>
-      <p:grpSpPr>
-        <a:xfrm>
-          <a:off x="0" y="0"/>
-          <a:ext cx="0" cy="0"/>
-          <a:chOff x="0" y="0"/>
-          <a:chExt cx="0" cy="0"/>
-        </a:xfrm>
-      </p:grpSpPr>
-      <p:sp>
-        <p:nvSpPr>
-          <p:cNvPr id="6" name="Title 5">
-            <a:extLst>
-              <a:ext uri="{FF2B5EF4-FFF2-40B4-BE49-F238E27FC236}">
-                <a16:creationId xmlns:a16="http://schemas.microsoft.com/office/drawing/2014/main" id="{EDF9E134-98AA-3ECE-E40A-180C85ACD7D5}"/>
-              </a:ext>
-            </a:extLst>
-          </p:cNvPr>
-          <p:cNvSpPr>
-            <a:spLocks noGrp="1"/>
-          </p:cNvSpPr>
-          <p:nvPr>
-            <p:ph type="title"/>
-          </p:nvPr>
-        </p:nvSpPr>
-        <p:spPr/>
-        <p:txBody>
-          <a:bodyPr/>
-          <a:lstStyle/>
-          <a:p>
-            <a:r>
-              <a:rPr lang="en-US" dirty="0"/>
-              <a:t>Global Efforts to Address Climate Change</a:t>
-            </a:r>
-          </a:p>
-        </p:txBody>
-      </p:sp>
-      <p:sp>
-        <p:nvSpPr>
-          <p:cNvPr id="3" name="Content Placeholder 2">
-            <a:extLst>
-              <a:ext uri="{FF2B5EF4-FFF2-40B4-BE49-F238E27FC236}">
-                <a16:creationId xmlns:a16="http://schemas.microsoft.com/office/drawing/2014/main" id="{D1455C0B-19FB-954B-532A-0A68CAC4E0E4}"/>
-              </a:ext>
-            </a:extLst>
-          </p:cNvPr>
-          <p:cNvSpPr>
-            <a:spLocks noGrp="1"/>
-          </p:cNvSpPr>
-          <p:nvPr>
-            <p:ph idx="1"/>
-          </p:nvPr>
-        </p:nvSpPr>
-        <p:spPr/>
-        <p:txBody>
-          <a:bodyPr/>
-          <a:lstStyle/>
-          <a:p>
-            <a:r>
-              <a:rPr lang="en-US" dirty="0"/>
-              <a:t>International agreements (e.g., Paris Agreement)</a:t>
-            </a:r>
-          </a:p>
-          <a:p>
-            <a:r>
-              <a:rPr lang="en-US" dirty="0"/>
-              <a:t>National policies and initiatives</a:t>
-            </a:r>
-          </a:p>
-          <a:p>
-            <a:r>
-              <a:rPr lang="en-US" dirty="0"/>
-              <a:t>Role of renewable energy</a:t>
-            </a:r>
-          </a:p>
-          <a:p>
-            <a:r>
-              <a:rPr lang="en-US" dirty="0"/>
-              <a:t>Adaptation strategies</a:t>
-            </a:r>
-          </a:p>
-        </p:txBody>
-      </p:sp>
-      <p:sp>
-        <p:nvSpPr>
-          <p:cNvPr id="4" name="Content Placeholder 3">
-            <a:extLst>
-              <a:ext uri="{FF2B5EF4-FFF2-40B4-BE49-F238E27FC236}">
-                <a16:creationId xmlns:a16="http://schemas.microsoft.com/office/drawing/2014/main" id="{DBA34351-9D9C-8C32-5CC0-3F19A1CAC037}"/>
-              </a:ext>
-            </a:extLst>
-          </p:cNvPr>
-          <p:cNvSpPr>
-            <a:spLocks noGrp="1"/>
-          </p:cNvSpPr>
-          <p:nvPr>
-            <p:ph idx="10"/>
-          </p:nvPr>
-        </p:nvSpPr>
-        <p:spPr/>
-        <p:txBody>
-          <a:bodyPr/>
-          <a:lstStyle/>
-          <a:p>
-            <a:endParaRPr lang="en-US" dirty="0"/>
-          </a:p>
-        </p:txBody>
-      </p:sp>
-    </p:spTree>
-    <p:extLst>
-      <p:ext uri="{BB962C8B-B14F-4D97-AF65-F5344CB8AC3E}">
-        <p14:creationId xmlns:p14="http://schemas.microsoft.com/office/powerpoint/2010/main" val="1265939620"/>
       </p:ext>
     </p:extLst>
   </p:cSld>
@@ -43555,6 +48176,15 @@
 </file>
 
 <file path=customXml/item1.xml><?xml version="1.0" encoding="utf-8"?>
+<?mso-contentType ?>
+<FormTemplates xmlns="http://schemas.microsoft.com/sharepoint/v3/contenttype/forms">
+  <Display>DocumentLibraryForm</Display>
+  <Edit>DocumentLibraryForm</Edit>
+  <New>DocumentLibraryForm</New>
+</FormTemplates>
+</file>
+
+<file path=customXml/item2.xml><?xml version="1.0" encoding="utf-8"?>
 <ct:contentTypeSchema xmlns:ct="http://schemas.microsoft.com/office/2006/metadata/contentType" xmlns:ma="http://schemas.microsoft.com/office/2006/metadata/properties/metaAttributes" ct:_="" ma:_="" ma:contentTypeName="Document" ma:contentTypeID="0x01010079F111ED35F8CC479449609E8A0923A6" ma:contentTypeVersion="28" ma:contentTypeDescription="Create a new document." ma:contentTypeScope="" ma:versionID="60f5a4f2d2b0abadcf532d48ebf9cb71">
   <xsd:schema xmlns:xsd="http://www.w3.org/2001/XMLSchema" xmlns:xs="http://www.w3.org/2001/XMLSchema" xmlns:p="http://schemas.microsoft.com/office/2006/metadata/properties" xmlns:ns1="http://schemas.microsoft.com/sharepoint/v3" xmlns:ns2="71af3243-3dd4-4a8d-8c0d-dd76da1f02a5" xmlns:ns3="16c05727-aa75-4e4a-9b5f-8a80a1165891" xmlns:ns4="230e9df3-be65-4c73-a93b-d1236ebd677e" targetNamespace="http://schemas.microsoft.com/office/2006/metadata/properties" ma:root="true" ma:fieldsID="7dd78129e6a1811f84807ad11c651531" ns1:_="" ns2:_="" ns3:_="" ns4:_="">
     <xsd:import namespace="http://schemas.microsoft.com/sharepoint/v3"/>
@@ -43866,15 +48496,6 @@
 </ct:contentTypeSchema>
 </file>
 
-<file path=customXml/item2.xml><?xml version="1.0" encoding="utf-8"?>
-<?mso-contentType ?>
-<FormTemplates xmlns="http://schemas.microsoft.com/sharepoint/v3/contenttype/forms">
-  <Display>DocumentLibraryForm</Display>
-  <Edit>DocumentLibraryForm</Edit>
-  <New>DocumentLibraryForm</New>
-</FormTemplates>
-</file>
-
 <file path=customXml/item3.xml><?xml version="1.0" encoding="utf-8"?>
 <p:properties xmlns:p="http://schemas.microsoft.com/office/2006/metadata/properties" xmlns:xsi="http://www.w3.org/2001/XMLSchema-instance" xmlns:pc="http://schemas.microsoft.com/office/infopath/2007/PartnerControls">
   <documentManagement>
@@ -43896,6 +48517,14 @@
 </file>
 
 <file path=customXml/itemProps1.xml><?xml version="1.0" encoding="utf-8"?>
+<ds:datastoreItem xmlns:ds="http://schemas.openxmlformats.org/officeDocument/2006/customXml" ds:itemID="{45A8381C-73EB-48EA-B45F-7B7C8C7DF409}">
+  <ds:schemaRefs>
+    <ds:schemaRef ds:uri="http://schemas.microsoft.com/sharepoint/v3/contenttype/forms"/>
+  </ds:schemaRefs>
+</ds:datastoreItem>
+</file>
+
+<file path=customXml/itemProps2.xml><?xml version="1.0" encoding="utf-8"?>
 <ds:datastoreItem xmlns:ds="http://schemas.openxmlformats.org/officeDocument/2006/customXml" ds:itemID="{5AA6A711-2C3F-4EC0-B88B-62D740851176}">
   <ds:schemaRefs>
     <ds:schemaRef ds:uri="http://schemas.microsoft.com/office/2006/metadata/contentType"/>
@@ -43916,14 +48545,6 @@
 </ds:datastoreItem>
 </file>
 
-<file path=customXml/itemProps2.xml><?xml version="1.0" encoding="utf-8"?>
-<ds:datastoreItem xmlns:ds="http://schemas.openxmlformats.org/officeDocument/2006/customXml" ds:itemID="{45A8381C-73EB-48EA-B45F-7B7C8C7DF409}">
-  <ds:schemaRefs>
-    <ds:schemaRef ds:uri="http://schemas.microsoft.com/sharepoint/v3/contenttype/forms"/>
-  </ds:schemaRefs>
-</ds:datastoreItem>
-</file>
-
 <file path=customXml/itemProps3.xml><?xml version="1.0" encoding="utf-8"?>
 <ds:datastoreItem xmlns:ds="http://schemas.openxmlformats.org/officeDocument/2006/customXml" ds:itemID="{61E98C35-9ECE-4425-BCBA-00E118C705CE}">
   <ds:schemaRefs>

--- a/Understanding Global Climate Change.pptx
+++ b/Understanding Global Climate Change.pptx
@@ -20,7 +20,7 @@
     <p:sldId id="305" r:id="rId11"/>
     <p:sldId id="288" r:id="rId12"/>
     <p:sldId id="289" r:id="rId13"/>
-    <p:sldId id="297" r:id="rId14"/>
+    <p:sldId id="311" r:id="rId14"/>
     <p:sldId id="290" r:id="rId15"/>
     <p:sldId id="291" r:id="rId16"/>
     <p:sldId id="294" r:id="rId17"/>
@@ -142,7 +142,7 @@
             <p14:sldId id="305"/>
             <p14:sldId id="288"/>
             <p14:sldId id="289"/>
-            <p14:sldId id="297"/>
+            <p14:sldId id="311"/>
             <p14:sldId id="290"/>
             <p14:sldId id="291"/>
             <p14:sldId id="294"/>
@@ -4395,6 +4395,66 @@
           <a:bodyPr/>
           <a:lstStyle/>
           <a:p>
+            <a:r>
+              <a:rPr lang="en-US" dirty="0"/>
+              <a:t>Using the global Warming Impact Score scientist are able to know which countries have high scores </a:t>
+            </a:r>
+          </a:p>
+          <a:p>
+            <a:endParaRPr lang="en-US" dirty="0"/>
+          </a:p>
+          <a:p>
+            <a:r>
+              <a:rPr lang="en-US" dirty="0"/>
+              <a:t>Top 5 bottom countries </a:t>
+            </a:r>
+          </a:p>
+          <a:p>
+            <a:r>
+              <a:rPr lang="en-US" dirty="0"/>
+              <a:t>Afghanistan- The country has been hit by drought for 3 consecutive years which, combined with heavy flooding, has further reduced food production and rendered 23 million people highly food insecure.</a:t>
+            </a:r>
+          </a:p>
+          <a:p>
+            <a:endParaRPr lang="en-US" dirty="0"/>
+          </a:p>
+          <a:p>
+            <a:r>
+              <a:rPr lang="en-US" dirty="0"/>
+              <a:t>Mozambique--Mozambique’s 2,300 km coastline makes it highly vulnerable to cyclones, flooding, and rising sea levels resulting in soil salinization and loss of land. According to the INFORM Climate Change Risk Index, it is the 9th most vulnerable country to climate-related hazards such as heatwaves, droughts, and floods. Mozambique was hit by the devastating Cyclone Freddy in March 2023, which caused displacement of more than 20,000 people and destruction of significant infrastructure.</a:t>
+            </a:r>
+          </a:p>
+          <a:p>
+            <a:endParaRPr lang="en-US" dirty="0"/>
+          </a:p>
+          <a:p>
+            <a:r>
+              <a:rPr lang="en-US" dirty="0"/>
+              <a:t>Myanmar---Myanmar has been affected by at least 57 natural disasters caused by global warming since 2000, that have caused more than 7,000 deaths per year on average and an economic loss of $1.5 billion. In May 2023, the country got hit by Cyclone Mocha, the strongest cyclone ever recorded in the North Indian Ocean, that left 250,000 people in dire need of food and shelter.</a:t>
+            </a:r>
+          </a:p>
+          <a:p>
+            <a:endParaRPr lang="en-US" dirty="0"/>
+          </a:p>
+          <a:p>
+            <a:r>
+              <a:rPr lang="en-US" dirty="0"/>
+              <a:t>Pakistan ---One of the worst impacts of global warming and climate change was the devastating monsoon floods experienced by Pakistan in 2022 that impacted the lives and livelihoods of 33 million people, destroyed 4.4 million acres of agricultural land, and killed 800,000 livestock. With increasing temperatures and rapidly melting glaciers, the country is also set to experience periods of drought which could cause more than 14.6 million people to fall prey to acute hunger.</a:t>
+            </a:r>
+          </a:p>
+          <a:p>
+            <a:endParaRPr lang="en-US" dirty="0"/>
+          </a:p>
+          <a:p>
+            <a:r>
+              <a:rPr lang="en-US" dirty="0"/>
+              <a:t>Haiti-- ranks 17th on the Ecological Threat Report (ETR)’s list of countries that are most threatened by climate-related catastrophes. It has been hit by 80 such events since 2000 and has suffered an economic loss of $392 million. It has recently received assistance of $22.4 million from the Green Climate Fund for building climate resilience through reforestation and flood management.</a:t>
+            </a:r>
+          </a:p>
+          <a:p>
+            <a:endParaRPr lang="en-US" dirty="0"/>
+          </a:p>
+          <a:p>
             <a:endParaRPr lang="en-US" dirty="0"/>
           </a:p>
         </p:txBody>
@@ -4425,7 +4485,7 @@
     </p:spTree>
     <p:extLst>
       <p:ext uri="{BB962C8B-B14F-4D97-AF65-F5344CB8AC3E}">
-        <p14:creationId xmlns:p14="http://schemas.microsoft.com/office/powerpoint/2010/main" val="1425159299"/>
+        <p14:creationId xmlns:p14="http://schemas.microsoft.com/office/powerpoint/2010/main" val="34853739"/>
       </p:ext>
     </p:extLst>
   </p:cSld>
@@ -4629,7 +4689,7 @@
           <a:noFill/>
           <a:extLst>
             <a:ext uri="{909E8E84-426E-40dd-AFC4-6F175D3DCCD1}">
-              <a14:hiddenFill xmlns="" xmlns:a14="http://schemas.microsoft.com/office/drawing/2010/main">
+              <a14:hiddenFill xmlns:a14="http://schemas.microsoft.com/office/drawing/2010/main" xmlns="">
                 <a:solidFill>
                   <a:srgbClr val="FFFFFF"/>
                 </a:solidFill>
@@ -4689,7 +4749,7 @@
             </a:ln>
             <a:extLst>
               <a:ext uri="{91240B29-F687-4f45-9708-019B960494DF}">
-                <a14:hiddenLine xmlns="" xmlns:a14="http://schemas.microsoft.com/office/drawing/2010/main" w="9525">
+                <a14:hiddenLine xmlns:a14="http://schemas.microsoft.com/office/drawing/2010/main" xmlns="" w="9525">
                   <a:solidFill>
                     <a:srgbClr val="000000"/>
                   </a:solidFill>
@@ -4779,7 +4839,7 @@
             </a:ln>
             <a:extLst>
               <a:ext uri="{91240B29-F687-4f45-9708-019B960494DF}">
-                <a14:hiddenLine xmlns="" xmlns:a14="http://schemas.microsoft.com/office/drawing/2010/main" w="9525">
+                <a14:hiddenLine xmlns:a14="http://schemas.microsoft.com/office/drawing/2010/main" xmlns="" w="9525">
                   <a:solidFill>
                     <a:srgbClr val="000000"/>
                   </a:solidFill>
@@ -4869,7 +4929,7 @@
             </a:ln>
             <a:extLst>
               <a:ext uri="{91240B29-F687-4f45-9708-019B960494DF}">
-                <a14:hiddenLine xmlns="" xmlns:a14="http://schemas.microsoft.com/office/drawing/2010/main" w="9525">
+                <a14:hiddenLine xmlns:a14="http://schemas.microsoft.com/office/drawing/2010/main" xmlns="" w="9525">
                   <a:solidFill>
                     <a:srgbClr val="000000"/>
                   </a:solidFill>
@@ -4903,7 +4963,7 @@
             </a:ln>
             <a:extLst>
               <a:ext uri="{91240B29-F687-4f45-9708-019B960494DF}">
-                <a14:hiddenLine xmlns="" xmlns:a14="http://schemas.microsoft.com/office/drawing/2010/main" w="9525">
+                <a14:hiddenLine xmlns:a14="http://schemas.microsoft.com/office/drawing/2010/main" xmlns="" w="9525">
                   <a:solidFill>
                     <a:srgbClr val="000000"/>
                   </a:solidFill>
@@ -4993,7 +5053,7 @@
             </a:ln>
             <a:extLst>
               <a:ext uri="{91240B29-F687-4f45-9708-019B960494DF}">
-                <a14:hiddenLine xmlns="" xmlns:a14="http://schemas.microsoft.com/office/drawing/2010/main" w="9525">
+                <a14:hiddenLine xmlns:a14="http://schemas.microsoft.com/office/drawing/2010/main" xmlns="" w="9525">
                   <a:solidFill>
                     <a:srgbClr val="000000"/>
                   </a:solidFill>
@@ -5055,7 +5115,7 @@
             </a:ln>
             <a:extLst>
               <a:ext uri="{91240B29-F687-4f45-9708-019B960494DF}">
-                <a14:hiddenLine xmlns="" xmlns:a14="http://schemas.microsoft.com/office/drawing/2010/main" w="9525">
+                <a14:hiddenLine xmlns:a14="http://schemas.microsoft.com/office/drawing/2010/main" xmlns="" w="9525">
                   <a:solidFill>
                     <a:srgbClr val="000000"/>
                   </a:solidFill>
@@ -5117,7 +5177,7 @@
             </a:ln>
             <a:extLst>
               <a:ext uri="{91240B29-F687-4f45-9708-019B960494DF}">
-                <a14:hiddenLine xmlns="" xmlns:a14="http://schemas.microsoft.com/office/drawing/2010/main" w="9525">
+                <a14:hiddenLine xmlns:a14="http://schemas.microsoft.com/office/drawing/2010/main" xmlns="" w="9525">
                   <a:solidFill>
                     <a:srgbClr val="000000"/>
                   </a:solidFill>
@@ -5207,7 +5267,7 @@
             </a:ln>
             <a:extLst>
               <a:ext uri="{91240B29-F687-4f45-9708-019B960494DF}">
-                <a14:hiddenLine xmlns="" xmlns:a14="http://schemas.microsoft.com/office/drawing/2010/main" w="9525">
+                <a14:hiddenLine xmlns:a14="http://schemas.microsoft.com/office/drawing/2010/main" xmlns="" w="9525">
                   <a:solidFill>
                     <a:srgbClr val="000000"/>
                   </a:solidFill>
@@ -5269,7 +5329,7 @@
             </a:ln>
             <a:extLst>
               <a:ext uri="{91240B29-F687-4f45-9708-019B960494DF}">
-                <a14:hiddenLine xmlns="" xmlns:a14="http://schemas.microsoft.com/office/drawing/2010/main" w="9525">
+                <a14:hiddenLine xmlns:a14="http://schemas.microsoft.com/office/drawing/2010/main" xmlns="" w="9525">
                   <a:solidFill>
                     <a:srgbClr val="000000"/>
                   </a:solidFill>
@@ -5331,7 +5391,7 @@
             </a:ln>
             <a:extLst>
               <a:ext uri="{91240B29-F687-4f45-9708-019B960494DF}">
-                <a14:hiddenLine xmlns="" xmlns:a14="http://schemas.microsoft.com/office/drawing/2010/main" w="9525">
+                <a14:hiddenLine xmlns:a14="http://schemas.microsoft.com/office/drawing/2010/main" xmlns="" w="9525">
                   <a:solidFill>
                     <a:srgbClr val="000000"/>
                   </a:solidFill>
@@ -5421,7 +5481,7 @@
             </a:ln>
             <a:extLst>
               <a:ext uri="{91240B29-F687-4f45-9708-019B960494DF}">
-                <a14:hiddenLine xmlns="" xmlns:a14="http://schemas.microsoft.com/office/drawing/2010/main" w="9525">
+                <a14:hiddenLine xmlns:a14="http://schemas.microsoft.com/office/drawing/2010/main" xmlns="" w="9525">
                   <a:solidFill>
                     <a:srgbClr val="000000"/>
                   </a:solidFill>
@@ -5511,7 +5571,7 @@
             </a:ln>
             <a:extLst>
               <a:ext uri="{91240B29-F687-4f45-9708-019B960494DF}">
-                <a14:hiddenLine xmlns="" xmlns:a14="http://schemas.microsoft.com/office/drawing/2010/main" w="9525">
+                <a14:hiddenLine xmlns:a14="http://schemas.microsoft.com/office/drawing/2010/main" xmlns="" w="9525">
                   <a:solidFill>
                     <a:srgbClr val="000000"/>
                   </a:solidFill>
@@ -5573,7 +5633,7 @@
             </a:ln>
             <a:extLst>
               <a:ext uri="{91240B29-F687-4f45-9708-019B960494DF}">
-                <a14:hiddenLine xmlns="" xmlns:a14="http://schemas.microsoft.com/office/drawing/2010/main" w="9525">
+                <a14:hiddenLine xmlns:a14="http://schemas.microsoft.com/office/drawing/2010/main" xmlns="" w="9525">
                   <a:solidFill>
                     <a:srgbClr val="000000"/>
                   </a:solidFill>
@@ -5683,7 +5743,7 @@
             </a:ln>
             <a:extLst>
               <a:ext uri="{91240B29-F687-4f45-9708-019B960494DF}">
-                <a14:hiddenLine xmlns="" xmlns:a14="http://schemas.microsoft.com/office/drawing/2010/main" w="9525">
+                <a14:hiddenLine xmlns:a14="http://schemas.microsoft.com/office/drawing/2010/main" xmlns="" w="9525">
                   <a:solidFill>
                     <a:srgbClr val="000000"/>
                   </a:solidFill>
@@ -5745,7 +5805,7 @@
             </a:ln>
             <a:extLst>
               <a:ext uri="{91240B29-F687-4f45-9708-019B960494DF}">
-                <a14:hiddenLine xmlns="" xmlns:a14="http://schemas.microsoft.com/office/drawing/2010/main" w="9525">
+                <a14:hiddenLine xmlns:a14="http://schemas.microsoft.com/office/drawing/2010/main" xmlns="" w="9525">
                   <a:solidFill>
                     <a:srgbClr val="000000"/>
                   </a:solidFill>
@@ -5835,7 +5895,7 @@
             </a:ln>
             <a:extLst>
               <a:ext uri="{91240B29-F687-4f45-9708-019B960494DF}">
-                <a14:hiddenLine xmlns="" xmlns:a14="http://schemas.microsoft.com/office/drawing/2010/main" w="9525">
+                <a14:hiddenLine xmlns:a14="http://schemas.microsoft.com/office/drawing/2010/main" xmlns="" w="9525">
                   <a:solidFill>
                     <a:srgbClr val="000000"/>
                   </a:solidFill>
@@ -5925,7 +5985,7 @@
             </a:ln>
             <a:extLst>
               <a:ext uri="{91240B29-F687-4f45-9708-019B960494DF}">
-                <a14:hiddenLine xmlns="" xmlns:a14="http://schemas.microsoft.com/office/drawing/2010/main" w="9525">
+                <a14:hiddenLine xmlns:a14="http://schemas.microsoft.com/office/drawing/2010/main" xmlns="" w="9525">
                   <a:solidFill>
                     <a:srgbClr val="000000"/>
                   </a:solidFill>
@@ -5987,7 +6047,7 @@
             </a:ln>
             <a:extLst>
               <a:ext uri="{91240B29-F687-4f45-9708-019B960494DF}">
-                <a14:hiddenLine xmlns="" xmlns:a14="http://schemas.microsoft.com/office/drawing/2010/main" w="9525">
+                <a14:hiddenLine xmlns:a14="http://schemas.microsoft.com/office/drawing/2010/main" xmlns="" w="9525">
                   <a:solidFill>
                     <a:srgbClr val="000000"/>
                   </a:solidFill>
@@ -6077,7 +6137,7 @@
             </a:ln>
             <a:extLst>
               <a:ext uri="{91240B29-F687-4f45-9708-019B960494DF}">
-                <a14:hiddenLine xmlns="" xmlns:a14="http://schemas.microsoft.com/office/drawing/2010/main" w="9525">
+                <a14:hiddenLine xmlns:a14="http://schemas.microsoft.com/office/drawing/2010/main" xmlns="" w="9525">
                   <a:solidFill>
                     <a:srgbClr val="000000"/>
                   </a:solidFill>
@@ -6167,7 +6227,7 @@
             </a:ln>
             <a:extLst>
               <a:ext uri="{91240B29-F687-4f45-9708-019B960494DF}">
-                <a14:hiddenLine xmlns="" xmlns:a14="http://schemas.microsoft.com/office/drawing/2010/main" w="9525">
+                <a14:hiddenLine xmlns:a14="http://schemas.microsoft.com/office/drawing/2010/main" xmlns="" w="9525">
                   <a:solidFill>
                     <a:srgbClr val="000000"/>
                   </a:solidFill>
@@ -6223,7 +6283,7 @@
             </a:ln>
             <a:extLst>
               <a:ext uri="{91240B29-F687-4f45-9708-019B960494DF}">
-                <a14:hiddenLine xmlns="" xmlns:a14="http://schemas.microsoft.com/office/drawing/2010/main" w="9525">
+                <a14:hiddenLine xmlns:a14="http://schemas.microsoft.com/office/drawing/2010/main" xmlns="" w="9525">
                   <a:solidFill>
                     <a:srgbClr val="000000"/>
                   </a:solidFill>
@@ -6313,7 +6373,7 @@
             </a:ln>
             <a:extLst>
               <a:ext uri="{91240B29-F687-4f45-9708-019B960494DF}">
-                <a14:hiddenLine xmlns="" xmlns:a14="http://schemas.microsoft.com/office/drawing/2010/main" w="9525">
+                <a14:hiddenLine xmlns:a14="http://schemas.microsoft.com/office/drawing/2010/main" xmlns="" w="9525">
                   <a:solidFill>
                     <a:srgbClr val="000000"/>
                   </a:solidFill>
@@ -6369,7 +6429,7 @@
             </a:ln>
             <a:extLst>
               <a:ext uri="{91240B29-F687-4f45-9708-019B960494DF}">
-                <a14:hiddenLine xmlns="" xmlns:a14="http://schemas.microsoft.com/office/drawing/2010/main" w="9525">
+                <a14:hiddenLine xmlns:a14="http://schemas.microsoft.com/office/drawing/2010/main" xmlns="" w="9525">
                   <a:solidFill>
                     <a:srgbClr val="000000"/>
                   </a:solidFill>
@@ -6459,7 +6519,7 @@
             </a:ln>
             <a:extLst>
               <a:ext uri="{91240B29-F687-4f45-9708-019B960494DF}">
-                <a14:hiddenLine xmlns="" xmlns:a14="http://schemas.microsoft.com/office/drawing/2010/main" w="9525">
+                <a14:hiddenLine xmlns:a14="http://schemas.microsoft.com/office/drawing/2010/main" xmlns="" w="9525">
                   <a:solidFill>
                     <a:srgbClr val="000000"/>
                   </a:solidFill>
@@ -6527,7 +6587,7 @@
             </a:ln>
             <a:extLst>
               <a:ext uri="{91240B29-F687-4f45-9708-019B960494DF}">
-                <a14:hiddenLine xmlns="" xmlns:a14="http://schemas.microsoft.com/office/drawing/2010/main" w="9525">
+                <a14:hiddenLine xmlns:a14="http://schemas.microsoft.com/office/drawing/2010/main" xmlns="" w="9525">
                   <a:solidFill>
                     <a:srgbClr val="000000"/>
                   </a:solidFill>
@@ -6617,7 +6677,7 @@
             </a:ln>
             <a:extLst>
               <a:ext uri="{91240B29-F687-4f45-9708-019B960494DF}">
-                <a14:hiddenLine xmlns="" xmlns:a14="http://schemas.microsoft.com/office/drawing/2010/main" w="9525">
+                <a14:hiddenLine xmlns:a14="http://schemas.microsoft.com/office/drawing/2010/main" xmlns="" w="9525">
                   <a:solidFill>
                     <a:srgbClr val="000000"/>
                   </a:solidFill>
@@ -6685,7 +6745,7 @@
             </a:ln>
             <a:extLst>
               <a:ext uri="{91240B29-F687-4f45-9708-019B960494DF}">
-                <a14:hiddenLine xmlns="" xmlns:a14="http://schemas.microsoft.com/office/drawing/2010/main" w="9525">
+                <a14:hiddenLine xmlns:a14="http://schemas.microsoft.com/office/drawing/2010/main" xmlns="" w="9525">
                   <a:solidFill>
                     <a:srgbClr val="000000"/>
                   </a:solidFill>
@@ -6775,7 +6835,7 @@
             </a:ln>
             <a:extLst>
               <a:ext uri="{91240B29-F687-4f45-9708-019B960494DF}">
-                <a14:hiddenLine xmlns="" xmlns:a14="http://schemas.microsoft.com/office/drawing/2010/main" w="9525">
+                <a14:hiddenLine xmlns:a14="http://schemas.microsoft.com/office/drawing/2010/main" xmlns="" w="9525">
                   <a:solidFill>
                     <a:srgbClr val="000000"/>
                   </a:solidFill>
@@ -6809,7 +6869,7 @@
             </a:ln>
             <a:extLst>
               <a:ext uri="{91240B29-F687-4f45-9708-019B960494DF}">
-                <a14:hiddenLine xmlns="" xmlns:a14="http://schemas.microsoft.com/office/drawing/2010/main" w="9525">
+                <a14:hiddenLine xmlns:a14="http://schemas.microsoft.com/office/drawing/2010/main" xmlns="" w="9525">
                   <a:solidFill>
                     <a:srgbClr val="000000"/>
                   </a:solidFill>
@@ -6899,7 +6959,7 @@
             </a:ln>
             <a:extLst>
               <a:ext uri="{91240B29-F687-4f45-9708-019B960494DF}">
-                <a14:hiddenLine xmlns="" xmlns:a14="http://schemas.microsoft.com/office/drawing/2010/main" w="9525">
+                <a14:hiddenLine xmlns:a14="http://schemas.microsoft.com/office/drawing/2010/main" xmlns="" w="9525">
                   <a:solidFill>
                     <a:srgbClr val="000000"/>
                   </a:solidFill>
@@ -6961,7 +7021,7 @@
             </a:ln>
             <a:extLst>
               <a:ext uri="{91240B29-F687-4f45-9708-019B960494DF}">
-                <a14:hiddenLine xmlns="" xmlns:a14="http://schemas.microsoft.com/office/drawing/2010/main" w="9525">
+                <a14:hiddenLine xmlns:a14="http://schemas.microsoft.com/office/drawing/2010/main" xmlns="" w="9525">
                   <a:solidFill>
                     <a:srgbClr val="000000"/>
                   </a:solidFill>
@@ -7023,7 +7083,7 @@
             </a:ln>
             <a:extLst>
               <a:ext uri="{91240B29-F687-4f45-9708-019B960494DF}">
-                <a14:hiddenLine xmlns="" xmlns:a14="http://schemas.microsoft.com/office/drawing/2010/main" w="9525">
+                <a14:hiddenLine xmlns:a14="http://schemas.microsoft.com/office/drawing/2010/main" xmlns="" w="9525">
                   <a:solidFill>
                     <a:srgbClr val="000000"/>
                   </a:solidFill>
@@ -7113,7 +7173,7 @@
             </a:ln>
             <a:extLst>
               <a:ext uri="{91240B29-F687-4f45-9708-019B960494DF}">
-                <a14:hiddenLine xmlns="" xmlns:a14="http://schemas.microsoft.com/office/drawing/2010/main" w="9525">
+                <a14:hiddenLine xmlns:a14="http://schemas.microsoft.com/office/drawing/2010/main" xmlns="" w="9525">
                   <a:solidFill>
                     <a:srgbClr val="000000"/>
                   </a:solidFill>
@@ -7181,7 +7241,7 @@
             </a:ln>
             <a:extLst>
               <a:ext uri="{91240B29-F687-4f45-9708-019B960494DF}">
-                <a14:hiddenLine xmlns="" xmlns:a14="http://schemas.microsoft.com/office/drawing/2010/main" w="9525">
+                <a14:hiddenLine xmlns:a14="http://schemas.microsoft.com/office/drawing/2010/main" xmlns="" w="9525">
                   <a:solidFill>
                     <a:srgbClr val="000000"/>
                   </a:solidFill>
@@ -7243,7 +7303,7 @@
             </a:ln>
             <a:extLst>
               <a:ext uri="{91240B29-F687-4f45-9708-019B960494DF}">
-                <a14:hiddenLine xmlns="" xmlns:a14="http://schemas.microsoft.com/office/drawing/2010/main" w="9525">
+                <a14:hiddenLine xmlns:a14="http://schemas.microsoft.com/office/drawing/2010/main" xmlns="" w="9525">
                   <a:solidFill>
                     <a:srgbClr val="000000"/>
                   </a:solidFill>
@@ -7333,7 +7393,7 @@
             </a:ln>
             <a:extLst>
               <a:ext uri="{91240B29-F687-4f45-9708-019B960494DF}">
-                <a14:hiddenLine xmlns="" xmlns:a14="http://schemas.microsoft.com/office/drawing/2010/main" w="9525">
+                <a14:hiddenLine xmlns:a14="http://schemas.microsoft.com/office/drawing/2010/main" xmlns="" w="9525">
                   <a:solidFill>
                     <a:srgbClr val="000000"/>
                   </a:solidFill>
@@ -7395,7 +7455,7 @@
             </a:ln>
             <a:extLst>
               <a:ext uri="{91240B29-F687-4f45-9708-019B960494DF}">
-                <a14:hiddenLine xmlns="" xmlns:a14="http://schemas.microsoft.com/office/drawing/2010/main" w="9525">
+                <a14:hiddenLine xmlns:a14="http://schemas.microsoft.com/office/drawing/2010/main" xmlns="" w="9525">
                   <a:solidFill>
                     <a:srgbClr val="000000"/>
                   </a:solidFill>
@@ -7485,7 +7545,7 @@
             </a:ln>
             <a:extLst>
               <a:ext uri="{91240B29-F687-4f45-9708-019B960494DF}">
-                <a14:hiddenLine xmlns="" xmlns:a14="http://schemas.microsoft.com/office/drawing/2010/main" w="9525">
+                <a14:hiddenLine xmlns:a14="http://schemas.microsoft.com/office/drawing/2010/main" xmlns="" w="9525">
                   <a:solidFill>
                     <a:srgbClr val="000000"/>
                   </a:solidFill>
@@ -7547,7 +7607,7 @@
             </a:ln>
             <a:extLst>
               <a:ext uri="{91240B29-F687-4f45-9708-019B960494DF}">
-                <a14:hiddenLine xmlns="" xmlns:a14="http://schemas.microsoft.com/office/drawing/2010/main" w="9525">
+                <a14:hiddenLine xmlns:a14="http://schemas.microsoft.com/office/drawing/2010/main" xmlns="" w="9525">
                   <a:solidFill>
                     <a:srgbClr val="000000"/>
                   </a:solidFill>
@@ -7637,7 +7697,7 @@
             </a:ln>
             <a:extLst>
               <a:ext uri="{91240B29-F687-4f45-9708-019B960494DF}">
-                <a14:hiddenLine xmlns="" xmlns:a14="http://schemas.microsoft.com/office/drawing/2010/main" w="9525">
+                <a14:hiddenLine xmlns:a14="http://schemas.microsoft.com/office/drawing/2010/main" xmlns="" w="9525">
                   <a:solidFill>
                     <a:srgbClr val="000000"/>
                   </a:solidFill>
@@ -7671,7 +7731,7 @@
             </a:ln>
             <a:extLst>
               <a:ext uri="{91240B29-F687-4f45-9708-019B960494DF}">
-                <a14:hiddenLine xmlns="" xmlns:a14="http://schemas.microsoft.com/office/drawing/2010/main" w="9525">
+                <a14:hiddenLine xmlns:a14="http://schemas.microsoft.com/office/drawing/2010/main" xmlns="" w="9525">
                   <a:solidFill>
                     <a:srgbClr val="000000"/>
                   </a:solidFill>
@@ -7736,7 +7796,7 @@
             </a:ln>
             <a:extLst>
               <a:ext uri="{91240B29-F687-4f45-9708-019B960494DF}">
-                <a14:hiddenLine xmlns="" xmlns:a14="http://schemas.microsoft.com/office/drawing/2010/main" w="9525">
+                <a14:hiddenLine xmlns:a14="http://schemas.microsoft.com/office/drawing/2010/main" xmlns="" w="9525">
                   <a:solidFill>
                     <a:srgbClr val="000000"/>
                   </a:solidFill>
@@ -7826,7 +7886,7 @@
             </a:ln>
             <a:extLst>
               <a:ext uri="{91240B29-F687-4f45-9708-019B960494DF}">
-                <a14:hiddenLine xmlns="" xmlns:a14="http://schemas.microsoft.com/office/drawing/2010/main" w="9525">
+                <a14:hiddenLine xmlns:a14="http://schemas.microsoft.com/office/drawing/2010/main" xmlns="" w="9525">
                   <a:solidFill>
                     <a:srgbClr val="000000"/>
                   </a:solidFill>
@@ -7888,7 +7948,7 @@
             </a:ln>
             <a:extLst>
               <a:ext uri="{91240B29-F687-4f45-9708-019B960494DF}">
-                <a14:hiddenLine xmlns="" xmlns:a14="http://schemas.microsoft.com/office/drawing/2010/main" w="9525">
+                <a14:hiddenLine xmlns:a14="http://schemas.microsoft.com/office/drawing/2010/main" xmlns="" w="9525">
                   <a:solidFill>
                     <a:srgbClr val="000000"/>
                   </a:solidFill>
@@ -7978,7 +8038,7 @@
             </a:ln>
             <a:extLst>
               <a:ext uri="{91240B29-F687-4f45-9708-019B960494DF}">
-                <a14:hiddenLine xmlns="" xmlns:a14="http://schemas.microsoft.com/office/drawing/2010/main" w="9525">
+                <a14:hiddenLine xmlns:a14="http://schemas.microsoft.com/office/drawing/2010/main" xmlns="" w="9525">
                   <a:solidFill>
                     <a:srgbClr val="000000"/>
                   </a:solidFill>
@@ -8068,7 +8128,7 @@
             </a:ln>
             <a:extLst>
               <a:ext uri="{91240B29-F687-4f45-9708-019B960494DF}">
-                <a14:hiddenLine xmlns="" xmlns:a14="http://schemas.microsoft.com/office/drawing/2010/main" w="9525">
+                <a14:hiddenLine xmlns:a14="http://schemas.microsoft.com/office/drawing/2010/main" xmlns="" w="9525">
                   <a:solidFill>
                     <a:srgbClr val="000000"/>
                   </a:solidFill>
@@ -8133,7 +8193,7 @@
             </a:ln>
             <a:extLst>
               <a:ext uri="{91240B29-F687-4f45-9708-019B960494DF}">
-                <a14:hiddenLine xmlns="" xmlns:a14="http://schemas.microsoft.com/office/drawing/2010/main" w="9525">
+                <a14:hiddenLine xmlns:a14="http://schemas.microsoft.com/office/drawing/2010/main" xmlns="" w="9525">
                   <a:solidFill>
                     <a:srgbClr val="000000"/>
                   </a:solidFill>
@@ -8195,7 +8255,7 @@
             </a:ln>
             <a:extLst>
               <a:ext uri="{91240B29-F687-4f45-9708-019B960494DF}">
-                <a14:hiddenLine xmlns="" xmlns:a14="http://schemas.microsoft.com/office/drawing/2010/main" w="9525">
+                <a14:hiddenLine xmlns:a14="http://schemas.microsoft.com/office/drawing/2010/main" xmlns="" w="9525">
                   <a:solidFill>
                     <a:srgbClr val="000000"/>
                   </a:solidFill>
@@ -8285,7 +8345,7 @@
             </a:ln>
             <a:extLst>
               <a:ext uri="{91240B29-F687-4f45-9708-019B960494DF}">
-                <a14:hiddenLine xmlns="" xmlns:a14="http://schemas.microsoft.com/office/drawing/2010/main" w="9525">
+                <a14:hiddenLine xmlns:a14="http://schemas.microsoft.com/office/drawing/2010/main" xmlns="" w="9525">
                   <a:solidFill>
                     <a:srgbClr val="000000"/>
                   </a:solidFill>
@@ -8375,7 +8435,7 @@
             </a:ln>
             <a:extLst>
               <a:ext uri="{91240B29-F687-4f45-9708-019B960494DF}">
-                <a14:hiddenLine xmlns="" xmlns:a14="http://schemas.microsoft.com/office/drawing/2010/main" w="9525">
+                <a14:hiddenLine xmlns:a14="http://schemas.microsoft.com/office/drawing/2010/main" xmlns="" w="9525">
                   <a:solidFill>
                     <a:srgbClr val="000000"/>
                   </a:solidFill>
@@ -8437,7 +8497,7 @@
             </a:ln>
             <a:extLst>
               <a:ext uri="{91240B29-F687-4f45-9708-019B960494DF}">
-                <a14:hiddenLine xmlns="" xmlns:a14="http://schemas.microsoft.com/office/drawing/2010/main" w="9525">
+                <a14:hiddenLine xmlns:a14="http://schemas.microsoft.com/office/drawing/2010/main" xmlns="" w="9525">
                   <a:solidFill>
                     <a:srgbClr val="000000"/>
                   </a:solidFill>
@@ -8557,7 +8617,7 @@
             </a:ln>
             <a:extLst>
               <a:ext uri="{91240B29-F687-4f45-9708-019B960494DF}">
-                <a14:hiddenLine xmlns="" xmlns:a14="http://schemas.microsoft.com/office/drawing/2010/main" w="9525">
+                <a14:hiddenLine xmlns:a14="http://schemas.microsoft.com/office/drawing/2010/main" xmlns="" w="9525">
                   <a:solidFill>
                     <a:srgbClr val="000000"/>
                   </a:solidFill>
@@ -8625,7 +8685,7 @@
             </a:ln>
             <a:extLst>
               <a:ext uri="{91240B29-F687-4f45-9708-019B960494DF}">
-                <a14:hiddenLine xmlns="" xmlns:a14="http://schemas.microsoft.com/office/drawing/2010/main" w="9525">
+                <a14:hiddenLine xmlns:a14="http://schemas.microsoft.com/office/drawing/2010/main" xmlns="" w="9525">
                   <a:solidFill>
                     <a:srgbClr val="000000"/>
                   </a:solidFill>
@@ -8715,7 +8775,7 @@
             </a:ln>
             <a:extLst>
               <a:ext uri="{91240B29-F687-4f45-9708-019B960494DF}">
-                <a14:hiddenLine xmlns="" xmlns:a14="http://schemas.microsoft.com/office/drawing/2010/main" w="9525">
+                <a14:hiddenLine xmlns:a14="http://schemas.microsoft.com/office/drawing/2010/main" xmlns="" w="9525">
                   <a:solidFill>
                     <a:srgbClr val="000000"/>
                   </a:solidFill>
@@ -20303,7 +20363,7 @@
           <a:noFill/>
           <a:extLst>
             <a:ext uri="{909E8E84-426E-40dd-AFC4-6F175D3DCCD1}">
-              <a14:hiddenFill xmlns="" xmlns:a14="http://schemas.microsoft.com/office/drawing/2010/main">
+              <a14:hiddenFill xmlns:a14="http://schemas.microsoft.com/office/drawing/2010/main" xmlns="">
                 <a:solidFill>
                   <a:srgbClr val="FFFFFF"/>
                 </a:solidFill>
@@ -20377,7 +20437,7 @@
               </a:ln>
               <a:extLst>
                 <a:ext uri="{91240B29-F687-4f45-9708-019B960494DF}">
-                  <a14:hiddenLine xmlns="" xmlns:a14="http://schemas.microsoft.com/office/drawing/2010/main" w="9525">
+                  <a14:hiddenLine xmlns:a14="http://schemas.microsoft.com/office/drawing/2010/main" xmlns="" w="9525">
                     <a:solidFill>
                       <a:srgbClr val="000000"/>
                     </a:solidFill>
@@ -20467,7 +20527,7 @@
               </a:ln>
               <a:extLst>
                 <a:ext uri="{91240B29-F687-4f45-9708-019B960494DF}">
-                  <a14:hiddenLine xmlns="" xmlns:a14="http://schemas.microsoft.com/office/drawing/2010/main" w="9525">
+                  <a14:hiddenLine xmlns:a14="http://schemas.microsoft.com/office/drawing/2010/main" xmlns="" w="9525">
                     <a:solidFill>
                       <a:srgbClr val="000000"/>
                     </a:solidFill>
@@ -20557,7 +20617,7 @@
               </a:ln>
               <a:extLst>
                 <a:ext uri="{91240B29-F687-4f45-9708-019B960494DF}">
-                  <a14:hiddenLine xmlns="" xmlns:a14="http://schemas.microsoft.com/office/drawing/2010/main" w="9525">
+                  <a14:hiddenLine xmlns:a14="http://schemas.microsoft.com/office/drawing/2010/main" xmlns="" w="9525">
                     <a:solidFill>
                       <a:srgbClr val="000000"/>
                     </a:solidFill>
@@ -20619,7 +20679,7 @@
               </a:ln>
               <a:extLst>
                 <a:ext uri="{91240B29-F687-4f45-9708-019B960494DF}">
-                  <a14:hiddenLine xmlns="" xmlns:a14="http://schemas.microsoft.com/office/drawing/2010/main" w="9525">
+                  <a14:hiddenLine xmlns:a14="http://schemas.microsoft.com/office/drawing/2010/main" xmlns="" w="9525">
                     <a:solidFill>
                       <a:srgbClr val="000000"/>
                     </a:solidFill>
@@ -20709,7 +20769,7 @@
               </a:ln>
               <a:extLst>
                 <a:ext uri="{91240B29-F687-4f45-9708-019B960494DF}">
-                  <a14:hiddenLine xmlns="" xmlns:a14="http://schemas.microsoft.com/office/drawing/2010/main" w="9525">
+                  <a14:hiddenLine xmlns:a14="http://schemas.microsoft.com/office/drawing/2010/main" xmlns="" w="9525">
                     <a:solidFill>
                       <a:srgbClr val="000000"/>
                     </a:solidFill>
@@ -20771,7 +20831,7 @@
               </a:ln>
               <a:extLst>
                 <a:ext uri="{91240B29-F687-4f45-9708-019B960494DF}">
-                  <a14:hiddenLine xmlns="" xmlns:a14="http://schemas.microsoft.com/office/drawing/2010/main" w="9525">
+                  <a14:hiddenLine xmlns:a14="http://schemas.microsoft.com/office/drawing/2010/main" xmlns="" w="9525">
                     <a:solidFill>
                       <a:srgbClr val="000000"/>
                     </a:solidFill>
@@ -20833,7 +20893,7 @@
               </a:ln>
               <a:extLst>
                 <a:ext uri="{91240B29-F687-4f45-9708-019B960494DF}">
-                  <a14:hiddenLine xmlns="" xmlns:a14="http://schemas.microsoft.com/office/drawing/2010/main" w="9525">
+                  <a14:hiddenLine xmlns:a14="http://schemas.microsoft.com/office/drawing/2010/main" xmlns="" w="9525">
                     <a:solidFill>
                       <a:srgbClr val="000000"/>
                     </a:solidFill>
@@ -20923,7 +20983,7 @@
               </a:ln>
               <a:extLst>
                 <a:ext uri="{91240B29-F687-4f45-9708-019B960494DF}">
-                  <a14:hiddenLine xmlns="" xmlns:a14="http://schemas.microsoft.com/office/drawing/2010/main" w="9525">
+                  <a14:hiddenLine xmlns:a14="http://schemas.microsoft.com/office/drawing/2010/main" xmlns="" w="9525">
                     <a:solidFill>
                       <a:srgbClr val="000000"/>
                     </a:solidFill>
@@ -21013,7 +21073,7 @@
               </a:ln>
               <a:extLst>
                 <a:ext uri="{91240B29-F687-4f45-9708-019B960494DF}">
-                  <a14:hiddenLine xmlns="" xmlns:a14="http://schemas.microsoft.com/office/drawing/2010/main" w="9525">
+                  <a14:hiddenLine xmlns:a14="http://schemas.microsoft.com/office/drawing/2010/main" xmlns="" w="9525">
                     <a:solidFill>
                       <a:srgbClr val="000000"/>
                     </a:solidFill>
@@ -21075,7 +21135,7 @@
               </a:ln>
               <a:extLst>
                 <a:ext uri="{91240B29-F687-4f45-9708-019B960494DF}">
-                  <a14:hiddenLine xmlns="" xmlns:a14="http://schemas.microsoft.com/office/drawing/2010/main" w="9525">
+                  <a14:hiddenLine xmlns:a14="http://schemas.microsoft.com/office/drawing/2010/main" xmlns="" w="9525">
                     <a:solidFill>
                       <a:srgbClr val="000000"/>
                     </a:solidFill>
@@ -21185,7 +21245,7 @@
               </a:ln>
               <a:extLst>
                 <a:ext uri="{91240B29-F687-4f45-9708-019B960494DF}">
-                  <a14:hiddenLine xmlns="" xmlns:a14="http://schemas.microsoft.com/office/drawing/2010/main" w="9525">
+                  <a14:hiddenLine xmlns:a14="http://schemas.microsoft.com/office/drawing/2010/main" xmlns="" w="9525">
                     <a:solidFill>
                       <a:srgbClr val="000000"/>
                     </a:solidFill>
@@ -21269,7 +21329,7 @@
               </a:ln>
               <a:extLst>
                 <a:ext uri="{91240B29-F687-4f45-9708-019B960494DF}">
-                  <a14:hiddenLine xmlns="" xmlns:a14="http://schemas.microsoft.com/office/drawing/2010/main" w="9525">
+                  <a14:hiddenLine xmlns:a14="http://schemas.microsoft.com/office/drawing/2010/main" xmlns="" w="9525">
                     <a:solidFill>
                       <a:srgbClr val="000000"/>
                     </a:solidFill>
@@ -21331,7 +21391,7 @@
               </a:ln>
               <a:extLst>
                 <a:ext uri="{91240B29-F687-4f45-9708-019B960494DF}">
-                  <a14:hiddenLine xmlns="" xmlns:a14="http://schemas.microsoft.com/office/drawing/2010/main" w="9525">
+                  <a14:hiddenLine xmlns:a14="http://schemas.microsoft.com/office/drawing/2010/main" xmlns="" w="9525">
                     <a:solidFill>
                       <a:srgbClr val="000000"/>
                     </a:solidFill>
@@ -21393,7 +21453,7 @@
               </a:ln>
               <a:extLst>
                 <a:ext uri="{91240B29-F687-4f45-9708-019B960494DF}">
-                  <a14:hiddenLine xmlns="" xmlns:a14="http://schemas.microsoft.com/office/drawing/2010/main" w="9525">
+                  <a14:hiddenLine xmlns:a14="http://schemas.microsoft.com/office/drawing/2010/main" xmlns="" w="9525">
                     <a:solidFill>
                       <a:srgbClr val="000000"/>
                     </a:solidFill>
@@ -21483,7 +21543,7 @@
               </a:ln>
               <a:extLst>
                 <a:ext uri="{91240B29-F687-4f45-9708-019B960494DF}">
-                  <a14:hiddenLine xmlns="" xmlns:a14="http://schemas.microsoft.com/office/drawing/2010/main" w="9525">
+                  <a14:hiddenLine xmlns:a14="http://schemas.microsoft.com/office/drawing/2010/main" xmlns="" w="9525">
                     <a:solidFill>
                       <a:srgbClr val="000000"/>
                     </a:solidFill>
@@ -21517,7 +21577,7 @@
               </a:ln>
               <a:extLst>
                 <a:ext uri="{91240B29-F687-4f45-9708-019B960494DF}">
-                  <a14:hiddenLine xmlns="" xmlns:a14="http://schemas.microsoft.com/office/drawing/2010/main" w="9525">
+                  <a14:hiddenLine xmlns:a14="http://schemas.microsoft.com/office/drawing/2010/main" xmlns="" w="9525">
                     <a:solidFill>
                       <a:srgbClr val="000000"/>
                     </a:solidFill>
@@ -21582,7 +21642,7 @@
               </a:ln>
               <a:extLst>
                 <a:ext uri="{91240B29-F687-4f45-9708-019B960494DF}">
-                  <a14:hiddenLine xmlns="" xmlns:a14="http://schemas.microsoft.com/office/drawing/2010/main" w="9525">
+                  <a14:hiddenLine xmlns:a14="http://schemas.microsoft.com/office/drawing/2010/main" xmlns="" w="9525">
                     <a:solidFill>
                       <a:srgbClr val="000000"/>
                     </a:solidFill>
@@ -21672,7 +21732,7 @@
               </a:ln>
               <a:extLst>
                 <a:ext uri="{91240B29-F687-4f45-9708-019B960494DF}">
-                  <a14:hiddenLine xmlns="" xmlns:a14="http://schemas.microsoft.com/office/drawing/2010/main" w="9525">
+                  <a14:hiddenLine xmlns:a14="http://schemas.microsoft.com/office/drawing/2010/main" xmlns="" w="9525">
                     <a:solidFill>
                       <a:srgbClr val="000000"/>
                     </a:solidFill>
@@ -21734,7 +21794,7 @@
               </a:ln>
               <a:extLst>
                 <a:ext uri="{91240B29-F687-4f45-9708-019B960494DF}">
-                  <a14:hiddenLine xmlns="" xmlns:a14="http://schemas.microsoft.com/office/drawing/2010/main" w="9525">
+                  <a14:hiddenLine xmlns:a14="http://schemas.microsoft.com/office/drawing/2010/main" xmlns="" w="9525">
                     <a:solidFill>
                       <a:srgbClr val="000000"/>
                     </a:solidFill>
@@ -21824,7 +21884,7 @@
               </a:ln>
               <a:extLst>
                 <a:ext uri="{91240B29-F687-4f45-9708-019B960494DF}">
-                  <a14:hiddenLine xmlns="" xmlns:a14="http://schemas.microsoft.com/office/drawing/2010/main" w="9525">
+                  <a14:hiddenLine xmlns:a14="http://schemas.microsoft.com/office/drawing/2010/main" xmlns="" w="9525">
                     <a:solidFill>
                       <a:srgbClr val="000000"/>
                     </a:solidFill>
@@ -21889,7 +21949,7 @@
               </a:ln>
               <a:extLst>
                 <a:ext uri="{91240B29-F687-4f45-9708-019B960494DF}">
-                  <a14:hiddenLine xmlns="" xmlns:a14="http://schemas.microsoft.com/office/drawing/2010/main" w="9525">
+                  <a14:hiddenLine xmlns:a14="http://schemas.microsoft.com/office/drawing/2010/main" xmlns="" w="9525">
                     <a:solidFill>
                       <a:srgbClr val="000000"/>
                     </a:solidFill>
@@ -21951,7 +22011,7 @@
               </a:ln>
               <a:extLst>
                 <a:ext uri="{91240B29-F687-4f45-9708-019B960494DF}">
-                  <a14:hiddenLine xmlns="" xmlns:a14="http://schemas.microsoft.com/office/drawing/2010/main" w="9525">
+                  <a14:hiddenLine xmlns:a14="http://schemas.microsoft.com/office/drawing/2010/main" xmlns="" w="9525">
                     <a:solidFill>
                       <a:srgbClr val="000000"/>
                     </a:solidFill>
@@ -22041,7 +22101,7 @@
               </a:ln>
               <a:extLst>
                 <a:ext uri="{91240B29-F687-4f45-9708-019B960494DF}">
-                  <a14:hiddenLine xmlns="" xmlns:a14="http://schemas.microsoft.com/office/drawing/2010/main" w="9525">
+                  <a14:hiddenLine xmlns:a14="http://schemas.microsoft.com/office/drawing/2010/main" xmlns="" w="9525">
                     <a:solidFill>
                       <a:srgbClr val="000000"/>
                     </a:solidFill>
@@ -22131,7 +22191,7 @@
               </a:ln>
               <a:extLst>
                 <a:ext uri="{91240B29-F687-4f45-9708-019B960494DF}">
-                  <a14:hiddenLine xmlns="" xmlns:a14="http://schemas.microsoft.com/office/drawing/2010/main" w="9525">
+                  <a14:hiddenLine xmlns:a14="http://schemas.microsoft.com/office/drawing/2010/main" xmlns="" w="9525">
                     <a:solidFill>
                       <a:srgbClr val="000000"/>
                     </a:solidFill>
@@ -22196,7 +22256,7 @@
               </a:ln>
               <a:extLst>
                 <a:ext uri="{91240B29-F687-4f45-9708-019B960494DF}">
-                  <a14:hiddenLine xmlns="" xmlns:a14="http://schemas.microsoft.com/office/drawing/2010/main" w="9525">
+                  <a14:hiddenLine xmlns:a14="http://schemas.microsoft.com/office/drawing/2010/main" xmlns="" w="9525">
                     <a:solidFill>
                       <a:srgbClr val="000000"/>
                     </a:solidFill>
@@ -22316,7 +22376,7 @@
               </a:ln>
               <a:extLst>
                 <a:ext uri="{91240B29-F687-4f45-9708-019B960494DF}">
-                  <a14:hiddenLine xmlns="" xmlns:a14="http://schemas.microsoft.com/office/drawing/2010/main" w="9525">
+                  <a14:hiddenLine xmlns:a14="http://schemas.microsoft.com/office/drawing/2010/main" xmlns="" w="9525">
                     <a:solidFill>
                       <a:srgbClr val="000000"/>
                     </a:solidFill>
@@ -22414,7 +22474,7 @@
               </a:ln>
               <a:extLst>
                 <a:ext uri="{91240B29-F687-4f45-9708-019B960494DF}">
-                  <a14:hiddenLine xmlns="" xmlns:a14="http://schemas.microsoft.com/office/drawing/2010/main" w="9525">
+                  <a14:hiddenLine xmlns:a14="http://schemas.microsoft.com/office/drawing/2010/main" xmlns="" w="9525">
                     <a:solidFill>
                       <a:srgbClr val="000000"/>
                     </a:solidFill>
@@ -22529,7 +22589,7 @@
               </a:ln>
               <a:extLst>
                 <a:ext uri="{91240B29-F687-4f45-9708-019B960494DF}">
-                  <a14:hiddenLine xmlns="" xmlns:a14="http://schemas.microsoft.com/office/drawing/2010/main" w="9525">
+                  <a14:hiddenLine xmlns:a14="http://schemas.microsoft.com/office/drawing/2010/main" xmlns="" w="9525">
                     <a:solidFill>
                       <a:srgbClr val="000000"/>
                     </a:solidFill>
@@ -22619,7 +22679,7 @@
               </a:ln>
               <a:extLst>
                 <a:ext uri="{91240B29-F687-4f45-9708-019B960494DF}">
-                  <a14:hiddenLine xmlns="" xmlns:a14="http://schemas.microsoft.com/office/drawing/2010/main" w="9525">
+                  <a14:hiddenLine xmlns:a14="http://schemas.microsoft.com/office/drawing/2010/main" xmlns="" w="9525">
                     <a:solidFill>
                       <a:srgbClr val="000000"/>
                     </a:solidFill>
@@ -22684,7 +22744,7 @@
               </a:ln>
               <a:extLst>
                 <a:ext uri="{91240B29-F687-4f45-9708-019B960494DF}">
-                  <a14:hiddenLine xmlns="" xmlns:a14="http://schemas.microsoft.com/office/drawing/2010/main" w="9525">
+                  <a14:hiddenLine xmlns:a14="http://schemas.microsoft.com/office/drawing/2010/main" xmlns="" w="9525">
                     <a:solidFill>
                       <a:srgbClr val="000000"/>
                     </a:solidFill>
@@ -22774,7 +22834,7 @@
               </a:ln>
               <a:extLst>
                 <a:ext uri="{91240B29-F687-4f45-9708-019B960494DF}">
-                  <a14:hiddenLine xmlns="" xmlns:a14="http://schemas.microsoft.com/office/drawing/2010/main" w="9525">
+                  <a14:hiddenLine xmlns:a14="http://schemas.microsoft.com/office/drawing/2010/main" xmlns="" w="9525">
                     <a:solidFill>
                       <a:srgbClr val="000000"/>
                     </a:solidFill>
@@ -22842,7 +22902,7 @@
               </a:ln>
               <a:extLst>
                 <a:ext uri="{91240B29-F687-4f45-9708-019B960494DF}">
-                  <a14:hiddenLine xmlns="" xmlns:a14="http://schemas.microsoft.com/office/drawing/2010/main" w="9525">
+                  <a14:hiddenLine xmlns:a14="http://schemas.microsoft.com/office/drawing/2010/main" xmlns="" w="9525">
                     <a:solidFill>
                       <a:srgbClr val="000000"/>
                     </a:solidFill>
@@ -22932,7 +22992,7 @@
               </a:ln>
               <a:extLst>
                 <a:ext uri="{91240B29-F687-4f45-9708-019B960494DF}">
-                  <a14:hiddenLine xmlns="" xmlns:a14="http://schemas.microsoft.com/office/drawing/2010/main" w="9525">
+                  <a14:hiddenLine xmlns:a14="http://schemas.microsoft.com/office/drawing/2010/main" xmlns="" w="9525">
                     <a:solidFill>
                       <a:srgbClr val="000000"/>
                     </a:solidFill>
@@ -23000,7 +23060,7 @@
               </a:ln>
               <a:extLst>
                 <a:ext uri="{91240B29-F687-4f45-9708-019B960494DF}">
-                  <a14:hiddenLine xmlns="" xmlns:a14="http://schemas.microsoft.com/office/drawing/2010/main" w="9525">
+                  <a14:hiddenLine xmlns:a14="http://schemas.microsoft.com/office/drawing/2010/main" xmlns="" w="9525">
                     <a:solidFill>
                       <a:srgbClr val="000000"/>
                     </a:solidFill>
@@ -23090,7 +23150,7 @@
               </a:ln>
               <a:extLst>
                 <a:ext uri="{91240B29-F687-4f45-9708-019B960494DF}">
-                  <a14:hiddenLine xmlns="" xmlns:a14="http://schemas.microsoft.com/office/drawing/2010/main" w="9525">
+                  <a14:hiddenLine xmlns:a14="http://schemas.microsoft.com/office/drawing/2010/main" xmlns="" w="9525">
                     <a:solidFill>
                       <a:srgbClr val="000000"/>
                     </a:solidFill>
@@ -23124,7 +23184,7 @@
               </a:ln>
               <a:extLst>
                 <a:ext uri="{91240B29-F687-4f45-9708-019B960494DF}">
-                  <a14:hiddenLine xmlns="" xmlns:a14="http://schemas.microsoft.com/office/drawing/2010/main" w="9525">
+                  <a14:hiddenLine xmlns:a14="http://schemas.microsoft.com/office/drawing/2010/main" xmlns="" w="9525">
                     <a:solidFill>
                       <a:srgbClr val="000000"/>
                     </a:solidFill>
@@ -23851,7 +23911,7 @@
           <a:noFill/>
           <a:extLst>
             <a:ext uri="{909E8E84-426E-40dd-AFC4-6F175D3DCCD1}">
-              <a14:hiddenFill xmlns:p14="http://schemas.microsoft.com/office/powerpoint/2010/main" xmlns:a14="http://schemas.microsoft.com/office/drawing/2010/main" xmlns:a16="http://schemas.microsoft.com/office/drawing/2014/main" xmlns="">
+              <a14:hiddenFill xmlns="" xmlns:a16="http://schemas.microsoft.com/office/drawing/2014/main" xmlns:a14="http://schemas.microsoft.com/office/drawing/2010/main" xmlns:p14="http://schemas.microsoft.com/office/powerpoint/2010/main">
                 <a:solidFill>
                   <a:srgbClr val="FFFFFF"/>
                 </a:solidFill>
@@ -23943,7 +24003,7 @@
             </a:ln>
             <a:extLst>
               <a:ext uri="{91240B29-F687-4f45-9708-019B960494DF}">
-                <a14:hiddenLine xmlns:p14="http://schemas.microsoft.com/office/powerpoint/2010/main" xmlns:a14="http://schemas.microsoft.com/office/drawing/2010/main" xmlns:a16="http://schemas.microsoft.com/office/drawing/2014/main" xmlns="" w="9525">
+                <a14:hiddenLine xmlns="" xmlns:a16="http://schemas.microsoft.com/office/drawing/2014/main" xmlns:a14="http://schemas.microsoft.com/office/drawing/2010/main" xmlns:p14="http://schemas.microsoft.com/office/powerpoint/2010/main" w="9525">
                   <a:solidFill>
                     <a:srgbClr val="000000"/>
                   </a:solidFill>
@@ -24055,7 +24115,7 @@
             </a:ln>
             <a:extLst>
               <a:ext uri="{91240B29-F687-4f45-9708-019B960494DF}">
-                <a14:hiddenLine xmlns:p14="http://schemas.microsoft.com/office/powerpoint/2010/main" xmlns:a14="http://schemas.microsoft.com/office/drawing/2010/main" xmlns:a16="http://schemas.microsoft.com/office/drawing/2014/main" xmlns="" w="9525">
+                <a14:hiddenLine xmlns="" xmlns:a16="http://schemas.microsoft.com/office/drawing/2014/main" xmlns:a14="http://schemas.microsoft.com/office/drawing/2010/main" xmlns:p14="http://schemas.microsoft.com/office/powerpoint/2010/main" w="9525">
                   <a:solidFill>
                     <a:srgbClr val="000000"/>
                   </a:solidFill>
@@ -24167,7 +24227,7 @@
             </a:ln>
             <a:extLst>
               <a:ext uri="{91240B29-F687-4f45-9708-019B960494DF}">
-                <a14:hiddenLine xmlns:p14="http://schemas.microsoft.com/office/powerpoint/2010/main" xmlns:a14="http://schemas.microsoft.com/office/drawing/2010/main" xmlns:a16="http://schemas.microsoft.com/office/drawing/2014/main" xmlns="" w="9525">
+                <a14:hiddenLine xmlns="" xmlns:a16="http://schemas.microsoft.com/office/drawing/2014/main" xmlns:a14="http://schemas.microsoft.com/office/drawing/2010/main" xmlns:p14="http://schemas.microsoft.com/office/powerpoint/2010/main" w="9525">
                   <a:solidFill>
                     <a:srgbClr val="000000"/>
                   </a:solidFill>
@@ -24223,7 +24283,7 @@
             </a:ln>
             <a:extLst>
               <a:ext uri="{91240B29-F687-4f45-9708-019B960494DF}">
-                <a14:hiddenLine xmlns:p14="http://schemas.microsoft.com/office/powerpoint/2010/main" xmlns:a14="http://schemas.microsoft.com/office/drawing/2010/main" xmlns:a16="http://schemas.microsoft.com/office/drawing/2014/main" xmlns="" w="9525">
+                <a14:hiddenLine xmlns="" xmlns:a16="http://schemas.microsoft.com/office/drawing/2014/main" xmlns:a14="http://schemas.microsoft.com/office/drawing/2010/main" xmlns:p14="http://schemas.microsoft.com/office/powerpoint/2010/main" w="9525">
                   <a:solidFill>
                     <a:srgbClr val="000000"/>
                   </a:solidFill>
@@ -24335,7 +24395,7 @@
             </a:ln>
             <a:extLst>
               <a:ext uri="{91240B29-F687-4f45-9708-019B960494DF}">
-                <a14:hiddenLine xmlns:p14="http://schemas.microsoft.com/office/powerpoint/2010/main" xmlns:a14="http://schemas.microsoft.com/office/drawing/2010/main" xmlns:a16="http://schemas.microsoft.com/office/drawing/2014/main" xmlns="" w="9525">
+                <a14:hiddenLine xmlns="" xmlns:a16="http://schemas.microsoft.com/office/drawing/2014/main" xmlns:a14="http://schemas.microsoft.com/office/drawing/2010/main" xmlns:p14="http://schemas.microsoft.com/office/powerpoint/2010/main" w="9525">
                   <a:solidFill>
                     <a:srgbClr val="000000"/>
                   </a:solidFill>
@@ -24419,7 +24479,7 @@
             </a:ln>
             <a:extLst>
               <a:ext uri="{91240B29-F687-4f45-9708-019B960494DF}">
-                <a14:hiddenLine xmlns:p14="http://schemas.microsoft.com/office/powerpoint/2010/main" xmlns:a14="http://schemas.microsoft.com/office/drawing/2010/main" xmlns:a16="http://schemas.microsoft.com/office/drawing/2014/main" xmlns="" w="9525">
+                <a14:hiddenLine xmlns="" xmlns:a16="http://schemas.microsoft.com/office/drawing/2014/main" xmlns:a14="http://schemas.microsoft.com/office/drawing/2010/main" xmlns:p14="http://schemas.microsoft.com/office/powerpoint/2010/main" w="9525">
                   <a:solidFill>
                     <a:srgbClr val="000000"/>
                   </a:solidFill>
@@ -24503,7 +24563,7 @@
             </a:ln>
             <a:extLst>
               <a:ext uri="{91240B29-F687-4f45-9708-019B960494DF}">
-                <a14:hiddenLine xmlns:p14="http://schemas.microsoft.com/office/powerpoint/2010/main" xmlns:a14="http://schemas.microsoft.com/office/drawing/2010/main" xmlns:a16="http://schemas.microsoft.com/office/drawing/2014/main" xmlns="" w="9525">
+                <a14:hiddenLine xmlns="" xmlns:a16="http://schemas.microsoft.com/office/drawing/2014/main" xmlns:a14="http://schemas.microsoft.com/office/drawing/2010/main" xmlns:p14="http://schemas.microsoft.com/office/powerpoint/2010/main" w="9525">
                   <a:solidFill>
                     <a:srgbClr val="000000"/>
                   </a:solidFill>
@@ -24615,7 +24675,7 @@
             </a:ln>
             <a:extLst>
               <a:ext uri="{91240B29-F687-4f45-9708-019B960494DF}">
-                <a14:hiddenLine xmlns:p14="http://schemas.microsoft.com/office/powerpoint/2010/main" xmlns:a14="http://schemas.microsoft.com/office/drawing/2010/main" xmlns:a16="http://schemas.microsoft.com/office/drawing/2014/main" xmlns="" w="9525">
+                <a14:hiddenLine xmlns="" xmlns:a16="http://schemas.microsoft.com/office/drawing/2014/main" xmlns:a14="http://schemas.microsoft.com/office/drawing/2010/main" xmlns:p14="http://schemas.microsoft.com/office/powerpoint/2010/main" w="9525">
                   <a:solidFill>
                     <a:srgbClr val="000000"/>
                   </a:solidFill>
@@ -24699,7 +24759,7 @@
             </a:ln>
             <a:extLst>
               <a:ext uri="{91240B29-F687-4f45-9708-019B960494DF}">
-                <a14:hiddenLine xmlns:p14="http://schemas.microsoft.com/office/powerpoint/2010/main" xmlns:a14="http://schemas.microsoft.com/office/drawing/2010/main" xmlns:a16="http://schemas.microsoft.com/office/drawing/2014/main" xmlns="" w="9525">
+                <a14:hiddenLine xmlns="" xmlns:a16="http://schemas.microsoft.com/office/drawing/2014/main" xmlns:a14="http://schemas.microsoft.com/office/drawing/2010/main" xmlns:p14="http://schemas.microsoft.com/office/powerpoint/2010/main" w="9525">
                   <a:solidFill>
                     <a:srgbClr val="000000"/>
                   </a:solidFill>
@@ -24783,7 +24843,7 @@
             </a:ln>
             <a:extLst>
               <a:ext uri="{91240B29-F687-4f45-9708-019B960494DF}">
-                <a14:hiddenLine xmlns:p14="http://schemas.microsoft.com/office/powerpoint/2010/main" xmlns:a14="http://schemas.microsoft.com/office/drawing/2010/main" xmlns:a16="http://schemas.microsoft.com/office/drawing/2014/main" xmlns="" w="9525">
+                <a14:hiddenLine xmlns="" xmlns:a16="http://schemas.microsoft.com/office/drawing/2014/main" xmlns:a14="http://schemas.microsoft.com/office/drawing/2010/main" xmlns:p14="http://schemas.microsoft.com/office/powerpoint/2010/main" w="9525">
                   <a:solidFill>
                     <a:srgbClr val="000000"/>
                   </a:solidFill>
@@ -24895,7 +24955,7 @@
             </a:ln>
             <a:extLst>
               <a:ext uri="{91240B29-F687-4f45-9708-019B960494DF}">
-                <a14:hiddenLine xmlns:p14="http://schemas.microsoft.com/office/powerpoint/2010/main" xmlns:a14="http://schemas.microsoft.com/office/drawing/2010/main" xmlns:a16="http://schemas.microsoft.com/office/drawing/2014/main" xmlns="" w="9525">
+                <a14:hiddenLine xmlns="" xmlns:a16="http://schemas.microsoft.com/office/drawing/2014/main" xmlns:a14="http://schemas.microsoft.com/office/drawing/2010/main" xmlns:p14="http://schemas.microsoft.com/office/powerpoint/2010/main" w="9525">
                   <a:solidFill>
                     <a:srgbClr val="000000"/>
                   </a:solidFill>
@@ -25007,7 +25067,7 @@
             </a:ln>
             <a:extLst>
               <a:ext uri="{91240B29-F687-4f45-9708-019B960494DF}">
-                <a14:hiddenLine xmlns:p14="http://schemas.microsoft.com/office/powerpoint/2010/main" xmlns:a14="http://schemas.microsoft.com/office/drawing/2010/main" xmlns:a16="http://schemas.microsoft.com/office/drawing/2014/main" xmlns="" w="9525">
+                <a14:hiddenLine xmlns="" xmlns:a16="http://schemas.microsoft.com/office/drawing/2014/main" xmlns:a14="http://schemas.microsoft.com/office/drawing/2010/main" xmlns:p14="http://schemas.microsoft.com/office/powerpoint/2010/main" w="9525">
                   <a:solidFill>
                     <a:srgbClr val="000000"/>
                   </a:solidFill>
@@ -25091,7 +25151,7 @@
             </a:ln>
             <a:extLst>
               <a:ext uri="{91240B29-F687-4f45-9708-019B960494DF}">
-                <a14:hiddenLine xmlns:p14="http://schemas.microsoft.com/office/powerpoint/2010/main" xmlns:a14="http://schemas.microsoft.com/office/drawing/2010/main" xmlns:a16="http://schemas.microsoft.com/office/drawing/2014/main" xmlns="" w="9525">
+                <a14:hiddenLine xmlns="" xmlns:a16="http://schemas.microsoft.com/office/drawing/2014/main" xmlns:a14="http://schemas.microsoft.com/office/drawing/2010/main" xmlns:p14="http://schemas.microsoft.com/office/powerpoint/2010/main" w="9525">
                   <a:solidFill>
                     <a:srgbClr val="000000"/>
                   </a:solidFill>
@@ -25223,7 +25283,7 @@
             </a:ln>
             <a:extLst>
               <a:ext uri="{91240B29-F687-4f45-9708-019B960494DF}">
-                <a14:hiddenLine xmlns:p14="http://schemas.microsoft.com/office/powerpoint/2010/main" xmlns:a14="http://schemas.microsoft.com/office/drawing/2010/main" xmlns:a16="http://schemas.microsoft.com/office/drawing/2014/main" xmlns="" w="9525">
+                <a14:hiddenLine xmlns="" xmlns:a16="http://schemas.microsoft.com/office/drawing/2014/main" xmlns:a14="http://schemas.microsoft.com/office/drawing/2010/main" xmlns:p14="http://schemas.microsoft.com/office/powerpoint/2010/main" w="9525">
                   <a:solidFill>
                     <a:srgbClr val="000000"/>
                   </a:solidFill>
@@ -25307,7 +25367,7 @@
             </a:ln>
             <a:extLst>
               <a:ext uri="{91240B29-F687-4f45-9708-019B960494DF}">
-                <a14:hiddenLine xmlns:p14="http://schemas.microsoft.com/office/powerpoint/2010/main" xmlns:a14="http://schemas.microsoft.com/office/drawing/2010/main" xmlns:a16="http://schemas.microsoft.com/office/drawing/2014/main" xmlns="" w="9525">
+                <a14:hiddenLine xmlns="" xmlns:a16="http://schemas.microsoft.com/office/drawing/2014/main" xmlns:a14="http://schemas.microsoft.com/office/drawing/2010/main" xmlns:p14="http://schemas.microsoft.com/office/powerpoint/2010/main" w="9525">
                   <a:solidFill>
                     <a:srgbClr val="000000"/>
                   </a:solidFill>
@@ -25419,7 +25479,7 @@
             </a:ln>
             <a:extLst>
               <a:ext uri="{91240B29-F687-4f45-9708-019B960494DF}">
-                <a14:hiddenLine xmlns:p14="http://schemas.microsoft.com/office/powerpoint/2010/main" xmlns:a14="http://schemas.microsoft.com/office/drawing/2010/main" xmlns:a16="http://schemas.microsoft.com/office/drawing/2014/main" xmlns="" w="9525">
+                <a14:hiddenLine xmlns="" xmlns:a16="http://schemas.microsoft.com/office/drawing/2014/main" xmlns:a14="http://schemas.microsoft.com/office/drawing/2010/main" xmlns:p14="http://schemas.microsoft.com/office/powerpoint/2010/main" w="9525">
                   <a:solidFill>
                     <a:srgbClr val="000000"/>
                   </a:solidFill>
@@ -25531,7 +25591,7 @@
             </a:ln>
             <a:extLst>
               <a:ext uri="{91240B29-F687-4f45-9708-019B960494DF}">
-                <a14:hiddenLine xmlns:p14="http://schemas.microsoft.com/office/powerpoint/2010/main" xmlns:a14="http://schemas.microsoft.com/office/drawing/2010/main" xmlns:a16="http://schemas.microsoft.com/office/drawing/2014/main" xmlns="" w="9525">
+                <a14:hiddenLine xmlns="" xmlns:a16="http://schemas.microsoft.com/office/drawing/2014/main" xmlns:a14="http://schemas.microsoft.com/office/drawing/2010/main" xmlns:p14="http://schemas.microsoft.com/office/powerpoint/2010/main" w="9525">
                   <a:solidFill>
                     <a:srgbClr val="000000"/>
                   </a:solidFill>
@@ -25615,7 +25675,7 @@
             </a:ln>
             <a:extLst>
               <a:ext uri="{91240B29-F687-4f45-9708-019B960494DF}">
-                <a14:hiddenLine xmlns:p14="http://schemas.microsoft.com/office/powerpoint/2010/main" xmlns:a14="http://schemas.microsoft.com/office/drawing/2010/main" xmlns:a16="http://schemas.microsoft.com/office/drawing/2014/main" xmlns="" w="9525">
+                <a14:hiddenLine xmlns="" xmlns:a16="http://schemas.microsoft.com/office/drawing/2014/main" xmlns:a14="http://schemas.microsoft.com/office/drawing/2010/main" xmlns:p14="http://schemas.microsoft.com/office/powerpoint/2010/main" w="9525">
                   <a:solidFill>
                     <a:srgbClr val="000000"/>
                   </a:solidFill>
@@ -25727,7 +25787,7 @@
             </a:ln>
             <a:extLst>
               <a:ext uri="{91240B29-F687-4f45-9708-019B960494DF}">
-                <a14:hiddenLine xmlns:p14="http://schemas.microsoft.com/office/powerpoint/2010/main" xmlns:a14="http://schemas.microsoft.com/office/drawing/2010/main" xmlns:a16="http://schemas.microsoft.com/office/drawing/2014/main" xmlns="" w="9525">
+                <a14:hiddenLine xmlns="" xmlns:a16="http://schemas.microsoft.com/office/drawing/2014/main" xmlns:a14="http://schemas.microsoft.com/office/drawing/2010/main" xmlns:p14="http://schemas.microsoft.com/office/powerpoint/2010/main" w="9525">
                   <a:solidFill>
                     <a:srgbClr val="000000"/>
                   </a:solidFill>
@@ -25839,7 +25899,7 @@
             </a:ln>
             <a:extLst>
               <a:ext uri="{91240B29-F687-4f45-9708-019B960494DF}">
-                <a14:hiddenLine xmlns:p14="http://schemas.microsoft.com/office/powerpoint/2010/main" xmlns:a14="http://schemas.microsoft.com/office/drawing/2010/main" xmlns:a16="http://schemas.microsoft.com/office/drawing/2014/main" xmlns="" w="9525">
+                <a14:hiddenLine xmlns="" xmlns:a16="http://schemas.microsoft.com/office/drawing/2014/main" xmlns:a14="http://schemas.microsoft.com/office/drawing/2010/main" xmlns:p14="http://schemas.microsoft.com/office/powerpoint/2010/main" w="9525">
                   <a:solidFill>
                     <a:srgbClr val="000000"/>
                   </a:solidFill>
@@ -25917,7 +25977,7 @@
             </a:ln>
             <a:extLst>
               <a:ext uri="{91240B29-F687-4f45-9708-019B960494DF}">
-                <a14:hiddenLine xmlns:p14="http://schemas.microsoft.com/office/powerpoint/2010/main" xmlns:a14="http://schemas.microsoft.com/office/drawing/2010/main" xmlns:a16="http://schemas.microsoft.com/office/drawing/2014/main" xmlns="" w="9525">
+                <a14:hiddenLine xmlns="" xmlns:a16="http://schemas.microsoft.com/office/drawing/2014/main" xmlns:a14="http://schemas.microsoft.com/office/drawing/2010/main" xmlns:p14="http://schemas.microsoft.com/office/powerpoint/2010/main" w="9525">
                   <a:solidFill>
                     <a:srgbClr val="000000"/>
                   </a:solidFill>
@@ -26029,7 +26089,7 @@
             </a:ln>
             <a:extLst>
               <a:ext uri="{91240B29-F687-4f45-9708-019B960494DF}">
-                <a14:hiddenLine xmlns:p14="http://schemas.microsoft.com/office/powerpoint/2010/main" xmlns:a14="http://schemas.microsoft.com/office/drawing/2010/main" xmlns:a16="http://schemas.microsoft.com/office/drawing/2014/main" xmlns="" w="9525">
+                <a14:hiddenLine xmlns="" xmlns:a16="http://schemas.microsoft.com/office/drawing/2014/main" xmlns:a14="http://schemas.microsoft.com/office/drawing/2010/main" xmlns:p14="http://schemas.microsoft.com/office/powerpoint/2010/main" w="9525">
                   <a:solidFill>
                     <a:srgbClr val="000000"/>
                   </a:solidFill>
@@ -26107,7 +26167,7 @@
             </a:ln>
             <a:extLst>
               <a:ext uri="{91240B29-F687-4f45-9708-019B960494DF}">
-                <a14:hiddenLine xmlns:p14="http://schemas.microsoft.com/office/powerpoint/2010/main" xmlns:a14="http://schemas.microsoft.com/office/drawing/2010/main" xmlns:a16="http://schemas.microsoft.com/office/drawing/2014/main" xmlns="" w="9525">
+                <a14:hiddenLine xmlns="" xmlns:a16="http://schemas.microsoft.com/office/drawing/2014/main" xmlns:a14="http://schemas.microsoft.com/office/drawing/2010/main" xmlns:p14="http://schemas.microsoft.com/office/powerpoint/2010/main" w="9525">
                   <a:solidFill>
                     <a:srgbClr val="000000"/>
                   </a:solidFill>
@@ -26219,7 +26279,7 @@
             </a:ln>
             <a:extLst>
               <a:ext uri="{91240B29-F687-4f45-9708-019B960494DF}">
-                <a14:hiddenLine xmlns:p14="http://schemas.microsoft.com/office/powerpoint/2010/main" xmlns:a14="http://schemas.microsoft.com/office/drawing/2010/main" xmlns:a16="http://schemas.microsoft.com/office/drawing/2014/main" xmlns="" w="9525">
+                <a14:hiddenLine xmlns="" xmlns:a16="http://schemas.microsoft.com/office/drawing/2014/main" xmlns:a14="http://schemas.microsoft.com/office/drawing/2010/main" xmlns:p14="http://schemas.microsoft.com/office/powerpoint/2010/main" w="9525">
                   <a:solidFill>
                     <a:srgbClr val="000000"/>
                   </a:solidFill>
@@ -26309,7 +26369,7 @@
             </a:ln>
             <a:extLst>
               <a:ext uri="{91240B29-F687-4f45-9708-019B960494DF}">
-                <a14:hiddenLine xmlns:p14="http://schemas.microsoft.com/office/powerpoint/2010/main" xmlns:a14="http://schemas.microsoft.com/office/drawing/2010/main" xmlns:a16="http://schemas.microsoft.com/office/drawing/2014/main" xmlns="" w="9525">
+                <a14:hiddenLine xmlns="" xmlns:a16="http://schemas.microsoft.com/office/drawing/2014/main" xmlns:a14="http://schemas.microsoft.com/office/drawing/2010/main" xmlns:p14="http://schemas.microsoft.com/office/powerpoint/2010/main" w="9525">
                   <a:solidFill>
                     <a:srgbClr val="000000"/>
                   </a:solidFill>
@@ -26421,7 +26481,7 @@
             </a:ln>
             <a:extLst>
               <a:ext uri="{91240B29-F687-4f45-9708-019B960494DF}">
-                <a14:hiddenLine xmlns:p14="http://schemas.microsoft.com/office/powerpoint/2010/main" xmlns:a14="http://schemas.microsoft.com/office/drawing/2010/main" xmlns:a16="http://schemas.microsoft.com/office/drawing/2014/main" xmlns="" w="9525">
+                <a14:hiddenLine xmlns="" xmlns:a16="http://schemas.microsoft.com/office/drawing/2014/main" xmlns:a14="http://schemas.microsoft.com/office/drawing/2010/main" xmlns:p14="http://schemas.microsoft.com/office/powerpoint/2010/main" w="9525">
                   <a:solidFill>
                     <a:srgbClr val="000000"/>
                   </a:solidFill>
@@ -26511,7 +26571,7 @@
             </a:ln>
             <a:extLst>
               <a:ext uri="{91240B29-F687-4f45-9708-019B960494DF}">
-                <a14:hiddenLine xmlns:p14="http://schemas.microsoft.com/office/powerpoint/2010/main" xmlns:a14="http://schemas.microsoft.com/office/drawing/2010/main" xmlns:a16="http://schemas.microsoft.com/office/drawing/2014/main" xmlns="" w="9525">
+                <a14:hiddenLine xmlns="" xmlns:a16="http://schemas.microsoft.com/office/drawing/2014/main" xmlns:a14="http://schemas.microsoft.com/office/drawing/2010/main" xmlns:p14="http://schemas.microsoft.com/office/powerpoint/2010/main" w="9525">
                   <a:solidFill>
                     <a:srgbClr val="000000"/>
                   </a:solidFill>
@@ -26623,7 +26683,7 @@
             </a:ln>
             <a:extLst>
               <a:ext uri="{91240B29-F687-4f45-9708-019B960494DF}">
-                <a14:hiddenLine xmlns:p14="http://schemas.microsoft.com/office/powerpoint/2010/main" xmlns:a14="http://schemas.microsoft.com/office/drawing/2010/main" xmlns:a16="http://schemas.microsoft.com/office/drawing/2014/main" xmlns="" w="9525">
+                <a14:hiddenLine xmlns="" xmlns:a16="http://schemas.microsoft.com/office/drawing/2014/main" xmlns:a14="http://schemas.microsoft.com/office/drawing/2010/main" xmlns:p14="http://schemas.microsoft.com/office/powerpoint/2010/main" w="9525">
                   <a:solidFill>
                     <a:srgbClr val="000000"/>
                   </a:solidFill>
@@ -26679,7 +26739,7 @@
             </a:ln>
             <a:extLst>
               <a:ext uri="{91240B29-F687-4f45-9708-019B960494DF}">
-                <a14:hiddenLine xmlns:p14="http://schemas.microsoft.com/office/powerpoint/2010/main" xmlns:a14="http://schemas.microsoft.com/office/drawing/2010/main" xmlns:a16="http://schemas.microsoft.com/office/drawing/2014/main" xmlns="" w="9525">
+                <a14:hiddenLine xmlns="" xmlns:a16="http://schemas.microsoft.com/office/drawing/2014/main" xmlns:a14="http://schemas.microsoft.com/office/drawing/2010/main" xmlns:p14="http://schemas.microsoft.com/office/powerpoint/2010/main" w="9525">
                   <a:solidFill>
                     <a:srgbClr val="000000"/>
                   </a:solidFill>
@@ -26791,7 +26851,7 @@
             </a:ln>
             <a:extLst>
               <a:ext uri="{91240B29-F687-4f45-9708-019B960494DF}">
-                <a14:hiddenLine xmlns:p14="http://schemas.microsoft.com/office/powerpoint/2010/main" xmlns:a14="http://schemas.microsoft.com/office/drawing/2010/main" xmlns:a16="http://schemas.microsoft.com/office/drawing/2014/main" xmlns="" w="9525">
+                <a14:hiddenLine xmlns="" xmlns:a16="http://schemas.microsoft.com/office/drawing/2014/main" xmlns:a14="http://schemas.microsoft.com/office/drawing/2010/main" xmlns:p14="http://schemas.microsoft.com/office/powerpoint/2010/main" w="9525">
                   <a:solidFill>
                     <a:srgbClr val="000000"/>
                   </a:solidFill>
@@ -26875,7 +26935,7 @@
             </a:ln>
             <a:extLst>
               <a:ext uri="{91240B29-F687-4f45-9708-019B960494DF}">
-                <a14:hiddenLine xmlns:p14="http://schemas.microsoft.com/office/powerpoint/2010/main" xmlns:a14="http://schemas.microsoft.com/office/drawing/2010/main" xmlns:a16="http://schemas.microsoft.com/office/drawing/2014/main" xmlns="" w="9525">
+                <a14:hiddenLine xmlns="" xmlns:a16="http://schemas.microsoft.com/office/drawing/2014/main" xmlns:a14="http://schemas.microsoft.com/office/drawing/2010/main" xmlns:p14="http://schemas.microsoft.com/office/powerpoint/2010/main" w="9525">
                   <a:solidFill>
                     <a:srgbClr val="000000"/>
                   </a:solidFill>
@@ -26959,7 +27019,7 @@
             </a:ln>
             <a:extLst>
               <a:ext uri="{91240B29-F687-4f45-9708-019B960494DF}">
-                <a14:hiddenLine xmlns:p14="http://schemas.microsoft.com/office/powerpoint/2010/main" xmlns:a14="http://schemas.microsoft.com/office/drawing/2010/main" xmlns:a16="http://schemas.microsoft.com/office/drawing/2014/main" xmlns="" w="9525">
+                <a14:hiddenLine xmlns="" xmlns:a16="http://schemas.microsoft.com/office/drawing/2014/main" xmlns:a14="http://schemas.microsoft.com/office/drawing/2010/main" xmlns:p14="http://schemas.microsoft.com/office/powerpoint/2010/main" w="9525">
                   <a:solidFill>
                     <a:srgbClr val="000000"/>
                   </a:solidFill>
@@ -27071,7 +27131,7 @@
             </a:ln>
             <a:extLst>
               <a:ext uri="{91240B29-F687-4f45-9708-019B960494DF}">
-                <a14:hiddenLine xmlns:p14="http://schemas.microsoft.com/office/powerpoint/2010/main" xmlns:a14="http://schemas.microsoft.com/office/drawing/2010/main" xmlns:a16="http://schemas.microsoft.com/office/drawing/2014/main" xmlns="" w="9525">
+                <a14:hiddenLine xmlns="" xmlns:a16="http://schemas.microsoft.com/office/drawing/2014/main" xmlns:a14="http://schemas.microsoft.com/office/drawing/2010/main" xmlns:p14="http://schemas.microsoft.com/office/powerpoint/2010/main" w="9525">
                   <a:solidFill>
                     <a:srgbClr val="000000"/>
                   </a:solidFill>
@@ -27161,7 +27221,7 @@
             </a:ln>
             <a:extLst>
               <a:ext uri="{91240B29-F687-4f45-9708-019B960494DF}">
-                <a14:hiddenLine xmlns:p14="http://schemas.microsoft.com/office/powerpoint/2010/main" xmlns:a14="http://schemas.microsoft.com/office/drawing/2010/main" xmlns:a16="http://schemas.microsoft.com/office/drawing/2014/main" xmlns="" w="9525">
+                <a14:hiddenLine xmlns="" xmlns:a16="http://schemas.microsoft.com/office/drawing/2014/main" xmlns:a14="http://schemas.microsoft.com/office/drawing/2010/main" xmlns:p14="http://schemas.microsoft.com/office/powerpoint/2010/main" w="9525">
                   <a:solidFill>
                     <a:srgbClr val="000000"/>
                   </a:solidFill>
@@ -27245,7 +27305,7 @@
             </a:ln>
             <a:extLst>
               <a:ext uri="{91240B29-F687-4f45-9708-019B960494DF}">
-                <a14:hiddenLine xmlns:p14="http://schemas.microsoft.com/office/powerpoint/2010/main" xmlns:a14="http://schemas.microsoft.com/office/drawing/2010/main" xmlns:a16="http://schemas.microsoft.com/office/drawing/2014/main" xmlns="" w="9525">
+                <a14:hiddenLine xmlns="" xmlns:a16="http://schemas.microsoft.com/office/drawing/2014/main" xmlns:a14="http://schemas.microsoft.com/office/drawing/2010/main" xmlns:p14="http://schemas.microsoft.com/office/powerpoint/2010/main" w="9525">
                   <a:solidFill>
                     <a:srgbClr val="000000"/>
                   </a:solidFill>
@@ -27357,7 +27417,7 @@
             </a:ln>
             <a:extLst>
               <a:ext uri="{91240B29-F687-4f45-9708-019B960494DF}">
-                <a14:hiddenLine xmlns:p14="http://schemas.microsoft.com/office/powerpoint/2010/main" xmlns:a14="http://schemas.microsoft.com/office/drawing/2010/main" xmlns:a16="http://schemas.microsoft.com/office/drawing/2014/main" xmlns="" w="9525">
+                <a14:hiddenLine xmlns="" xmlns:a16="http://schemas.microsoft.com/office/drawing/2014/main" xmlns:a14="http://schemas.microsoft.com/office/drawing/2010/main" xmlns:p14="http://schemas.microsoft.com/office/powerpoint/2010/main" w="9525">
                   <a:solidFill>
                     <a:srgbClr val="000000"/>
                   </a:solidFill>
@@ -27441,7 +27501,7 @@
             </a:ln>
             <a:extLst>
               <a:ext uri="{91240B29-F687-4f45-9708-019B960494DF}">
-                <a14:hiddenLine xmlns:p14="http://schemas.microsoft.com/office/powerpoint/2010/main" xmlns:a14="http://schemas.microsoft.com/office/drawing/2010/main" xmlns:a16="http://schemas.microsoft.com/office/drawing/2014/main" xmlns="" w="9525">
+                <a14:hiddenLine xmlns="" xmlns:a16="http://schemas.microsoft.com/office/drawing/2014/main" xmlns:a14="http://schemas.microsoft.com/office/drawing/2010/main" xmlns:p14="http://schemas.microsoft.com/office/powerpoint/2010/main" w="9525">
                   <a:solidFill>
                     <a:srgbClr val="000000"/>
                   </a:solidFill>
@@ -27553,7 +27613,7 @@
             </a:ln>
             <a:extLst>
               <a:ext uri="{91240B29-F687-4f45-9708-019B960494DF}">
-                <a14:hiddenLine xmlns:p14="http://schemas.microsoft.com/office/powerpoint/2010/main" xmlns:a14="http://schemas.microsoft.com/office/drawing/2010/main" xmlns:a16="http://schemas.microsoft.com/office/drawing/2014/main" xmlns="" w="9525">
+                <a14:hiddenLine xmlns="" xmlns:a16="http://schemas.microsoft.com/office/drawing/2014/main" xmlns:a14="http://schemas.microsoft.com/office/drawing/2010/main" xmlns:p14="http://schemas.microsoft.com/office/powerpoint/2010/main" w="9525">
                   <a:solidFill>
                     <a:srgbClr val="000000"/>
                   </a:solidFill>
@@ -27637,7 +27697,7 @@
             </a:ln>
             <a:extLst>
               <a:ext uri="{91240B29-F687-4f45-9708-019B960494DF}">
-                <a14:hiddenLine xmlns:p14="http://schemas.microsoft.com/office/powerpoint/2010/main" xmlns:a14="http://schemas.microsoft.com/office/drawing/2010/main" xmlns:a16="http://schemas.microsoft.com/office/drawing/2014/main" xmlns="" w="9525">
+                <a14:hiddenLine xmlns="" xmlns:a16="http://schemas.microsoft.com/office/drawing/2014/main" xmlns:a14="http://schemas.microsoft.com/office/drawing/2010/main" xmlns:p14="http://schemas.microsoft.com/office/powerpoint/2010/main" w="9525">
                   <a:solidFill>
                     <a:srgbClr val="000000"/>
                   </a:solidFill>
@@ -27749,7 +27809,7 @@
             </a:ln>
             <a:extLst>
               <a:ext uri="{91240B29-F687-4f45-9708-019B960494DF}">
-                <a14:hiddenLine xmlns:p14="http://schemas.microsoft.com/office/powerpoint/2010/main" xmlns:a14="http://schemas.microsoft.com/office/drawing/2010/main" xmlns:a16="http://schemas.microsoft.com/office/drawing/2014/main" xmlns="" w="9525">
+                <a14:hiddenLine xmlns="" xmlns:a16="http://schemas.microsoft.com/office/drawing/2014/main" xmlns:a14="http://schemas.microsoft.com/office/drawing/2010/main" xmlns:p14="http://schemas.microsoft.com/office/powerpoint/2010/main" w="9525">
                   <a:solidFill>
                     <a:srgbClr val="000000"/>
                   </a:solidFill>
@@ -27805,7 +27865,7 @@
             </a:ln>
             <a:extLst>
               <a:ext uri="{91240B29-F687-4f45-9708-019B960494DF}">
-                <a14:hiddenLine xmlns:p14="http://schemas.microsoft.com/office/powerpoint/2010/main" xmlns:a14="http://schemas.microsoft.com/office/drawing/2010/main" xmlns:a16="http://schemas.microsoft.com/office/drawing/2014/main" xmlns="" w="9525">
+                <a14:hiddenLine xmlns="" xmlns:a16="http://schemas.microsoft.com/office/drawing/2014/main" xmlns:a14="http://schemas.microsoft.com/office/drawing/2010/main" xmlns:p14="http://schemas.microsoft.com/office/powerpoint/2010/main" w="9525">
                   <a:solidFill>
                     <a:srgbClr val="000000"/>
                   </a:solidFill>
@@ -27892,7 +27952,7 @@
             </a:ln>
             <a:extLst>
               <a:ext uri="{91240B29-F687-4f45-9708-019B960494DF}">
-                <a14:hiddenLine xmlns:p14="http://schemas.microsoft.com/office/powerpoint/2010/main" xmlns:a14="http://schemas.microsoft.com/office/drawing/2010/main" xmlns:a16="http://schemas.microsoft.com/office/drawing/2014/main" xmlns="" w="9525">
+                <a14:hiddenLine xmlns="" xmlns:a16="http://schemas.microsoft.com/office/drawing/2014/main" xmlns:a14="http://schemas.microsoft.com/office/drawing/2010/main" xmlns:p14="http://schemas.microsoft.com/office/powerpoint/2010/main" w="9525">
                   <a:solidFill>
                     <a:srgbClr val="000000"/>
                   </a:solidFill>
@@ -28004,7 +28064,7 @@
             </a:ln>
             <a:extLst>
               <a:ext uri="{91240B29-F687-4f45-9708-019B960494DF}">
-                <a14:hiddenLine xmlns:p14="http://schemas.microsoft.com/office/powerpoint/2010/main" xmlns:a14="http://schemas.microsoft.com/office/drawing/2010/main" xmlns:a16="http://schemas.microsoft.com/office/drawing/2014/main" xmlns="" w="9525">
+                <a14:hiddenLine xmlns="" xmlns:a16="http://schemas.microsoft.com/office/drawing/2014/main" xmlns:a14="http://schemas.microsoft.com/office/drawing/2010/main" xmlns:p14="http://schemas.microsoft.com/office/powerpoint/2010/main" w="9525">
                   <a:solidFill>
                     <a:srgbClr val="000000"/>
                   </a:solidFill>
@@ -28088,7 +28148,7 @@
             </a:ln>
             <a:extLst>
               <a:ext uri="{91240B29-F687-4f45-9708-019B960494DF}">
-                <a14:hiddenLine xmlns:p14="http://schemas.microsoft.com/office/powerpoint/2010/main" xmlns:a14="http://schemas.microsoft.com/office/drawing/2010/main" xmlns:a16="http://schemas.microsoft.com/office/drawing/2014/main" xmlns="" w="9525">
+                <a14:hiddenLine xmlns="" xmlns:a16="http://schemas.microsoft.com/office/drawing/2014/main" xmlns:a14="http://schemas.microsoft.com/office/drawing/2010/main" xmlns:p14="http://schemas.microsoft.com/office/powerpoint/2010/main" w="9525">
                   <a:solidFill>
                     <a:srgbClr val="000000"/>
                   </a:solidFill>
@@ -28200,7 +28260,7 @@
             </a:ln>
             <a:extLst>
               <a:ext uri="{91240B29-F687-4f45-9708-019B960494DF}">
-                <a14:hiddenLine xmlns:p14="http://schemas.microsoft.com/office/powerpoint/2010/main" xmlns:a14="http://schemas.microsoft.com/office/drawing/2010/main" xmlns:a16="http://schemas.microsoft.com/office/drawing/2014/main" xmlns="" w="9525">
+                <a14:hiddenLine xmlns="" xmlns:a16="http://schemas.microsoft.com/office/drawing/2014/main" xmlns:a14="http://schemas.microsoft.com/office/drawing/2010/main" xmlns:p14="http://schemas.microsoft.com/office/powerpoint/2010/main" w="9525">
                   <a:solidFill>
                     <a:srgbClr val="000000"/>
                   </a:solidFill>
@@ -28312,7 +28372,7 @@
             </a:ln>
             <a:extLst>
               <a:ext uri="{91240B29-F687-4f45-9708-019B960494DF}">
-                <a14:hiddenLine xmlns:p14="http://schemas.microsoft.com/office/powerpoint/2010/main" xmlns:a14="http://schemas.microsoft.com/office/drawing/2010/main" xmlns:a16="http://schemas.microsoft.com/office/drawing/2014/main" xmlns="" w="9525">
+                <a14:hiddenLine xmlns="" xmlns:a16="http://schemas.microsoft.com/office/drawing/2014/main" xmlns:a14="http://schemas.microsoft.com/office/drawing/2010/main" xmlns:p14="http://schemas.microsoft.com/office/powerpoint/2010/main" w="9525">
                   <a:solidFill>
                     <a:srgbClr val="000000"/>
                   </a:solidFill>
@@ -28399,7 +28459,7 @@
             </a:ln>
             <a:extLst>
               <a:ext uri="{91240B29-F687-4f45-9708-019B960494DF}">
-                <a14:hiddenLine xmlns:p14="http://schemas.microsoft.com/office/powerpoint/2010/main" xmlns:a14="http://schemas.microsoft.com/office/drawing/2010/main" xmlns:a16="http://schemas.microsoft.com/office/drawing/2014/main" xmlns="" w="9525">
+                <a14:hiddenLine xmlns="" xmlns:a16="http://schemas.microsoft.com/office/drawing/2014/main" xmlns:a14="http://schemas.microsoft.com/office/drawing/2010/main" xmlns:p14="http://schemas.microsoft.com/office/powerpoint/2010/main" w="9525">
                   <a:solidFill>
                     <a:srgbClr val="000000"/>
                   </a:solidFill>
@@ -28483,7 +28543,7 @@
             </a:ln>
             <a:extLst>
               <a:ext uri="{91240B29-F687-4f45-9708-019B960494DF}">
-                <a14:hiddenLine xmlns:p14="http://schemas.microsoft.com/office/powerpoint/2010/main" xmlns:a14="http://schemas.microsoft.com/office/drawing/2010/main" xmlns:a16="http://schemas.microsoft.com/office/drawing/2014/main" xmlns="" w="9525">
+                <a14:hiddenLine xmlns="" xmlns:a16="http://schemas.microsoft.com/office/drawing/2014/main" xmlns:a14="http://schemas.microsoft.com/office/drawing/2010/main" xmlns:p14="http://schemas.microsoft.com/office/powerpoint/2010/main" w="9525">
                   <a:solidFill>
                     <a:srgbClr val="000000"/>
                   </a:solidFill>
@@ -28595,7 +28655,7 @@
             </a:ln>
             <a:extLst>
               <a:ext uri="{91240B29-F687-4f45-9708-019B960494DF}">
-                <a14:hiddenLine xmlns:p14="http://schemas.microsoft.com/office/powerpoint/2010/main" xmlns:a14="http://schemas.microsoft.com/office/drawing/2010/main" xmlns:a16="http://schemas.microsoft.com/office/drawing/2014/main" xmlns="" w="9525">
+                <a14:hiddenLine xmlns="" xmlns:a16="http://schemas.microsoft.com/office/drawing/2014/main" xmlns:a14="http://schemas.microsoft.com/office/drawing/2010/main" xmlns:p14="http://schemas.microsoft.com/office/powerpoint/2010/main" w="9525">
                   <a:solidFill>
                     <a:srgbClr val="000000"/>
                   </a:solidFill>
@@ -28707,7 +28767,7 @@
             </a:ln>
             <a:extLst>
               <a:ext uri="{91240B29-F687-4f45-9708-019B960494DF}">
-                <a14:hiddenLine xmlns:p14="http://schemas.microsoft.com/office/powerpoint/2010/main" xmlns:a14="http://schemas.microsoft.com/office/drawing/2010/main" xmlns:a16="http://schemas.microsoft.com/office/drawing/2014/main" xmlns="" w="9525">
+                <a14:hiddenLine xmlns="" xmlns:a16="http://schemas.microsoft.com/office/drawing/2014/main" xmlns:a14="http://schemas.microsoft.com/office/drawing/2010/main" xmlns:p14="http://schemas.microsoft.com/office/powerpoint/2010/main" w="9525">
                   <a:solidFill>
                     <a:srgbClr val="000000"/>
                   </a:solidFill>
@@ -28791,7 +28851,7 @@
             </a:ln>
             <a:extLst>
               <a:ext uri="{91240B29-F687-4f45-9708-019B960494DF}">
-                <a14:hiddenLine xmlns:p14="http://schemas.microsoft.com/office/powerpoint/2010/main" xmlns:a14="http://schemas.microsoft.com/office/drawing/2010/main" xmlns:a16="http://schemas.microsoft.com/office/drawing/2014/main" xmlns="" w="9525">
+                <a14:hiddenLine xmlns="" xmlns:a16="http://schemas.microsoft.com/office/drawing/2014/main" xmlns:a14="http://schemas.microsoft.com/office/drawing/2010/main" xmlns:p14="http://schemas.microsoft.com/office/powerpoint/2010/main" w="9525">
                   <a:solidFill>
                     <a:srgbClr val="000000"/>
                   </a:solidFill>
@@ -28933,7 +28993,7 @@
             </a:ln>
             <a:extLst>
               <a:ext uri="{91240B29-F687-4f45-9708-019B960494DF}">
-                <a14:hiddenLine xmlns:p14="http://schemas.microsoft.com/office/powerpoint/2010/main" xmlns:a14="http://schemas.microsoft.com/office/drawing/2010/main" xmlns:a16="http://schemas.microsoft.com/office/drawing/2014/main" xmlns="" w="9525">
+                <a14:hiddenLine xmlns="" xmlns:a16="http://schemas.microsoft.com/office/drawing/2014/main" xmlns:a14="http://schemas.microsoft.com/office/drawing/2010/main" xmlns:p14="http://schemas.microsoft.com/office/powerpoint/2010/main" w="9525">
                   <a:solidFill>
                     <a:srgbClr val="000000"/>
                   </a:solidFill>
@@ -29023,7 +29083,7 @@
             </a:ln>
             <a:extLst>
               <a:ext uri="{91240B29-F687-4f45-9708-019B960494DF}">
-                <a14:hiddenLine xmlns:p14="http://schemas.microsoft.com/office/powerpoint/2010/main" xmlns:a14="http://schemas.microsoft.com/office/drawing/2010/main" xmlns:a16="http://schemas.microsoft.com/office/drawing/2014/main" xmlns="" w="9525">
+                <a14:hiddenLine xmlns="" xmlns:a16="http://schemas.microsoft.com/office/drawing/2014/main" xmlns:a14="http://schemas.microsoft.com/office/drawing/2010/main" xmlns:p14="http://schemas.microsoft.com/office/powerpoint/2010/main" w="9525">
                   <a:solidFill>
                     <a:srgbClr val="000000"/>
                   </a:solidFill>
@@ -29135,7 +29195,7 @@
             </a:ln>
             <a:extLst>
               <a:ext uri="{91240B29-F687-4f45-9708-019B960494DF}">
-                <a14:hiddenLine xmlns:p14="http://schemas.microsoft.com/office/powerpoint/2010/main" xmlns:a14="http://schemas.microsoft.com/office/drawing/2010/main" xmlns:a16="http://schemas.microsoft.com/office/drawing/2014/main" xmlns="" w="9525">
+                <a14:hiddenLine xmlns="" xmlns:a16="http://schemas.microsoft.com/office/drawing/2014/main" xmlns:a14="http://schemas.microsoft.com/office/drawing/2010/main" xmlns:p14="http://schemas.microsoft.com/office/powerpoint/2010/main" w="9525">
                   <a:solidFill>
                     <a:srgbClr val="000000"/>
                   </a:solidFill>
@@ -29299,7 +29359,7 @@
             <a:noFill/>
             <a:extLst>
               <a:ext uri="{909E8E84-426E-40dd-AFC4-6F175D3DCCD1}">
-                <a14:hiddenFill xmlns:p14="http://schemas.microsoft.com/office/powerpoint/2010/main" xmlns:a14="http://schemas.microsoft.com/office/drawing/2010/main" xmlns:a16="http://schemas.microsoft.com/office/drawing/2014/main" xmlns="">
+                <a14:hiddenFill xmlns="" xmlns:a16="http://schemas.microsoft.com/office/drawing/2014/main" xmlns:a14="http://schemas.microsoft.com/office/drawing/2010/main" xmlns:p14="http://schemas.microsoft.com/office/powerpoint/2010/main">
                   <a:solidFill>
                     <a:srgbClr val="FFFFFF"/>
                   </a:solidFill>
@@ -29447,7 +29507,7 @@
             </a:ln>
             <a:extLst>
               <a:ext uri="{91240B29-F687-4f45-9708-019B960494DF}">
-                <a14:hiddenLine xmlns:p14="http://schemas.microsoft.com/office/powerpoint/2010/main" xmlns:a14="http://schemas.microsoft.com/office/drawing/2010/main" xmlns:a16="http://schemas.microsoft.com/office/drawing/2014/main" xmlns="" w="9525">
+                <a14:hiddenLine xmlns="" xmlns:a16="http://schemas.microsoft.com/office/drawing/2014/main" xmlns:a14="http://schemas.microsoft.com/office/drawing/2010/main" xmlns:p14="http://schemas.microsoft.com/office/powerpoint/2010/main" w="9525">
                   <a:solidFill>
                     <a:srgbClr val="000000"/>
                   </a:solidFill>
@@ -29559,7 +29619,7 @@
             </a:ln>
             <a:extLst>
               <a:ext uri="{91240B29-F687-4f45-9708-019B960494DF}">
-                <a14:hiddenLine xmlns:p14="http://schemas.microsoft.com/office/powerpoint/2010/main" xmlns:a14="http://schemas.microsoft.com/office/drawing/2010/main" xmlns:a16="http://schemas.microsoft.com/office/drawing/2014/main" xmlns="" w="9525">
+                <a14:hiddenLine xmlns="" xmlns:a16="http://schemas.microsoft.com/office/drawing/2014/main" xmlns:a14="http://schemas.microsoft.com/office/drawing/2010/main" xmlns:p14="http://schemas.microsoft.com/office/powerpoint/2010/main" w="9525">
                   <a:solidFill>
                     <a:srgbClr val="000000"/>
                   </a:solidFill>
@@ -29671,7 +29731,7 @@
             </a:ln>
             <a:extLst>
               <a:ext uri="{91240B29-F687-4f45-9708-019B960494DF}">
-                <a14:hiddenLine xmlns:p14="http://schemas.microsoft.com/office/powerpoint/2010/main" xmlns:a14="http://schemas.microsoft.com/office/drawing/2010/main" xmlns:a16="http://schemas.microsoft.com/office/drawing/2014/main" xmlns="" w="9525">
+                <a14:hiddenLine xmlns="" xmlns:a16="http://schemas.microsoft.com/office/drawing/2014/main" xmlns:a14="http://schemas.microsoft.com/office/drawing/2010/main" xmlns:p14="http://schemas.microsoft.com/office/powerpoint/2010/main" w="9525">
                   <a:solidFill>
                     <a:srgbClr val="000000"/>
                   </a:solidFill>
@@ -29727,7 +29787,7 @@
             </a:ln>
             <a:extLst>
               <a:ext uri="{91240B29-F687-4f45-9708-019B960494DF}">
-                <a14:hiddenLine xmlns:p14="http://schemas.microsoft.com/office/powerpoint/2010/main" xmlns:a14="http://schemas.microsoft.com/office/drawing/2010/main" xmlns:a16="http://schemas.microsoft.com/office/drawing/2014/main" xmlns="" w="9525">
+                <a14:hiddenLine xmlns="" xmlns:a16="http://schemas.microsoft.com/office/drawing/2014/main" xmlns:a14="http://schemas.microsoft.com/office/drawing/2010/main" xmlns:p14="http://schemas.microsoft.com/office/powerpoint/2010/main" w="9525">
                   <a:solidFill>
                     <a:srgbClr val="000000"/>
                   </a:solidFill>
@@ -29839,7 +29899,7 @@
             </a:ln>
             <a:extLst>
               <a:ext uri="{91240B29-F687-4f45-9708-019B960494DF}">
-                <a14:hiddenLine xmlns:p14="http://schemas.microsoft.com/office/powerpoint/2010/main" xmlns:a14="http://schemas.microsoft.com/office/drawing/2010/main" xmlns:a16="http://schemas.microsoft.com/office/drawing/2014/main" xmlns="" w="9525">
+                <a14:hiddenLine xmlns="" xmlns:a16="http://schemas.microsoft.com/office/drawing/2014/main" xmlns:a14="http://schemas.microsoft.com/office/drawing/2010/main" xmlns:p14="http://schemas.microsoft.com/office/powerpoint/2010/main" w="9525">
                   <a:solidFill>
                     <a:srgbClr val="000000"/>
                   </a:solidFill>
@@ -29923,7 +29983,7 @@
             </a:ln>
             <a:extLst>
               <a:ext uri="{91240B29-F687-4f45-9708-019B960494DF}">
-                <a14:hiddenLine xmlns:p14="http://schemas.microsoft.com/office/powerpoint/2010/main" xmlns:a14="http://schemas.microsoft.com/office/drawing/2010/main" xmlns:a16="http://schemas.microsoft.com/office/drawing/2014/main" xmlns="" w="9525">
+                <a14:hiddenLine xmlns="" xmlns:a16="http://schemas.microsoft.com/office/drawing/2014/main" xmlns:a14="http://schemas.microsoft.com/office/drawing/2010/main" xmlns:p14="http://schemas.microsoft.com/office/powerpoint/2010/main" w="9525">
                   <a:solidFill>
                     <a:srgbClr val="000000"/>
                   </a:solidFill>
@@ -30007,7 +30067,7 @@
             </a:ln>
             <a:extLst>
               <a:ext uri="{91240B29-F687-4f45-9708-019B960494DF}">
-                <a14:hiddenLine xmlns:p14="http://schemas.microsoft.com/office/powerpoint/2010/main" xmlns:a14="http://schemas.microsoft.com/office/drawing/2010/main" xmlns:a16="http://schemas.microsoft.com/office/drawing/2014/main" xmlns="" w="9525">
+                <a14:hiddenLine xmlns="" xmlns:a16="http://schemas.microsoft.com/office/drawing/2014/main" xmlns:a14="http://schemas.microsoft.com/office/drawing/2010/main" xmlns:p14="http://schemas.microsoft.com/office/powerpoint/2010/main" w="9525">
                   <a:solidFill>
                     <a:srgbClr val="000000"/>
                   </a:solidFill>
@@ -30119,7 +30179,7 @@
             </a:ln>
             <a:extLst>
               <a:ext uri="{91240B29-F687-4f45-9708-019B960494DF}">
-                <a14:hiddenLine xmlns:p14="http://schemas.microsoft.com/office/powerpoint/2010/main" xmlns:a14="http://schemas.microsoft.com/office/drawing/2010/main" xmlns:a16="http://schemas.microsoft.com/office/drawing/2014/main" xmlns="" w="9525">
+                <a14:hiddenLine xmlns="" xmlns:a16="http://schemas.microsoft.com/office/drawing/2014/main" xmlns:a14="http://schemas.microsoft.com/office/drawing/2010/main" xmlns:p14="http://schemas.microsoft.com/office/powerpoint/2010/main" w="9525">
                   <a:solidFill>
                     <a:srgbClr val="000000"/>
                   </a:solidFill>
@@ -30203,7 +30263,7 @@
             </a:ln>
             <a:extLst>
               <a:ext uri="{91240B29-F687-4f45-9708-019B960494DF}">
-                <a14:hiddenLine xmlns:p14="http://schemas.microsoft.com/office/powerpoint/2010/main" xmlns:a14="http://schemas.microsoft.com/office/drawing/2010/main" xmlns:a16="http://schemas.microsoft.com/office/drawing/2014/main" xmlns="" w="9525">
+                <a14:hiddenLine xmlns="" xmlns:a16="http://schemas.microsoft.com/office/drawing/2014/main" xmlns:a14="http://schemas.microsoft.com/office/drawing/2010/main" xmlns:p14="http://schemas.microsoft.com/office/powerpoint/2010/main" w="9525">
                   <a:solidFill>
                     <a:srgbClr val="000000"/>
                   </a:solidFill>
@@ -30287,7 +30347,7 @@
             </a:ln>
             <a:extLst>
               <a:ext uri="{91240B29-F687-4f45-9708-019B960494DF}">
-                <a14:hiddenLine xmlns:p14="http://schemas.microsoft.com/office/powerpoint/2010/main" xmlns:a14="http://schemas.microsoft.com/office/drawing/2010/main" xmlns:a16="http://schemas.microsoft.com/office/drawing/2014/main" xmlns="" w="9525">
+                <a14:hiddenLine xmlns="" xmlns:a16="http://schemas.microsoft.com/office/drawing/2014/main" xmlns:a14="http://schemas.microsoft.com/office/drawing/2010/main" xmlns:p14="http://schemas.microsoft.com/office/powerpoint/2010/main" w="9525">
                   <a:solidFill>
                     <a:srgbClr val="000000"/>
                   </a:solidFill>
@@ -30399,7 +30459,7 @@
             </a:ln>
             <a:extLst>
               <a:ext uri="{91240B29-F687-4f45-9708-019B960494DF}">
-                <a14:hiddenLine xmlns:p14="http://schemas.microsoft.com/office/powerpoint/2010/main" xmlns:a14="http://schemas.microsoft.com/office/drawing/2010/main" xmlns:a16="http://schemas.microsoft.com/office/drawing/2014/main" xmlns="" w="9525">
+                <a14:hiddenLine xmlns="" xmlns:a16="http://schemas.microsoft.com/office/drawing/2014/main" xmlns:a14="http://schemas.microsoft.com/office/drawing/2010/main" xmlns:p14="http://schemas.microsoft.com/office/powerpoint/2010/main" w="9525">
                   <a:solidFill>
                     <a:srgbClr val="000000"/>
                   </a:solidFill>
@@ -30511,7 +30571,7 @@
             </a:ln>
             <a:extLst>
               <a:ext uri="{91240B29-F687-4f45-9708-019B960494DF}">
-                <a14:hiddenLine xmlns:p14="http://schemas.microsoft.com/office/powerpoint/2010/main" xmlns:a14="http://schemas.microsoft.com/office/drawing/2010/main" xmlns:a16="http://schemas.microsoft.com/office/drawing/2014/main" xmlns="" w="9525">
+                <a14:hiddenLine xmlns="" xmlns:a16="http://schemas.microsoft.com/office/drawing/2014/main" xmlns:a14="http://schemas.microsoft.com/office/drawing/2010/main" xmlns:p14="http://schemas.microsoft.com/office/powerpoint/2010/main" w="9525">
                   <a:solidFill>
                     <a:srgbClr val="000000"/>
                   </a:solidFill>
@@ -30595,7 +30655,7 @@
             </a:ln>
             <a:extLst>
               <a:ext uri="{91240B29-F687-4f45-9708-019B960494DF}">
-                <a14:hiddenLine xmlns:p14="http://schemas.microsoft.com/office/powerpoint/2010/main" xmlns:a14="http://schemas.microsoft.com/office/drawing/2010/main" xmlns:a16="http://schemas.microsoft.com/office/drawing/2014/main" xmlns="" w="9525">
+                <a14:hiddenLine xmlns="" xmlns:a16="http://schemas.microsoft.com/office/drawing/2014/main" xmlns:a14="http://schemas.microsoft.com/office/drawing/2010/main" xmlns:p14="http://schemas.microsoft.com/office/powerpoint/2010/main" w="9525">
                   <a:solidFill>
                     <a:srgbClr val="000000"/>
                   </a:solidFill>
@@ -30727,7 +30787,7 @@
             </a:ln>
             <a:extLst>
               <a:ext uri="{91240B29-F687-4f45-9708-019B960494DF}">
-                <a14:hiddenLine xmlns:p14="http://schemas.microsoft.com/office/powerpoint/2010/main" xmlns:a14="http://schemas.microsoft.com/office/drawing/2010/main" xmlns:a16="http://schemas.microsoft.com/office/drawing/2014/main" xmlns="" w="9525">
+                <a14:hiddenLine xmlns="" xmlns:a16="http://schemas.microsoft.com/office/drawing/2014/main" xmlns:a14="http://schemas.microsoft.com/office/drawing/2010/main" xmlns:p14="http://schemas.microsoft.com/office/powerpoint/2010/main" w="9525">
                   <a:solidFill>
                     <a:srgbClr val="000000"/>
                   </a:solidFill>
@@ -30811,7 +30871,7 @@
             </a:ln>
             <a:extLst>
               <a:ext uri="{91240B29-F687-4f45-9708-019B960494DF}">
-                <a14:hiddenLine xmlns:p14="http://schemas.microsoft.com/office/powerpoint/2010/main" xmlns:a14="http://schemas.microsoft.com/office/drawing/2010/main" xmlns:a16="http://schemas.microsoft.com/office/drawing/2014/main" xmlns="" w="9525">
+                <a14:hiddenLine xmlns="" xmlns:a16="http://schemas.microsoft.com/office/drawing/2014/main" xmlns:a14="http://schemas.microsoft.com/office/drawing/2010/main" xmlns:p14="http://schemas.microsoft.com/office/powerpoint/2010/main" w="9525">
                   <a:solidFill>
                     <a:srgbClr val="000000"/>
                   </a:solidFill>
@@ -30923,7 +30983,7 @@
             </a:ln>
             <a:extLst>
               <a:ext uri="{91240B29-F687-4f45-9708-019B960494DF}">
-                <a14:hiddenLine xmlns:p14="http://schemas.microsoft.com/office/powerpoint/2010/main" xmlns:a14="http://schemas.microsoft.com/office/drawing/2010/main" xmlns:a16="http://schemas.microsoft.com/office/drawing/2014/main" xmlns="" w="9525">
+                <a14:hiddenLine xmlns="" xmlns:a16="http://schemas.microsoft.com/office/drawing/2014/main" xmlns:a14="http://schemas.microsoft.com/office/drawing/2010/main" xmlns:p14="http://schemas.microsoft.com/office/powerpoint/2010/main" w="9525">
                   <a:solidFill>
                     <a:srgbClr val="000000"/>
                   </a:solidFill>
@@ -31035,7 +31095,7 @@
             </a:ln>
             <a:extLst>
               <a:ext uri="{91240B29-F687-4f45-9708-019B960494DF}">
-                <a14:hiddenLine xmlns:p14="http://schemas.microsoft.com/office/powerpoint/2010/main" xmlns:a14="http://schemas.microsoft.com/office/drawing/2010/main" xmlns:a16="http://schemas.microsoft.com/office/drawing/2014/main" xmlns="" w="9525">
+                <a14:hiddenLine xmlns="" xmlns:a16="http://schemas.microsoft.com/office/drawing/2014/main" xmlns:a14="http://schemas.microsoft.com/office/drawing/2010/main" xmlns:p14="http://schemas.microsoft.com/office/powerpoint/2010/main" w="9525">
                   <a:solidFill>
                     <a:srgbClr val="000000"/>
                   </a:solidFill>
@@ -31119,7 +31179,7 @@
             </a:ln>
             <a:extLst>
               <a:ext uri="{91240B29-F687-4f45-9708-019B960494DF}">
-                <a14:hiddenLine xmlns:p14="http://schemas.microsoft.com/office/powerpoint/2010/main" xmlns:a14="http://schemas.microsoft.com/office/drawing/2010/main" xmlns:a16="http://schemas.microsoft.com/office/drawing/2014/main" xmlns="" w="9525">
+                <a14:hiddenLine xmlns="" xmlns:a16="http://schemas.microsoft.com/office/drawing/2014/main" xmlns:a14="http://schemas.microsoft.com/office/drawing/2010/main" xmlns:p14="http://schemas.microsoft.com/office/powerpoint/2010/main" w="9525">
                   <a:solidFill>
                     <a:srgbClr val="000000"/>
                   </a:solidFill>
@@ -31231,7 +31291,7 @@
             </a:ln>
             <a:extLst>
               <a:ext uri="{91240B29-F687-4f45-9708-019B960494DF}">
-                <a14:hiddenLine xmlns:p14="http://schemas.microsoft.com/office/powerpoint/2010/main" xmlns:a14="http://schemas.microsoft.com/office/drawing/2010/main" xmlns:a16="http://schemas.microsoft.com/office/drawing/2014/main" xmlns="" w="9525">
+                <a14:hiddenLine xmlns="" xmlns:a16="http://schemas.microsoft.com/office/drawing/2014/main" xmlns:a14="http://schemas.microsoft.com/office/drawing/2010/main" xmlns:p14="http://schemas.microsoft.com/office/powerpoint/2010/main" w="9525">
                   <a:solidFill>
                     <a:srgbClr val="000000"/>
                   </a:solidFill>
@@ -31343,7 +31403,7 @@
             </a:ln>
             <a:extLst>
               <a:ext uri="{91240B29-F687-4f45-9708-019B960494DF}">
-                <a14:hiddenLine xmlns:p14="http://schemas.microsoft.com/office/powerpoint/2010/main" xmlns:a14="http://schemas.microsoft.com/office/drawing/2010/main" xmlns:a16="http://schemas.microsoft.com/office/drawing/2014/main" xmlns="" w="9525">
+                <a14:hiddenLine xmlns="" xmlns:a16="http://schemas.microsoft.com/office/drawing/2014/main" xmlns:a14="http://schemas.microsoft.com/office/drawing/2010/main" xmlns:p14="http://schemas.microsoft.com/office/powerpoint/2010/main" w="9525">
                   <a:solidFill>
                     <a:srgbClr val="000000"/>
                   </a:solidFill>
@@ -31421,7 +31481,7 @@
             </a:ln>
             <a:extLst>
               <a:ext uri="{91240B29-F687-4f45-9708-019B960494DF}">
-                <a14:hiddenLine xmlns:p14="http://schemas.microsoft.com/office/powerpoint/2010/main" xmlns:a14="http://schemas.microsoft.com/office/drawing/2010/main" xmlns:a16="http://schemas.microsoft.com/office/drawing/2014/main" xmlns="" w="9525">
+                <a14:hiddenLine xmlns="" xmlns:a16="http://schemas.microsoft.com/office/drawing/2014/main" xmlns:a14="http://schemas.microsoft.com/office/drawing/2010/main" xmlns:p14="http://schemas.microsoft.com/office/powerpoint/2010/main" w="9525">
                   <a:solidFill>
                     <a:srgbClr val="000000"/>
                   </a:solidFill>
@@ -31533,7 +31593,7 @@
             </a:ln>
             <a:extLst>
               <a:ext uri="{91240B29-F687-4f45-9708-019B960494DF}">
-                <a14:hiddenLine xmlns:p14="http://schemas.microsoft.com/office/powerpoint/2010/main" xmlns:a14="http://schemas.microsoft.com/office/drawing/2010/main" xmlns:a16="http://schemas.microsoft.com/office/drawing/2014/main" xmlns="" w="9525">
+                <a14:hiddenLine xmlns="" xmlns:a16="http://schemas.microsoft.com/office/drawing/2014/main" xmlns:a14="http://schemas.microsoft.com/office/drawing/2010/main" xmlns:p14="http://schemas.microsoft.com/office/powerpoint/2010/main" w="9525">
                   <a:solidFill>
                     <a:srgbClr val="000000"/>
                   </a:solidFill>
@@ -31611,7 +31671,7 @@
             </a:ln>
             <a:extLst>
               <a:ext uri="{91240B29-F687-4f45-9708-019B960494DF}">
-                <a14:hiddenLine xmlns:p14="http://schemas.microsoft.com/office/powerpoint/2010/main" xmlns:a14="http://schemas.microsoft.com/office/drawing/2010/main" xmlns:a16="http://schemas.microsoft.com/office/drawing/2014/main" xmlns="" w="9525">
+                <a14:hiddenLine xmlns="" xmlns:a16="http://schemas.microsoft.com/office/drawing/2014/main" xmlns:a14="http://schemas.microsoft.com/office/drawing/2010/main" xmlns:p14="http://schemas.microsoft.com/office/powerpoint/2010/main" w="9525">
                   <a:solidFill>
                     <a:srgbClr val="000000"/>
                   </a:solidFill>
@@ -31723,7 +31783,7 @@
             </a:ln>
             <a:extLst>
               <a:ext uri="{91240B29-F687-4f45-9708-019B960494DF}">
-                <a14:hiddenLine xmlns:p14="http://schemas.microsoft.com/office/powerpoint/2010/main" xmlns:a14="http://schemas.microsoft.com/office/drawing/2010/main" xmlns:a16="http://schemas.microsoft.com/office/drawing/2014/main" xmlns="" w="9525">
+                <a14:hiddenLine xmlns="" xmlns:a16="http://schemas.microsoft.com/office/drawing/2014/main" xmlns:a14="http://schemas.microsoft.com/office/drawing/2010/main" xmlns:p14="http://schemas.microsoft.com/office/powerpoint/2010/main" w="9525">
                   <a:solidFill>
                     <a:srgbClr val="000000"/>
                   </a:solidFill>
@@ -31813,7 +31873,7 @@
             </a:ln>
             <a:extLst>
               <a:ext uri="{91240B29-F687-4f45-9708-019B960494DF}">
-                <a14:hiddenLine xmlns:p14="http://schemas.microsoft.com/office/powerpoint/2010/main" xmlns:a14="http://schemas.microsoft.com/office/drawing/2010/main" xmlns:a16="http://schemas.microsoft.com/office/drawing/2014/main" xmlns="" w="9525">
+                <a14:hiddenLine xmlns="" xmlns:a16="http://schemas.microsoft.com/office/drawing/2014/main" xmlns:a14="http://schemas.microsoft.com/office/drawing/2010/main" xmlns:p14="http://schemas.microsoft.com/office/powerpoint/2010/main" w="9525">
                   <a:solidFill>
                     <a:srgbClr val="000000"/>
                   </a:solidFill>
@@ -31925,7 +31985,7 @@
             </a:ln>
             <a:extLst>
               <a:ext uri="{91240B29-F687-4f45-9708-019B960494DF}">
-                <a14:hiddenLine xmlns:p14="http://schemas.microsoft.com/office/powerpoint/2010/main" xmlns:a14="http://schemas.microsoft.com/office/drawing/2010/main" xmlns:a16="http://schemas.microsoft.com/office/drawing/2014/main" xmlns="" w="9525">
+                <a14:hiddenLine xmlns="" xmlns:a16="http://schemas.microsoft.com/office/drawing/2014/main" xmlns:a14="http://schemas.microsoft.com/office/drawing/2010/main" xmlns:p14="http://schemas.microsoft.com/office/powerpoint/2010/main" w="9525">
                   <a:solidFill>
                     <a:srgbClr val="000000"/>
                   </a:solidFill>
@@ -32015,7 +32075,7 @@
             </a:ln>
             <a:extLst>
               <a:ext uri="{91240B29-F687-4f45-9708-019B960494DF}">
-                <a14:hiddenLine xmlns:p14="http://schemas.microsoft.com/office/powerpoint/2010/main" xmlns:a14="http://schemas.microsoft.com/office/drawing/2010/main" xmlns:a16="http://schemas.microsoft.com/office/drawing/2014/main" xmlns="" w="9525">
+                <a14:hiddenLine xmlns="" xmlns:a16="http://schemas.microsoft.com/office/drawing/2014/main" xmlns:a14="http://schemas.microsoft.com/office/drawing/2010/main" xmlns:p14="http://schemas.microsoft.com/office/powerpoint/2010/main" w="9525">
                   <a:solidFill>
                     <a:srgbClr val="000000"/>
                   </a:solidFill>
@@ -32127,7 +32187,7 @@
             </a:ln>
             <a:extLst>
               <a:ext uri="{91240B29-F687-4f45-9708-019B960494DF}">
-                <a14:hiddenLine xmlns:p14="http://schemas.microsoft.com/office/powerpoint/2010/main" xmlns:a14="http://schemas.microsoft.com/office/drawing/2010/main" xmlns:a16="http://schemas.microsoft.com/office/drawing/2014/main" xmlns="" w="9525">
+                <a14:hiddenLine xmlns="" xmlns:a16="http://schemas.microsoft.com/office/drawing/2014/main" xmlns:a14="http://schemas.microsoft.com/office/drawing/2010/main" xmlns:p14="http://schemas.microsoft.com/office/powerpoint/2010/main" w="9525">
                   <a:solidFill>
                     <a:srgbClr val="000000"/>
                   </a:solidFill>
@@ -32183,7 +32243,7 @@
             </a:ln>
             <a:extLst>
               <a:ext uri="{91240B29-F687-4f45-9708-019B960494DF}">
-                <a14:hiddenLine xmlns:p14="http://schemas.microsoft.com/office/powerpoint/2010/main" xmlns:a14="http://schemas.microsoft.com/office/drawing/2010/main" xmlns:a16="http://schemas.microsoft.com/office/drawing/2014/main" xmlns="" w="9525">
+                <a14:hiddenLine xmlns="" xmlns:a16="http://schemas.microsoft.com/office/drawing/2014/main" xmlns:a14="http://schemas.microsoft.com/office/drawing/2010/main" xmlns:p14="http://schemas.microsoft.com/office/powerpoint/2010/main" w="9525">
                   <a:solidFill>
                     <a:srgbClr val="000000"/>
                   </a:solidFill>
@@ -32295,7 +32355,7 @@
             </a:ln>
             <a:extLst>
               <a:ext uri="{91240B29-F687-4f45-9708-019B960494DF}">
-                <a14:hiddenLine xmlns:p14="http://schemas.microsoft.com/office/powerpoint/2010/main" xmlns:a14="http://schemas.microsoft.com/office/drawing/2010/main" xmlns:a16="http://schemas.microsoft.com/office/drawing/2014/main" xmlns="" w="9525">
+                <a14:hiddenLine xmlns="" xmlns:a16="http://schemas.microsoft.com/office/drawing/2014/main" xmlns:a14="http://schemas.microsoft.com/office/drawing/2010/main" xmlns:p14="http://schemas.microsoft.com/office/powerpoint/2010/main" w="9525">
                   <a:solidFill>
                     <a:srgbClr val="000000"/>
                   </a:solidFill>
@@ -32379,7 +32439,7 @@
             </a:ln>
             <a:extLst>
               <a:ext uri="{91240B29-F687-4f45-9708-019B960494DF}">
-                <a14:hiddenLine xmlns:p14="http://schemas.microsoft.com/office/powerpoint/2010/main" xmlns:a14="http://schemas.microsoft.com/office/drawing/2010/main" xmlns:a16="http://schemas.microsoft.com/office/drawing/2014/main" xmlns="" w="9525">
+                <a14:hiddenLine xmlns="" xmlns:a16="http://schemas.microsoft.com/office/drawing/2014/main" xmlns:a14="http://schemas.microsoft.com/office/drawing/2010/main" xmlns:p14="http://schemas.microsoft.com/office/powerpoint/2010/main" w="9525">
                   <a:solidFill>
                     <a:srgbClr val="000000"/>
                   </a:solidFill>
@@ -32463,7 +32523,7 @@
             </a:ln>
             <a:extLst>
               <a:ext uri="{91240B29-F687-4f45-9708-019B960494DF}">
-                <a14:hiddenLine xmlns:p14="http://schemas.microsoft.com/office/powerpoint/2010/main" xmlns:a14="http://schemas.microsoft.com/office/drawing/2010/main" xmlns:a16="http://schemas.microsoft.com/office/drawing/2014/main" xmlns="" w="9525">
+                <a14:hiddenLine xmlns="" xmlns:a16="http://schemas.microsoft.com/office/drawing/2014/main" xmlns:a14="http://schemas.microsoft.com/office/drawing/2010/main" xmlns:p14="http://schemas.microsoft.com/office/powerpoint/2010/main" w="9525">
                   <a:solidFill>
                     <a:srgbClr val="000000"/>
                   </a:solidFill>
@@ -32575,7 +32635,7 @@
             </a:ln>
             <a:extLst>
               <a:ext uri="{91240B29-F687-4f45-9708-019B960494DF}">
-                <a14:hiddenLine xmlns:p14="http://schemas.microsoft.com/office/powerpoint/2010/main" xmlns:a14="http://schemas.microsoft.com/office/drawing/2010/main" xmlns:a16="http://schemas.microsoft.com/office/drawing/2014/main" xmlns="" w="9525">
+                <a14:hiddenLine xmlns="" xmlns:a16="http://schemas.microsoft.com/office/drawing/2014/main" xmlns:a14="http://schemas.microsoft.com/office/drawing/2010/main" xmlns:p14="http://schemas.microsoft.com/office/powerpoint/2010/main" w="9525">
                   <a:solidFill>
                     <a:srgbClr val="000000"/>
                   </a:solidFill>
@@ -32665,7 +32725,7 @@
             </a:ln>
             <a:extLst>
               <a:ext uri="{91240B29-F687-4f45-9708-019B960494DF}">
-                <a14:hiddenLine xmlns:p14="http://schemas.microsoft.com/office/powerpoint/2010/main" xmlns:a14="http://schemas.microsoft.com/office/drawing/2010/main" xmlns:a16="http://schemas.microsoft.com/office/drawing/2014/main" xmlns="" w="9525">
+                <a14:hiddenLine xmlns="" xmlns:a16="http://schemas.microsoft.com/office/drawing/2014/main" xmlns:a14="http://schemas.microsoft.com/office/drawing/2010/main" xmlns:p14="http://schemas.microsoft.com/office/powerpoint/2010/main" w="9525">
                   <a:solidFill>
                     <a:srgbClr val="000000"/>
                   </a:solidFill>
@@ -32749,7 +32809,7 @@
             </a:ln>
             <a:extLst>
               <a:ext uri="{91240B29-F687-4f45-9708-019B960494DF}">
-                <a14:hiddenLine xmlns:p14="http://schemas.microsoft.com/office/powerpoint/2010/main" xmlns:a14="http://schemas.microsoft.com/office/drawing/2010/main" xmlns:a16="http://schemas.microsoft.com/office/drawing/2014/main" xmlns="" w="9525">
+                <a14:hiddenLine xmlns="" xmlns:a16="http://schemas.microsoft.com/office/drawing/2014/main" xmlns:a14="http://schemas.microsoft.com/office/drawing/2010/main" xmlns:p14="http://schemas.microsoft.com/office/powerpoint/2010/main" w="9525">
                   <a:solidFill>
                     <a:srgbClr val="000000"/>
                   </a:solidFill>
@@ -32861,7 +32921,7 @@
             </a:ln>
             <a:extLst>
               <a:ext uri="{91240B29-F687-4f45-9708-019B960494DF}">
-                <a14:hiddenLine xmlns:p14="http://schemas.microsoft.com/office/powerpoint/2010/main" xmlns:a14="http://schemas.microsoft.com/office/drawing/2010/main" xmlns:a16="http://schemas.microsoft.com/office/drawing/2014/main" xmlns="" w="9525">
+                <a14:hiddenLine xmlns="" xmlns:a16="http://schemas.microsoft.com/office/drawing/2014/main" xmlns:a14="http://schemas.microsoft.com/office/drawing/2010/main" xmlns:p14="http://schemas.microsoft.com/office/powerpoint/2010/main" w="9525">
                   <a:solidFill>
                     <a:srgbClr val="000000"/>
                   </a:solidFill>
@@ -32945,7 +33005,7 @@
             </a:ln>
             <a:extLst>
               <a:ext uri="{91240B29-F687-4f45-9708-019B960494DF}">
-                <a14:hiddenLine xmlns:p14="http://schemas.microsoft.com/office/powerpoint/2010/main" xmlns:a14="http://schemas.microsoft.com/office/drawing/2010/main" xmlns:a16="http://schemas.microsoft.com/office/drawing/2014/main" xmlns="" w="9525">
+                <a14:hiddenLine xmlns="" xmlns:a16="http://schemas.microsoft.com/office/drawing/2014/main" xmlns:a14="http://schemas.microsoft.com/office/drawing/2010/main" xmlns:p14="http://schemas.microsoft.com/office/powerpoint/2010/main" w="9525">
                   <a:solidFill>
                     <a:srgbClr val="000000"/>
                   </a:solidFill>
@@ -33057,7 +33117,7 @@
             </a:ln>
             <a:extLst>
               <a:ext uri="{91240B29-F687-4f45-9708-019B960494DF}">
-                <a14:hiddenLine xmlns:p14="http://schemas.microsoft.com/office/powerpoint/2010/main" xmlns:a14="http://schemas.microsoft.com/office/drawing/2010/main" xmlns:a16="http://schemas.microsoft.com/office/drawing/2014/main" xmlns="" w="9525">
+                <a14:hiddenLine xmlns="" xmlns:a16="http://schemas.microsoft.com/office/drawing/2014/main" xmlns:a14="http://schemas.microsoft.com/office/drawing/2010/main" xmlns:p14="http://schemas.microsoft.com/office/powerpoint/2010/main" w="9525">
                   <a:solidFill>
                     <a:srgbClr val="000000"/>
                   </a:solidFill>
@@ -33141,7 +33201,7 @@
             </a:ln>
             <a:extLst>
               <a:ext uri="{91240B29-F687-4f45-9708-019B960494DF}">
-                <a14:hiddenLine xmlns:p14="http://schemas.microsoft.com/office/powerpoint/2010/main" xmlns:a14="http://schemas.microsoft.com/office/drawing/2010/main" xmlns:a16="http://schemas.microsoft.com/office/drawing/2014/main" xmlns="" w="9525">
+                <a14:hiddenLine xmlns="" xmlns:a16="http://schemas.microsoft.com/office/drawing/2014/main" xmlns:a14="http://schemas.microsoft.com/office/drawing/2010/main" xmlns:p14="http://schemas.microsoft.com/office/powerpoint/2010/main" w="9525">
                   <a:solidFill>
                     <a:srgbClr val="000000"/>
                   </a:solidFill>
@@ -33253,7 +33313,7 @@
             </a:ln>
             <a:extLst>
               <a:ext uri="{91240B29-F687-4f45-9708-019B960494DF}">
-                <a14:hiddenLine xmlns:p14="http://schemas.microsoft.com/office/powerpoint/2010/main" xmlns:a14="http://schemas.microsoft.com/office/drawing/2010/main" xmlns:a16="http://schemas.microsoft.com/office/drawing/2014/main" xmlns="" w="9525">
+                <a14:hiddenLine xmlns="" xmlns:a16="http://schemas.microsoft.com/office/drawing/2014/main" xmlns:a14="http://schemas.microsoft.com/office/drawing/2010/main" xmlns:p14="http://schemas.microsoft.com/office/powerpoint/2010/main" w="9525">
                   <a:solidFill>
                     <a:srgbClr val="000000"/>
                   </a:solidFill>
@@ -33309,7 +33369,7 @@
             </a:ln>
             <a:extLst>
               <a:ext uri="{91240B29-F687-4f45-9708-019B960494DF}">
-                <a14:hiddenLine xmlns:p14="http://schemas.microsoft.com/office/powerpoint/2010/main" xmlns:a14="http://schemas.microsoft.com/office/drawing/2010/main" xmlns:a16="http://schemas.microsoft.com/office/drawing/2014/main" xmlns="" w="9525">
+                <a14:hiddenLine xmlns="" xmlns:a16="http://schemas.microsoft.com/office/drawing/2014/main" xmlns:a14="http://schemas.microsoft.com/office/drawing/2010/main" xmlns:p14="http://schemas.microsoft.com/office/powerpoint/2010/main" w="9525">
                   <a:solidFill>
                     <a:srgbClr val="000000"/>
                   </a:solidFill>
@@ -33396,7 +33456,7 @@
             </a:ln>
             <a:extLst>
               <a:ext uri="{91240B29-F687-4f45-9708-019B960494DF}">
-                <a14:hiddenLine xmlns:p14="http://schemas.microsoft.com/office/powerpoint/2010/main" xmlns:a14="http://schemas.microsoft.com/office/drawing/2010/main" xmlns:a16="http://schemas.microsoft.com/office/drawing/2014/main" xmlns="" w="9525">
+                <a14:hiddenLine xmlns="" xmlns:a16="http://schemas.microsoft.com/office/drawing/2014/main" xmlns:a14="http://schemas.microsoft.com/office/drawing/2010/main" xmlns:p14="http://schemas.microsoft.com/office/powerpoint/2010/main" w="9525">
                   <a:solidFill>
                     <a:srgbClr val="000000"/>
                   </a:solidFill>
@@ -33508,7 +33568,7 @@
             </a:ln>
             <a:extLst>
               <a:ext uri="{91240B29-F687-4f45-9708-019B960494DF}">
-                <a14:hiddenLine xmlns:p14="http://schemas.microsoft.com/office/powerpoint/2010/main" xmlns:a14="http://schemas.microsoft.com/office/drawing/2010/main" xmlns:a16="http://schemas.microsoft.com/office/drawing/2014/main" xmlns="" w="9525">
+                <a14:hiddenLine xmlns="" xmlns:a16="http://schemas.microsoft.com/office/drawing/2014/main" xmlns:a14="http://schemas.microsoft.com/office/drawing/2010/main" xmlns:p14="http://schemas.microsoft.com/office/powerpoint/2010/main" w="9525">
                   <a:solidFill>
                     <a:srgbClr val="000000"/>
                   </a:solidFill>
@@ -33592,7 +33652,7 @@
             </a:ln>
             <a:extLst>
               <a:ext uri="{91240B29-F687-4f45-9708-019B960494DF}">
-                <a14:hiddenLine xmlns:p14="http://schemas.microsoft.com/office/powerpoint/2010/main" xmlns:a14="http://schemas.microsoft.com/office/drawing/2010/main" xmlns:a16="http://schemas.microsoft.com/office/drawing/2014/main" xmlns="" w="9525">
+                <a14:hiddenLine xmlns="" xmlns:a16="http://schemas.microsoft.com/office/drawing/2014/main" xmlns:a14="http://schemas.microsoft.com/office/drawing/2010/main" xmlns:p14="http://schemas.microsoft.com/office/powerpoint/2010/main" w="9525">
                   <a:solidFill>
                     <a:srgbClr val="000000"/>
                   </a:solidFill>
@@ -33704,7 +33764,7 @@
             </a:ln>
             <a:extLst>
               <a:ext uri="{91240B29-F687-4f45-9708-019B960494DF}">
-                <a14:hiddenLine xmlns:p14="http://schemas.microsoft.com/office/powerpoint/2010/main" xmlns:a14="http://schemas.microsoft.com/office/drawing/2010/main" xmlns:a16="http://schemas.microsoft.com/office/drawing/2014/main" xmlns="" w="9525">
+                <a14:hiddenLine xmlns="" xmlns:a16="http://schemas.microsoft.com/office/drawing/2014/main" xmlns:a14="http://schemas.microsoft.com/office/drawing/2010/main" xmlns:p14="http://schemas.microsoft.com/office/powerpoint/2010/main" w="9525">
                   <a:solidFill>
                     <a:srgbClr val="000000"/>
                   </a:solidFill>
@@ -33816,7 +33876,7 @@
             </a:ln>
             <a:extLst>
               <a:ext uri="{91240B29-F687-4f45-9708-019B960494DF}">
-                <a14:hiddenLine xmlns:p14="http://schemas.microsoft.com/office/powerpoint/2010/main" xmlns:a14="http://schemas.microsoft.com/office/drawing/2010/main" xmlns:a16="http://schemas.microsoft.com/office/drawing/2014/main" xmlns="" w="9525">
+                <a14:hiddenLine xmlns="" xmlns:a16="http://schemas.microsoft.com/office/drawing/2014/main" xmlns:a14="http://schemas.microsoft.com/office/drawing/2010/main" xmlns:p14="http://schemas.microsoft.com/office/powerpoint/2010/main" w="9525">
                   <a:solidFill>
                     <a:srgbClr val="000000"/>
                   </a:solidFill>
@@ -33903,7 +33963,7 @@
             </a:ln>
             <a:extLst>
               <a:ext uri="{91240B29-F687-4f45-9708-019B960494DF}">
-                <a14:hiddenLine xmlns:p14="http://schemas.microsoft.com/office/powerpoint/2010/main" xmlns:a14="http://schemas.microsoft.com/office/drawing/2010/main" xmlns:a16="http://schemas.microsoft.com/office/drawing/2014/main" xmlns="" w="9525">
+                <a14:hiddenLine xmlns="" xmlns:a16="http://schemas.microsoft.com/office/drawing/2014/main" xmlns:a14="http://schemas.microsoft.com/office/drawing/2010/main" xmlns:p14="http://schemas.microsoft.com/office/powerpoint/2010/main" w="9525">
                   <a:solidFill>
                     <a:srgbClr val="000000"/>
                   </a:solidFill>
@@ -33987,7 +34047,7 @@
             </a:ln>
             <a:extLst>
               <a:ext uri="{91240B29-F687-4f45-9708-019B960494DF}">
-                <a14:hiddenLine xmlns:p14="http://schemas.microsoft.com/office/powerpoint/2010/main" xmlns:a14="http://schemas.microsoft.com/office/drawing/2010/main" xmlns:a16="http://schemas.microsoft.com/office/drawing/2014/main" xmlns="" w="9525">
+                <a14:hiddenLine xmlns="" xmlns:a16="http://schemas.microsoft.com/office/drawing/2014/main" xmlns:a14="http://schemas.microsoft.com/office/drawing/2010/main" xmlns:p14="http://schemas.microsoft.com/office/powerpoint/2010/main" w="9525">
                   <a:solidFill>
                     <a:srgbClr val="000000"/>
                   </a:solidFill>
@@ -34099,7 +34159,7 @@
             </a:ln>
             <a:extLst>
               <a:ext uri="{91240B29-F687-4f45-9708-019B960494DF}">
-                <a14:hiddenLine xmlns:p14="http://schemas.microsoft.com/office/powerpoint/2010/main" xmlns:a14="http://schemas.microsoft.com/office/drawing/2010/main" xmlns:a16="http://schemas.microsoft.com/office/drawing/2014/main" xmlns="" w="9525">
+                <a14:hiddenLine xmlns="" xmlns:a16="http://schemas.microsoft.com/office/drawing/2014/main" xmlns:a14="http://schemas.microsoft.com/office/drawing/2010/main" xmlns:p14="http://schemas.microsoft.com/office/powerpoint/2010/main" w="9525">
                   <a:solidFill>
                     <a:srgbClr val="000000"/>
                   </a:solidFill>
@@ -34211,7 +34271,7 @@
             </a:ln>
             <a:extLst>
               <a:ext uri="{91240B29-F687-4f45-9708-019B960494DF}">
-                <a14:hiddenLine xmlns:p14="http://schemas.microsoft.com/office/powerpoint/2010/main" xmlns:a14="http://schemas.microsoft.com/office/drawing/2010/main" xmlns:a16="http://schemas.microsoft.com/office/drawing/2014/main" xmlns="" w="9525">
+                <a14:hiddenLine xmlns="" xmlns:a16="http://schemas.microsoft.com/office/drawing/2014/main" xmlns:a14="http://schemas.microsoft.com/office/drawing/2010/main" xmlns:p14="http://schemas.microsoft.com/office/powerpoint/2010/main" w="9525">
                   <a:solidFill>
                     <a:srgbClr val="000000"/>
                   </a:solidFill>
@@ -34295,7 +34355,7 @@
             </a:ln>
             <a:extLst>
               <a:ext uri="{91240B29-F687-4f45-9708-019B960494DF}">
-                <a14:hiddenLine xmlns:p14="http://schemas.microsoft.com/office/powerpoint/2010/main" xmlns:a14="http://schemas.microsoft.com/office/drawing/2010/main" xmlns:a16="http://schemas.microsoft.com/office/drawing/2014/main" xmlns="" w="9525">
+                <a14:hiddenLine xmlns="" xmlns:a16="http://schemas.microsoft.com/office/drawing/2014/main" xmlns:a14="http://schemas.microsoft.com/office/drawing/2010/main" xmlns:p14="http://schemas.microsoft.com/office/powerpoint/2010/main" w="9525">
                   <a:solidFill>
                     <a:srgbClr val="000000"/>
                   </a:solidFill>
@@ -34437,7 +34497,7 @@
             </a:ln>
             <a:extLst>
               <a:ext uri="{91240B29-F687-4f45-9708-019B960494DF}">
-                <a14:hiddenLine xmlns:p14="http://schemas.microsoft.com/office/powerpoint/2010/main" xmlns:a14="http://schemas.microsoft.com/office/drawing/2010/main" xmlns:a16="http://schemas.microsoft.com/office/drawing/2014/main" xmlns="" w="9525">
+                <a14:hiddenLine xmlns="" xmlns:a16="http://schemas.microsoft.com/office/drawing/2014/main" xmlns:a14="http://schemas.microsoft.com/office/drawing/2010/main" xmlns:p14="http://schemas.microsoft.com/office/powerpoint/2010/main" w="9525">
                   <a:solidFill>
                     <a:srgbClr val="000000"/>
                   </a:solidFill>
@@ -34527,7 +34587,7 @@
             </a:ln>
             <a:extLst>
               <a:ext uri="{91240B29-F687-4f45-9708-019B960494DF}">
-                <a14:hiddenLine xmlns:p14="http://schemas.microsoft.com/office/powerpoint/2010/main" xmlns:a14="http://schemas.microsoft.com/office/drawing/2010/main" xmlns:a16="http://schemas.microsoft.com/office/drawing/2014/main" xmlns="" w="9525">
+                <a14:hiddenLine xmlns="" xmlns:a16="http://schemas.microsoft.com/office/drawing/2014/main" xmlns:a14="http://schemas.microsoft.com/office/drawing/2010/main" xmlns:p14="http://schemas.microsoft.com/office/powerpoint/2010/main" w="9525">
                   <a:solidFill>
                     <a:srgbClr val="000000"/>
                   </a:solidFill>
@@ -34639,7 +34699,7 @@
             </a:ln>
             <a:extLst>
               <a:ext uri="{91240B29-F687-4f45-9708-019B960494DF}">
-                <a14:hiddenLine xmlns:p14="http://schemas.microsoft.com/office/powerpoint/2010/main" xmlns:a14="http://schemas.microsoft.com/office/drawing/2010/main" xmlns:a16="http://schemas.microsoft.com/office/drawing/2014/main" xmlns="" w="9525">
+                <a14:hiddenLine xmlns="" xmlns:a16="http://schemas.microsoft.com/office/drawing/2014/main" xmlns:a14="http://schemas.microsoft.com/office/drawing/2010/main" xmlns:p14="http://schemas.microsoft.com/office/powerpoint/2010/main" w="9525">
                   <a:solidFill>
                     <a:srgbClr val="000000"/>
                   </a:solidFill>
@@ -34776,7 +34836,7 @@
             </a:ln>
             <a:extLst>
               <a:ext uri="{91240B29-F687-4f45-9708-019B960494DF}">
-                <a14:hiddenLine xmlns:p14="http://schemas.microsoft.com/office/powerpoint/2010/main" xmlns:a14="http://schemas.microsoft.com/office/drawing/2010/main" xmlns:a16="http://schemas.microsoft.com/office/drawing/2014/main" xmlns="" w="9525">
+                <a14:hiddenLine xmlns="" xmlns:a16="http://schemas.microsoft.com/office/drawing/2014/main" xmlns:a14="http://schemas.microsoft.com/office/drawing/2010/main" xmlns:p14="http://schemas.microsoft.com/office/powerpoint/2010/main" w="9525">
                   <a:solidFill>
                     <a:srgbClr val="000000"/>
                   </a:solidFill>
@@ -34913,7 +34973,7 @@
             </a:ln>
             <a:extLst>
               <a:ext uri="{91240B29-F687-4f45-9708-019B960494DF}">
-                <a14:hiddenLine xmlns:p14="http://schemas.microsoft.com/office/powerpoint/2010/main" xmlns:a14="http://schemas.microsoft.com/office/drawing/2010/main" xmlns:a16="http://schemas.microsoft.com/office/drawing/2014/main" xmlns="" w="9525">
+                <a14:hiddenLine xmlns="" xmlns:a16="http://schemas.microsoft.com/office/drawing/2014/main" xmlns:a14="http://schemas.microsoft.com/office/drawing/2010/main" xmlns:p14="http://schemas.microsoft.com/office/powerpoint/2010/main" w="9525">
                   <a:solidFill>
                     <a:srgbClr val="000000"/>
                   </a:solidFill>
@@ -35025,7 +35085,7 @@
             </a:ln>
             <a:extLst>
               <a:ext uri="{91240B29-F687-4f45-9708-019B960494DF}">
-                <a14:hiddenLine xmlns:p14="http://schemas.microsoft.com/office/powerpoint/2010/main" xmlns:a14="http://schemas.microsoft.com/office/drawing/2010/main" xmlns:a16="http://schemas.microsoft.com/office/drawing/2014/main" xmlns="" w="9525">
+                <a14:hiddenLine xmlns="" xmlns:a16="http://schemas.microsoft.com/office/drawing/2014/main" xmlns:a14="http://schemas.microsoft.com/office/drawing/2010/main" xmlns:p14="http://schemas.microsoft.com/office/powerpoint/2010/main" w="9525">
                   <a:solidFill>
                     <a:srgbClr val="000000"/>
                   </a:solidFill>
@@ -35112,7 +35172,7 @@
             </a:ln>
             <a:extLst>
               <a:ext uri="{91240B29-F687-4f45-9708-019B960494DF}">
-                <a14:hiddenLine xmlns:p14="http://schemas.microsoft.com/office/powerpoint/2010/main" xmlns:a14="http://schemas.microsoft.com/office/drawing/2010/main" xmlns:a16="http://schemas.microsoft.com/office/drawing/2014/main" xmlns="" w="9525">
+                <a14:hiddenLine xmlns="" xmlns:a16="http://schemas.microsoft.com/office/drawing/2014/main" xmlns:a14="http://schemas.microsoft.com/office/drawing/2010/main" xmlns:p14="http://schemas.microsoft.com/office/powerpoint/2010/main" w="9525">
                   <a:solidFill>
                     <a:srgbClr val="000000"/>
                   </a:solidFill>
@@ -35224,7 +35284,7 @@
             </a:ln>
             <a:extLst>
               <a:ext uri="{91240B29-F687-4f45-9708-019B960494DF}">
-                <a14:hiddenLine xmlns:p14="http://schemas.microsoft.com/office/powerpoint/2010/main" xmlns:a14="http://schemas.microsoft.com/office/drawing/2010/main" xmlns:a16="http://schemas.microsoft.com/office/drawing/2014/main" xmlns="" w="9525">
+                <a14:hiddenLine xmlns="" xmlns:a16="http://schemas.microsoft.com/office/drawing/2014/main" xmlns:a14="http://schemas.microsoft.com/office/drawing/2010/main" xmlns:p14="http://schemas.microsoft.com/office/powerpoint/2010/main" w="9525">
                   <a:solidFill>
                     <a:srgbClr val="000000"/>
                   </a:solidFill>
@@ -35314,7 +35374,7 @@
             </a:ln>
             <a:extLst>
               <a:ext uri="{91240B29-F687-4f45-9708-019B960494DF}">
-                <a14:hiddenLine xmlns:p14="http://schemas.microsoft.com/office/powerpoint/2010/main" xmlns:a14="http://schemas.microsoft.com/office/drawing/2010/main" xmlns:a16="http://schemas.microsoft.com/office/drawing/2014/main" xmlns="" w="9525">
+                <a14:hiddenLine xmlns="" xmlns:a16="http://schemas.microsoft.com/office/drawing/2014/main" xmlns:a14="http://schemas.microsoft.com/office/drawing/2010/main" xmlns:p14="http://schemas.microsoft.com/office/powerpoint/2010/main" w="9525">
                   <a:solidFill>
                     <a:srgbClr val="000000"/>
                   </a:solidFill>
@@ -35426,7 +35486,7 @@
             </a:ln>
             <a:extLst>
               <a:ext uri="{91240B29-F687-4f45-9708-019B960494DF}">
-                <a14:hiddenLine xmlns:p14="http://schemas.microsoft.com/office/powerpoint/2010/main" xmlns:a14="http://schemas.microsoft.com/office/drawing/2010/main" xmlns:a16="http://schemas.microsoft.com/office/drawing/2014/main" xmlns="" w="9525">
+                <a14:hiddenLine xmlns="" xmlns:a16="http://schemas.microsoft.com/office/drawing/2014/main" xmlns:a14="http://schemas.microsoft.com/office/drawing/2010/main" xmlns:p14="http://schemas.microsoft.com/office/powerpoint/2010/main" w="9525">
                   <a:solidFill>
                     <a:srgbClr val="000000"/>
                   </a:solidFill>
@@ -35516,7 +35576,7 @@
             </a:ln>
             <a:extLst>
               <a:ext uri="{91240B29-F687-4f45-9708-019B960494DF}">
-                <a14:hiddenLine xmlns:p14="http://schemas.microsoft.com/office/powerpoint/2010/main" xmlns:a14="http://schemas.microsoft.com/office/drawing/2010/main" xmlns:a16="http://schemas.microsoft.com/office/drawing/2014/main" xmlns="" w="9525">
+                <a14:hiddenLine xmlns="" xmlns:a16="http://schemas.microsoft.com/office/drawing/2014/main" xmlns:a14="http://schemas.microsoft.com/office/drawing/2010/main" xmlns:p14="http://schemas.microsoft.com/office/powerpoint/2010/main" w="9525">
                   <a:solidFill>
                     <a:srgbClr val="000000"/>
                   </a:solidFill>
@@ -35628,7 +35688,7 @@
             </a:ln>
             <a:extLst>
               <a:ext uri="{91240B29-F687-4f45-9708-019B960494DF}">
-                <a14:hiddenLine xmlns:p14="http://schemas.microsoft.com/office/powerpoint/2010/main" xmlns:a14="http://schemas.microsoft.com/office/drawing/2010/main" xmlns:a16="http://schemas.microsoft.com/office/drawing/2014/main" xmlns="" w="9525">
+                <a14:hiddenLine xmlns="" xmlns:a16="http://schemas.microsoft.com/office/drawing/2014/main" xmlns:a14="http://schemas.microsoft.com/office/drawing/2010/main" xmlns:p14="http://schemas.microsoft.com/office/powerpoint/2010/main" w="9525">
                   <a:solidFill>
                     <a:srgbClr val="000000"/>
                   </a:solidFill>
@@ -35684,7 +35744,7 @@
             </a:ln>
             <a:extLst>
               <a:ext uri="{91240B29-F687-4f45-9708-019B960494DF}">
-                <a14:hiddenLine xmlns:p14="http://schemas.microsoft.com/office/powerpoint/2010/main" xmlns:a14="http://schemas.microsoft.com/office/drawing/2010/main" xmlns:a16="http://schemas.microsoft.com/office/drawing/2014/main" xmlns="" w="9525">
+                <a14:hiddenLine xmlns="" xmlns:a16="http://schemas.microsoft.com/office/drawing/2014/main" xmlns:a14="http://schemas.microsoft.com/office/drawing/2010/main" xmlns:p14="http://schemas.microsoft.com/office/powerpoint/2010/main" w="9525">
                   <a:solidFill>
                     <a:srgbClr val="000000"/>
                   </a:solidFill>
@@ -35831,7 +35891,7 @@
           <p:cNvPr id="2" name="Title 1">
             <a:extLst>
               <a:ext uri="{FF2B5EF4-FFF2-40B4-BE49-F238E27FC236}">
-                <a16:creationId xmlns:a16="http://schemas.microsoft.com/office/drawing/2014/main" id="{12EAA093-E00B-31E9-0A13-71142E30E57C}"/>
+                <a16:creationId xmlns:a16="http://schemas.microsoft.com/office/drawing/2014/main" id="{6CA0600C-F154-17E5-C0B8-165D3010F1C2}"/>
               </a:ext>
             </a:extLst>
           </p:cNvPr>
@@ -35839,15 +35899,10 @@
             <a:spLocks noGrp="1"/>
           </p:cNvSpPr>
           <p:nvPr>
-            <p:ph type="ctrTitle"/>
+            <p:ph type="title"/>
           </p:nvPr>
         </p:nvSpPr>
-        <p:spPr>
-          <a:xfrm>
-            <a:off x="1167493" y="524656"/>
-            <a:ext cx="10045149" cy="1229194"/>
-          </a:xfrm>
-        </p:spPr>
+        <p:spPr/>
         <p:txBody>
           <a:bodyPr/>
           <a:lstStyle/>
@@ -35861,10 +35916,10 @@
       </p:sp>
       <p:sp>
         <p:nvSpPr>
-          <p:cNvPr id="3" name="Subtitle 2">
+          <p:cNvPr id="3" name="Content Placeholder 2">
             <a:extLst>
               <a:ext uri="{FF2B5EF4-FFF2-40B4-BE49-F238E27FC236}">
-                <a16:creationId xmlns:a16="http://schemas.microsoft.com/office/drawing/2014/main" id="{C62C8177-F0B6-B02C-3682-183D8307E999}"/>
+                <a16:creationId xmlns:a16="http://schemas.microsoft.com/office/drawing/2014/main" id="{83C13039-2DE8-5DCE-B9EE-051116F53B5D}"/>
               </a:ext>
             </a:extLst>
           </p:cNvPr>
@@ -35872,7 +35927,7 @@
             <a:spLocks noGrp="1"/>
           </p:cNvSpPr>
           <p:nvPr>
-            <p:ph type="subTitle" idx="1"/>
+            <p:ph idx="14"/>
           </p:nvPr>
         </p:nvSpPr>
         <p:spPr/>
@@ -35882,21 +35937,31 @@
           <a:p>
             <a:r>
               <a:rPr lang="en-US" dirty="0"/>
-              <a:t>What areas are more affected </a:t>
+              <a:t>Droughts, flooding, reduced food production contributes to the Global Warming Impact Score</a:t>
             </a:r>
           </a:p>
           <a:p>
             <a:r>
               <a:rPr lang="en-US" dirty="0"/>
-              <a:t>Regions</a:t>
+              <a:t>ND Gain Index is used to analyze countries that have taken to better climate control measures </a:t>
             </a:r>
+          </a:p>
+          <a:p>
+            <a:endParaRPr lang="en-US" dirty="0"/>
+          </a:p>
+          <a:p>
+            <a:r>
+              <a:rPr lang="en-US"/>
+              <a:t> Ecological Threat Report (ETR)</a:t>
+            </a:r>
+            <a:endParaRPr lang="en-US" dirty="0"/>
           </a:p>
         </p:txBody>
       </p:sp>
     </p:spTree>
     <p:extLst>
       <p:ext uri="{BB962C8B-B14F-4D97-AF65-F5344CB8AC3E}">
-        <p14:creationId xmlns:p14="http://schemas.microsoft.com/office/powerpoint/2010/main" val="4117153350"/>
+        <p14:creationId xmlns:p14="http://schemas.microsoft.com/office/powerpoint/2010/main" val="3962948065"/>
       </p:ext>
     </p:extLst>
   </p:cSld>
@@ -36674,7 +36739,7 @@
           <a:noFill/>
           <a:extLst>
             <a:ext uri="{909E8E84-426E-40dd-AFC4-6F175D3DCCD1}">
-              <a14:hiddenFill xmlns="" xmlns:a16="http://schemas.microsoft.com/office/drawing/2014/main" xmlns:p14="http://schemas.microsoft.com/office/powerpoint/2010/main" xmlns:a14="http://schemas.microsoft.com/office/drawing/2010/main">
+              <a14:hiddenFill xmlns:a14="http://schemas.microsoft.com/office/drawing/2010/main" xmlns:p14="http://schemas.microsoft.com/office/powerpoint/2010/main" xmlns:a16="http://schemas.microsoft.com/office/drawing/2014/main" xmlns="">
                 <a:solidFill>
                   <a:srgbClr val="FFFFFF"/>
                 </a:solidFill>
@@ -36756,7 +36821,7 @@
             </a:ln>
             <a:extLst>
               <a:ext uri="{91240B29-F687-4f45-9708-019B960494DF}">
-                <a14:hiddenLine xmlns="" xmlns:a16="http://schemas.microsoft.com/office/drawing/2014/main" xmlns:p14="http://schemas.microsoft.com/office/powerpoint/2010/main" xmlns:a14="http://schemas.microsoft.com/office/drawing/2010/main" w="9525">
+                <a14:hiddenLine xmlns:a14="http://schemas.microsoft.com/office/drawing/2010/main" xmlns:p14="http://schemas.microsoft.com/office/powerpoint/2010/main" xmlns:a16="http://schemas.microsoft.com/office/drawing/2014/main" xmlns="" w="9525">
                   <a:solidFill>
                     <a:srgbClr val="000000"/>
                   </a:solidFill>
@@ -36868,7 +36933,7 @@
             </a:ln>
             <a:extLst>
               <a:ext uri="{91240B29-F687-4f45-9708-019B960494DF}">
-                <a14:hiddenLine xmlns="" xmlns:a16="http://schemas.microsoft.com/office/drawing/2014/main" xmlns:p14="http://schemas.microsoft.com/office/powerpoint/2010/main" xmlns:a14="http://schemas.microsoft.com/office/drawing/2010/main" w="9525">
+                <a14:hiddenLine xmlns:a14="http://schemas.microsoft.com/office/drawing/2010/main" xmlns:p14="http://schemas.microsoft.com/office/powerpoint/2010/main" xmlns:a16="http://schemas.microsoft.com/office/drawing/2014/main" xmlns="" w="9525">
                   <a:solidFill>
                     <a:srgbClr val="000000"/>
                   </a:solidFill>
@@ -36980,7 +37045,7 @@
             </a:ln>
             <a:extLst>
               <a:ext uri="{91240B29-F687-4f45-9708-019B960494DF}">
-                <a14:hiddenLine xmlns="" xmlns:a16="http://schemas.microsoft.com/office/drawing/2014/main" xmlns:p14="http://schemas.microsoft.com/office/powerpoint/2010/main" xmlns:a14="http://schemas.microsoft.com/office/drawing/2010/main" w="9525">
+                <a14:hiddenLine xmlns:a14="http://schemas.microsoft.com/office/drawing/2010/main" xmlns:p14="http://schemas.microsoft.com/office/powerpoint/2010/main" xmlns:a16="http://schemas.microsoft.com/office/drawing/2014/main" xmlns="" w="9525">
                   <a:solidFill>
                     <a:srgbClr val="000000"/>
                   </a:solidFill>
@@ -37064,7 +37129,7 @@
             </a:ln>
             <a:extLst>
               <a:ext uri="{91240B29-F687-4f45-9708-019B960494DF}">
-                <a14:hiddenLine xmlns="" xmlns:a16="http://schemas.microsoft.com/office/drawing/2014/main" xmlns:p14="http://schemas.microsoft.com/office/powerpoint/2010/main" xmlns:a14="http://schemas.microsoft.com/office/drawing/2010/main" w="9525">
+                <a14:hiddenLine xmlns:a14="http://schemas.microsoft.com/office/drawing/2010/main" xmlns:p14="http://schemas.microsoft.com/office/powerpoint/2010/main" xmlns:a16="http://schemas.microsoft.com/office/drawing/2014/main" xmlns="" w="9525">
                   <a:solidFill>
                     <a:srgbClr val="000000"/>
                   </a:solidFill>
@@ -37176,7 +37241,7 @@
             </a:ln>
             <a:extLst>
               <a:ext uri="{91240B29-F687-4f45-9708-019B960494DF}">
-                <a14:hiddenLine xmlns="" xmlns:a16="http://schemas.microsoft.com/office/drawing/2014/main" xmlns:p14="http://schemas.microsoft.com/office/powerpoint/2010/main" xmlns:a14="http://schemas.microsoft.com/office/drawing/2010/main" w="9525">
+                <a14:hiddenLine xmlns:a14="http://schemas.microsoft.com/office/drawing/2010/main" xmlns:p14="http://schemas.microsoft.com/office/powerpoint/2010/main" xmlns:a16="http://schemas.microsoft.com/office/drawing/2014/main" xmlns="" w="9525">
                   <a:solidFill>
                     <a:srgbClr val="000000"/>
                   </a:solidFill>
@@ -37260,7 +37325,7 @@
             </a:ln>
             <a:extLst>
               <a:ext uri="{91240B29-F687-4f45-9708-019B960494DF}">
-                <a14:hiddenLine xmlns="" xmlns:a16="http://schemas.microsoft.com/office/drawing/2014/main" xmlns:p14="http://schemas.microsoft.com/office/powerpoint/2010/main" xmlns:a14="http://schemas.microsoft.com/office/drawing/2010/main" w="9525">
+                <a14:hiddenLine xmlns:a14="http://schemas.microsoft.com/office/drawing/2010/main" xmlns:p14="http://schemas.microsoft.com/office/powerpoint/2010/main" xmlns:a16="http://schemas.microsoft.com/office/drawing/2014/main" xmlns="" w="9525">
                   <a:solidFill>
                     <a:srgbClr val="000000"/>
                   </a:solidFill>
@@ -37344,7 +37409,7 @@
             </a:ln>
             <a:extLst>
               <a:ext uri="{91240B29-F687-4f45-9708-019B960494DF}">
-                <a14:hiddenLine xmlns="" xmlns:a16="http://schemas.microsoft.com/office/drawing/2014/main" xmlns:p14="http://schemas.microsoft.com/office/powerpoint/2010/main" xmlns:a14="http://schemas.microsoft.com/office/drawing/2010/main" w="9525">
+                <a14:hiddenLine xmlns:a14="http://schemas.microsoft.com/office/drawing/2010/main" xmlns:p14="http://schemas.microsoft.com/office/powerpoint/2010/main" xmlns:a16="http://schemas.microsoft.com/office/drawing/2014/main" xmlns="" w="9525">
                   <a:solidFill>
                     <a:srgbClr val="000000"/>
                   </a:solidFill>
@@ -37456,7 +37521,7 @@
             </a:ln>
             <a:extLst>
               <a:ext uri="{91240B29-F687-4f45-9708-019B960494DF}">
-                <a14:hiddenLine xmlns="" xmlns:a16="http://schemas.microsoft.com/office/drawing/2014/main" xmlns:p14="http://schemas.microsoft.com/office/powerpoint/2010/main" xmlns:a14="http://schemas.microsoft.com/office/drawing/2010/main" w="9525">
+                <a14:hiddenLine xmlns:a14="http://schemas.microsoft.com/office/drawing/2010/main" xmlns:p14="http://schemas.microsoft.com/office/powerpoint/2010/main" xmlns:a16="http://schemas.microsoft.com/office/drawing/2014/main" xmlns="" w="9525">
                   <a:solidFill>
                     <a:srgbClr val="000000"/>
                   </a:solidFill>
@@ -37568,7 +37633,7 @@
             </a:ln>
             <a:extLst>
               <a:ext uri="{91240B29-F687-4f45-9708-019B960494DF}">
-                <a14:hiddenLine xmlns="" xmlns:a16="http://schemas.microsoft.com/office/drawing/2014/main" xmlns:p14="http://schemas.microsoft.com/office/powerpoint/2010/main" xmlns:a14="http://schemas.microsoft.com/office/drawing/2010/main" w="9525">
+                <a14:hiddenLine xmlns:a14="http://schemas.microsoft.com/office/drawing/2010/main" xmlns:p14="http://schemas.microsoft.com/office/powerpoint/2010/main" xmlns:a16="http://schemas.microsoft.com/office/drawing/2014/main" xmlns="" w="9525">
                   <a:solidFill>
                     <a:srgbClr val="000000"/>
                   </a:solidFill>
@@ -37652,7 +37717,7 @@
             </a:ln>
             <a:extLst>
               <a:ext uri="{91240B29-F687-4f45-9708-019B960494DF}">
-                <a14:hiddenLine xmlns="" xmlns:a16="http://schemas.microsoft.com/office/drawing/2014/main" xmlns:p14="http://schemas.microsoft.com/office/powerpoint/2010/main" xmlns:a14="http://schemas.microsoft.com/office/drawing/2010/main" w="9525">
+                <a14:hiddenLine xmlns:a14="http://schemas.microsoft.com/office/drawing/2010/main" xmlns:p14="http://schemas.microsoft.com/office/powerpoint/2010/main" xmlns:a16="http://schemas.microsoft.com/office/drawing/2014/main" xmlns="" w="9525">
                   <a:solidFill>
                     <a:srgbClr val="000000"/>
                   </a:solidFill>
@@ -37784,7 +37849,7 @@
             </a:ln>
             <a:extLst>
               <a:ext uri="{91240B29-F687-4f45-9708-019B960494DF}">
-                <a14:hiddenLine xmlns="" xmlns:a16="http://schemas.microsoft.com/office/drawing/2014/main" xmlns:p14="http://schemas.microsoft.com/office/powerpoint/2010/main" xmlns:a14="http://schemas.microsoft.com/office/drawing/2010/main" w="9525">
+                <a14:hiddenLine xmlns:a14="http://schemas.microsoft.com/office/drawing/2010/main" xmlns:p14="http://schemas.microsoft.com/office/powerpoint/2010/main" xmlns:a16="http://schemas.microsoft.com/office/drawing/2014/main" xmlns="" w="9525">
                   <a:solidFill>
                     <a:srgbClr val="000000"/>
                   </a:solidFill>
@@ -37912,7 +37977,7 @@
             </a:ln>
             <a:extLst>
               <a:ext uri="{91240B29-F687-4f45-9708-019B960494DF}">
-                <a14:hiddenLine xmlns="" xmlns:a16="http://schemas.microsoft.com/office/drawing/2014/main" xmlns:p14="http://schemas.microsoft.com/office/powerpoint/2010/main" xmlns:a14="http://schemas.microsoft.com/office/drawing/2010/main" w="9525">
+                <a14:hiddenLine xmlns:a14="http://schemas.microsoft.com/office/drawing/2010/main" xmlns:p14="http://schemas.microsoft.com/office/powerpoint/2010/main" xmlns:a16="http://schemas.microsoft.com/office/drawing/2014/main" xmlns="" w="9525">
                   <a:solidFill>
                     <a:srgbClr val="000000"/>
                   </a:solidFill>
@@ -37996,7 +38061,7 @@
             </a:ln>
             <a:extLst>
               <a:ext uri="{91240B29-F687-4f45-9708-019B960494DF}">
-                <a14:hiddenLine xmlns="" xmlns:a16="http://schemas.microsoft.com/office/drawing/2014/main" xmlns:p14="http://schemas.microsoft.com/office/powerpoint/2010/main" xmlns:a14="http://schemas.microsoft.com/office/drawing/2010/main" w="9525">
+                <a14:hiddenLine xmlns:a14="http://schemas.microsoft.com/office/drawing/2010/main" xmlns:p14="http://schemas.microsoft.com/office/powerpoint/2010/main" xmlns:a16="http://schemas.microsoft.com/office/drawing/2014/main" xmlns="" w="9525">
                   <a:solidFill>
                     <a:srgbClr val="000000"/>
                   </a:solidFill>
@@ -38080,7 +38145,7 @@
             </a:ln>
             <a:extLst>
               <a:ext uri="{91240B29-F687-4f45-9708-019B960494DF}">
-                <a14:hiddenLine xmlns="" xmlns:a16="http://schemas.microsoft.com/office/drawing/2014/main" xmlns:p14="http://schemas.microsoft.com/office/powerpoint/2010/main" xmlns:a14="http://schemas.microsoft.com/office/drawing/2010/main" w="9525">
+                <a14:hiddenLine xmlns:a14="http://schemas.microsoft.com/office/drawing/2010/main" xmlns:p14="http://schemas.microsoft.com/office/powerpoint/2010/main" xmlns:a16="http://schemas.microsoft.com/office/drawing/2014/main" xmlns="" w="9525">
                   <a:solidFill>
                     <a:srgbClr val="000000"/>
                   </a:solidFill>
@@ -38192,7 +38257,7 @@
             </a:ln>
             <a:extLst>
               <a:ext uri="{91240B29-F687-4f45-9708-019B960494DF}">
-                <a14:hiddenLine xmlns="" xmlns:a16="http://schemas.microsoft.com/office/drawing/2014/main" xmlns:p14="http://schemas.microsoft.com/office/powerpoint/2010/main" xmlns:a14="http://schemas.microsoft.com/office/drawing/2010/main" w="9525">
+                <a14:hiddenLine xmlns:a14="http://schemas.microsoft.com/office/drawing/2010/main" xmlns:p14="http://schemas.microsoft.com/office/powerpoint/2010/main" xmlns:a16="http://schemas.microsoft.com/office/drawing/2014/main" xmlns="" w="9525">
                   <a:solidFill>
                     <a:srgbClr val="000000"/>
                   </a:solidFill>
@@ -38248,7 +38313,7 @@
             </a:ln>
             <a:extLst>
               <a:ext uri="{91240B29-F687-4f45-9708-019B960494DF}">
-                <a14:hiddenLine xmlns="" xmlns:a16="http://schemas.microsoft.com/office/drawing/2014/main" xmlns:p14="http://schemas.microsoft.com/office/powerpoint/2010/main" xmlns:a14="http://schemas.microsoft.com/office/drawing/2010/main" w="9525">
+                <a14:hiddenLine xmlns:a14="http://schemas.microsoft.com/office/drawing/2010/main" xmlns:p14="http://schemas.microsoft.com/office/powerpoint/2010/main" xmlns:a16="http://schemas.microsoft.com/office/drawing/2014/main" xmlns="" w="9525">
                   <a:solidFill>
                     <a:srgbClr val="000000"/>
                   </a:solidFill>
@@ -38335,7 +38400,7 @@
             </a:ln>
             <a:extLst>
               <a:ext uri="{91240B29-F687-4f45-9708-019B960494DF}">
-                <a14:hiddenLine xmlns="" xmlns:a16="http://schemas.microsoft.com/office/drawing/2014/main" xmlns:p14="http://schemas.microsoft.com/office/powerpoint/2010/main" xmlns:a14="http://schemas.microsoft.com/office/drawing/2010/main" w="9525">
+                <a14:hiddenLine xmlns:a14="http://schemas.microsoft.com/office/drawing/2010/main" xmlns:p14="http://schemas.microsoft.com/office/powerpoint/2010/main" xmlns:a16="http://schemas.microsoft.com/office/drawing/2014/main" xmlns="" w="9525">
                   <a:solidFill>
                     <a:srgbClr val="000000"/>
                   </a:solidFill>
@@ -38447,7 +38512,7 @@
             </a:ln>
             <a:extLst>
               <a:ext uri="{91240B29-F687-4f45-9708-019B960494DF}">
-                <a14:hiddenLine xmlns="" xmlns:a16="http://schemas.microsoft.com/office/drawing/2014/main" xmlns:p14="http://schemas.microsoft.com/office/powerpoint/2010/main" xmlns:a14="http://schemas.microsoft.com/office/drawing/2010/main" w="9525">
+                <a14:hiddenLine xmlns:a14="http://schemas.microsoft.com/office/drawing/2010/main" xmlns:p14="http://schemas.microsoft.com/office/powerpoint/2010/main" xmlns:a16="http://schemas.microsoft.com/office/drawing/2014/main" xmlns="" w="9525">
                   <a:solidFill>
                     <a:srgbClr val="000000"/>
                   </a:solidFill>
@@ -38531,7 +38596,7 @@
             </a:ln>
             <a:extLst>
               <a:ext uri="{91240B29-F687-4f45-9708-019B960494DF}">
-                <a14:hiddenLine xmlns="" xmlns:a16="http://schemas.microsoft.com/office/drawing/2014/main" xmlns:p14="http://schemas.microsoft.com/office/powerpoint/2010/main" xmlns:a14="http://schemas.microsoft.com/office/drawing/2010/main" w="9525">
+                <a14:hiddenLine xmlns:a14="http://schemas.microsoft.com/office/drawing/2010/main" xmlns:p14="http://schemas.microsoft.com/office/powerpoint/2010/main" xmlns:a16="http://schemas.microsoft.com/office/drawing/2014/main" xmlns="" w="9525">
                   <a:solidFill>
                     <a:srgbClr val="000000"/>
                   </a:solidFill>
@@ -38643,7 +38708,7 @@
             </a:ln>
             <a:extLst>
               <a:ext uri="{91240B29-F687-4f45-9708-019B960494DF}">
-                <a14:hiddenLine xmlns="" xmlns:a16="http://schemas.microsoft.com/office/drawing/2014/main" xmlns:p14="http://schemas.microsoft.com/office/powerpoint/2010/main" xmlns:a14="http://schemas.microsoft.com/office/drawing/2010/main" w="9525">
+                <a14:hiddenLine xmlns:a14="http://schemas.microsoft.com/office/drawing/2010/main" xmlns:p14="http://schemas.microsoft.com/office/powerpoint/2010/main" xmlns:a16="http://schemas.microsoft.com/office/drawing/2014/main" xmlns="" w="9525">
                   <a:solidFill>
                     <a:srgbClr val="000000"/>
                   </a:solidFill>
@@ -38730,7 +38795,7 @@
             </a:ln>
             <a:extLst>
               <a:ext uri="{91240B29-F687-4f45-9708-019B960494DF}">
-                <a14:hiddenLine xmlns="" xmlns:a16="http://schemas.microsoft.com/office/drawing/2014/main" xmlns:p14="http://schemas.microsoft.com/office/powerpoint/2010/main" xmlns:a14="http://schemas.microsoft.com/office/drawing/2010/main" w="9525">
+                <a14:hiddenLine xmlns:a14="http://schemas.microsoft.com/office/drawing/2010/main" xmlns:p14="http://schemas.microsoft.com/office/powerpoint/2010/main" xmlns:a16="http://schemas.microsoft.com/office/drawing/2014/main" xmlns="" w="9525">
                   <a:solidFill>
                     <a:srgbClr val="000000"/>
                   </a:solidFill>
@@ -38814,7 +38879,7 @@
             </a:ln>
             <a:extLst>
               <a:ext uri="{91240B29-F687-4f45-9708-019B960494DF}">
-                <a14:hiddenLine xmlns="" xmlns:a16="http://schemas.microsoft.com/office/drawing/2014/main" xmlns:p14="http://schemas.microsoft.com/office/powerpoint/2010/main" xmlns:a14="http://schemas.microsoft.com/office/drawing/2010/main" w="9525">
+                <a14:hiddenLine xmlns:a14="http://schemas.microsoft.com/office/drawing/2010/main" xmlns:p14="http://schemas.microsoft.com/office/powerpoint/2010/main" xmlns:a16="http://schemas.microsoft.com/office/drawing/2014/main" xmlns="" w="9525">
                   <a:solidFill>
                     <a:srgbClr val="000000"/>
                   </a:solidFill>
@@ -38926,7 +38991,7 @@
             </a:ln>
             <a:extLst>
               <a:ext uri="{91240B29-F687-4f45-9708-019B960494DF}">
-                <a14:hiddenLine xmlns="" xmlns:a16="http://schemas.microsoft.com/office/drawing/2014/main" xmlns:p14="http://schemas.microsoft.com/office/powerpoint/2010/main" xmlns:a14="http://schemas.microsoft.com/office/drawing/2010/main" w="9525">
+                <a14:hiddenLine xmlns:a14="http://schemas.microsoft.com/office/drawing/2010/main" xmlns:p14="http://schemas.microsoft.com/office/powerpoint/2010/main" xmlns:a16="http://schemas.microsoft.com/office/drawing/2014/main" xmlns="" w="9525">
                   <a:solidFill>
                     <a:srgbClr val="000000"/>
                   </a:solidFill>
@@ -39038,7 +39103,7 @@
             </a:ln>
             <a:extLst>
               <a:ext uri="{91240B29-F687-4f45-9708-019B960494DF}">
-                <a14:hiddenLine xmlns="" xmlns:a16="http://schemas.microsoft.com/office/drawing/2014/main" xmlns:p14="http://schemas.microsoft.com/office/powerpoint/2010/main" xmlns:a14="http://schemas.microsoft.com/office/drawing/2010/main" w="9525">
+                <a14:hiddenLine xmlns:a14="http://schemas.microsoft.com/office/drawing/2010/main" xmlns:p14="http://schemas.microsoft.com/office/powerpoint/2010/main" xmlns:a16="http://schemas.microsoft.com/office/drawing/2014/main" xmlns="" w="9525">
                   <a:solidFill>
                     <a:srgbClr val="000000"/>
                   </a:solidFill>
@@ -39125,7 +39190,7 @@
             </a:ln>
             <a:extLst>
               <a:ext uri="{91240B29-F687-4f45-9708-019B960494DF}">
-                <a14:hiddenLine xmlns="" xmlns:a16="http://schemas.microsoft.com/office/drawing/2014/main" xmlns:p14="http://schemas.microsoft.com/office/powerpoint/2010/main" xmlns:a14="http://schemas.microsoft.com/office/drawing/2010/main" w="9525">
+                <a14:hiddenLine xmlns:a14="http://schemas.microsoft.com/office/drawing/2010/main" xmlns:p14="http://schemas.microsoft.com/office/powerpoint/2010/main" xmlns:a16="http://schemas.microsoft.com/office/drawing/2014/main" xmlns="" w="9525">
                   <a:solidFill>
                     <a:srgbClr val="000000"/>
                   </a:solidFill>
@@ -39267,7 +39332,7 @@
             </a:ln>
             <a:extLst>
               <a:ext uri="{91240B29-F687-4f45-9708-019B960494DF}">
-                <a14:hiddenLine xmlns="" xmlns:a16="http://schemas.microsoft.com/office/drawing/2014/main" xmlns:p14="http://schemas.microsoft.com/office/powerpoint/2010/main" xmlns:a14="http://schemas.microsoft.com/office/drawing/2010/main" w="9525">
+                <a14:hiddenLine xmlns:a14="http://schemas.microsoft.com/office/drawing/2010/main" xmlns:p14="http://schemas.microsoft.com/office/powerpoint/2010/main" xmlns:a16="http://schemas.microsoft.com/office/drawing/2014/main" xmlns="" w="9525">
                   <a:solidFill>
                     <a:srgbClr val="000000"/>
                   </a:solidFill>
@@ -39489,7 +39554,7 @@
             </a:ln>
             <a:extLst>
               <a:ext uri="{91240B29-F687-4f45-9708-019B960494DF}">
-                <a14:hiddenLine xmlns="" xmlns:a16="http://schemas.microsoft.com/office/drawing/2014/main" xmlns:p14="http://schemas.microsoft.com/office/powerpoint/2010/main" xmlns:a14="http://schemas.microsoft.com/office/drawing/2010/main" w="9525">
+                <a14:hiddenLine xmlns:a14="http://schemas.microsoft.com/office/drawing/2010/main" xmlns:p14="http://schemas.microsoft.com/office/powerpoint/2010/main" xmlns:a16="http://schemas.microsoft.com/office/drawing/2014/main" xmlns="" w="9525">
                   <a:solidFill>
                     <a:srgbClr val="000000"/>
                   </a:solidFill>
@@ -39626,7 +39691,7 @@
             </a:ln>
             <a:extLst>
               <a:ext uri="{91240B29-F687-4f45-9708-019B960494DF}">
-                <a14:hiddenLine xmlns="" xmlns:a16="http://schemas.microsoft.com/office/drawing/2014/main" xmlns:p14="http://schemas.microsoft.com/office/powerpoint/2010/main" xmlns:a14="http://schemas.microsoft.com/office/drawing/2010/main" w="9525">
+                <a14:hiddenLine xmlns:a14="http://schemas.microsoft.com/office/drawing/2010/main" xmlns:p14="http://schemas.microsoft.com/office/powerpoint/2010/main" xmlns:a16="http://schemas.microsoft.com/office/drawing/2014/main" xmlns="" w="9525">
                   <a:solidFill>
                     <a:srgbClr val="000000"/>
                   </a:solidFill>
@@ -39738,7 +39803,7 @@
             </a:ln>
             <a:extLst>
               <a:ext uri="{91240B29-F687-4f45-9708-019B960494DF}">
-                <a14:hiddenLine xmlns="" xmlns:a16="http://schemas.microsoft.com/office/drawing/2014/main" xmlns:p14="http://schemas.microsoft.com/office/powerpoint/2010/main" xmlns:a14="http://schemas.microsoft.com/office/drawing/2010/main" w="9525">
+                <a14:hiddenLine xmlns:a14="http://schemas.microsoft.com/office/drawing/2010/main" xmlns:p14="http://schemas.microsoft.com/office/powerpoint/2010/main" xmlns:a16="http://schemas.microsoft.com/office/drawing/2014/main" xmlns="" w="9525">
                   <a:solidFill>
                     <a:srgbClr val="000000"/>
                   </a:solidFill>
@@ -39825,7 +39890,7 @@
             </a:ln>
             <a:extLst>
               <a:ext uri="{91240B29-F687-4f45-9708-019B960494DF}">
-                <a14:hiddenLine xmlns="" xmlns:a16="http://schemas.microsoft.com/office/drawing/2014/main" xmlns:p14="http://schemas.microsoft.com/office/powerpoint/2010/main" xmlns:a14="http://schemas.microsoft.com/office/drawing/2010/main" w="9525">
+                <a14:hiddenLine xmlns:a14="http://schemas.microsoft.com/office/drawing/2010/main" xmlns:p14="http://schemas.microsoft.com/office/powerpoint/2010/main" xmlns:a16="http://schemas.microsoft.com/office/drawing/2014/main" xmlns="" w="9525">
                   <a:solidFill>
                     <a:srgbClr val="000000"/>
                   </a:solidFill>
@@ -39937,7 +40002,7 @@
             </a:ln>
             <a:extLst>
               <a:ext uri="{91240B29-F687-4f45-9708-019B960494DF}">
-                <a14:hiddenLine xmlns="" xmlns:a16="http://schemas.microsoft.com/office/drawing/2014/main" xmlns:p14="http://schemas.microsoft.com/office/powerpoint/2010/main" xmlns:a14="http://schemas.microsoft.com/office/drawing/2010/main" w="9525">
+                <a14:hiddenLine xmlns:a14="http://schemas.microsoft.com/office/drawing/2010/main" xmlns:p14="http://schemas.microsoft.com/office/powerpoint/2010/main" xmlns:a16="http://schemas.microsoft.com/office/drawing/2014/main" xmlns="" w="9525">
                   <a:solidFill>
                     <a:srgbClr val="000000"/>
                   </a:solidFill>
@@ -40027,7 +40092,7 @@
             </a:ln>
             <a:extLst>
               <a:ext uri="{91240B29-F687-4f45-9708-019B960494DF}">
-                <a14:hiddenLine xmlns="" xmlns:a16="http://schemas.microsoft.com/office/drawing/2014/main" xmlns:p14="http://schemas.microsoft.com/office/powerpoint/2010/main" xmlns:a14="http://schemas.microsoft.com/office/drawing/2010/main" w="9525">
+                <a14:hiddenLine xmlns:a14="http://schemas.microsoft.com/office/drawing/2010/main" xmlns:p14="http://schemas.microsoft.com/office/powerpoint/2010/main" xmlns:a16="http://schemas.microsoft.com/office/drawing/2014/main" xmlns="" w="9525">
                   <a:solidFill>
                     <a:srgbClr val="000000"/>
                   </a:solidFill>
@@ -40139,7 +40204,7 @@
             </a:ln>
             <a:extLst>
               <a:ext uri="{91240B29-F687-4f45-9708-019B960494DF}">
-                <a14:hiddenLine xmlns="" xmlns:a16="http://schemas.microsoft.com/office/drawing/2014/main" xmlns:p14="http://schemas.microsoft.com/office/powerpoint/2010/main" xmlns:a14="http://schemas.microsoft.com/office/drawing/2010/main" w="9525">
+                <a14:hiddenLine xmlns:a14="http://schemas.microsoft.com/office/drawing/2010/main" xmlns:p14="http://schemas.microsoft.com/office/powerpoint/2010/main" xmlns:a16="http://schemas.microsoft.com/office/drawing/2014/main" xmlns="" w="9525">
                   <a:solidFill>
                     <a:srgbClr val="000000"/>
                   </a:solidFill>
@@ -40229,7 +40294,7 @@
             </a:ln>
             <a:extLst>
               <a:ext uri="{91240B29-F687-4f45-9708-019B960494DF}">
-                <a14:hiddenLine xmlns="" xmlns:a16="http://schemas.microsoft.com/office/drawing/2014/main" xmlns:p14="http://schemas.microsoft.com/office/powerpoint/2010/main" xmlns:a14="http://schemas.microsoft.com/office/drawing/2010/main" w="9525">
+                <a14:hiddenLine xmlns:a14="http://schemas.microsoft.com/office/drawing/2010/main" xmlns:p14="http://schemas.microsoft.com/office/powerpoint/2010/main" xmlns:a16="http://schemas.microsoft.com/office/drawing/2014/main" xmlns="" w="9525">
                   <a:solidFill>
                     <a:srgbClr val="000000"/>
                   </a:solidFill>
@@ -40341,7 +40406,7 @@
             </a:ln>
             <a:extLst>
               <a:ext uri="{91240B29-F687-4f45-9708-019B960494DF}">
-                <a14:hiddenLine xmlns="" xmlns:a16="http://schemas.microsoft.com/office/drawing/2014/main" xmlns:p14="http://schemas.microsoft.com/office/powerpoint/2010/main" xmlns:a14="http://schemas.microsoft.com/office/drawing/2010/main" w="9525">
+                <a14:hiddenLine xmlns:a14="http://schemas.microsoft.com/office/drawing/2010/main" xmlns:p14="http://schemas.microsoft.com/office/powerpoint/2010/main" xmlns:a16="http://schemas.microsoft.com/office/drawing/2014/main" xmlns="" w="9525">
                   <a:solidFill>
                     <a:srgbClr val="000000"/>
                   </a:solidFill>
@@ -40397,7 +40462,7 @@
             </a:ln>
             <a:extLst>
               <a:ext uri="{91240B29-F687-4f45-9708-019B960494DF}">
-                <a14:hiddenLine xmlns="" xmlns:a16="http://schemas.microsoft.com/office/drawing/2014/main" xmlns:p14="http://schemas.microsoft.com/office/powerpoint/2010/main" xmlns:a14="http://schemas.microsoft.com/office/drawing/2010/main" w="9525">
+                <a14:hiddenLine xmlns:a14="http://schemas.microsoft.com/office/drawing/2010/main" xmlns:p14="http://schemas.microsoft.com/office/powerpoint/2010/main" xmlns:a16="http://schemas.microsoft.com/office/drawing/2014/main" xmlns="" w="9525">
                   <a:solidFill>
                     <a:srgbClr val="000000"/>
                   </a:solidFill>
@@ -40919,7 +40984,7 @@
             </a:ln>
             <a:extLst>
               <a:ext uri="{91240B29-F687-4f45-9708-019B960494DF}">
-                <a14:hiddenLine xmlns:a14="http://schemas.microsoft.com/office/drawing/2010/main" xmlns:dgm="http://schemas.openxmlformats.org/drawingml/2006/diagram" xmlns:p14="http://schemas.microsoft.com/office/powerpoint/2010/main" xmlns:a16="http://schemas.microsoft.com/office/drawing/2014/main" xmlns="" w="9525">
+                <a14:hiddenLine xmlns="" xmlns:a16="http://schemas.microsoft.com/office/drawing/2014/main" xmlns:p14="http://schemas.microsoft.com/office/powerpoint/2010/main" xmlns:dgm="http://schemas.openxmlformats.org/drawingml/2006/diagram" xmlns:a14="http://schemas.microsoft.com/office/drawing/2010/main" w="9525">
                   <a:solidFill>
                     <a:srgbClr val="000000"/>
                   </a:solidFill>
@@ -41031,7 +41096,7 @@
             </a:ln>
             <a:extLst>
               <a:ext uri="{91240B29-F687-4f45-9708-019B960494DF}">
-                <a14:hiddenLine xmlns:a14="http://schemas.microsoft.com/office/drawing/2010/main" xmlns:dgm="http://schemas.openxmlformats.org/drawingml/2006/diagram" xmlns:p14="http://schemas.microsoft.com/office/powerpoint/2010/main" xmlns:a16="http://schemas.microsoft.com/office/drawing/2014/main" xmlns="" w="9525">
+                <a14:hiddenLine xmlns="" xmlns:a16="http://schemas.microsoft.com/office/drawing/2014/main" xmlns:p14="http://schemas.microsoft.com/office/powerpoint/2010/main" xmlns:dgm="http://schemas.openxmlformats.org/drawingml/2006/diagram" xmlns:a14="http://schemas.microsoft.com/office/drawing/2010/main" w="9525">
                   <a:solidFill>
                     <a:srgbClr val="000000"/>
                   </a:solidFill>
@@ -41143,7 +41208,7 @@
             </a:ln>
             <a:extLst>
               <a:ext uri="{91240B29-F687-4f45-9708-019B960494DF}">
-                <a14:hiddenLine xmlns:a14="http://schemas.microsoft.com/office/drawing/2010/main" xmlns:dgm="http://schemas.openxmlformats.org/drawingml/2006/diagram" xmlns:p14="http://schemas.microsoft.com/office/powerpoint/2010/main" xmlns:a16="http://schemas.microsoft.com/office/drawing/2014/main" xmlns="" w="9525">
+                <a14:hiddenLine xmlns="" xmlns:a16="http://schemas.microsoft.com/office/drawing/2014/main" xmlns:p14="http://schemas.microsoft.com/office/powerpoint/2010/main" xmlns:dgm="http://schemas.openxmlformats.org/drawingml/2006/diagram" xmlns:a14="http://schemas.microsoft.com/office/drawing/2010/main" w="9525">
                   <a:solidFill>
                     <a:srgbClr val="000000"/>
                   </a:solidFill>
@@ -41227,7 +41292,7 @@
             </a:ln>
             <a:extLst>
               <a:ext uri="{91240B29-F687-4f45-9708-019B960494DF}">
-                <a14:hiddenLine xmlns:a14="http://schemas.microsoft.com/office/drawing/2010/main" xmlns:dgm="http://schemas.openxmlformats.org/drawingml/2006/diagram" xmlns:p14="http://schemas.microsoft.com/office/powerpoint/2010/main" xmlns:a16="http://schemas.microsoft.com/office/drawing/2014/main" xmlns="" w="9525">
+                <a14:hiddenLine xmlns="" xmlns:a16="http://schemas.microsoft.com/office/drawing/2014/main" xmlns:p14="http://schemas.microsoft.com/office/powerpoint/2010/main" xmlns:dgm="http://schemas.openxmlformats.org/drawingml/2006/diagram" xmlns:a14="http://schemas.microsoft.com/office/drawing/2010/main" w="9525">
                   <a:solidFill>
                     <a:srgbClr val="000000"/>
                   </a:solidFill>
@@ -41339,7 +41404,7 @@
             </a:ln>
             <a:extLst>
               <a:ext uri="{91240B29-F687-4f45-9708-019B960494DF}">
-                <a14:hiddenLine xmlns:a14="http://schemas.microsoft.com/office/drawing/2010/main" xmlns:dgm="http://schemas.openxmlformats.org/drawingml/2006/diagram" xmlns:p14="http://schemas.microsoft.com/office/powerpoint/2010/main" xmlns:a16="http://schemas.microsoft.com/office/drawing/2014/main" xmlns="" w="9525">
+                <a14:hiddenLine xmlns="" xmlns:a16="http://schemas.microsoft.com/office/drawing/2014/main" xmlns:p14="http://schemas.microsoft.com/office/powerpoint/2010/main" xmlns:dgm="http://schemas.openxmlformats.org/drawingml/2006/diagram" xmlns:a14="http://schemas.microsoft.com/office/drawing/2010/main" w="9525">
                   <a:solidFill>
                     <a:srgbClr val="000000"/>
                   </a:solidFill>
@@ -41423,7 +41488,7 @@
             </a:ln>
             <a:extLst>
               <a:ext uri="{91240B29-F687-4f45-9708-019B960494DF}">
-                <a14:hiddenLine xmlns:a14="http://schemas.microsoft.com/office/drawing/2010/main" xmlns:dgm="http://schemas.openxmlformats.org/drawingml/2006/diagram" xmlns:p14="http://schemas.microsoft.com/office/powerpoint/2010/main" xmlns:a16="http://schemas.microsoft.com/office/drawing/2014/main" xmlns="" w="9525">
+                <a14:hiddenLine xmlns="" xmlns:a16="http://schemas.microsoft.com/office/drawing/2014/main" xmlns:p14="http://schemas.microsoft.com/office/powerpoint/2010/main" xmlns:dgm="http://schemas.openxmlformats.org/drawingml/2006/diagram" xmlns:a14="http://schemas.microsoft.com/office/drawing/2010/main" w="9525">
                   <a:solidFill>
                     <a:srgbClr val="000000"/>
                   </a:solidFill>
@@ -41507,7 +41572,7 @@
             </a:ln>
             <a:extLst>
               <a:ext uri="{91240B29-F687-4f45-9708-019B960494DF}">
-                <a14:hiddenLine xmlns:a14="http://schemas.microsoft.com/office/drawing/2010/main" xmlns:dgm="http://schemas.openxmlformats.org/drawingml/2006/diagram" xmlns:p14="http://schemas.microsoft.com/office/powerpoint/2010/main" xmlns:a16="http://schemas.microsoft.com/office/drawing/2014/main" xmlns="" w="9525">
+                <a14:hiddenLine xmlns="" xmlns:a16="http://schemas.microsoft.com/office/drawing/2014/main" xmlns:p14="http://schemas.microsoft.com/office/powerpoint/2010/main" xmlns:dgm="http://schemas.openxmlformats.org/drawingml/2006/diagram" xmlns:a14="http://schemas.microsoft.com/office/drawing/2010/main" w="9525">
                   <a:solidFill>
                     <a:srgbClr val="000000"/>
                   </a:solidFill>
@@ -41619,7 +41684,7 @@
             </a:ln>
             <a:extLst>
               <a:ext uri="{91240B29-F687-4f45-9708-019B960494DF}">
-                <a14:hiddenLine xmlns:a14="http://schemas.microsoft.com/office/drawing/2010/main" xmlns:dgm="http://schemas.openxmlformats.org/drawingml/2006/diagram" xmlns:p14="http://schemas.microsoft.com/office/powerpoint/2010/main" xmlns:a16="http://schemas.microsoft.com/office/drawing/2014/main" xmlns="" w="9525">
+                <a14:hiddenLine xmlns="" xmlns:a16="http://schemas.microsoft.com/office/drawing/2014/main" xmlns:p14="http://schemas.microsoft.com/office/powerpoint/2010/main" xmlns:dgm="http://schemas.openxmlformats.org/drawingml/2006/diagram" xmlns:a14="http://schemas.microsoft.com/office/drawing/2010/main" w="9525">
                   <a:solidFill>
                     <a:srgbClr val="000000"/>
                   </a:solidFill>
@@ -41731,7 +41796,7 @@
             </a:ln>
             <a:extLst>
               <a:ext uri="{91240B29-F687-4f45-9708-019B960494DF}">
-                <a14:hiddenLine xmlns:a14="http://schemas.microsoft.com/office/drawing/2010/main" xmlns:dgm="http://schemas.openxmlformats.org/drawingml/2006/diagram" xmlns:p14="http://schemas.microsoft.com/office/powerpoint/2010/main" xmlns:a16="http://schemas.microsoft.com/office/drawing/2014/main" xmlns="" w="9525">
+                <a14:hiddenLine xmlns="" xmlns:a16="http://schemas.microsoft.com/office/drawing/2014/main" xmlns:p14="http://schemas.microsoft.com/office/powerpoint/2010/main" xmlns:dgm="http://schemas.openxmlformats.org/drawingml/2006/diagram" xmlns:a14="http://schemas.microsoft.com/office/drawing/2010/main" w="9525">
                   <a:solidFill>
                     <a:srgbClr val="000000"/>
                   </a:solidFill>
@@ -41815,7 +41880,7 @@
             </a:ln>
             <a:extLst>
               <a:ext uri="{91240B29-F687-4f45-9708-019B960494DF}">
-                <a14:hiddenLine xmlns:a14="http://schemas.microsoft.com/office/drawing/2010/main" xmlns:dgm="http://schemas.openxmlformats.org/drawingml/2006/diagram" xmlns:p14="http://schemas.microsoft.com/office/powerpoint/2010/main" xmlns:a16="http://schemas.microsoft.com/office/drawing/2014/main" xmlns="" w="9525">
+                <a14:hiddenLine xmlns="" xmlns:a16="http://schemas.microsoft.com/office/drawing/2014/main" xmlns:p14="http://schemas.microsoft.com/office/powerpoint/2010/main" xmlns:dgm="http://schemas.openxmlformats.org/drawingml/2006/diagram" xmlns:a14="http://schemas.microsoft.com/office/drawing/2010/main" w="9525">
                   <a:solidFill>
                     <a:srgbClr val="000000"/>
                   </a:solidFill>
@@ -41947,7 +42012,7 @@
             </a:ln>
             <a:extLst>
               <a:ext uri="{91240B29-F687-4f45-9708-019B960494DF}">
-                <a14:hiddenLine xmlns:a14="http://schemas.microsoft.com/office/drawing/2010/main" xmlns:dgm="http://schemas.openxmlformats.org/drawingml/2006/diagram" xmlns:p14="http://schemas.microsoft.com/office/powerpoint/2010/main" xmlns:a16="http://schemas.microsoft.com/office/drawing/2014/main" xmlns="" w="9525">
+                <a14:hiddenLine xmlns="" xmlns:a16="http://schemas.microsoft.com/office/drawing/2014/main" xmlns:p14="http://schemas.microsoft.com/office/powerpoint/2010/main" xmlns:dgm="http://schemas.openxmlformats.org/drawingml/2006/diagram" xmlns:a14="http://schemas.microsoft.com/office/drawing/2010/main" w="9525">
                   <a:solidFill>
                     <a:srgbClr val="000000"/>
                   </a:solidFill>
@@ -42075,7 +42140,7 @@
             </a:ln>
             <a:extLst>
               <a:ext uri="{91240B29-F687-4f45-9708-019B960494DF}">
-                <a14:hiddenLine xmlns:a14="http://schemas.microsoft.com/office/drawing/2010/main" xmlns:dgm="http://schemas.openxmlformats.org/drawingml/2006/diagram" xmlns:p14="http://schemas.microsoft.com/office/powerpoint/2010/main" xmlns:a16="http://schemas.microsoft.com/office/drawing/2014/main" xmlns="" w="9525">
+                <a14:hiddenLine xmlns="" xmlns:a16="http://schemas.microsoft.com/office/drawing/2014/main" xmlns:p14="http://schemas.microsoft.com/office/powerpoint/2010/main" xmlns:dgm="http://schemas.openxmlformats.org/drawingml/2006/diagram" xmlns:a14="http://schemas.microsoft.com/office/drawing/2010/main" w="9525">
                   <a:solidFill>
                     <a:srgbClr val="000000"/>
                   </a:solidFill>
@@ -42159,7 +42224,7 @@
             </a:ln>
             <a:extLst>
               <a:ext uri="{91240B29-F687-4f45-9708-019B960494DF}">
-                <a14:hiddenLine xmlns:a14="http://schemas.microsoft.com/office/drawing/2010/main" xmlns:dgm="http://schemas.openxmlformats.org/drawingml/2006/diagram" xmlns:p14="http://schemas.microsoft.com/office/powerpoint/2010/main" xmlns:a16="http://schemas.microsoft.com/office/drawing/2014/main" xmlns="" w="9525">
+                <a14:hiddenLine xmlns="" xmlns:a16="http://schemas.microsoft.com/office/drawing/2014/main" xmlns:p14="http://schemas.microsoft.com/office/powerpoint/2010/main" xmlns:dgm="http://schemas.openxmlformats.org/drawingml/2006/diagram" xmlns:a14="http://schemas.microsoft.com/office/drawing/2010/main" w="9525">
                   <a:solidFill>
                     <a:srgbClr val="000000"/>
                   </a:solidFill>
@@ -42243,7 +42308,7 @@
             </a:ln>
             <a:extLst>
               <a:ext uri="{91240B29-F687-4f45-9708-019B960494DF}">
-                <a14:hiddenLine xmlns:a14="http://schemas.microsoft.com/office/drawing/2010/main" xmlns:dgm="http://schemas.openxmlformats.org/drawingml/2006/diagram" xmlns:p14="http://schemas.microsoft.com/office/powerpoint/2010/main" xmlns:a16="http://schemas.microsoft.com/office/drawing/2014/main" xmlns="" w="9525">
+                <a14:hiddenLine xmlns="" xmlns:a16="http://schemas.microsoft.com/office/drawing/2014/main" xmlns:p14="http://schemas.microsoft.com/office/powerpoint/2010/main" xmlns:dgm="http://schemas.openxmlformats.org/drawingml/2006/diagram" xmlns:a14="http://schemas.microsoft.com/office/drawing/2010/main" w="9525">
                   <a:solidFill>
                     <a:srgbClr val="000000"/>
                   </a:solidFill>
@@ -42355,7 +42420,7 @@
             </a:ln>
             <a:extLst>
               <a:ext uri="{91240B29-F687-4f45-9708-019B960494DF}">
-                <a14:hiddenLine xmlns:a14="http://schemas.microsoft.com/office/drawing/2010/main" xmlns:dgm="http://schemas.openxmlformats.org/drawingml/2006/diagram" xmlns:p14="http://schemas.microsoft.com/office/powerpoint/2010/main" xmlns:a16="http://schemas.microsoft.com/office/drawing/2014/main" xmlns="" w="9525">
+                <a14:hiddenLine xmlns="" xmlns:a16="http://schemas.microsoft.com/office/drawing/2014/main" xmlns:p14="http://schemas.microsoft.com/office/powerpoint/2010/main" xmlns:dgm="http://schemas.openxmlformats.org/drawingml/2006/diagram" xmlns:a14="http://schemas.microsoft.com/office/drawing/2010/main" w="9525">
                   <a:solidFill>
                     <a:srgbClr val="000000"/>
                   </a:solidFill>
@@ -42411,7 +42476,7 @@
             </a:ln>
             <a:extLst>
               <a:ext uri="{91240B29-F687-4f45-9708-019B960494DF}">
-                <a14:hiddenLine xmlns:a14="http://schemas.microsoft.com/office/drawing/2010/main" xmlns:dgm="http://schemas.openxmlformats.org/drawingml/2006/diagram" xmlns:p14="http://schemas.microsoft.com/office/powerpoint/2010/main" xmlns:a16="http://schemas.microsoft.com/office/drawing/2014/main" xmlns="" w="9525">
+                <a14:hiddenLine xmlns="" xmlns:a16="http://schemas.microsoft.com/office/drawing/2014/main" xmlns:p14="http://schemas.microsoft.com/office/powerpoint/2010/main" xmlns:dgm="http://schemas.openxmlformats.org/drawingml/2006/diagram" xmlns:a14="http://schemas.microsoft.com/office/drawing/2010/main" w="9525">
                   <a:solidFill>
                     <a:srgbClr val="000000"/>
                   </a:solidFill>
@@ -42498,7 +42563,7 @@
             </a:ln>
             <a:extLst>
               <a:ext uri="{91240B29-F687-4f45-9708-019B960494DF}">
-                <a14:hiddenLine xmlns:a14="http://schemas.microsoft.com/office/drawing/2010/main" xmlns:dgm="http://schemas.openxmlformats.org/drawingml/2006/diagram" xmlns:p14="http://schemas.microsoft.com/office/powerpoint/2010/main" xmlns:a16="http://schemas.microsoft.com/office/drawing/2014/main" xmlns="" w="9525">
+                <a14:hiddenLine xmlns="" xmlns:a16="http://schemas.microsoft.com/office/drawing/2014/main" xmlns:p14="http://schemas.microsoft.com/office/powerpoint/2010/main" xmlns:dgm="http://schemas.openxmlformats.org/drawingml/2006/diagram" xmlns:a14="http://schemas.microsoft.com/office/drawing/2010/main" w="9525">
                   <a:solidFill>
                     <a:srgbClr val="000000"/>
                   </a:solidFill>
@@ -42610,7 +42675,7 @@
             </a:ln>
             <a:extLst>
               <a:ext uri="{91240B29-F687-4f45-9708-019B960494DF}">
-                <a14:hiddenLine xmlns:a14="http://schemas.microsoft.com/office/drawing/2010/main" xmlns:dgm="http://schemas.openxmlformats.org/drawingml/2006/diagram" xmlns:p14="http://schemas.microsoft.com/office/powerpoint/2010/main" xmlns:a16="http://schemas.microsoft.com/office/drawing/2014/main" xmlns="" w="9525">
+                <a14:hiddenLine xmlns="" xmlns:a16="http://schemas.microsoft.com/office/drawing/2014/main" xmlns:p14="http://schemas.microsoft.com/office/powerpoint/2010/main" xmlns:dgm="http://schemas.openxmlformats.org/drawingml/2006/diagram" xmlns:a14="http://schemas.microsoft.com/office/drawing/2010/main" w="9525">
                   <a:solidFill>
                     <a:srgbClr val="000000"/>
                   </a:solidFill>
@@ -42694,7 +42759,7 @@
             </a:ln>
             <a:extLst>
               <a:ext uri="{91240B29-F687-4f45-9708-019B960494DF}">
-                <a14:hiddenLine xmlns:a14="http://schemas.microsoft.com/office/drawing/2010/main" xmlns:dgm="http://schemas.openxmlformats.org/drawingml/2006/diagram" xmlns:p14="http://schemas.microsoft.com/office/powerpoint/2010/main" xmlns:a16="http://schemas.microsoft.com/office/drawing/2014/main" xmlns="" w="9525">
+                <a14:hiddenLine xmlns="" xmlns:a16="http://schemas.microsoft.com/office/drawing/2014/main" xmlns:p14="http://schemas.microsoft.com/office/powerpoint/2010/main" xmlns:dgm="http://schemas.openxmlformats.org/drawingml/2006/diagram" xmlns:a14="http://schemas.microsoft.com/office/drawing/2010/main" w="9525">
                   <a:solidFill>
                     <a:srgbClr val="000000"/>
                   </a:solidFill>
@@ -42806,7 +42871,7 @@
             </a:ln>
             <a:extLst>
               <a:ext uri="{91240B29-F687-4f45-9708-019B960494DF}">
-                <a14:hiddenLine xmlns:a14="http://schemas.microsoft.com/office/drawing/2010/main" xmlns:dgm="http://schemas.openxmlformats.org/drawingml/2006/diagram" xmlns:p14="http://schemas.microsoft.com/office/powerpoint/2010/main" xmlns:a16="http://schemas.microsoft.com/office/drawing/2014/main" xmlns="" w="9525">
+                <a14:hiddenLine xmlns="" xmlns:a16="http://schemas.microsoft.com/office/drawing/2014/main" xmlns:p14="http://schemas.microsoft.com/office/powerpoint/2010/main" xmlns:dgm="http://schemas.openxmlformats.org/drawingml/2006/diagram" xmlns:a14="http://schemas.microsoft.com/office/drawing/2010/main" w="9525">
                   <a:solidFill>
                     <a:srgbClr val="000000"/>
                   </a:solidFill>
@@ -42893,7 +42958,7 @@
             </a:ln>
             <a:extLst>
               <a:ext uri="{91240B29-F687-4f45-9708-019B960494DF}">
-                <a14:hiddenLine xmlns:a14="http://schemas.microsoft.com/office/drawing/2010/main" xmlns:dgm="http://schemas.openxmlformats.org/drawingml/2006/diagram" xmlns:p14="http://schemas.microsoft.com/office/powerpoint/2010/main" xmlns:a16="http://schemas.microsoft.com/office/drawing/2014/main" xmlns="" w="9525">
+                <a14:hiddenLine xmlns="" xmlns:a16="http://schemas.microsoft.com/office/drawing/2014/main" xmlns:p14="http://schemas.microsoft.com/office/powerpoint/2010/main" xmlns:dgm="http://schemas.openxmlformats.org/drawingml/2006/diagram" xmlns:a14="http://schemas.microsoft.com/office/drawing/2010/main" w="9525">
                   <a:solidFill>
                     <a:srgbClr val="000000"/>
                   </a:solidFill>
@@ -42977,7 +43042,7 @@
             </a:ln>
             <a:extLst>
               <a:ext uri="{91240B29-F687-4f45-9708-019B960494DF}">
-                <a14:hiddenLine xmlns:a14="http://schemas.microsoft.com/office/drawing/2010/main" xmlns:dgm="http://schemas.openxmlformats.org/drawingml/2006/diagram" xmlns:p14="http://schemas.microsoft.com/office/powerpoint/2010/main" xmlns:a16="http://schemas.microsoft.com/office/drawing/2014/main" xmlns="" w="9525">
+                <a14:hiddenLine xmlns="" xmlns:a16="http://schemas.microsoft.com/office/drawing/2014/main" xmlns:p14="http://schemas.microsoft.com/office/powerpoint/2010/main" xmlns:dgm="http://schemas.openxmlformats.org/drawingml/2006/diagram" xmlns:a14="http://schemas.microsoft.com/office/drawing/2010/main" w="9525">
                   <a:solidFill>
                     <a:srgbClr val="000000"/>
                   </a:solidFill>
@@ -43089,7 +43154,7 @@
             </a:ln>
             <a:extLst>
               <a:ext uri="{91240B29-F687-4f45-9708-019B960494DF}">
-                <a14:hiddenLine xmlns:a14="http://schemas.microsoft.com/office/drawing/2010/main" xmlns:dgm="http://schemas.openxmlformats.org/drawingml/2006/diagram" xmlns:p14="http://schemas.microsoft.com/office/powerpoint/2010/main" xmlns:a16="http://schemas.microsoft.com/office/drawing/2014/main" xmlns="" w="9525">
+                <a14:hiddenLine xmlns="" xmlns:a16="http://schemas.microsoft.com/office/drawing/2014/main" xmlns:p14="http://schemas.microsoft.com/office/powerpoint/2010/main" xmlns:dgm="http://schemas.openxmlformats.org/drawingml/2006/diagram" xmlns:a14="http://schemas.microsoft.com/office/drawing/2010/main" w="9525">
                   <a:solidFill>
                     <a:srgbClr val="000000"/>
                   </a:solidFill>
@@ -43201,7 +43266,7 @@
             </a:ln>
             <a:extLst>
               <a:ext uri="{91240B29-F687-4f45-9708-019B960494DF}">
-                <a14:hiddenLine xmlns:a14="http://schemas.microsoft.com/office/drawing/2010/main" xmlns:dgm="http://schemas.openxmlformats.org/drawingml/2006/diagram" xmlns:p14="http://schemas.microsoft.com/office/powerpoint/2010/main" xmlns:a16="http://schemas.microsoft.com/office/drawing/2014/main" xmlns="" w="9525">
+                <a14:hiddenLine xmlns="" xmlns:a16="http://schemas.microsoft.com/office/drawing/2014/main" xmlns:p14="http://schemas.microsoft.com/office/powerpoint/2010/main" xmlns:dgm="http://schemas.openxmlformats.org/drawingml/2006/diagram" xmlns:a14="http://schemas.microsoft.com/office/drawing/2010/main" w="9525">
                   <a:solidFill>
                     <a:srgbClr val="000000"/>
                   </a:solidFill>
@@ -43288,7 +43353,7 @@
             </a:ln>
             <a:extLst>
               <a:ext uri="{91240B29-F687-4f45-9708-019B960494DF}">
-                <a14:hiddenLine xmlns:a14="http://schemas.microsoft.com/office/drawing/2010/main" xmlns:dgm="http://schemas.openxmlformats.org/drawingml/2006/diagram" xmlns:p14="http://schemas.microsoft.com/office/powerpoint/2010/main" xmlns:a16="http://schemas.microsoft.com/office/drawing/2014/main" xmlns="" w="9525">
+                <a14:hiddenLine xmlns="" xmlns:a16="http://schemas.microsoft.com/office/drawing/2014/main" xmlns:p14="http://schemas.microsoft.com/office/powerpoint/2010/main" xmlns:dgm="http://schemas.openxmlformats.org/drawingml/2006/diagram" xmlns:a14="http://schemas.microsoft.com/office/drawing/2010/main" w="9525">
                   <a:solidFill>
                     <a:srgbClr val="000000"/>
                   </a:solidFill>
@@ -43430,7 +43495,7 @@
             </a:ln>
             <a:extLst>
               <a:ext uri="{91240B29-F687-4f45-9708-019B960494DF}">
-                <a14:hiddenLine xmlns:a14="http://schemas.microsoft.com/office/drawing/2010/main" xmlns:dgm="http://schemas.openxmlformats.org/drawingml/2006/diagram" xmlns:p14="http://schemas.microsoft.com/office/powerpoint/2010/main" xmlns:a16="http://schemas.microsoft.com/office/drawing/2014/main" xmlns="" w="9525">
+                <a14:hiddenLine xmlns="" xmlns:a16="http://schemas.microsoft.com/office/drawing/2014/main" xmlns:p14="http://schemas.microsoft.com/office/powerpoint/2010/main" xmlns:dgm="http://schemas.openxmlformats.org/drawingml/2006/diagram" xmlns:a14="http://schemas.microsoft.com/office/drawing/2010/main" w="9525">
                   <a:solidFill>
                     <a:srgbClr val="000000"/>
                   </a:solidFill>
@@ -43496,7 +43561,7 @@
           </a:prstGeom>
           <a:extLst>
             <a:ext uri="{909E8E84-426E-40dd-AFC4-6F175D3DCCD1}">
-              <a14:hiddenFill xmlns:a14="http://schemas.microsoft.com/office/drawing/2010/main" xmlns:dgm="http://schemas.openxmlformats.org/drawingml/2006/diagram" xmlns:p14="http://schemas.microsoft.com/office/powerpoint/2010/main" xmlns:a16="http://schemas.microsoft.com/office/drawing/2014/main" xmlns="">
+              <a14:hiddenFill xmlns="" xmlns:a16="http://schemas.microsoft.com/office/drawing/2014/main" xmlns:p14="http://schemas.microsoft.com/office/powerpoint/2010/main" xmlns:dgm="http://schemas.openxmlformats.org/drawingml/2006/diagram" xmlns:a14="http://schemas.microsoft.com/office/drawing/2010/main">
                 <a:solidFill>
                   <a:srgbClr val="FFFFFF"/>
                 </a:solidFill>
@@ -43655,7 +43720,7 @@
             </a:ln>
             <a:extLst>
               <a:ext uri="{91240B29-F687-4f45-9708-019B960494DF}">
-                <a14:hiddenLine xmlns:a14="http://schemas.microsoft.com/office/drawing/2010/main" xmlns:dgm="http://schemas.openxmlformats.org/drawingml/2006/diagram" xmlns:p14="http://schemas.microsoft.com/office/powerpoint/2010/main" xmlns:a16="http://schemas.microsoft.com/office/drawing/2014/main" xmlns="" w="9525">
+                <a14:hiddenLine xmlns="" xmlns:a16="http://schemas.microsoft.com/office/drawing/2014/main" xmlns:p14="http://schemas.microsoft.com/office/powerpoint/2010/main" xmlns:dgm="http://schemas.openxmlformats.org/drawingml/2006/diagram" xmlns:a14="http://schemas.microsoft.com/office/drawing/2010/main" w="9525">
                   <a:solidFill>
                     <a:srgbClr val="000000"/>
                   </a:solidFill>
@@ -43767,7 +43832,7 @@
             </a:ln>
             <a:extLst>
               <a:ext uri="{91240B29-F687-4f45-9708-019B960494DF}">
-                <a14:hiddenLine xmlns:a14="http://schemas.microsoft.com/office/drawing/2010/main" xmlns:dgm="http://schemas.openxmlformats.org/drawingml/2006/diagram" xmlns:p14="http://schemas.microsoft.com/office/powerpoint/2010/main" xmlns:a16="http://schemas.microsoft.com/office/drawing/2014/main" xmlns="" w="9525">
+                <a14:hiddenLine xmlns="" xmlns:a16="http://schemas.microsoft.com/office/drawing/2014/main" xmlns:p14="http://schemas.microsoft.com/office/powerpoint/2010/main" xmlns:dgm="http://schemas.openxmlformats.org/drawingml/2006/diagram" xmlns:a14="http://schemas.microsoft.com/office/drawing/2010/main" w="9525">
                   <a:solidFill>
                     <a:srgbClr val="000000"/>
                   </a:solidFill>
@@ -43879,7 +43944,7 @@
             </a:ln>
             <a:extLst>
               <a:ext uri="{91240B29-F687-4f45-9708-019B960494DF}">
-                <a14:hiddenLine xmlns:a14="http://schemas.microsoft.com/office/drawing/2010/main" xmlns:dgm="http://schemas.openxmlformats.org/drawingml/2006/diagram" xmlns:p14="http://schemas.microsoft.com/office/powerpoint/2010/main" xmlns:a16="http://schemas.microsoft.com/office/drawing/2014/main" xmlns="" w="9525">
+                <a14:hiddenLine xmlns="" xmlns:a16="http://schemas.microsoft.com/office/drawing/2014/main" xmlns:p14="http://schemas.microsoft.com/office/powerpoint/2010/main" xmlns:dgm="http://schemas.openxmlformats.org/drawingml/2006/diagram" xmlns:a14="http://schemas.microsoft.com/office/drawing/2010/main" w="9525">
                   <a:solidFill>
                     <a:srgbClr val="000000"/>
                   </a:solidFill>
@@ -43963,7 +44028,7 @@
             </a:ln>
             <a:extLst>
               <a:ext uri="{91240B29-F687-4f45-9708-019B960494DF}">
-                <a14:hiddenLine xmlns:a14="http://schemas.microsoft.com/office/drawing/2010/main" xmlns:dgm="http://schemas.openxmlformats.org/drawingml/2006/diagram" xmlns:p14="http://schemas.microsoft.com/office/powerpoint/2010/main" xmlns:a16="http://schemas.microsoft.com/office/drawing/2014/main" xmlns="" w="9525">
+                <a14:hiddenLine xmlns="" xmlns:a16="http://schemas.microsoft.com/office/drawing/2014/main" xmlns:p14="http://schemas.microsoft.com/office/powerpoint/2010/main" xmlns:dgm="http://schemas.openxmlformats.org/drawingml/2006/diagram" xmlns:a14="http://schemas.microsoft.com/office/drawing/2010/main" w="9525">
                   <a:solidFill>
                     <a:srgbClr val="000000"/>
                   </a:solidFill>
@@ -44075,7 +44140,7 @@
             </a:ln>
             <a:extLst>
               <a:ext uri="{91240B29-F687-4f45-9708-019B960494DF}">
-                <a14:hiddenLine xmlns:a14="http://schemas.microsoft.com/office/drawing/2010/main" xmlns:dgm="http://schemas.openxmlformats.org/drawingml/2006/diagram" xmlns:p14="http://schemas.microsoft.com/office/powerpoint/2010/main" xmlns:a16="http://schemas.microsoft.com/office/drawing/2014/main" xmlns="" w="9525">
+                <a14:hiddenLine xmlns="" xmlns:a16="http://schemas.microsoft.com/office/drawing/2014/main" xmlns:p14="http://schemas.microsoft.com/office/powerpoint/2010/main" xmlns:dgm="http://schemas.openxmlformats.org/drawingml/2006/diagram" xmlns:a14="http://schemas.microsoft.com/office/drawing/2010/main" w="9525">
                   <a:solidFill>
                     <a:srgbClr val="000000"/>
                   </a:solidFill>
@@ -44159,7 +44224,7 @@
             </a:ln>
             <a:extLst>
               <a:ext uri="{91240B29-F687-4f45-9708-019B960494DF}">
-                <a14:hiddenLine xmlns:a14="http://schemas.microsoft.com/office/drawing/2010/main" xmlns:dgm="http://schemas.openxmlformats.org/drawingml/2006/diagram" xmlns:p14="http://schemas.microsoft.com/office/powerpoint/2010/main" xmlns:a16="http://schemas.microsoft.com/office/drawing/2014/main" xmlns="" w="9525">
+                <a14:hiddenLine xmlns="" xmlns:a16="http://schemas.microsoft.com/office/drawing/2014/main" xmlns:p14="http://schemas.microsoft.com/office/powerpoint/2010/main" xmlns:dgm="http://schemas.openxmlformats.org/drawingml/2006/diagram" xmlns:a14="http://schemas.microsoft.com/office/drawing/2010/main" w="9525">
                   <a:solidFill>
                     <a:srgbClr val="000000"/>
                   </a:solidFill>
@@ -44243,7 +44308,7 @@
             </a:ln>
             <a:extLst>
               <a:ext uri="{91240B29-F687-4f45-9708-019B960494DF}">
-                <a14:hiddenLine xmlns:a14="http://schemas.microsoft.com/office/drawing/2010/main" xmlns:dgm="http://schemas.openxmlformats.org/drawingml/2006/diagram" xmlns:p14="http://schemas.microsoft.com/office/powerpoint/2010/main" xmlns:a16="http://schemas.microsoft.com/office/drawing/2014/main" xmlns="" w="9525">
+                <a14:hiddenLine xmlns="" xmlns:a16="http://schemas.microsoft.com/office/drawing/2014/main" xmlns:p14="http://schemas.microsoft.com/office/powerpoint/2010/main" xmlns:dgm="http://schemas.openxmlformats.org/drawingml/2006/diagram" xmlns:a14="http://schemas.microsoft.com/office/drawing/2010/main" w="9525">
                   <a:solidFill>
                     <a:srgbClr val="000000"/>
                   </a:solidFill>
@@ -44355,7 +44420,7 @@
             </a:ln>
             <a:extLst>
               <a:ext uri="{91240B29-F687-4f45-9708-019B960494DF}">
-                <a14:hiddenLine xmlns:a14="http://schemas.microsoft.com/office/drawing/2010/main" xmlns:dgm="http://schemas.openxmlformats.org/drawingml/2006/diagram" xmlns:p14="http://schemas.microsoft.com/office/powerpoint/2010/main" xmlns:a16="http://schemas.microsoft.com/office/drawing/2014/main" xmlns="" w="9525">
+                <a14:hiddenLine xmlns="" xmlns:a16="http://schemas.microsoft.com/office/drawing/2014/main" xmlns:p14="http://schemas.microsoft.com/office/powerpoint/2010/main" xmlns:dgm="http://schemas.openxmlformats.org/drawingml/2006/diagram" xmlns:a14="http://schemas.microsoft.com/office/drawing/2010/main" w="9525">
                   <a:solidFill>
                     <a:srgbClr val="000000"/>
                   </a:solidFill>
@@ -44467,7 +44532,7 @@
             </a:ln>
             <a:extLst>
               <a:ext uri="{91240B29-F687-4f45-9708-019B960494DF}">
-                <a14:hiddenLine xmlns:a14="http://schemas.microsoft.com/office/drawing/2010/main" xmlns:dgm="http://schemas.openxmlformats.org/drawingml/2006/diagram" xmlns:p14="http://schemas.microsoft.com/office/powerpoint/2010/main" xmlns:a16="http://schemas.microsoft.com/office/drawing/2014/main" xmlns="" w="9525">
+                <a14:hiddenLine xmlns="" xmlns:a16="http://schemas.microsoft.com/office/drawing/2014/main" xmlns:p14="http://schemas.microsoft.com/office/powerpoint/2010/main" xmlns:dgm="http://schemas.openxmlformats.org/drawingml/2006/diagram" xmlns:a14="http://schemas.microsoft.com/office/drawing/2010/main" w="9525">
                   <a:solidFill>
                     <a:srgbClr val="000000"/>
                   </a:solidFill>
@@ -44551,7 +44616,7 @@
             </a:ln>
             <a:extLst>
               <a:ext uri="{91240B29-F687-4f45-9708-019B960494DF}">
-                <a14:hiddenLine xmlns:a14="http://schemas.microsoft.com/office/drawing/2010/main" xmlns:dgm="http://schemas.openxmlformats.org/drawingml/2006/diagram" xmlns:p14="http://schemas.microsoft.com/office/powerpoint/2010/main" xmlns:a16="http://schemas.microsoft.com/office/drawing/2014/main" xmlns="" w="9525">
+                <a14:hiddenLine xmlns="" xmlns:a16="http://schemas.microsoft.com/office/drawing/2014/main" xmlns:p14="http://schemas.microsoft.com/office/powerpoint/2010/main" xmlns:dgm="http://schemas.openxmlformats.org/drawingml/2006/diagram" xmlns:a14="http://schemas.microsoft.com/office/drawing/2010/main" w="9525">
                   <a:solidFill>
                     <a:srgbClr val="000000"/>
                   </a:solidFill>
@@ -44683,7 +44748,7 @@
             </a:ln>
             <a:extLst>
               <a:ext uri="{91240B29-F687-4f45-9708-019B960494DF}">
-                <a14:hiddenLine xmlns:a14="http://schemas.microsoft.com/office/drawing/2010/main" xmlns:dgm="http://schemas.openxmlformats.org/drawingml/2006/diagram" xmlns:p14="http://schemas.microsoft.com/office/powerpoint/2010/main" xmlns:a16="http://schemas.microsoft.com/office/drawing/2014/main" xmlns="" w="9525">
+                <a14:hiddenLine xmlns="" xmlns:a16="http://schemas.microsoft.com/office/drawing/2014/main" xmlns:p14="http://schemas.microsoft.com/office/powerpoint/2010/main" xmlns:dgm="http://schemas.openxmlformats.org/drawingml/2006/diagram" xmlns:a14="http://schemas.microsoft.com/office/drawing/2010/main" w="9525">
                   <a:solidFill>
                     <a:srgbClr val="000000"/>
                   </a:solidFill>
@@ -44811,7 +44876,7 @@
             </a:ln>
             <a:extLst>
               <a:ext uri="{91240B29-F687-4f45-9708-019B960494DF}">
-                <a14:hiddenLine xmlns:a14="http://schemas.microsoft.com/office/drawing/2010/main" xmlns:dgm="http://schemas.openxmlformats.org/drawingml/2006/diagram" xmlns:p14="http://schemas.microsoft.com/office/powerpoint/2010/main" xmlns:a16="http://schemas.microsoft.com/office/drawing/2014/main" xmlns="" w="9525">
+                <a14:hiddenLine xmlns="" xmlns:a16="http://schemas.microsoft.com/office/drawing/2014/main" xmlns:p14="http://schemas.microsoft.com/office/powerpoint/2010/main" xmlns:dgm="http://schemas.openxmlformats.org/drawingml/2006/diagram" xmlns:a14="http://schemas.microsoft.com/office/drawing/2010/main" w="9525">
                   <a:solidFill>
                     <a:srgbClr val="000000"/>
                   </a:solidFill>
@@ -44895,7 +44960,7 @@
             </a:ln>
             <a:extLst>
               <a:ext uri="{91240B29-F687-4f45-9708-019B960494DF}">
-                <a14:hiddenLine xmlns:a14="http://schemas.microsoft.com/office/drawing/2010/main" xmlns:dgm="http://schemas.openxmlformats.org/drawingml/2006/diagram" xmlns:p14="http://schemas.microsoft.com/office/powerpoint/2010/main" xmlns:a16="http://schemas.microsoft.com/office/drawing/2014/main" xmlns="" w="9525">
+                <a14:hiddenLine xmlns="" xmlns:a16="http://schemas.microsoft.com/office/drawing/2014/main" xmlns:p14="http://schemas.microsoft.com/office/powerpoint/2010/main" xmlns:dgm="http://schemas.openxmlformats.org/drawingml/2006/diagram" xmlns:a14="http://schemas.microsoft.com/office/drawing/2010/main" w="9525">
                   <a:solidFill>
                     <a:srgbClr val="000000"/>
                   </a:solidFill>
@@ -44979,7 +45044,7 @@
             </a:ln>
             <a:extLst>
               <a:ext uri="{91240B29-F687-4f45-9708-019B960494DF}">
-                <a14:hiddenLine xmlns:a14="http://schemas.microsoft.com/office/drawing/2010/main" xmlns:dgm="http://schemas.openxmlformats.org/drawingml/2006/diagram" xmlns:p14="http://schemas.microsoft.com/office/powerpoint/2010/main" xmlns:a16="http://schemas.microsoft.com/office/drawing/2014/main" xmlns="" w="9525">
+                <a14:hiddenLine xmlns="" xmlns:a16="http://schemas.microsoft.com/office/drawing/2014/main" xmlns:p14="http://schemas.microsoft.com/office/powerpoint/2010/main" xmlns:dgm="http://schemas.openxmlformats.org/drawingml/2006/diagram" xmlns:a14="http://schemas.microsoft.com/office/drawing/2010/main" w="9525">
                   <a:solidFill>
                     <a:srgbClr val="000000"/>
                   </a:solidFill>
@@ -45091,7 +45156,7 @@
             </a:ln>
             <a:extLst>
               <a:ext uri="{91240B29-F687-4f45-9708-019B960494DF}">
-                <a14:hiddenLine xmlns:a14="http://schemas.microsoft.com/office/drawing/2010/main" xmlns:dgm="http://schemas.openxmlformats.org/drawingml/2006/diagram" xmlns:p14="http://schemas.microsoft.com/office/powerpoint/2010/main" xmlns:a16="http://schemas.microsoft.com/office/drawing/2014/main" xmlns="" w="9525">
+                <a14:hiddenLine xmlns="" xmlns:a16="http://schemas.microsoft.com/office/drawing/2014/main" xmlns:p14="http://schemas.microsoft.com/office/powerpoint/2010/main" xmlns:dgm="http://schemas.openxmlformats.org/drawingml/2006/diagram" xmlns:a14="http://schemas.microsoft.com/office/drawing/2010/main" w="9525">
                   <a:solidFill>
                     <a:srgbClr val="000000"/>
                   </a:solidFill>
@@ -45147,7 +45212,7 @@
             </a:ln>
             <a:extLst>
               <a:ext uri="{91240B29-F687-4f45-9708-019B960494DF}">
-                <a14:hiddenLine xmlns:a14="http://schemas.microsoft.com/office/drawing/2010/main" xmlns:dgm="http://schemas.openxmlformats.org/drawingml/2006/diagram" xmlns:p14="http://schemas.microsoft.com/office/powerpoint/2010/main" xmlns:a16="http://schemas.microsoft.com/office/drawing/2014/main" xmlns="" w="9525">
+                <a14:hiddenLine xmlns="" xmlns:a16="http://schemas.microsoft.com/office/drawing/2014/main" xmlns:p14="http://schemas.microsoft.com/office/powerpoint/2010/main" xmlns:dgm="http://schemas.openxmlformats.org/drawingml/2006/diagram" xmlns:a14="http://schemas.microsoft.com/office/drawing/2010/main" w="9525">
                   <a:solidFill>
                     <a:srgbClr val="000000"/>
                   </a:solidFill>
@@ -45234,7 +45299,7 @@
             </a:ln>
             <a:extLst>
               <a:ext uri="{91240B29-F687-4f45-9708-019B960494DF}">
-                <a14:hiddenLine xmlns:a14="http://schemas.microsoft.com/office/drawing/2010/main" xmlns:dgm="http://schemas.openxmlformats.org/drawingml/2006/diagram" xmlns:p14="http://schemas.microsoft.com/office/powerpoint/2010/main" xmlns:a16="http://schemas.microsoft.com/office/drawing/2014/main" xmlns="" w="9525">
+                <a14:hiddenLine xmlns="" xmlns:a16="http://schemas.microsoft.com/office/drawing/2014/main" xmlns:p14="http://schemas.microsoft.com/office/powerpoint/2010/main" xmlns:dgm="http://schemas.openxmlformats.org/drawingml/2006/diagram" xmlns:a14="http://schemas.microsoft.com/office/drawing/2010/main" w="9525">
                   <a:solidFill>
                     <a:srgbClr val="000000"/>
                   </a:solidFill>
@@ -45346,7 +45411,7 @@
             </a:ln>
             <a:extLst>
               <a:ext uri="{91240B29-F687-4f45-9708-019B960494DF}">
-                <a14:hiddenLine xmlns:a14="http://schemas.microsoft.com/office/drawing/2010/main" xmlns:dgm="http://schemas.openxmlformats.org/drawingml/2006/diagram" xmlns:p14="http://schemas.microsoft.com/office/powerpoint/2010/main" xmlns:a16="http://schemas.microsoft.com/office/drawing/2014/main" xmlns="" w="9525">
+                <a14:hiddenLine xmlns="" xmlns:a16="http://schemas.microsoft.com/office/drawing/2014/main" xmlns:p14="http://schemas.microsoft.com/office/powerpoint/2010/main" xmlns:dgm="http://schemas.openxmlformats.org/drawingml/2006/diagram" xmlns:a14="http://schemas.microsoft.com/office/drawing/2010/main" w="9525">
                   <a:solidFill>
                     <a:srgbClr val="000000"/>
                   </a:solidFill>
@@ -45430,7 +45495,7 @@
             </a:ln>
             <a:extLst>
               <a:ext uri="{91240B29-F687-4f45-9708-019B960494DF}">
-                <a14:hiddenLine xmlns:a14="http://schemas.microsoft.com/office/drawing/2010/main" xmlns:dgm="http://schemas.openxmlformats.org/drawingml/2006/diagram" xmlns:p14="http://schemas.microsoft.com/office/powerpoint/2010/main" xmlns:a16="http://schemas.microsoft.com/office/drawing/2014/main" xmlns="" w="9525">
+                <a14:hiddenLine xmlns="" xmlns:a16="http://schemas.microsoft.com/office/drawing/2014/main" xmlns:p14="http://schemas.microsoft.com/office/powerpoint/2010/main" xmlns:dgm="http://schemas.openxmlformats.org/drawingml/2006/diagram" xmlns:a14="http://schemas.microsoft.com/office/drawing/2010/main" w="9525">
                   <a:solidFill>
                     <a:srgbClr val="000000"/>
                   </a:solidFill>
@@ -45542,7 +45607,7 @@
             </a:ln>
             <a:extLst>
               <a:ext uri="{91240B29-F687-4f45-9708-019B960494DF}">
-                <a14:hiddenLine xmlns:a14="http://schemas.microsoft.com/office/drawing/2010/main" xmlns:dgm="http://schemas.openxmlformats.org/drawingml/2006/diagram" xmlns:p14="http://schemas.microsoft.com/office/powerpoint/2010/main" xmlns:a16="http://schemas.microsoft.com/office/drawing/2014/main" xmlns="" w="9525">
+                <a14:hiddenLine xmlns="" xmlns:a16="http://schemas.microsoft.com/office/drawing/2014/main" xmlns:p14="http://schemas.microsoft.com/office/powerpoint/2010/main" xmlns:dgm="http://schemas.openxmlformats.org/drawingml/2006/diagram" xmlns:a14="http://schemas.microsoft.com/office/drawing/2010/main" w="9525">
                   <a:solidFill>
                     <a:srgbClr val="000000"/>
                   </a:solidFill>
@@ -45629,7 +45694,7 @@
             </a:ln>
             <a:extLst>
               <a:ext uri="{91240B29-F687-4f45-9708-019B960494DF}">
-                <a14:hiddenLine xmlns:a14="http://schemas.microsoft.com/office/drawing/2010/main" xmlns:dgm="http://schemas.openxmlformats.org/drawingml/2006/diagram" xmlns:p14="http://schemas.microsoft.com/office/powerpoint/2010/main" xmlns:a16="http://schemas.microsoft.com/office/drawing/2014/main" xmlns="" w="9525">
+                <a14:hiddenLine xmlns="" xmlns:a16="http://schemas.microsoft.com/office/drawing/2014/main" xmlns:p14="http://schemas.microsoft.com/office/powerpoint/2010/main" xmlns:dgm="http://schemas.openxmlformats.org/drawingml/2006/diagram" xmlns:a14="http://schemas.microsoft.com/office/drawing/2010/main" w="9525">
                   <a:solidFill>
                     <a:srgbClr val="000000"/>
                   </a:solidFill>
@@ -45713,7 +45778,7 @@
             </a:ln>
             <a:extLst>
               <a:ext uri="{91240B29-F687-4f45-9708-019B960494DF}">
-                <a14:hiddenLine xmlns:a14="http://schemas.microsoft.com/office/drawing/2010/main" xmlns:dgm="http://schemas.openxmlformats.org/drawingml/2006/diagram" xmlns:p14="http://schemas.microsoft.com/office/powerpoint/2010/main" xmlns:a16="http://schemas.microsoft.com/office/drawing/2014/main" xmlns="" w="9525">
+                <a14:hiddenLine xmlns="" xmlns:a16="http://schemas.microsoft.com/office/drawing/2014/main" xmlns:p14="http://schemas.microsoft.com/office/powerpoint/2010/main" xmlns:dgm="http://schemas.openxmlformats.org/drawingml/2006/diagram" xmlns:a14="http://schemas.microsoft.com/office/drawing/2010/main" w="9525">
                   <a:solidFill>
                     <a:srgbClr val="000000"/>
                   </a:solidFill>
@@ -45825,7 +45890,7 @@
             </a:ln>
             <a:extLst>
               <a:ext uri="{91240B29-F687-4f45-9708-019B960494DF}">
-                <a14:hiddenLine xmlns:a14="http://schemas.microsoft.com/office/drawing/2010/main" xmlns:dgm="http://schemas.openxmlformats.org/drawingml/2006/diagram" xmlns:p14="http://schemas.microsoft.com/office/powerpoint/2010/main" xmlns:a16="http://schemas.microsoft.com/office/drawing/2014/main" xmlns="" w="9525">
+                <a14:hiddenLine xmlns="" xmlns:a16="http://schemas.microsoft.com/office/drawing/2014/main" xmlns:p14="http://schemas.microsoft.com/office/powerpoint/2010/main" xmlns:dgm="http://schemas.openxmlformats.org/drawingml/2006/diagram" xmlns:a14="http://schemas.microsoft.com/office/drawing/2010/main" w="9525">
                   <a:solidFill>
                     <a:srgbClr val="000000"/>
                   </a:solidFill>
@@ -45937,7 +46002,7 @@
             </a:ln>
             <a:extLst>
               <a:ext uri="{91240B29-F687-4f45-9708-019B960494DF}">
-                <a14:hiddenLine xmlns:a14="http://schemas.microsoft.com/office/drawing/2010/main" xmlns:dgm="http://schemas.openxmlformats.org/drawingml/2006/diagram" xmlns:p14="http://schemas.microsoft.com/office/powerpoint/2010/main" xmlns:a16="http://schemas.microsoft.com/office/drawing/2014/main" xmlns="" w="9525">
+                <a14:hiddenLine xmlns="" xmlns:a16="http://schemas.microsoft.com/office/drawing/2014/main" xmlns:p14="http://schemas.microsoft.com/office/powerpoint/2010/main" xmlns:dgm="http://schemas.openxmlformats.org/drawingml/2006/diagram" xmlns:a14="http://schemas.microsoft.com/office/drawing/2010/main" w="9525">
                   <a:solidFill>
                     <a:srgbClr val="000000"/>
                   </a:solidFill>
@@ -46024,7 +46089,7 @@
             </a:ln>
             <a:extLst>
               <a:ext uri="{91240B29-F687-4f45-9708-019B960494DF}">
-                <a14:hiddenLine xmlns:a14="http://schemas.microsoft.com/office/drawing/2010/main" xmlns:dgm="http://schemas.openxmlformats.org/drawingml/2006/diagram" xmlns:p14="http://schemas.microsoft.com/office/powerpoint/2010/main" xmlns:a16="http://schemas.microsoft.com/office/drawing/2014/main" xmlns="" w="9525">
+                <a14:hiddenLine xmlns="" xmlns:a16="http://schemas.microsoft.com/office/drawing/2014/main" xmlns:p14="http://schemas.microsoft.com/office/powerpoint/2010/main" xmlns:dgm="http://schemas.openxmlformats.org/drawingml/2006/diagram" xmlns:a14="http://schemas.microsoft.com/office/drawing/2010/main" w="9525">
                   <a:solidFill>
                     <a:srgbClr val="000000"/>
                   </a:solidFill>
@@ -46166,7 +46231,7 @@
             </a:ln>
             <a:extLst>
               <a:ext uri="{91240B29-F687-4f45-9708-019B960494DF}">
-                <a14:hiddenLine xmlns:a14="http://schemas.microsoft.com/office/drawing/2010/main" xmlns:dgm="http://schemas.openxmlformats.org/drawingml/2006/diagram" xmlns:p14="http://schemas.microsoft.com/office/powerpoint/2010/main" xmlns:a16="http://schemas.microsoft.com/office/drawing/2014/main" xmlns="" w="9525">
+                <a14:hiddenLine xmlns="" xmlns:a16="http://schemas.microsoft.com/office/drawing/2014/main" xmlns:p14="http://schemas.microsoft.com/office/powerpoint/2010/main" xmlns:dgm="http://schemas.openxmlformats.org/drawingml/2006/diagram" xmlns:a14="http://schemas.microsoft.com/office/drawing/2010/main" w="9525">
                   <a:solidFill>
                     <a:srgbClr val="000000"/>
                   </a:solidFill>
@@ -46234,7 +46299,7 @@
           <a:noFill/>
           <a:extLst>
             <a:ext uri="{909E8E84-426E-40dd-AFC4-6F175D3DCCD1}">
-              <a14:hiddenFill xmlns:a14="http://schemas.microsoft.com/office/drawing/2010/main" xmlns:dgm="http://schemas.openxmlformats.org/drawingml/2006/diagram" xmlns:p14="http://schemas.microsoft.com/office/powerpoint/2010/main" xmlns:a16="http://schemas.microsoft.com/office/drawing/2014/main" xmlns="">
+              <a14:hiddenFill xmlns="" xmlns:a16="http://schemas.microsoft.com/office/drawing/2014/main" xmlns:p14="http://schemas.microsoft.com/office/powerpoint/2010/main" xmlns:dgm="http://schemas.openxmlformats.org/drawingml/2006/diagram" xmlns:a14="http://schemas.microsoft.com/office/drawing/2010/main">
                 <a:solidFill>
                   <a:srgbClr val="FFFFFF"/>
                 </a:solidFill>
@@ -46700,7 +46765,7 @@
           <a:p>
             <a:r>
               <a:rPr lang="en-US" dirty="0"/>
-              <a:t>For our new pandas we used the seaborn and </a:t>
+              <a:t>For our new pandas we used the seaborn, folium and </a:t>
             </a:r>
             <a:r>
               <a:rPr lang="en-US" dirty="0" err="1"/>
@@ -48176,15 +48241,6 @@
 </file>
 
 <file path=customXml/item1.xml><?xml version="1.0" encoding="utf-8"?>
-<?mso-contentType ?>
-<FormTemplates xmlns="http://schemas.microsoft.com/sharepoint/v3/contenttype/forms">
-  <Display>DocumentLibraryForm</Display>
-  <Edit>DocumentLibraryForm</Edit>
-  <New>DocumentLibraryForm</New>
-</FormTemplates>
-</file>
-
-<file path=customXml/item2.xml><?xml version="1.0" encoding="utf-8"?>
 <ct:contentTypeSchema xmlns:ct="http://schemas.microsoft.com/office/2006/metadata/contentType" xmlns:ma="http://schemas.microsoft.com/office/2006/metadata/properties/metaAttributes" ct:_="" ma:_="" ma:contentTypeName="Document" ma:contentTypeID="0x01010079F111ED35F8CC479449609E8A0923A6" ma:contentTypeVersion="28" ma:contentTypeDescription="Create a new document." ma:contentTypeScope="" ma:versionID="60f5a4f2d2b0abadcf532d48ebf9cb71">
   <xsd:schema xmlns:xsd="http://www.w3.org/2001/XMLSchema" xmlns:xs="http://www.w3.org/2001/XMLSchema" xmlns:p="http://schemas.microsoft.com/office/2006/metadata/properties" xmlns:ns1="http://schemas.microsoft.com/sharepoint/v3" xmlns:ns2="71af3243-3dd4-4a8d-8c0d-dd76da1f02a5" xmlns:ns3="16c05727-aa75-4e4a-9b5f-8a80a1165891" xmlns:ns4="230e9df3-be65-4c73-a93b-d1236ebd677e" targetNamespace="http://schemas.microsoft.com/office/2006/metadata/properties" ma:root="true" ma:fieldsID="7dd78129e6a1811f84807ad11c651531" ns1:_="" ns2:_="" ns3:_="" ns4:_="">
     <xsd:import namespace="http://schemas.microsoft.com/sharepoint/v3"/>
@@ -48496,6 +48552,15 @@
 </ct:contentTypeSchema>
 </file>
 
+<file path=customXml/item2.xml><?xml version="1.0" encoding="utf-8"?>
+<?mso-contentType ?>
+<FormTemplates xmlns="http://schemas.microsoft.com/sharepoint/v3/contenttype/forms">
+  <Display>DocumentLibraryForm</Display>
+  <Edit>DocumentLibraryForm</Edit>
+  <New>DocumentLibraryForm</New>
+</FormTemplates>
+</file>
+
 <file path=customXml/item3.xml><?xml version="1.0" encoding="utf-8"?>
 <p:properties xmlns:p="http://schemas.microsoft.com/office/2006/metadata/properties" xmlns:xsi="http://www.w3.org/2001/XMLSchema-instance" xmlns:pc="http://schemas.microsoft.com/office/infopath/2007/PartnerControls">
   <documentManagement>
@@ -48517,14 +48582,6 @@
 </file>
 
 <file path=customXml/itemProps1.xml><?xml version="1.0" encoding="utf-8"?>
-<ds:datastoreItem xmlns:ds="http://schemas.openxmlformats.org/officeDocument/2006/customXml" ds:itemID="{45A8381C-73EB-48EA-B45F-7B7C8C7DF409}">
-  <ds:schemaRefs>
-    <ds:schemaRef ds:uri="http://schemas.microsoft.com/sharepoint/v3/contenttype/forms"/>
-  </ds:schemaRefs>
-</ds:datastoreItem>
-</file>
-
-<file path=customXml/itemProps2.xml><?xml version="1.0" encoding="utf-8"?>
 <ds:datastoreItem xmlns:ds="http://schemas.openxmlformats.org/officeDocument/2006/customXml" ds:itemID="{5AA6A711-2C3F-4EC0-B88B-62D740851176}">
   <ds:schemaRefs>
     <ds:schemaRef ds:uri="http://schemas.microsoft.com/office/2006/metadata/contentType"/>
@@ -48545,6 +48602,14 @@
 </ds:datastoreItem>
 </file>
 
+<file path=customXml/itemProps2.xml><?xml version="1.0" encoding="utf-8"?>
+<ds:datastoreItem xmlns:ds="http://schemas.openxmlformats.org/officeDocument/2006/customXml" ds:itemID="{45A8381C-73EB-48EA-B45F-7B7C8C7DF409}">
+  <ds:schemaRefs>
+    <ds:schemaRef ds:uri="http://schemas.microsoft.com/sharepoint/v3/contenttype/forms"/>
+  </ds:schemaRefs>
+</ds:datastoreItem>
+</file>
+
 <file path=customXml/itemProps3.xml><?xml version="1.0" encoding="utf-8"?>
 <ds:datastoreItem xmlns:ds="http://schemas.openxmlformats.org/officeDocument/2006/customXml" ds:itemID="{61E98C35-9ECE-4425-BCBA-00E118C705CE}">
   <ds:schemaRefs>
